--- a/week_4/Regular Expressions.pptx
+++ b/week_4/Regular Expressions.pptx
@@ -5,7 +5,7 @@
     <p:sldMasterId id="2147483648" r:id="rId1"/>
   </p:sldMasterIdLst>
   <p:notesMasterIdLst>
-    <p:notesMasterId r:id="rId23"/>
+    <p:notesMasterId r:id="rId31"/>
   </p:notesMasterIdLst>
   <p:sldIdLst>
     <p:sldId id="257" r:id="rId2"/>
@@ -16,19 +16,27 @@
     <p:sldId id="337" r:id="rId7"/>
     <p:sldId id="349" r:id="rId8"/>
     <p:sldId id="330" r:id="rId9"/>
-    <p:sldId id="331" r:id="rId10"/>
-    <p:sldId id="344" r:id="rId11"/>
+    <p:sldId id="344" r:id="rId10"/>
+    <p:sldId id="350" r:id="rId11"/>
     <p:sldId id="339" r:id="rId12"/>
-    <p:sldId id="340" r:id="rId13"/>
-    <p:sldId id="341" r:id="rId14"/>
-    <p:sldId id="342" r:id="rId15"/>
-    <p:sldId id="343" r:id="rId16"/>
-    <p:sldId id="345" r:id="rId17"/>
-    <p:sldId id="346" r:id="rId18"/>
-    <p:sldId id="333" r:id="rId19"/>
-    <p:sldId id="347" r:id="rId20"/>
-    <p:sldId id="348" r:id="rId21"/>
-    <p:sldId id="332" r:id="rId22"/>
+    <p:sldId id="351" r:id="rId13"/>
+    <p:sldId id="340" r:id="rId14"/>
+    <p:sldId id="352" r:id="rId15"/>
+    <p:sldId id="341" r:id="rId16"/>
+    <p:sldId id="353" r:id="rId17"/>
+    <p:sldId id="342" r:id="rId18"/>
+    <p:sldId id="354" r:id="rId19"/>
+    <p:sldId id="333" r:id="rId20"/>
+    <p:sldId id="355" r:id="rId21"/>
+    <p:sldId id="347" r:id="rId22"/>
+    <p:sldId id="356" r:id="rId23"/>
+    <p:sldId id="348" r:id="rId24"/>
+    <p:sldId id="345" r:id="rId25"/>
+    <p:sldId id="357" r:id="rId26"/>
+    <p:sldId id="346" r:id="rId27"/>
+    <p:sldId id="358" r:id="rId28"/>
+    <p:sldId id="332" r:id="rId29"/>
+    <p:sldId id="359" r:id="rId30"/>
   </p:sldIdLst>
   <p:sldSz cx="12192000" cy="6858000"/>
   <p:notesSz cx="6858000" cy="9144000"/>
@@ -225,7 +233,7 @@
           <a:p>
             <a:fld id="{F666E1FD-E7A0-497B-BBC0-740BAAC97C64}" type="datetimeFigureOut">
               <a:rPr lang="en-PH" smtClean="0"/>
-              <a:t>05/01/2023</a:t>
+              <a:t>07/01/2023</a:t>
             </a:fld>
             <a:endParaRPr lang="en-PH"/>
           </a:p>
@@ -651,7 +659,7 @@
     </p:spTree>
     <p:extLst>
       <p:ext uri="{BB962C8B-B14F-4D97-AF65-F5344CB8AC3E}">
-        <p14:creationId xmlns:p14="http://schemas.microsoft.com/office/powerpoint/2010/main" val="901421412"/>
+        <p14:creationId xmlns:p14="http://schemas.microsoft.com/office/powerpoint/2010/main" val="248214541"/>
       </p:ext>
     </p:extLst>
   </p:cSld>
@@ -819,7 +827,7 @@
     </p:spTree>
     <p:extLst>
       <p:ext uri="{BB962C8B-B14F-4D97-AF65-F5344CB8AC3E}">
-        <p14:creationId xmlns:p14="http://schemas.microsoft.com/office/powerpoint/2010/main" val="746378029"/>
+        <p14:creationId xmlns:p14="http://schemas.microsoft.com/office/powerpoint/2010/main" val="554181715"/>
       </p:ext>
     </p:extLst>
   </p:cSld>
@@ -903,7 +911,7 @@
     </p:spTree>
     <p:extLst>
       <p:ext uri="{BB962C8B-B14F-4D97-AF65-F5344CB8AC3E}">
-        <p14:creationId xmlns:p14="http://schemas.microsoft.com/office/powerpoint/2010/main" val="2255005188"/>
+        <p14:creationId xmlns:p14="http://schemas.microsoft.com/office/powerpoint/2010/main" val="746378029"/>
       </p:ext>
     </p:extLst>
   </p:cSld>
@@ -987,7 +995,7 @@
     </p:spTree>
     <p:extLst>
       <p:ext uri="{BB962C8B-B14F-4D97-AF65-F5344CB8AC3E}">
-        <p14:creationId xmlns:p14="http://schemas.microsoft.com/office/powerpoint/2010/main" val="1613843612"/>
+        <p14:creationId xmlns:p14="http://schemas.microsoft.com/office/powerpoint/2010/main" val="1983961701"/>
       </p:ext>
     </p:extLst>
   </p:cSld>
@@ -1071,7 +1079,7 @@
     </p:spTree>
     <p:extLst>
       <p:ext uri="{BB962C8B-B14F-4D97-AF65-F5344CB8AC3E}">
-        <p14:creationId xmlns:p14="http://schemas.microsoft.com/office/powerpoint/2010/main" val="912859288"/>
+        <p14:creationId xmlns:p14="http://schemas.microsoft.com/office/powerpoint/2010/main" val="2255005188"/>
       </p:ext>
     </p:extLst>
   </p:cSld>
@@ -1155,7 +1163,7 @@
     </p:spTree>
     <p:extLst>
       <p:ext uri="{BB962C8B-B14F-4D97-AF65-F5344CB8AC3E}">
-        <p14:creationId xmlns:p14="http://schemas.microsoft.com/office/powerpoint/2010/main" val="118352308"/>
+        <p14:creationId xmlns:p14="http://schemas.microsoft.com/office/powerpoint/2010/main" val="1816727891"/>
       </p:ext>
     </p:extLst>
   </p:cSld>
@@ -1239,7 +1247,7 @@
     </p:spTree>
     <p:extLst>
       <p:ext uri="{BB962C8B-B14F-4D97-AF65-F5344CB8AC3E}">
-        <p14:creationId xmlns:p14="http://schemas.microsoft.com/office/powerpoint/2010/main" val="3912039669"/>
+        <p14:creationId xmlns:p14="http://schemas.microsoft.com/office/powerpoint/2010/main" val="1613843612"/>
       </p:ext>
     </p:extLst>
   </p:cSld>
@@ -1323,7 +1331,7 @@
     </p:spTree>
     <p:extLst>
       <p:ext uri="{BB962C8B-B14F-4D97-AF65-F5344CB8AC3E}">
-        <p14:creationId xmlns:p14="http://schemas.microsoft.com/office/powerpoint/2010/main" val="2421766474"/>
+        <p14:creationId xmlns:p14="http://schemas.microsoft.com/office/powerpoint/2010/main" val="2619450015"/>
       </p:ext>
     </p:extLst>
   </p:cSld>
@@ -1407,7 +1415,7 @@
     </p:spTree>
     <p:extLst>
       <p:ext uri="{BB962C8B-B14F-4D97-AF65-F5344CB8AC3E}">
-        <p14:creationId xmlns:p14="http://schemas.microsoft.com/office/powerpoint/2010/main" val="1536425791"/>
+        <p14:creationId xmlns:p14="http://schemas.microsoft.com/office/powerpoint/2010/main" val="2421766474"/>
       </p:ext>
     </p:extLst>
   </p:cSld>
@@ -1578,7 +1586,7 @@
     </p:spTree>
     <p:extLst>
       <p:ext uri="{BB962C8B-B14F-4D97-AF65-F5344CB8AC3E}">
-        <p14:creationId xmlns:p14="http://schemas.microsoft.com/office/powerpoint/2010/main" val="2991468277"/>
+        <p14:creationId xmlns:p14="http://schemas.microsoft.com/office/powerpoint/2010/main" val="352457473"/>
       </p:ext>
     </p:extLst>
   </p:cSld>
@@ -1662,7 +1670,679 @@
     </p:spTree>
     <p:extLst>
       <p:ext uri="{BB962C8B-B14F-4D97-AF65-F5344CB8AC3E}">
+        <p14:creationId xmlns:p14="http://schemas.microsoft.com/office/powerpoint/2010/main" val="1536425791"/>
+      </p:ext>
+    </p:extLst>
+  </p:cSld>
+  <p:clrMapOvr>
+    <a:masterClrMapping/>
+  </p:clrMapOvr>
+</p:notes>
+</file>
+
+<file path=ppt/notesSlides/notesSlide22.xml><?xml version="1.0" encoding="utf-8"?>
+<p:notes xmlns:a="http://schemas.openxmlformats.org/drawingml/2006/main" xmlns:r="http://schemas.openxmlformats.org/officeDocument/2006/relationships" xmlns:p="http://schemas.openxmlformats.org/presentationml/2006/main">
+  <p:cSld>
+    <p:spTree>
+      <p:nvGrpSpPr>
+        <p:cNvPr id="1" name=""/>
+        <p:cNvGrpSpPr/>
+        <p:nvPr/>
+      </p:nvGrpSpPr>
+      <p:grpSpPr>
+        <a:xfrm>
+          <a:off x="0" y="0"/>
+          <a:ext cx="0" cy="0"/>
+          <a:chOff x="0" y="0"/>
+          <a:chExt cx="0" cy="0"/>
+        </a:xfrm>
+      </p:grpSpPr>
+      <p:sp>
+        <p:nvSpPr>
+          <p:cNvPr id="2" name="Slide Image Placeholder 1"/>
+          <p:cNvSpPr>
+            <a:spLocks noGrp="1" noRot="1" noChangeAspect="1"/>
+          </p:cNvSpPr>
+          <p:nvPr>
+            <p:ph type="sldImg"/>
+          </p:nvPr>
+        </p:nvSpPr>
+        <p:spPr/>
+      </p:sp>
+      <p:sp>
+        <p:nvSpPr>
+          <p:cNvPr id="3" name="Notes Placeholder 2"/>
+          <p:cNvSpPr>
+            <a:spLocks noGrp="1"/>
+          </p:cNvSpPr>
+          <p:nvPr>
+            <p:ph type="body" idx="1"/>
+          </p:nvPr>
+        </p:nvSpPr>
+        <p:spPr/>
+        <p:txBody>
+          <a:bodyPr/>
+          <a:lstStyle/>
+          <a:p>
+            <a:endParaRPr lang="en-PH" dirty="0"/>
+          </a:p>
+        </p:txBody>
+      </p:sp>
+      <p:sp>
+        <p:nvSpPr>
+          <p:cNvPr id="4" name="Slide Number Placeholder 3"/>
+          <p:cNvSpPr>
+            <a:spLocks noGrp="1"/>
+          </p:cNvSpPr>
+          <p:nvPr>
+            <p:ph type="sldNum" sz="quarter" idx="5"/>
+          </p:nvPr>
+        </p:nvSpPr>
+        <p:spPr/>
+        <p:txBody>
+          <a:bodyPr/>
+          <a:lstStyle/>
+          <a:p>
+            <a:fld id="{FE90CCE9-4AAE-4E1F-85AD-521A406D6524}" type="slidenum">
+              <a:rPr lang="en-PH" smtClean="0"/>
+              <a:t>22</a:t>
+            </a:fld>
+            <a:endParaRPr lang="en-PH"/>
+          </a:p>
+        </p:txBody>
+      </p:sp>
+    </p:spTree>
+    <p:extLst>
+      <p:ext uri="{BB962C8B-B14F-4D97-AF65-F5344CB8AC3E}">
+        <p14:creationId xmlns:p14="http://schemas.microsoft.com/office/powerpoint/2010/main" val="1531973192"/>
+      </p:ext>
+    </p:extLst>
+  </p:cSld>
+  <p:clrMapOvr>
+    <a:masterClrMapping/>
+  </p:clrMapOvr>
+</p:notes>
+</file>
+
+<file path=ppt/notesSlides/notesSlide23.xml><?xml version="1.0" encoding="utf-8"?>
+<p:notes xmlns:a="http://schemas.openxmlformats.org/drawingml/2006/main" xmlns:r="http://schemas.openxmlformats.org/officeDocument/2006/relationships" xmlns:p="http://schemas.openxmlformats.org/presentationml/2006/main">
+  <p:cSld>
+    <p:spTree>
+      <p:nvGrpSpPr>
+        <p:cNvPr id="1" name=""/>
+        <p:cNvGrpSpPr/>
+        <p:nvPr/>
+      </p:nvGrpSpPr>
+      <p:grpSpPr>
+        <a:xfrm>
+          <a:off x="0" y="0"/>
+          <a:ext cx="0" cy="0"/>
+          <a:chOff x="0" y="0"/>
+          <a:chExt cx="0" cy="0"/>
+        </a:xfrm>
+      </p:grpSpPr>
+      <p:sp>
+        <p:nvSpPr>
+          <p:cNvPr id="2" name="Slide Image Placeholder 1"/>
+          <p:cNvSpPr>
+            <a:spLocks noGrp="1" noRot="1" noChangeAspect="1"/>
+          </p:cNvSpPr>
+          <p:nvPr>
+            <p:ph type="sldImg"/>
+          </p:nvPr>
+        </p:nvSpPr>
+        <p:spPr/>
+      </p:sp>
+      <p:sp>
+        <p:nvSpPr>
+          <p:cNvPr id="3" name="Notes Placeholder 2"/>
+          <p:cNvSpPr>
+            <a:spLocks noGrp="1"/>
+          </p:cNvSpPr>
+          <p:nvPr>
+            <p:ph type="body" idx="1"/>
+          </p:nvPr>
+        </p:nvSpPr>
+        <p:spPr/>
+        <p:txBody>
+          <a:bodyPr/>
+          <a:lstStyle/>
+          <a:p>
+            <a:endParaRPr lang="en-PH" dirty="0"/>
+          </a:p>
+        </p:txBody>
+      </p:sp>
+      <p:sp>
+        <p:nvSpPr>
+          <p:cNvPr id="4" name="Slide Number Placeholder 3"/>
+          <p:cNvSpPr>
+            <a:spLocks noGrp="1"/>
+          </p:cNvSpPr>
+          <p:nvPr>
+            <p:ph type="sldNum" sz="quarter" idx="5"/>
+          </p:nvPr>
+        </p:nvSpPr>
+        <p:spPr/>
+        <p:txBody>
+          <a:bodyPr/>
+          <a:lstStyle/>
+          <a:p>
+            <a:fld id="{FE90CCE9-4AAE-4E1F-85AD-521A406D6524}" type="slidenum">
+              <a:rPr lang="en-PH" smtClean="0"/>
+              <a:t>23</a:t>
+            </a:fld>
+            <a:endParaRPr lang="en-PH"/>
+          </a:p>
+        </p:txBody>
+      </p:sp>
+    </p:spTree>
+    <p:extLst>
+      <p:ext uri="{BB962C8B-B14F-4D97-AF65-F5344CB8AC3E}">
+        <p14:creationId xmlns:p14="http://schemas.microsoft.com/office/powerpoint/2010/main" val="2991468277"/>
+      </p:ext>
+    </p:extLst>
+  </p:cSld>
+  <p:clrMapOvr>
+    <a:masterClrMapping/>
+  </p:clrMapOvr>
+</p:notes>
+</file>
+
+<file path=ppt/notesSlides/notesSlide24.xml><?xml version="1.0" encoding="utf-8"?>
+<p:notes xmlns:a="http://schemas.openxmlformats.org/drawingml/2006/main" xmlns:r="http://schemas.openxmlformats.org/officeDocument/2006/relationships" xmlns:p="http://schemas.openxmlformats.org/presentationml/2006/main">
+  <p:cSld>
+    <p:spTree>
+      <p:nvGrpSpPr>
+        <p:cNvPr id="1" name=""/>
+        <p:cNvGrpSpPr/>
+        <p:nvPr/>
+      </p:nvGrpSpPr>
+      <p:grpSpPr>
+        <a:xfrm>
+          <a:off x="0" y="0"/>
+          <a:ext cx="0" cy="0"/>
+          <a:chOff x="0" y="0"/>
+          <a:chExt cx="0" cy="0"/>
+        </a:xfrm>
+      </p:grpSpPr>
+      <p:sp>
+        <p:nvSpPr>
+          <p:cNvPr id="2" name="Slide Image Placeholder 1"/>
+          <p:cNvSpPr>
+            <a:spLocks noGrp="1" noRot="1" noChangeAspect="1"/>
+          </p:cNvSpPr>
+          <p:nvPr>
+            <p:ph type="sldImg"/>
+          </p:nvPr>
+        </p:nvSpPr>
+        <p:spPr/>
+      </p:sp>
+      <p:sp>
+        <p:nvSpPr>
+          <p:cNvPr id="3" name="Notes Placeholder 2"/>
+          <p:cNvSpPr>
+            <a:spLocks noGrp="1"/>
+          </p:cNvSpPr>
+          <p:nvPr>
+            <p:ph type="body" idx="1"/>
+          </p:nvPr>
+        </p:nvSpPr>
+        <p:spPr/>
+        <p:txBody>
+          <a:bodyPr/>
+          <a:lstStyle/>
+          <a:p>
+            <a:endParaRPr lang="en-PH" dirty="0"/>
+          </a:p>
+        </p:txBody>
+      </p:sp>
+      <p:sp>
+        <p:nvSpPr>
+          <p:cNvPr id="4" name="Slide Number Placeholder 3"/>
+          <p:cNvSpPr>
+            <a:spLocks noGrp="1"/>
+          </p:cNvSpPr>
+          <p:nvPr>
+            <p:ph type="sldNum" sz="quarter" idx="5"/>
+          </p:nvPr>
+        </p:nvSpPr>
+        <p:spPr/>
+        <p:txBody>
+          <a:bodyPr/>
+          <a:lstStyle/>
+          <a:p>
+            <a:fld id="{FE90CCE9-4AAE-4E1F-85AD-521A406D6524}" type="slidenum">
+              <a:rPr lang="en-PH" smtClean="0"/>
+              <a:t>24</a:t>
+            </a:fld>
+            <a:endParaRPr lang="en-PH"/>
+          </a:p>
+        </p:txBody>
+      </p:sp>
+    </p:spTree>
+    <p:extLst>
+      <p:ext uri="{BB962C8B-B14F-4D97-AF65-F5344CB8AC3E}">
+        <p14:creationId xmlns:p14="http://schemas.microsoft.com/office/powerpoint/2010/main" val="118352308"/>
+      </p:ext>
+    </p:extLst>
+  </p:cSld>
+  <p:clrMapOvr>
+    <a:masterClrMapping/>
+  </p:clrMapOvr>
+</p:notes>
+</file>
+
+<file path=ppt/notesSlides/notesSlide25.xml><?xml version="1.0" encoding="utf-8"?>
+<p:notes xmlns:a="http://schemas.openxmlformats.org/drawingml/2006/main" xmlns:r="http://schemas.openxmlformats.org/officeDocument/2006/relationships" xmlns:p="http://schemas.openxmlformats.org/presentationml/2006/main">
+  <p:cSld>
+    <p:spTree>
+      <p:nvGrpSpPr>
+        <p:cNvPr id="1" name=""/>
+        <p:cNvGrpSpPr/>
+        <p:nvPr/>
+      </p:nvGrpSpPr>
+      <p:grpSpPr>
+        <a:xfrm>
+          <a:off x="0" y="0"/>
+          <a:ext cx="0" cy="0"/>
+          <a:chOff x="0" y="0"/>
+          <a:chExt cx="0" cy="0"/>
+        </a:xfrm>
+      </p:grpSpPr>
+      <p:sp>
+        <p:nvSpPr>
+          <p:cNvPr id="2" name="Slide Image Placeholder 1"/>
+          <p:cNvSpPr>
+            <a:spLocks noGrp="1" noRot="1" noChangeAspect="1"/>
+          </p:cNvSpPr>
+          <p:nvPr>
+            <p:ph type="sldImg"/>
+          </p:nvPr>
+        </p:nvSpPr>
+        <p:spPr/>
+      </p:sp>
+      <p:sp>
+        <p:nvSpPr>
+          <p:cNvPr id="3" name="Notes Placeholder 2"/>
+          <p:cNvSpPr>
+            <a:spLocks noGrp="1"/>
+          </p:cNvSpPr>
+          <p:nvPr>
+            <p:ph type="body" idx="1"/>
+          </p:nvPr>
+        </p:nvSpPr>
+        <p:spPr/>
+        <p:txBody>
+          <a:bodyPr/>
+          <a:lstStyle/>
+          <a:p>
+            <a:endParaRPr lang="en-PH" dirty="0"/>
+          </a:p>
+        </p:txBody>
+      </p:sp>
+      <p:sp>
+        <p:nvSpPr>
+          <p:cNvPr id="4" name="Slide Number Placeholder 3"/>
+          <p:cNvSpPr>
+            <a:spLocks noGrp="1"/>
+          </p:cNvSpPr>
+          <p:nvPr>
+            <p:ph type="sldNum" sz="quarter" idx="5"/>
+          </p:nvPr>
+        </p:nvSpPr>
+        <p:spPr/>
+        <p:txBody>
+          <a:bodyPr/>
+          <a:lstStyle/>
+          <a:p>
+            <a:fld id="{FE90CCE9-4AAE-4E1F-85AD-521A406D6524}" type="slidenum">
+              <a:rPr lang="en-PH" smtClean="0"/>
+              <a:t>25</a:t>
+            </a:fld>
+            <a:endParaRPr lang="en-PH"/>
+          </a:p>
+        </p:txBody>
+      </p:sp>
+    </p:spTree>
+    <p:extLst>
+      <p:ext uri="{BB962C8B-B14F-4D97-AF65-F5344CB8AC3E}">
+        <p14:creationId xmlns:p14="http://schemas.microsoft.com/office/powerpoint/2010/main" val="3151878"/>
+      </p:ext>
+    </p:extLst>
+  </p:cSld>
+  <p:clrMapOvr>
+    <a:masterClrMapping/>
+  </p:clrMapOvr>
+</p:notes>
+</file>
+
+<file path=ppt/notesSlides/notesSlide26.xml><?xml version="1.0" encoding="utf-8"?>
+<p:notes xmlns:a="http://schemas.openxmlformats.org/drawingml/2006/main" xmlns:r="http://schemas.openxmlformats.org/officeDocument/2006/relationships" xmlns:p="http://schemas.openxmlformats.org/presentationml/2006/main">
+  <p:cSld>
+    <p:spTree>
+      <p:nvGrpSpPr>
+        <p:cNvPr id="1" name=""/>
+        <p:cNvGrpSpPr/>
+        <p:nvPr/>
+      </p:nvGrpSpPr>
+      <p:grpSpPr>
+        <a:xfrm>
+          <a:off x="0" y="0"/>
+          <a:ext cx="0" cy="0"/>
+          <a:chOff x="0" y="0"/>
+          <a:chExt cx="0" cy="0"/>
+        </a:xfrm>
+      </p:grpSpPr>
+      <p:sp>
+        <p:nvSpPr>
+          <p:cNvPr id="2" name="Slide Image Placeholder 1"/>
+          <p:cNvSpPr>
+            <a:spLocks noGrp="1" noRot="1" noChangeAspect="1"/>
+          </p:cNvSpPr>
+          <p:nvPr>
+            <p:ph type="sldImg"/>
+          </p:nvPr>
+        </p:nvSpPr>
+        <p:spPr/>
+      </p:sp>
+      <p:sp>
+        <p:nvSpPr>
+          <p:cNvPr id="3" name="Notes Placeholder 2"/>
+          <p:cNvSpPr>
+            <a:spLocks noGrp="1"/>
+          </p:cNvSpPr>
+          <p:nvPr>
+            <p:ph type="body" idx="1"/>
+          </p:nvPr>
+        </p:nvSpPr>
+        <p:spPr/>
+        <p:txBody>
+          <a:bodyPr/>
+          <a:lstStyle/>
+          <a:p>
+            <a:endParaRPr lang="en-PH" dirty="0"/>
+          </a:p>
+        </p:txBody>
+      </p:sp>
+      <p:sp>
+        <p:nvSpPr>
+          <p:cNvPr id="4" name="Slide Number Placeholder 3"/>
+          <p:cNvSpPr>
+            <a:spLocks noGrp="1"/>
+          </p:cNvSpPr>
+          <p:nvPr>
+            <p:ph type="sldNum" sz="quarter" idx="5"/>
+          </p:nvPr>
+        </p:nvSpPr>
+        <p:spPr/>
+        <p:txBody>
+          <a:bodyPr/>
+          <a:lstStyle/>
+          <a:p>
+            <a:fld id="{FE90CCE9-4AAE-4E1F-85AD-521A406D6524}" type="slidenum">
+              <a:rPr lang="en-PH" smtClean="0"/>
+              <a:t>26</a:t>
+            </a:fld>
+            <a:endParaRPr lang="en-PH"/>
+          </a:p>
+        </p:txBody>
+      </p:sp>
+    </p:spTree>
+    <p:extLst>
+      <p:ext uri="{BB962C8B-B14F-4D97-AF65-F5344CB8AC3E}">
+        <p14:creationId xmlns:p14="http://schemas.microsoft.com/office/powerpoint/2010/main" val="3912039669"/>
+      </p:ext>
+    </p:extLst>
+  </p:cSld>
+  <p:clrMapOvr>
+    <a:masterClrMapping/>
+  </p:clrMapOvr>
+</p:notes>
+</file>
+
+<file path=ppt/notesSlides/notesSlide27.xml><?xml version="1.0" encoding="utf-8"?>
+<p:notes xmlns:a="http://schemas.openxmlformats.org/drawingml/2006/main" xmlns:r="http://schemas.openxmlformats.org/officeDocument/2006/relationships" xmlns:p="http://schemas.openxmlformats.org/presentationml/2006/main">
+  <p:cSld>
+    <p:spTree>
+      <p:nvGrpSpPr>
+        <p:cNvPr id="1" name=""/>
+        <p:cNvGrpSpPr/>
+        <p:nvPr/>
+      </p:nvGrpSpPr>
+      <p:grpSpPr>
+        <a:xfrm>
+          <a:off x="0" y="0"/>
+          <a:ext cx="0" cy="0"/>
+          <a:chOff x="0" y="0"/>
+          <a:chExt cx="0" cy="0"/>
+        </a:xfrm>
+      </p:grpSpPr>
+      <p:sp>
+        <p:nvSpPr>
+          <p:cNvPr id="2" name="Slide Image Placeholder 1"/>
+          <p:cNvSpPr>
+            <a:spLocks noGrp="1" noRot="1" noChangeAspect="1"/>
+          </p:cNvSpPr>
+          <p:nvPr>
+            <p:ph type="sldImg"/>
+          </p:nvPr>
+        </p:nvSpPr>
+        <p:spPr/>
+      </p:sp>
+      <p:sp>
+        <p:nvSpPr>
+          <p:cNvPr id="3" name="Notes Placeholder 2"/>
+          <p:cNvSpPr>
+            <a:spLocks noGrp="1"/>
+          </p:cNvSpPr>
+          <p:nvPr>
+            <p:ph type="body" idx="1"/>
+          </p:nvPr>
+        </p:nvSpPr>
+        <p:spPr/>
+        <p:txBody>
+          <a:bodyPr/>
+          <a:lstStyle/>
+          <a:p>
+            <a:endParaRPr lang="en-PH" dirty="0"/>
+          </a:p>
+        </p:txBody>
+      </p:sp>
+      <p:sp>
+        <p:nvSpPr>
+          <p:cNvPr id="4" name="Slide Number Placeholder 3"/>
+          <p:cNvSpPr>
+            <a:spLocks noGrp="1"/>
+          </p:cNvSpPr>
+          <p:nvPr>
+            <p:ph type="sldNum" sz="quarter" idx="5"/>
+          </p:nvPr>
+        </p:nvSpPr>
+        <p:spPr/>
+        <p:txBody>
+          <a:bodyPr/>
+          <a:lstStyle/>
+          <a:p>
+            <a:fld id="{FE90CCE9-4AAE-4E1F-85AD-521A406D6524}" type="slidenum">
+              <a:rPr lang="en-PH" smtClean="0"/>
+              <a:t>27</a:t>
+            </a:fld>
+            <a:endParaRPr lang="en-PH"/>
+          </a:p>
+        </p:txBody>
+      </p:sp>
+    </p:spTree>
+    <p:extLst>
+      <p:ext uri="{BB962C8B-B14F-4D97-AF65-F5344CB8AC3E}">
+        <p14:creationId xmlns:p14="http://schemas.microsoft.com/office/powerpoint/2010/main" val="1997916813"/>
+      </p:ext>
+    </p:extLst>
+  </p:cSld>
+  <p:clrMapOvr>
+    <a:masterClrMapping/>
+  </p:clrMapOvr>
+</p:notes>
+</file>
+
+<file path=ppt/notesSlides/notesSlide28.xml><?xml version="1.0" encoding="utf-8"?>
+<p:notes xmlns:a="http://schemas.openxmlformats.org/drawingml/2006/main" xmlns:r="http://schemas.openxmlformats.org/officeDocument/2006/relationships" xmlns:p="http://schemas.openxmlformats.org/presentationml/2006/main">
+  <p:cSld>
+    <p:spTree>
+      <p:nvGrpSpPr>
+        <p:cNvPr id="1" name=""/>
+        <p:cNvGrpSpPr/>
+        <p:nvPr/>
+      </p:nvGrpSpPr>
+      <p:grpSpPr>
+        <a:xfrm>
+          <a:off x="0" y="0"/>
+          <a:ext cx="0" cy="0"/>
+          <a:chOff x="0" y="0"/>
+          <a:chExt cx="0" cy="0"/>
+        </a:xfrm>
+      </p:grpSpPr>
+      <p:sp>
+        <p:nvSpPr>
+          <p:cNvPr id="2" name="Slide Image Placeholder 1"/>
+          <p:cNvSpPr>
+            <a:spLocks noGrp="1" noRot="1" noChangeAspect="1"/>
+          </p:cNvSpPr>
+          <p:nvPr>
+            <p:ph type="sldImg"/>
+          </p:nvPr>
+        </p:nvSpPr>
+        <p:spPr/>
+      </p:sp>
+      <p:sp>
+        <p:nvSpPr>
+          <p:cNvPr id="3" name="Notes Placeholder 2"/>
+          <p:cNvSpPr>
+            <a:spLocks noGrp="1"/>
+          </p:cNvSpPr>
+          <p:nvPr>
+            <p:ph type="body" idx="1"/>
+          </p:nvPr>
+        </p:nvSpPr>
+        <p:spPr/>
+        <p:txBody>
+          <a:bodyPr/>
+          <a:lstStyle/>
+          <a:p>
+            <a:endParaRPr lang="en-PH" dirty="0"/>
+          </a:p>
+        </p:txBody>
+      </p:sp>
+      <p:sp>
+        <p:nvSpPr>
+          <p:cNvPr id="4" name="Slide Number Placeholder 3"/>
+          <p:cNvSpPr>
+            <a:spLocks noGrp="1"/>
+          </p:cNvSpPr>
+          <p:nvPr>
+            <p:ph type="sldNum" sz="quarter" idx="5"/>
+          </p:nvPr>
+        </p:nvSpPr>
+        <p:spPr/>
+        <p:txBody>
+          <a:bodyPr/>
+          <a:lstStyle/>
+          <a:p>
+            <a:fld id="{FE90CCE9-4AAE-4E1F-85AD-521A406D6524}" type="slidenum">
+              <a:rPr lang="en-PH" smtClean="0"/>
+              <a:t>28</a:t>
+            </a:fld>
+            <a:endParaRPr lang="en-PH"/>
+          </a:p>
+        </p:txBody>
+      </p:sp>
+    </p:spTree>
+    <p:extLst>
+      <p:ext uri="{BB962C8B-B14F-4D97-AF65-F5344CB8AC3E}">
         <p14:creationId xmlns:p14="http://schemas.microsoft.com/office/powerpoint/2010/main" val="3296448520"/>
+      </p:ext>
+    </p:extLst>
+  </p:cSld>
+  <p:clrMapOvr>
+    <a:masterClrMapping/>
+  </p:clrMapOvr>
+</p:notes>
+</file>
+
+<file path=ppt/notesSlides/notesSlide29.xml><?xml version="1.0" encoding="utf-8"?>
+<p:notes xmlns:a="http://schemas.openxmlformats.org/drawingml/2006/main" xmlns:r="http://schemas.openxmlformats.org/officeDocument/2006/relationships" xmlns:p="http://schemas.openxmlformats.org/presentationml/2006/main">
+  <p:cSld>
+    <p:spTree>
+      <p:nvGrpSpPr>
+        <p:cNvPr id="1" name=""/>
+        <p:cNvGrpSpPr/>
+        <p:nvPr/>
+      </p:nvGrpSpPr>
+      <p:grpSpPr>
+        <a:xfrm>
+          <a:off x="0" y="0"/>
+          <a:ext cx="0" cy="0"/>
+          <a:chOff x="0" y="0"/>
+          <a:chExt cx="0" cy="0"/>
+        </a:xfrm>
+      </p:grpSpPr>
+      <p:sp>
+        <p:nvSpPr>
+          <p:cNvPr id="2" name="Slide Image Placeholder 1"/>
+          <p:cNvSpPr>
+            <a:spLocks noGrp="1" noRot="1" noChangeAspect="1"/>
+          </p:cNvSpPr>
+          <p:nvPr>
+            <p:ph type="sldImg"/>
+          </p:nvPr>
+        </p:nvSpPr>
+        <p:spPr/>
+      </p:sp>
+      <p:sp>
+        <p:nvSpPr>
+          <p:cNvPr id="3" name="Notes Placeholder 2"/>
+          <p:cNvSpPr>
+            <a:spLocks noGrp="1"/>
+          </p:cNvSpPr>
+          <p:nvPr>
+            <p:ph type="body" idx="1"/>
+          </p:nvPr>
+        </p:nvSpPr>
+        <p:spPr/>
+        <p:txBody>
+          <a:bodyPr/>
+          <a:lstStyle/>
+          <a:p>
+            <a:endParaRPr lang="en-PH" dirty="0"/>
+          </a:p>
+        </p:txBody>
+      </p:sp>
+      <p:sp>
+        <p:nvSpPr>
+          <p:cNvPr id="4" name="Slide Number Placeholder 3"/>
+          <p:cNvSpPr>
+            <a:spLocks noGrp="1"/>
+          </p:cNvSpPr>
+          <p:nvPr>
+            <p:ph type="sldNum" sz="quarter" idx="5"/>
+          </p:nvPr>
+        </p:nvSpPr>
+        <p:spPr/>
+        <p:txBody>
+          <a:bodyPr/>
+          <a:lstStyle/>
+          <a:p>
+            <a:fld id="{FE90CCE9-4AAE-4E1F-85AD-521A406D6524}" type="slidenum">
+              <a:rPr lang="en-PH" smtClean="0"/>
+              <a:t>29</a:t>
+            </a:fld>
+            <a:endParaRPr lang="en-PH"/>
+          </a:p>
+        </p:txBody>
+      </p:sp>
+    </p:spTree>
+    <p:extLst>
+      <p:ext uri="{BB962C8B-B14F-4D97-AF65-F5344CB8AC3E}">
+        <p14:creationId xmlns:p14="http://schemas.microsoft.com/office/powerpoint/2010/main" val="4200817075"/>
       </p:ext>
     </p:extLst>
   </p:cSld>
@@ -2265,7 +2945,7 @@
     </p:spTree>
     <p:extLst>
       <p:ext uri="{BB962C8B-B14F-4D97-AF65-F5344CB8AC3E}">
-        <p14:creationId xmlns:p14="http://schemas.microsoft.com/office/powerpoint/2010/main" val="2073362625"/>
+        <p14:creationId xmlns:p14="http://schemas.microsoft.com/office/powerpoint/2010/main" val="901421412"/>
       </p:ext>
     </p:extLst>
   </p:cSld>
@@ -2424,7 +3104,7 @@
           <a:p>
             <a:fld id="{0CCF0B81-6BD8-4C65-9459-815598C5F1F4}" type="datetimeFigureOut">
               <a:rPr lang="en-PH" smtClean="0"/>
-              <a:t>05/01/2023</a:t>
+              <a:t>07/01/2023</a:t>
             </a:fld>
             <a:endParaRPr lang="en-PH"/>
           </a:p>
@@ -2624,7 +3304,7 @@
           <a:p>
             <a:fld id="{0CCF0B81-6BD8-4C65-9459-815598C5F1F4}" type="datetimeFigureOut">
               <a:rPr lang="en-PH" smtClean="0"/>
-              <a:t>05/01/2023</a:t>
+              <a:t>07/01/2023</a:t>
             </a:fld>
             <a:endParaRPr lang="en-PH"/>
           </a:p>
@@ -2834,7 +3514,7 @@
           <a:p>
             <a:fld id="{0CCF0B81-6BD8-4C65-9459-815598C5F1F4}" type="datetimeFigureOut">
               <a:rPr lang="en-PH" smtClean="0"/>
-              <a:t>05/01/2023</a:t>
+              <a:t>07/01/2023</a:t>
             </a:fld>
             <a:endParaRPr lang="en-PH"/>
           </a:p>
@@ -3034,7 +3714,7 @@
           <a:p>
             <a:fld id="{0CCF0B81-6BD8-4C65-9459-815598C5F1F4}" type="datetimeFigureOut">
               <a:rPr lang="en-PH" smtClean="0"/>
-              <a:t>05/01/2023</a:t>
+              <a:t>07/01/2023</a:t>
             </a:fld>
             <a:endParaRPr lang="en-PH"/>
           </a:p>
@@ -3310,7 +3990,7 @@
           <a:p>
             <a:fld id="{0CCF0B81-6BD8-4C65-9459-815598C5F1F4}" type="datetimeFigureOut">
               <a:rPr lang="en-PH" smtClean="0"/>
-              <a:t>05/01/2023</a:t>
+              <a:t>07/01/2023</a:t>
             </a:fld>
             <a:endParaRPr lang="en-PH"/>
           </a:p>
@@ -3578,7 +4258,7 @@
           <a:p>
             <a:fld id="{0CCF0B81-6BD8-4C65-9459-815598C5F1F4}" type="datetimeFigureOut">
               <a:rPr lang="en-PH" smtClean="0"/>
-              <a:t>05/01/2023</a:t>
+              <a:t>07/01/2023</a:t>
             </a:fld>
             <a:endParaRPr lang="en-PH"/>
           </a:p>
@@ -3993,7 +4673,7 @@
           <a:p>
             <a:fld id="{0CCF0B81-6BD8-4C65-9459-815598C5F1F4}" type="datetimeFigureOut">
               <a:rPr lang="en-PH" smtClean="0"/>
-              <a:t>05/01/2023</a:t>
+              <a:t>07/01/2023</a:t>
             </a:fld>
             <a:endParaRPr lang="en-PH"/>
           </a:p>
@@ -4135,7 +4815,7 @@
           <a:p>
             <a:fld id="{0CCF0B81-6BD8-4C65-9459-815598C5F1F4}" type="datetimeFigureOut">
               <a:rPr lang="en-PH" smtClean="0"/>
-              <a:t>05/01/2023</a:t>
+              <a:t>07/01/2023</a:t>
             </a:fld>
             <a:endParaRPr lang="en-PH"/>
           </a:p>
@@ -4248,7 +4928,7 @@
           <a:p>
             <a:fld id="{0CCF0B81-6BD8-4C65-9459-815598C5F1F4}" type="datetimeFigureOut">
               <a:rPr lang="en-PH" smtClean="0"/>
-              <a:t>05/01/2023</a:t>
+              <a:t>07/01/2023</a:t>
             </a:fld>
             <a:endParaRPr lang="en-PH"/>
           </a:p>
@@ -4561,7 +5241,7 @@
           <a:p>
             <a:fld id="{0CCF0B81-6BD8-4C65-9459-815598C5F1F4}" type="datetimeFigureOut">
               <a:rPr lang="en-PH" smtClean="0"/>
-              <a:t>05/01/2023</a:t>
+              <a:t>07/01/2023</a:t>
             </a:fld>
             <a:endParaRPr lang="en-PH"/>
           </a:p>
@@ -4850,7 +5530,7 @@
           <a:p>
             <a:fld id="{0CCF0B81-6BD8-4C65-9459-815598C5F1F4}" type="datetimeFigureOut">
               <a:rPr lang="en-PH" smtClean="0"/>
-              <a:t>05/01/2023</a:t>
+              <a:t>07/01/2023</a:t>
             </a:fld>
             <a:endParaRPr lang="en-PH"/>
           </a:p>
@@ -5093,7 +5773,7 @@
           <a:p>
             <a:fld id="{0CCF0B81-6BD8-4C65-9459-815598C5F1F4}" type="datetimeFigureOut">
               <a:rPr lang="en-PH" smtClean="0"/>
-              <a:t>05/01/2023</a:t>
+              <a:t>07/01/2023</a:t>
             </a:fld>
             <a:endParaRPr lang="en-PH"/>
           </a:p>
@@ -5968,7 +6648,7 @@
         <p:spPr>
           <a:xfrm>
             <a:off x="2004950" y="1406092"/>
-            <a:ext cx="8182099" cy="5093702"/>
+            <a:ext cx="8182099" cy="3939540"/>
           </a:xfrm>
           <a:prstGeom prst="rect">
             <a:avLst/>
@@ -5983,54 +6663,6 @@
           <a:p>
             <a:r>
               <a:rPr lang="en-PH" sz="2500" b="1" dirty="0"/>
-              <a:t>Character set </a:t>
-            </a:r>
-          </a:p>
-          <a:p>
-            <a:r>
-              <a:rPr lang="en-PH" sz="2500" dirty="0"/>
-              <a:t>- Match any character in the set.				</a:t>
-            </a:r>
-          </a:p>
-          <a:p>
-            <a:endParaRPr lang="en-PH" sz="2500" dirty="0"/>
-          </a:p>
-          <a:p>
-            <a:r>
-              <a:rPr lang="en-PH" sz="2500" dirty="0"/>
-              <a:t>Pattern: </a:t>
-            </a:r>
-            <a:r>
-              <a:rPr lang="en-PH" sz="2500" dirty="0">
-                <a:solidFill>
-                  <a:srgbClr val="FF0000"/>
-                </a:solidFill>
-              </a:rPr>
-              <a:t>[</a:t>
-            </a:r>
-            <a:r>
-              <a:rPr lang="en-PH" sz="2500" dirty="0" err="1">
-                <a:solidFill>
-                  <a:srgbClr val="FF0000"/>
-                </a:solidFill>
-              </a:rPr>
-              <a:t>aeiou</a:t>
-            </a:r>
-            <a:r>
-              <a:rPr lang="en-PH" sz="2500" dirty="0">
-                <a:solidFill>
-                  <a:srgbClr val="FF0000"/>
-                </a:solidFill>
-              </a:rPr>
-              <a:t>]</a:t>
-            </a:r>
-          </a:p>
-          <a:p>
-            <a:endParaRPr lang="en-PH" sz="2500" dirty="0"/>
-          </a:p>
-          <a:p>
-            <a:r>
-              <a:rPr lang="en-PH" sz="2500" b="1" dirty="0"/>
               <a:t>Negated set</a:t>
             </a:r>
           </a:p>
@@ -6041,7 +6673,7 @@
             </a:pPr>
             <a:r>
               <a:rPr lang="en-PH" sz="2500" dirty="0"/>
-              <a:t>Match any character that is not in the set.</a:t>
+              <a:t>Matches any character that is not in the set.</a:t>
             </a:r>
           </a:p>
           <a:p>
@@ -6057,7 +6689,7 @@
               <a:t>Pattern: </a:t>
             </a:r>
             <a:r>
-              <a:rPr lang="en-PH" sz="2500" dirty="0">
+              <a:rPr lang="en-PH" sz="2500" b="1" dirty="0">
                 <a:solidFill>
                   <a:srgbClr val="FF0000"/>
                 </a:solidFill>
@@ -6065,21 +6697,43 @@
               <a:t>[^</a:t>
             </a:r>
             <a:r>
-              <a:rPr lang="en-PH" sz="2500" dirty="0" err="1">
+              <a:rPr lang="en-PH" sz="2500" b="1" dirty="0" err="1"/>
+              <a:t>aeiou</a:t>
+            </a:r>
+            <a:r>
+              <a:rPr lang="en-PH" sz="2500" b="1" dirty="0">
                 <a:solidFill>
                   <a:srgbClr val="FF0000"/>
                 </a:solidFill>
               </a:rPr>
-              <a:t>aeiou</a:t>
-            </a:r>
-            <a:r>
-              <a:rPr lang="en-PH" sz="2500" dirty="0">
+              <a:t>]</a:t>
+            </a:r>
+          </a:p>
+          <a:p>
+            <a:endParaRPr lang="en-PH" sz="2500" dirty="0"/>
+          </a:p>
+          <a:p>
+            <a:r>
+              <a:rPr lang="en-PH" sz="2500" dirty="0"/>
+              <a:t>Matches: </a:t>
+            </a:r>
+            <a:r>
+              <a:rPr lang="en-PH" sz="2500" dirty="0" err="1"/>
+              <a:t>aeioua</a:t>
+            </a:r>
+            <a:r>
+              <a:rPr lang="en-PH" sz="2500" b="1" dirty="0" err="1">
                 <a:solidFill>
-                  <a:srgbClr val="FF0000"/>
+                  <a:srgbClr val="00B050"/>
                 </a:solidFill>
               </a:rPr>
-              <a:t>]</a:t>
-            </a:r>
+              <a:t>bc</a:t>
+            </a:r>
+            <a:endParaRPr lang="en-PH" sz="2500" b="1" dirty="0">
+              <a:solidFill>
+                <a:srgbClr val="00B050"/>
+              </a:solidFill>
+            </a:endParaRPr>
           </a:p>
           <a:p>
             <a:endParaRPr lang="en-PH" sz="2500" dirty="0"/>
@@ -6098,7 +6752,7 @@
     </p:spTree>
     <p:extLst>
       <p:ext uri="{BB962C8B-B14F-4D97-AF65-F5344CB8AC3E}">
-        <p14:creationId xmlns:p14="http://schemas.microsoft.com/office/powerpoint/2010/main" val="4139510024"/>
+        <p14:creationId xmlns:p14="http://schemas.microsoft.com/office/powerpoint/2010/main" val="3893421017"/>
       </p:ext>
     </p:extLst>
   </p:cSld>
@@ -6415,7 +7069,7 @@
         <p:spPr>
           <a:xfrm>
             <a:off x="2004950" y="1406092"/>
-            <a:ext cx="8182099" cy="4708981"/>
+            <a:ext cx="8182099" cy="4324261"/>
           </a:xfrm>
           <a:prstGeom prst="rect">
             <a:avLst/>
@@ -6434,61 +7088,14 @@
             </a:r>
           </a:p>
           <a:p>
-            <a:r>
-              <a:rPr lang="en-PH" sz="2500" dirty="0"/>
-              <a:t>- Match any character in the set.				</a:t>
-            </a:r>
-          </a:p>
-          <a:p>
-            <a:endParaRPr lang="en-PH" sz="2500" dirty="0"/>
-          </a:p>
-          <a:p>
-            <a:r>
-              <a:rPr lang="en-PH" sz="2500" dirty="0"/>
-              <a:t>Pattern: </a:t>
-            </a:r>
-            <a:r>
-              <a:rPr lang="en-PH" sz="2500" dirty="0">
-                <a:solidFill>
-                  <a:srgbClr val="FF0000"/>
-                </a:solidFill>
-              </a:rPr>
-              <a:t>[a-g]</a:t>
-            </a:r>
-          </a:p>
-          <a:p>
-            <a:endParaRPr lang="en-PH" sz="2500" dirty="0"/>
-          </a:p>
-          <a:p>
-            <a:r>
-              <a:rPr lang="en-PH" sz="2500" b="1" dirty="0"/>
-              <a:t>Dot</a:t>
-            </a:r>
-          </a:p>
-          <a:p>
             <a:pPr marL="342900" indent="-342900">
               <a:buFontTx/>
               <a:buChar char="-"/>
             </a:pPr>
             <a:r>
               <a:rPr lang="en-PH" sz="2500" dirty="0"/>
-              <a:t>Matches any character except </a:t>
-            </a:r>
-            <a:r>
-              <a:rPr lang="en-PH" sz="2500" dirty="0" err="1"/>
-              <a:t>linebreaks</a:t>
-            </a:r>
-            <a:r>
-              <a:rPr lang="en-PH" sz="2500" dirty="0"/>
-              <a:t>.</a:t>
-            </a:r>
-          </a:p>
-          <a:p>
-            <a:pPr marL="342900" indent="-342900">
-              <a:buFontTx/>
-              <a:buChar char="-"/>
-            </a:pPr>
-            <a:endParaRPr lang="en-PH" sz="2500" dirty="0"/>
+              <a:t>Matches any character in the set within a range.		</a:t>
+            </a:r>
           </a:p>
           <a:p>
             <a:r>
@@ -6496,13 +7103,73 @@
               <a:t>Pattern: </a:t>
             </a:r>
             <a:r>
-              <a:rPr lang="en-PH" sz="2500" dirty="0">
+              <a:rPr lang="en-PH" sz="2500" b="1" dirty="0">
                 <a:solidFill>
                   <a:srgbClr val="FF0000"/>
                 </a:solidFill>
               </a:rPr>
-              <a:t>.</a:t>
-            </a:r>
+              <a:t>[</a:t>
+            </a:r>
+            <a:r>
+              <a:rPr lang="en-PH" sz="2500" b="1" dirty="0"/>
+              <a:t>a</a:t>
+            </a:r>
+            <a:r>
+              <a:rPr lang="en-PH" sz="2500" b="1" dirty="0">
+                <a:solidFill>
+                  <a:srgbClr val="FF0000"/>
+                </a:solidFill>
+              </a:rPr>
+              <a:t>-</a:t>
+            </a:r>
+            <a:r>
+              <a:rPr lang="en-PH" sz="2500" b="1" dirty="0"/>
+              <a:t>c</a:t>
+            </a:r>
+            <a:r>
+              <a:rPr lang="en-PH" sz="2500" b="1" dirty="0">
+                <a:solidFill>
+                  <a:srgbClr val="FF0000"/>
+                </a:solidFill>
+              </a:rPr>
+              <a:t>]</a:t>
+            </a:r>
+          </a:p>
+          <a:p>
+            <a:endParaRPr lang="en-PH" sz="2500" dirty="0"/>
+          </a:p>
+          <a:p>
+            <a:r>
+              <a:rPr lang="en-PH" sz="2500" dirty="0"/>
+              <a:t>Match: </a:t>
+            </a:r>
+            <a:r>
+              <a:rPr lang="en-PH" sz="2500" b="1" dirty="0" err="1">
+                <a:solidFill>
+                  <a:srgbClr val="00B050"/>
+                </a:solidFill>
+              </a:rPr>
+              <a:t>abc</a:t>
+            </a:r>
+            <a:r>
+              <a:rPr lang="en-PH" sz="2500" dirty="0" err="1"/>
+              <a:t>defghi</a:t>
+            </a:r>
+            <a:endParaRPr lang="en-PH" sz="2500" b="1" dirty="0">
+              <a:solidFill>
+                <a:srgbClr val="00B050"/>
+              </a:solidFill>
+            </a:endParaRPr>
+          </a:p>
+          <a:p>
+            <a:endParaRPr lang="en-PH" sz="2500" dirty="0">
+              <a:solidFill>
+                <a:srgbClr val="FF0000"/>
+              </a:solidFill>
+            </a:endParaRPr>
+          </a:p>
+          <a:p>
+            <a:endParaRPr lang="en-PH" sz="2500" dirty="0"/>
           </a:p>
           <a:p>
             <a:endParaRPr lang="en-PH" sz="2500" dirty="0"/>
@@ -6835,7 +7502,7 @@
         <p:spPr>
           <a:xfrm>
             <a:off x="2004950" y="1406092"/>
-            <a:ext cx="8182099" cy="5093702"/>
+            <a:ext cx="8182099" cy="3554819"/>
           </a:xfrm>
           <a:prstGeom prst="rect">
             <a:avLst/>
@@ -6850,7 +7517,7 @@
           <a:p>
             <a:r>
               <a:rPr lang="en-PH" sz="2500" b="1" dirty="0"/>
-              <a:t>Word</a:t>
+              <a:t>Dot</a:t>
             </a:r>
           </a:p>
           <a:p>
@@ -6860,10 +7527,22 @@
             </a:pPr>
             <a:r>
               <a:rPr lang="en-PH" sz="2500" dirty="0"/>
-              <a:t>Matches any alphanumeric and underscore		</a:t>
-            </a:r>
-          </a:p>
-          <a:p>
+              <a:t>Matches any character except </a:t>
+            </a:r>
+            <a:r>
+              <a:rPr lang="en-PH" sz="2500" dirty="0" err="1"/>
+              <a:t>linebreaks</a:t>
+            </a:r>
+            <a:r>
+              <a:rPr lang="en-PH" sz="2500" dirty="0"/>
+              <a:t>.</a:t>
+            </a:r>
+          </a:p>
+          <a:p>
+            <a:pPr marL="342900" indent="-342900">
+              <a:buFontTx/>
+              <a:buChar char="-"/>
+            </a:pPr>
             <a:endParaRPr lang="en-PH" sz="2500" dirty="0"/>
           </a:p>
           <a:p>
@@ -6877,44 +7556,34 @@
                   <a:srgbClr val="FF0000"/>
                 </a:solidFill>
               </a:rPr>
-              <a:t>\w</a:t>
-            </a:r>
-          </a:p>
-          <a:p>
-            <a:endParaRPr lang="en-PH" sz="2500" dirty="0"/>
-          </a:p>
-          <a:p>
-            <a:r>
-              <a:rPr lang="en-PH" sz="2500" b="1" dirty="0"/>
-              <a:t>Not Word</a:t>
-            </a:r>
-          </a:p>
-          <a:p>
-            <a:pPr marL="342900" indent="-342900">
-              <a:buFontTx/>
-              <a:buChar char="-"/>
-            </a:pPr>
+              <a:t>.</a:t>
+            </a:r>
+          </a:p>
+          <a:p>
+            <a:endParaRPr lang="en-PH" sz="2500" dirty="0">
+              <a:solidFill>
+                <a:srgbClr val="FF0000"/>
+              </a:solidFill>
+            </a:endParaRPr>
+          </a:p>
+          <a:p>
             <a:r>
               <a:rPr lang="en-PH" sz="2500" dirty="0"/>
-              <a:t>Matches any character that is not an alphanumeric or an underscore.</a:t>
-            </a:r>
-          </a:p>
-          <a:p>
-            <a:endParaRPr lang="en-PH" sz="2500" dirty="0"/>
-          </a:p>
-          <a:p>
-            <a:r>
-              <a:rPr lang="en-PH" sz="2500" dirty="0"/>
-              <a:t>Pattern:</a:t>
-            </a:r>
-            <a:r>
-              <a:rPr lang="en-PH" sz="2500" b="1" dirty="0">
+              <a:t>Match: </a:t>
+            </a:r>
+            <a:r>
+              <a:rPr lang="en-PH" sz="2500" b="1" dirty="0" err="1">
                 <a:solidFill>
-                  <a:srgbClr val="FF0000"/>
+                  <a:srgbClr val="00B050"/>
                 </a:solidFill>
               </a:rPr>
-              <a:t> \W</a:t>
-            </a:r>
+              <a:t>abcdefghi</a:t>
+            </a:r>
+            <a:endParaRPr lang="en-PH" sz="2500" b="1" dirty="0">
+              <a:solidFill>
+                <a:srgbClr val="00B050"/>
+              </a:solidFill>
+            </a:endParaRPr>
           </a:p>
           <a:p>
             <a:endParaRPr lang="en-PH" sz="2500" dirty="0"/>
@@ -6930,7 +7599,7 @@
     </p:spTree>
     <p:extLst>
       <p:ext uri="{BB962C8B-B14F-4D97-AF65-F5344CB8AC3E}">
-        <p14:creationId xmlns:p14="http://schemas.microsoft.com/office/powerpoint/2010/main" val="1070898498"/>
+        <p14:creationId xmlns:p14="http://schemas.microsoft.com/office/powerpoint/2010/main" val="1075787456"/>
       </p:ext>
     </p:extLst>
   </p:cSld>
@@ -7247,7 +7916,7 @@
         <p:spPr>
           <a:xfrm>
             <a:off x="2004950" y="1406092"/>
-            <a:ext cx="8182099" cy="5093702"/>
+            <a:ext cx="8182099" cy="3554819"/>
           </a:xfrm>
           <a:prstGeom prst="rect">
             <a:avLst/>
@@ -7262,13 +7931,17 @@
           <a:p>
             <a:r>
               <a:rPr lang="en-PH" sz="2500" b="1" dirty="0"/>
-              <a:t>Digit</a:t>
-            </a:r>
-          </a:p>
-          <a:p>
+              <a:t>Word</a:t>
+            </a:r>
+          </a:p>
+          <a:p>
+            <a:pPr marL="342900" indent="-342900">
+              <a:buFontTx/>
+              <a:buChar char="-"/>
+            </a:pPr>
             <a:r>
               <a:rPr lang="en-PH" sz="2500" dirty="0"/>
-              <a:t>- Match any digit character (0-9).				</a:t>
+              <a:t>Matches any alphanumeric and underscore		</a:t>
             </a:r>
           </a:p>
           <a:p>
@@ -7285,7 +7958,7 @@
                   <a:srgbClr val="FF0000"/>
                 </a:solidFill>
               </a:rPr>
-              <a:t>\d</a:t>
+              <a:t>\w</a:t>
             </a:r>
           </a:p>
           <a:p>
@@ -7293,43 +7966,21 @@
           </a:p>
           <a:p>
             <a:r>
-              <a:rPr lang="en-PH" sz="2500" b="1" dirty="0"/>
-              <a:t>Not Digit</a:t>
-            </a:r>
-          </a:p>
-          <a:p>
-            <a:pPr marL="342900" indent="-342900">
-              <a:buFontTx/>
-              <a:buChar char="-"/>
-            </a:pPr>
-            <a:r>
               <a:rPr lang="en-PH" sz="2500" dirty="0"/>
-              <a:t>Matches any character that is not a digit character.</a:t>
-            </a:r>
-          </a:p>
-          <a:p>
-            <a:pPr marL="342900" indent="-342900">
-              <a:buFontTx/>
-              <a:buChar char="-"/>
-            </a:pPr>
-            <a:endParaRPr lang="en-PH" sz="2500" dirty="0"/>
-          </a:p>
-          <a:p>
-            <a:r>
-              <a:rPr lang="en-PH" sz="2500" dirty="0"/>
-              <a:t>Pattern:</a:t>
+              <a:t>Match: </a:t>
             </a:r>
             <a:r>
               <a:rPr lang="en-PH" sz="2500" b="1" dirty="0">
                 <a:solidFill>
-                  <a:srgbClr val="FF0000"/>
+                  <a:srgbClr val="00B050"/>
                 </a:solidFill>
               </a:rPr>
-              <a:t> \D</a:t>
-            </a:r>
-          </a:p>
-          <a:p>
-            <a:endParaRPr lang="en-PH" sz="2500" dirty="0"/>
+              <a:t>abc123_</a:t>
+            </a:r>
+            <a:r>
+              <a:rPr lang="en-PH" sz="2500" b="1" dirty="0"/>
+              <a:t>!@#$%</a:t>
+            </a:r>
           </a:p>
           <a:p>
             <a:endParaRPr lang="en-PH" sz="2500" dirty="0"/>
@@ -7345,7 +7996,7 @@
     </p:spTree>
     <p:extLst>
       <p:ext uri="{BB962C8B-B14F-4D97-AF65-F5344CB8AC3E}">
-        <p14:creationId xmlns:p14="http://schemas.microsoft.com/office/powerpoint/2010/main" val="1235216337"/>
+        <p14:creationId xmlns:p14="http://schemas.microsoft.com/office/powerpoint/2010/main" val="1070898498"/>
       </p:ext>
     </p:extLst>
   </p:cSld>
@@ -7662,7 +8313,7 @@
         <p:spPr>
           <a:xfrm>
             <a:off x="2004950" y="1406092"/>
-            <a:ext cx="8182099" cy="5093702"/>
+            <a:ext cx="8182099" cy="3939540"/>
           </a:xfrm>
           <a:prstGeom prst="rect">
             <a:avLst/>
@@ -7677,27 +8328,26 @@
           <a:p>
             <a:r>
               <a:rPr lang="en-PH" sz="2500" b="1" dirty="0"/>
-              <a:t>Whitespace</a:t>
-            </a:r>
-          </a:p>
-          <a:p>
+              <a:t>Not Word</a:t>
+            </a:r>
+          </a:p>
+          <a:p>
+            <a:pPr marL="342900" indent="-342900">
+              <a:buFontTx/>
+              <a:buChar char="-"/>
+            </a:pPr>
             <a:r>
               <a:rPr lang="en-PH" sz="2500" dirty="0"/>
-              <a:t>- Match any whitespace character (spaces, tabs, </a:t>
-            </a:r>
-            <a:r>
-              <a:rPr lang="en-PH" sz="2500" dirty="0" err="1"/>
-              <a:t>linebreaks</a:t>
-            </a:r>
+              <a:t>Matches any character that is not an alphanumeric or an underscore.</a:t>
+            </a:r>
+          </a:p>
+          <a:p>
+            <a:endParaRPr lang="en-PH" sz="2500" dirty="0"/>
+          </a:p>
+          <a:p>
             <a:r>
               <a:rPr lang="en-PH" sz="2500" dirty="0"/>
-              <a:t>).				</a:t>
-            </a:r>
-          </a:p>
-          <a:p>
-            <a:r>
-              <a:rPr lang="en-PH" sz="2500" dirty="0"/>
-              <a:t>Pattern: </a:t>
+              <a:t>Pattern:</a:t>
             </a:r>
             <a:r>
               <a:rPr lang="en-PH" sz="2500" b="1" dirty="0">
@@ -7705,7 +8355,7 @@
                   <a:srgbClr val="FF0000"/>
                 </a:solidFill>
               </a:rPr>
-              <a:t>\s</a:t>
+              <a:t> \W</a:t>
             </a:r>
           </a:p>
           <a:p>
@@ -7713,43 +8363,21 @@
           </a:p>
           <a:p>
             <a:r>
+              <a:rPr lang="en-PH" sz="2500" dirty="0"/>
+              <a:t>Match: abc123</a:t>
+            </a:r>
+            <a:r>
               <a:rPr lang="en-PH" sz="2500" b="1" dirty="0"/>
-              <a:t>Not Whitespace</a:t>
-            </a:r>
-          </a:p>
-          <a:p>
-            <a:pPr marL="342900" indent="-342900">
-              <a:buFontTx/>
-              <a:buChar char="-"/>
-            </a:pPr>
-            <a:r>
-              <a:rPr lang="en-PH" sz="2500" dirty="0"/>
-              <a:t>Matches any character that is not a whitespace character.</a:t>
-            </a:r>
-          </a:p>
-          <a:p>
-            <a:pPr marL="342900" indent="-342900">
-              <a:buFontTx/>
-              <a:buChar char="-"/>
-            </a:pPr>
-            <a:endParaRPr lang="en-PH" sz="2500" dirty="0"/>
-          </a:p>
-          <a:p>
-            <a:r>
-              <a:rPr lang="en-PH" sz="2500" dirty="0"/>
-              <a:t>Pattern:</a:t>
+              <a:t>_</a:t>
             </a:r>
             <a:r>
               <a:rPr lang="en-PH" sz="2500" b="1" dirty="0">
                 <a:solidFill>
-                  <a:srgbClr val="FF0000"/>
+                  <a:srgbClr val="00B050"/>
                 </a:solidFill>
               </a:rPr>
-              <a:t> \S</a:t>
-            </a:r>
-          </a:p>
-          <a:p>
-            <a:endParaRPr lang="en-PH" sz="2500" dirty="0"/>
+              <a:t>!@#$%</a:t>
+            </a:r>
           </a:p>
           <a:p>
             <a:endParaRPr lang="en-PH" sz="2500" dirty="0"/>
@@ -7765,7 +8393,7 @@
     </p:spTree>
     <p:extLst>
       <p:ext uri="{BB962C8B-B14F-4D97-AF65-F5344CB8AC3E}">
-        <p14:creationId xmlns:p14="http://schemas.microsoft.com/office/powerpoint/2010/main" val="1124954699"/>
+        <p14:creationId xmlns:p14="http://schemas.microsoft.com/office/powerpoint/2010/main" val="1581541931"/>
       </p:ext>
     </p:extLst>
   </p:cSld>
@@ -7837,7 +8465,7 @@
           <a:p>
             <a:r>
               <a:rPr lang="en-PH" sz="5400" b="1" dirty="0"/>
-              <a:t>Anchors</a:t>
+              <a:t>Character Class</a:t>
             </a:r>
             <a:endParaRPr lang="en-PH" sz="5000" b="1" dirty="0"/>
           </a:p>
@@ -8082,7 +8710,7 @@
         <p:spPr>
           <a:xfrm>
             <a:off x="2004950" y="1406092"/>
-            <a:ext cx="8182099" cy="1631216"/>
+            <a:ext cx="8182099" cy="3554819"/>
           </a:xfrm>
           <a:prstGeom prst="rect">
             <a:avLst/>
@@ -8095,54 +8723,73 @@
           </a:bodyPr>
           <a:lstStyle/>
           <a:p>
+            <a:r>
+              <a:rPr lang="en-PH" sz="2500" b="1" dirty="0"/>
+              <a:t>Digit</a:t>
+            </a:r>
+          </a:p>
+          <a:p>
             <a:pPr marL="342900" indent="-342900">
-              <a:buFont typeface="Wingdings" panose="05000000000000000000" pitchFamily="2" charset="2"/>
-              <a:buChar char="q"/>
+              <a:buFontTx/>
+              <a:buChar char="-"/>
             </a:pPr>
             <a:r>
-              <a:rPr lang="en-US" sz="2500" b="0" i="0" dirty="0">
-                <a:effectLst/>
-                <a:latin typeface="Calibri (Body)"/>
-              </a:rPr>
-              <a:t>Anchors match a position within a string, not a character.</a:t>
-            </a:r>
-            <a:endParaRPr lang="en-PH" sz="2500" dirty="0">
-              <a:latin typeface="Calibri (Body)"/>
-            </a:endParaRPr>
-          </a:p>
-          <a:p>
-            <a:pPr marL="342900" indent="-342900">
-              <a:buFont typeface="Wingdings" panose="05000000000000000000" pitchFamily="2" charset="2"/>
-              <a:buChar char="q"/>
-            </a:pPr>
-            <a:endParaRPr lang="en-PH" sz="2500" dirty="0">
-              <a:latin typeface="Calibri (Body)"/>
-            </a:endParaRPr>
-          </a:p>
-          <a:p>
-            <a:pPr marL="342900" indent="-342900">
-              <a:buFont typeface="Wingdings" panose="05000000000000000000" pitchFamily="2" charset="2"/>
-              <a:buChar char="q"/>
-            </a:pPr>
-            <a:endParaRPr lang="en-PH" sz="2500" dirty="0">
-              <a:latin typeface="Calibri (Body)"/>
-            </a:endParaRPr>
-          </a:p>
-          <a:p>
-            <a:pPr marL="342900" indent="-342900">
-              <a:buFont typeface="Wingdings" panose="05000000000000000000" pitchFamily="2" charset="2"/>
-              <a:buChar char="q"/>
-            </a:pPr>
-            <a:endParaRPr lang="en-PH" sz="2500" dirty="0">
-              <a:latin typeface="Calibri (Body)"/>
-            </a:endParaRPr>
+              <a:rPr lang="en-PH" sz="2500" dirty="0"/>
+              <a:t>Match any digit character (0-9).</a:t>
+            </a:r>
+          </a:p>
+          <a:p>
+            <a:r>
+              <a:rPr lang="en-PH" sz="2500" dirty="0"/>
+              <a:t>				</a:t>
+            </a:r>
+          </a:p>
+          <a:p>
+            <a:r>
+              <a:rPr lang="en-PH" sz="2500" dirty="0"/>
+              <a:t>Pattern: </a:t>
+            </a:r>
+            <a:r>
+              <a:rPr lang="en-PH" sz="2500" b="1" dirty="0">
+                <a:solidFill>
+                  <a:srgbClr val="FF0000"/>
+                </a:solidFill>
+              </a:rPr>
+              <a:t>\d</a:t>
+            </a:r>
+          </a:p>
+          <a:p>
+            <a:endParaRPr lang="en-PH" sz="2500" dirty="0"/>
+          </a:p>
+          <a:p>
+            <a:r>
+              <a:rPr lang="en-PH" sz="2500" dirty="0"/>
+              <a:t>Match: abc</a:t>
+            </a:r>
+            <a:r>
+              <a:rPr lang="en-PH" sz="2500" b="1" dirty="0">
+                <a:solidFill>
+                  <a:srgbClr val="00B050"/>
+                </a:solidFill>
+              </a:rPr>
+              <a:t>123</a:t>
+            </a:r>
+          </a:p>
+          <a:p>
+            <a:endParaRPr lang="en-PH" sz="2500" dirty="0"/>
+          </a:p>
+          <a:p>
+            <a:endParaRPr lang="en-PH" sz="2500" dirty="0"/>
+          </a:p>
+          <a:p>
+            <a:endParaRPr lang="en-PH" sz="2500" dirty="0"/>
           </a:p>
         </p:txBody>
       </p:sp>
     </p:spTree>
     <p:extLst>
       <p:ext uri="{BB962C8B-B14F-4D97-AF65-F5344CB8AC3E}">
-        <p14:creationId xmlns:p14="http://schemas.microsoft.com/office/powerpoint/2010/main" val="2903795245"/>
+        <p14:creationId xmlns:p14="http://schemas.microsoft.com/office/powerpoint/2010/main" val="1235216337"/>
       </p:ext>
     </p:extLst>
   </p:cSld>
@@ -8214,7 +8861,7 @@
           <a:p>
             <a:r>
               <a:rPr lang="en-PH" sz="5400" b="1" dirty="0"/>
-              <a:t>Anchors</a:t>
+              <a:t>Character Class</a:t>
             </a:r>
             <a:endParaRPr lang="en-PH" sz="5000" b="1" dirty="0"/>
           </a:p>
@@ -8352,10 +8999,13 @@
           </a:p>
           <a:p>
             <a:pPr algn="l"/>
-            <a:endParaRPr lang="en-PH" sz="2000" b="0" dirty="0">
-              <a:effectLst/>
-              <a:latin typeface="Consolas" panose="020B0609020204030204" pitchFamily="49" charset="0"/>
-            </a:endParaRPr>
+            <a:r>
+              <a:rPr lang="en-PH" sz="2000" b="0" dirty="0">
+                <a:effectLst/>
+                <a:latin typeface="Consolas" panose="020B0609020204030204" pitchFamily="49" charset="0"/>
+              </a:rPr>
+              <a:t>	</a:t>
+            </a:r>
           </a:p>
           <a:p>
             <a:pPr algn="l"/>
@@ -8459,7 +9109,7 @@
         <p:spPr>
           <a:xfrm>
             <a:off x="2004950" y="1406092"/>
-            <a:ext cx="8182099" cy="4324261"/>
+            <a:ext cx="8182099" cy="2785378"/>
           </a:xfrm>
           <a:prstGeom prst="rect">
             <a:avLst/>
@@ -8473,105 +9123,67 @@
           <a:lstStyle/>
           <a:p>
             <a:r>
-              <a:rPr lang="en-PH" sz="2500" b="1" i="0" dirty="0">
-                <a:effectLst/>
-                <a:latin typeface="Calibri (Body)"/>
-              </a:rPr>
-              <a:t>Beginning</a:t>
-            </a:r>
-          </a:p>
-          <a:p>
-            <a:r>
-              <a:rPr lang="en-US" sz="2500" b="0" i="0" dirty="0">
-                <a:effectLst/>
-                <a:latin typeface="Calibri (Body)"/>
-              </a:rPr>
-              <a:t>Matches the beginning of the string</a:t>
-            </a:r>
-          </a:p>
-          <a:p>
-            <a:endParaRPr lang="en-US" sz="2500" dirty="0">
-              <a:latin typeface="Calibri (Body)"/>
-            </a:endParaRPr>
-          </a:p>
-          <a:p>
-            <a:r>
-              <a:rPr lang="en-PH" sz="2500" dirty="0">
-                <a:latin typeface="Calibri (Body)"/>
-              </a:rPr>
-              <a:t>Pattern: </a:t>
+              <a:rPr lang="en-PH" sz="2500" b="1" dirty="0"/>
+              <a:t>Not Digit</a:t>
+            </a:r>
+          </a:p>
+          <a:p>
+            <a:pPr marL="342900" indent="-342900">
+              <a:buFontTx/>
+              <a:buChar char="-"/>
+            </a:pPr>
+            <a:r>
+              <a:rPr lang="en-PH" sz="2500" dirty="0"/>
+              <a:t>Matches any character that is not a digit character.</a:t>
+            </a:r>
+          </a:p>
+          <a:p>
+            <a:pPr marL="342900" indent="-342900">
+              <a:buFontTx/>
+              <a:buChar char="-"/>
+            </a:pPr>
+            <a:endParaRPr lang="en-PH" sz="2500" dirty="0"/>
+          </a:p>
+          <a:p>
+            <a:r>
+              <a:rPr lang="en-PH" sz="2500" dirty="0"/>
+              <a:t>Pattern:</a:t>
             </a:r>
             <a:r>
               <a:rPr lang="en-PH" sz="2500" b="1" dirty="0">
                 <a:solidFill>
                   <a:srgbClr val="FF0000"/>
                 </a:solidFill>
-                <a:latin typeface="Calibri (Body)"/>
-              </a:rPr>
-              <a:t>^</a:t>
-            </a:r>
-          </a:p>
-          <a:p>
-            <a:endParaRPr lang="en-PH" sz="2500" b="1" dirty="0">
-              <a:latin typeface="Calibri (Body)"/>
-            </a:endParaRPr>
-          </a:p>
-          <a:p>
-            <a:endParaRPr lang="en-PH" sz="2500" b="1" dirty="0">
-              <a:latin typeface="Calibri (Body)"/>
-            </a:endParaRPr>
-          </a:p>
-          <a:p>
-            <a:r>
-              <a:rPr lang="en-PH" sz="2500" b="1" dirty="0">
-                <a:latin typeface="Calibri (Body)"/>
-              </a:rPr>
-              <a:t>End</a:t>
-            </a:r>
-          </a:p>
-          <a:p>
-            <a:r>
-              <a:rPr lang="en-US" sz="2500" b="0" i="0" dirty="0">
-                <a:effectLst/>
-                <a:latin typeface="Calibri (Body)"/>
-              </a:rPr>
-              <a:t>Matches the end of the string</a:t>
-            </a:r>
-          </a:p>
-          <a:p>
-            <a:endParaRPr lang="en-US" sz="2500" dirty="0">
-              <a:latin typeface="Calibri (Body)"/>
-            </a:endParaRPr>
-          </a:p>
-          <a:p>
-            <a:r>
-              <a:rPr lang="en-PH" sz="2500" dirty="0">
-                <a:latin typeface="Calibri (Body)"/>
-              </a:rPr>
-              <a:t>Pattern:</a:t>
-            </a:r>
-            <a:r>
-              <a:rPr lang="en-PH" sz="2500" dirty="0">
-                <a:solidFill>
-                  <a:srgbClr val="FF0000"/>
-                </a:solidFill>
-                <a:latin typeface="Calibri (Body)"/>
-              </a:rPr>
-              <a:t> </a:t>
+              </a:rPr>
+              <a:t> \D</a:t>
+            </a:r>
+          </a:p>
+          <a:p>
+            <a:endParaRPr lang="en-PH" sz="2500" dirty="0"/>
+          </a:p>
+          <a:p>
+            <a:r>
+              <a:rPr lang="en-PH" sz="2500" dirty="0"/>
+              <a:t>Match: </a:t>
             </a:r>
             <a:r>
               <a:rPr lang="en-PH" sz="2500" b="1" dirty="0">
                 <a:solidFill>
-                  <a:srgbClr val="FF0000"/>
+                  <a:srgbClr val="00B050"/>
                 </a:solidFill>
-                <a:latin typeface="Calibri (Body)"/>
-              </a:rPr>
-              <a:t>$</a:t>
+              </a:rPr>
+              <a:t>abc</a:t>
+            </a:r>
+            <a:r>
+              <a:rPr lang="en-PH" sz="2500" b="1" dirty="0"/>
+              <a:t>123</a:t>
             </a:r>
           </a:p>
           <a:p>
             <a:endParaRPr lang="en-PH" sz="2500" b="1" dirty="0">
-              <a:latin typeface="Calibri (Body)"/>
+              <a:solidFill>
+                <a:srgbClr val="FF0000"/>
+              </a:solidFill>
             </a:endParaRPr>
           </a:p>
         </p:txBody>
@@ -8579,7 +9191,7 @@
     </p:spTree>
     <p:extLst>
       <p:ext uri="{BB962C8B-B14F-4D97-AF65-F5344CB8AC3E}">
-        <p14:creationId xmlns:p14="http://schemas.microsoft.com/office/powerpoint/2010/main" val="3611648984"/>
+        <p14:creationId xmlns:p14="http://schemas.microsoft.com/office/powerpoint/2010/main" val="1112738795"/>
       </p:ext>
     </p:extLst>
   </p:cSld>
@@ -8651,7 +9263,7 @@
           <a:p>
             <a:r>
               <a:rPr lang="en-PH" sz="5400" b="1" dirty="0"/>
-              <a:t>Anchors</a:t>
+              <a:t>Character Class</a:t>
             </a:r>
             <a:endParaRPr lang="en-PH" sz="5000" b="1" dirty="0"/>
           </a:p>
@@ -8895,8 +9507,8 @@
         </p:nvSpPr>
         <p:spPr>
           <a:xfrm>
-            <a:off x="2004950" y="1210319"/>
-            <a:ext cx="8182099" cy="4708981"/>
+            <a:off x="2004950" y="1406092"/>
+            <a:ext cx="8182099" cy="4324261"/>
           </a:xfrm>
           <a:prstGeom prst="rect">
             <a:avLst/>
@@ -8910,29 +9522,33 @@
           <a:lstStyle/>
           <a:p>
             <a:r>
-              <a:rPr lang="en-PH" sz="2500" b="1" dirty="0">
-                <a:latin typeface="Calibri (Body)"/>
-              </a:rPr>
-              <a:t>Word Boundary</a:t>
-            </a:r>
-            <a:endParaRPr lang="en-PH" sz="2500" b="1" i="0" dirty="0">
-              <a:effectLst/>
-              <a:latin typeface="Calibri (Body)"/>
-            </a:endParaRPr>
-          </a:p>
-          <a:p>
-            <a:r>
-              <a:rPr lang="en-US" sz="2500" b="0" i="0" dirty="0">
-                <a:effectLst/>
-                <a:latin typeface="Calibri (Body)"/>
-              </a:rPr>
-              <a:t>Matches a word boundary position between a word character and non-word character or position (start / end of string)</a:t>
-            </a:r>
-          </a:p>
-          <a:p>
-            <a:endParaRPr lang="en-US" sz="2500" dirty="0">
-              <a:latin typeface="Calibri (Body)"/>
-            </a:endParaRPr>
+              <a:rPr lang="en-PH" sz="2500" b="1" dirty="0"/>
+              <a:t>Whitespace</a:t>
+            </a:r>
+          </a:p>
+          <a:p>
+            <a:pPr marL="342900" indent="-342900">
+              <a:buFontTx/>
+              <a:buChar char="-"/>
+            </a:pPr>
+            <a:r>
+              <a:rPr lang="en-PH" sz="2500" dirty="0"/>
+              <a:t>Matches any whitespace character (spaces, tabs, </a:t>
+            </a:r>
+            <a:r>
+              <a:rPr lang="en-PH" sz="2500" dirty="0" err="1"/>
+              <a:t>linebreaks</a:t>
+            </a:r>
+            <a:r>
+              <a:rPr lang="en-PH" sz="2500" dirty="0"/>
+              <a:t>).	</a:t>
+            </a:r>
+          </a:p>
+          <a:p>
+            <a:r>
+              <a:rPr lang="en-PH" sz="2500" dirty="0"/>
+              <a:t>			</a:t>
+            </a:r>
           </a:p>
           <a:p>
             <a:r>
@@ -8945,61 +9561,51 @@
                   <a:srgbClr val="FF0000"/>
                 </a:solidFill>
               </a:rPr>
-              <a:t>\b</a:t>
-            </a:r>
-          </a:p>
-          <a:p>
-            <a:endParaRPr lang="en-PH" sz="2500" b="1" dirty="0">
-              <a:latin typeface="Calibri (Body)"/>
-            </a:endParaRPr>
-          </a:p>
-          <a:p>
-            <a:r>
-              <a:rPr lang="en-PH" sz="2500" b="1" dirty="0">
-                <a:latin typeface="Calibri (Body)"/>
-              </a:rPr>
-              <a:t>Not Word Boundary</a:t>
-            </a:r>
-          </a:p>
-          <a:p>
-            <a:r>
-              <a:rPr lang="en-US" sz="2500" b="0" i="0" dirty="0">
-                <a:effectLst/>
-                <a:latin typeface="Calibri (Body)"/>
-              </a:rPr>
-              <a:t>Matches any position that is not a word boundary. This matches a position, not a character.</a:t>
-            </a:r>
-          </a:p>
-          <a:p>
-            <a:endParaRPr lang="en-US" sz="2500" dirty="0">
-              <a:latin typeface="Calibri (Body)"/>
-            </a:endParaRPr>
+              <a:t>\s</a:t>
+            </a:r>
+          </a:p>
+          <a:p>
+            <a:endParaRPr lang="en-PH" sz="2500" dirty="0"/>
           </a:p>
           <a:p>
             <a:r>
               <a:rPr lang="en-PH" sz="2500" dirty="0"/>
-              <a:t>Pattern: </a:t>
-            </a:r>
-            <a:r>
-              <a:rPr lang="en-PH" sz="2500" b="1" dirty="0">
+              <a:t>Match: Hello</a:t>
+            </a:r>
+            <a:r>
+              <a:rPr lang="en-PH" sz="2500" dirty="0">
                 <a:solidFill>
-                  <a:srgbClr val="FF0000"/>
+                  <a:srgbClr val="00B050"/>
                 </a:solidFill>
-              </a:rPr>
-              <a:t>\B</a:t>
-            </a:r>
-          </a:p>
-          <a:p>
-            <a:endParaRPr lang="en-PH" sz="2500" b="1" dirty="0">
-              <a:latin typeface="Calibri (Body)"/>
-            </a:endParaRPr>
+                <a:highlight>
+                  <a:srgbClr val="00FF00"/>
+                </a:highlight>
+              </a:rPr>
+              <a:t> </a:t>
+            </a:r>
+            <a:r>
+              <a:rPr lang="en-PH" sz="2500" dirty="0"/>
+              <a:t>Java!</a:t>
+            </a:r>
+          </a:p>
+          <a:p>
+            <a:endParaRPr lang="en-PH" sz="2500" dirty="0"/>
+          </a:p>
+          <a:p>
+            <a:endParaRPr lang="en-PH" sz="2500" dirty="0"/>
+          </a:p>
+          <a:p>
+            <a:endParaRPr lang="en-PH" sz="2500" dirty="0"/>
+          </a:p>
+          <a:p>
+            <a:endParaRPr lang="en-PH" sz="2500" dirty="0"/>
           </a:p>
         </p:txBody>
       </p:sp>
     </p:spTree>
     <p:extLst>
       <p:ext uri="{BB962C8B-B14F-4D97-AF65-F5344CB8AC3E}">
-        <p14:creationId xmlns:p14="http://schemas.microsoft.com/office/powerpoint/2010/main" val="1138967674"/>
+        <p14:creationId xmlns:p14="http://schemas.microsoft.com/office/powerpoint/2010/main" val="1124954699"/>
       </p:ext>
     </p:extLst>
   </p:cSld>
@@ -9071,7 +9677,7 @@
           <a:p>
             <a:r>
               <a:rPr lang="en-PH" sz="5400" b="1" dirty="0"/>
-              <a:t>Quantifiers and Alternation</a:t>
+              <a:t>Character Class</a:t>
             </a:r>
             <a:endParaRPr lang="en-PH" sz="5000" b="1" dirty="0"/>
           </a:p>
@@ -9315,8 +9921,8 @@
         </p:nvSpPr>
         <p:spPr>
           <a:xfrm>
-            <a:off x="2004950" y="1620515"/>
-            <a:ext cx="8182099" cy="4247317"/>
+            <a:off x="2004950" y="1406092"/>
+            <a:ext cx="8182099" cy="3554819"/>
           </a:xfrm>
           <a:prstGeom prst="rect">
             <a:avLst/>
@@ -9330,111 +9936,73 @@
           <a:lstStyle/>
           <a:p>
             <a:r>
+              <a:rPr lang="en-PH" sz="2500" b="1" dirty="0"/>
+              <a:t>Not Whitespace</a:t>
+            </a:r>
+          </a:p>
+          <a:p>
+            <a:pPr marL="342900" indent="-342900">
+              <a:buFontTx/>
+              <a:buChar char="-"/>
+            </a:pPr>
+            <a:r>
+              <a:rPr lang="en-PH" sz="2500" dirty="0"/>
+              <a:t>Matches any character that is not a whitespace character.</a:t>
+            </a:r>
+          </a:p>
+          <a:p>
+            <a:pPr marL="342900" indent="-342900">
+              <a:buFontTx/>
+              <a:buChar char="-"/>
+            </a:pPr>
+            <a:endParaRPr lang="en-PH" sz="2500" dirty="0"/>
+          </a:p>
+          <a:p>
+            <a:r>
+              <a:rPr lang="en-PH" sz="2500" dirty="0"/>
+              <a:t>Pattern:</a:t>
+            </a:r>
+            <a:r>
               <a:rPr lang="en-PH" sz="2500" b="1" dirty="0">
-                <a:latin typeface="Calibri (Body)"/>
-              </a:rPr>
-              <a:t>Plus</a:t>
-            </a:r>
-            <a:r>
-              <a:rPr lang="en-PH" sz="2500" dirty="0">
-                <a:latin typeface="Calibri (Body)"/>
-              </a:rPr>
-              <a:t>			</a:t>
-            </a:r>
-          </a:p>
-          <a:p>
-            <a:r>
-              <a:rPr lang="en-US" sz="2800" b="0" i="0" dirty="0">
-                <a:effectLst/>
-                <a:latin typeface="Calibri (Body)"/>
-              </a:rPr>
-              <a:t>Matches 1 or more of the preceding token.</a:t>
-            </a:r>
-          </a:p>
-          <a:p>
-            <a:endParaRPr lang="en-US" sz="2800" b="0" i="0" dirty="0">
-              <a:effectLst/>
-              <a:latin typeface="Calibri (Body)"/>
-            </a:endParaRPr>
-          </a:p>
-          <a:p>
-            <a:r>
-              <a:rPr lang="en-PH" sz="2800" dirty="0">
-                <a:latin typeface="Calibri (Body)"/>
-              </a:rPr>
-              <a:t>Pattern: </a:t>
-            </a:r>
-            <a:r>
-              <a:rPr lang="en-PH" sz="2800" b="1" dirty="0">
                 <a:solidFill>
                   <a:srgbClr val="FF0000"/>
                 </a:solidFill>
-                <a:latin typeface="Calibri (Body)"/>
-              </a:rPr>
-              <a:t>+</a:t>
-            </a:r>
-          </a:p>
-          <a:p>
-            <a:endParaRPr lang="en-US" sz="2800" dirty="0">
-              <a:latin typeface="Calibri (Body)"/>
-            </a:endParaRPr>
-          </a:p>
-          <a:p>
-            <a:r>
-              <a:rPr lang="en-US" sz="2800" b="1" dirty="0">
-                <a:latin typeface="Calibri (Body)"/>
-              </a:rPr>
-              <a:t>Star</a:t>
-            </a:r>
-            <a:r>
-              <a:rPr lang="en-US" sz="2800" dirty="0">
-                <a:latin typeface="Calibri (Body)"/>
-              </a:rPr>
-              <a:t>			</a:t>
-            </a:r>
-          </a:p>
-          <a:p>
-            <a:r>
-              <a:rPr lang="en-US" sz="2800" b="0" i="0" dirty="0">
-                <a:effectLst/>
-                <a:latin typeface="Calibri (Body)"/>
-              </a:rPr>
-              <a:t>Matches 0 or more of the preceding token.</a:t>
-            </a:r>
-          </a:p>
-          <a:p>
-            <a:endParaRPr lang="en-US" sz="2800" dirty="0">
-              <a:latin typeface="Calibri (Body)"/>
-            </a:endParaRPr>
-          </a:p>
-          <a:p>
-            <a:r>
-              <a:rPr lang="en-PH" sz="2400" dirty="0">
-                <a:latin typeface="Calibri (Body)"/>
-              </a:rPr>
-              <a:t>Pattern: </a:t>
-            </a:r>
-            <a:r>
-              <a:rPr lang="en-US" sz="2400" b="1" dirty="0">
+              </a:rPr>
+              <a:t> \S</a:t>
+            </a:r>
+          </a:p>
+          <a:p>
+            <a:endParaRPr lang="en-PH" sz="2500" dirty="0"/>
+          </a:p>
+          <a:p>
+            <a:r>
+              <a:rPr lang="en-PH" sz="2500" dirty="0"/>
+              <a:t>Match: </a:t>
+            </a:r>
+            <a:r>
+              <a:rPr lang="en-PH" sz="2500" b="1" dirty="0">
                 <a:solidFill>
-                  <a:srgbClr val="FF0000"/>
+                  <a:srgbClr val="00B050"/>
                 </a:solidFill>
-                <a:latin typeface="Calibri (Body)"/>
-              </a:rPr>
-              <a:t>*</a:t>
-            </a:r>
-          </a:p>
-          <a:p>
-            <a:endParaRPr lang="en-PH" sz="2500" dirty="0">
-              <a:latin typeface="Calibri (Body)"/>
-            </a:endParaRPr>
+              </a:rPr>
+              <a:t>Hello Java!</a:t>
+            </a:r>
+          </a:p>
+          <a:p>
+            <a:endParaRPr lang="en-PH" sz="2500" dirty="0"/>
+          </a:p>
+          <a:p>
+            <a:endParaRPr lang="en-PH" sz="2500" dirty="0"/>
+          </a:p>
+          <a:p>
+            <a:endParaRPr lang="en-PH" sz="2500" dirty="0"/>
           </a:p>
         </p:txBody>
       </p:sp>
     </p:spTree>
     <p:extLst>
       <p:ext uri="{BB962C8B-B14F-4D97-AF65-F5344CB8AC3E}">
-        <p14:creationId xmlns:p14="http://schemas.microsoft.com/office/powerpoint/2010/main" val="3387131523"/>
+        <p14:creationId xmlns:p14="http://schemas.microsoft.com/office/powerpoint/2010/main" val="3730397555"/>
       </p:ext>
     </p:extLst>
   </p:cSld>
@@ -9750,8 +10318,8 @@
         </p:nvSpPr>
         <p:spPr>
           <a:xfrm>
-            <a:off x="2004950" y="1215609"/>
-            <a:ext cx="8182099" cy="5955476"/>
+            <a:off x="2004950" y="1620515"/>
+            <a:ext cx="8182099" cy="4324261"/>
           </a:xfrm>
           <a:prstGeom prst="rect">
             <a:avLst/>
@@ -9768,7 +10336,7 @@
               <a:rPr lang="en-PH" sz="2500" b="1" dirty="0">
                 <a:latin typeface="Calibri (Body)"/>
               </a:rPr>
-              <a:t>Quantifier</a:t>
+              <a:t>Plus</a:t>
             </a:r>
             <a:r>
               <a:rPr lang="en-PH" sz="2500" dirty="0">
@@ -9778,12 +10346,16 @@
             </a:r>
           </a:p>
           <a:p>
+            <a:pPr marL="457200" indent="-457200">
+              <a:buFontTx/>
+              <a:buChar char="-"/>
+            </a:pPr>
             <a:r>
               <a:rPr lang="en-US" sz="2500" b="0" i="0" dirty="0">
                 <a:effectLst/>
                 <a:latin typeface="Calibri (Body)"/>
               </a:rPr>
-              <a:t>Matches the specified quantity of the previous token..</a:t>
+              <a:t>Matches 1 or more of the previous token.</a:t>
             </a:r>
           </a:p>
           <a:p>
@@ -9800,147 +10372,32 @@
               <a:t>Pattern: </a:t>
             </a:r>
             <a:r>
-              <a:rPr lang="en-PH" sz="2500" b="1" dirty="0">
+              <a:rPr lang="en-PH" sz="2500" dirty="0" err="1">
+                <a:latin typeface="Calibri (Body)"/>
+              </a:rPr>
+              <a:t>a</a:t>
+            </a:r>
+            <a:r>
+              <a:rPr lang="en-PH" sz="2500" b="1" dirty="0" err="1">
                 <a:solidFill>
                   <a:srgbClr val="FF0000"/>
                 </a:solidFill>
                 <a:latin typeface="Calibri (Body)"/>
               </a:rPr>
-              <a:t>{1,3} </a:t>
-            </a:r>
-            <a:r>
-              <a:rPr lang="en-PH" sz="2500" b="1" dirty="0">
+              <a:t>+</a:t>
+            </a:r>
+            <a:r>
+              <a:rPr lang="en-PH" sz="2500" dirty="0" err="1">
                 <a:latin typeface="Calibri (Body)"/>
               </a:rPr>
-              <a:t>(1 to 3)</a:t>
-            </a:r>
-          </a:p>
-          <a:p>
-            <a:r>
-              <a:rPr lang="en-PH" sz="2500" b="1" dirty="0">
-                <a:solidFill>
-                  <a:srgbClr val="FF0000"/>
-                </a:solidFill>
-                <a:latin typeface="Calibri (Body)"/>
-              </a:rPr>
-              <a:t>{3} </a:t>
-            </a:r>
-            <a:r>
-              <a:rPr lang="en-PH" sz="2500" b="1" dirty="0">
-                <a:latin typeface="Calibri (Body)"/>
-              </a:rPr>
-              <a:t>(Exactly 3)</a:t>
-            </a:r>
-          </a:p>
-          <a:p>
-            <a:r>
-              <a:rPr lang="en-PH" sz="2500" b="1" dirty="0">
-                <a:solidFill>
-                  <a:srgbClr val="FF0000"/>
-                </a:solidFill>
-                <a:latin typeface="Calibri (Body)"/>
-              </a:rPr>
-              <a:t>{3, } </a:t>
-            </a:r>
-            <a:r>
-              <a:rPr lang="en-PH" sz="2500" b="1" dirty="0">
-                <a:latin typeface="Calibri (Body)"/>
-              </a:rPr>
-              <a:t>(3 or more)</a:t>
-            </a:r>
-          </a:p>
-          <a:p>
-            <a:endParaRPr lang="en-US" sz="2500" dirty="0">
+              <a:t>pple</a:t>
+            </a:r>
+            <a:endParaRPr lang="en-PH" sz="2500" dirty="0">
               <a:latin typeface="Calibri (Body)"/>
             </a:endParaRPr>
           </a:p>
           <a:p>
-            <a:r>
-              <a:rPr lang="en-US" sz="2500" b="1" dirty="0">
-                <a:latin typeface="Calibri (Body)"/>
-              </a:rPr>
-              <a:t>Alternation</a:t>
-            </a:r>
-            <a:r>
-              <a:rPr lang="en-US" sz="2500" dirty="0">
-                <a:latin typeface="Calibri (Body)"/>
-              </a:rPr>
-              <a:t>			</a:t>
-            </a:r>
-          </a:p>
-          <a:p>
-            <a:r>
-              <a:rPr lang="en-US" sz="2500" b="0" i="0" dirty="0">
-                <a:effectLst/>
-                <a:latin typeface="Calibri (Body)"/>
-              </a:rPr>
-              <a:t>Similar to the OR operator.</a:t>
-            </a:r>
-          </a:p>
-          <a:p>
-            <a:endParaRPr lang="en-US" sz="2500" dirty="0">
-              <a:latin typeface="Calibri (Body)"/>
-            </a:endParaRPr>
-          </a:p>
-          <a:p>
-            <a:r>
-              <a:rPr lang="en-PH" sz="2500" dirty="0">
-                <a:latin typeface="Calibri (Body)"/>
-              </a:rPr>
-              <a:t>Pattern: </a:t>
-            </a:r>
-            <a:r>
-              <a:rPr lang="en-US" sz="2500" b="1" dirty="0">
-                <a:solidFill>
-                  <a:srgbClr val="FF0000"/>
-                </a:solidFill>
-                <a:latin typeface="Calibri (Body)"/>
-              </a:rPr>
-              <a:t>|</a:t>
-            </a:r>
-          </a:p>
-          <a:p>
-            <a:r>
-              <a:rPr lang="en-PH" sz="2500" b="1" i="0" dirty="0">
-                <a:solidFill>
-                  <a:srgbClr val="FF0000"/>
-                </a:solidFill>
-                <a:effectLst/>
-                <a:latin typeface="Calibri (Body)"/>
-              </a:rPr>
-              <a:t>b(</a:t>
-            </a:r>
-            <a:r>
-              <a:rPr lang="en-PH" sz="2500" b="1" i="0" dirty="0" err="1">
-                <a:solidFill>
-                  <a:srgbClr val="FF0000"/>
-                </a:solidFill>
-                <a:effectLst/>
-                <a:latin typeface="Calibri (Body)"/>
-              </a:rPr>
-              <a:t>a|e|i</a:t>
-            </a:r>
-            <a:r>
-              <a:rPr lang="en-PH" sz="2500" b="1" i="0" dirty="0">
-                <a:solidFill>
-                  <a:srgbClr val="FF0000"/>
-                </a:solidFill>
-                <a:effectLst/>
-                <a:latin typeface="Calibri (Body)"/>
-              </a:rPr>
-              <a:t>)d</a:t>
-            </a:r>
-          </a:p>
-          <a:p>
-            <a:endParaRPr lang="en-PH" sz="2800" b="1" dirty="0">
-              <a:solidFill>
-                <a:srgbClr val="FF0000"/>
-              </a:solidFill>
-              <a:latin typeface="Source Code Pro" panose="020B0509030403020204" pitchFamily="49" charset="0"/>
-            </a:endParaRPr>
-          </a:p>
-          <a:p>
-            <a:endParaRPr lang="en-US" sz="2500" b="1" dirty="0">
+            <a:endParaRPr lang="en-PH" sz="2500" b="1" dirty="0">
               <a:solidFill>
                 <a:srgbClr val="FF0000"/>
               </a:solidFill>
@@ -9948,7 +10405,77 @@
             </a:endParaRPr>
           </a:p>
           <a:p>
-            <a:endParaRPr lang="en-PH" sz="2500" dirty="0">
+            <a:r>
+              <a:rPr lang="en-PH" sz="2500" dirty="0">
+                <a:latin typeface="Calibri (Body)"/>
+              </a:rPr>
+              <a:t>Match:</a:t>
+            </a:r>
+          </a:p>
+          <a:p>
+            <a:r>
+              <a:rPr lang="en-PH" sz="2500" b="1" dirty="0">
+                <a:solidFill>
+                  <a:srgbClr val="00B050"/>
+                </a:solidFill>
+                <a:latin typeface="Calibri (Body)"/>
+              </a:rPr>
+              <a:t>apple</a:t>
+            </a:r>
+          </a:p>
+          <a:p>
+            <a:r>
+              <a:rPr lang="en-PH" sz="2500" b="1" dirty="0" err="1">
+                <a:solidFill>
+                  <a:srgbClr val="00B050"/>
+                </a:solidFill>
+                <a:latin typeface="Calibri (Body)"/>
+              </a:rPr>
+              <a:t>aapple</a:t>
+            </a:r>
+            <a:endParaRPr lang="en-PH" sz="2500" b="1" dirty="0">
+              <a:solidFill>
+                <a:srgbClr val="00B050"/>
+              </a:solidFill>
+              <a:latin typeface="Calibri (Body)"/>
+            </a:endParaRPr>
+          </a:p>
+          <a:p>
+            <a:r>
+              <a:rPr lang="en-PH" sz="2500" b="1" dirty="0" err="1">
+                <a:solidFill>
+                  <a:srgbClr val="00B050"/>
+                </a:solidFill>
+                <a:latin typeface="Calibri (Body)"/>
+              </a:rPr>
+              <a:t>aaaple</a:t>
+            </a:r>
+            <a:endParaRPr lang="en-PH" sz="2500" b="1" dirty="0">
+              <a:solidFill>
+                <a:srgbClr val="00B050"/>
+              </a:solidFill>
+              <a:latin typeface="Calibri (Body)"/>
+            </a:endParaRPr>
+          </a:p>
+          <a:p>
+            <a:r>
+              <a:rPr lang="en-PH" sz="2500" b="1" dirty="0" err="1">
+                <a:solidFill>
+                  <a:srgbClr val="00B050"/>
+                </a:solidFill>
+                <a:latin typeface="Calibri (Body)"/>
+              </a:rPr>
+              <a:t>aaaapple</a:t>
+            </a:r>
+            <a:endParaRPr lang="en-PH" sz="2500" b="1" dirty="0">
+              <a:solidFill>
+                <a:srgbClr val="00B050"/>
+              </a:solidFill>
+              <a:latin typeface="Calibri (Body)"/>
+            </a:endParaRPr>
+          </a:p>
+          <a:p>
+            <a:endParaRPr lang="en-US" sz="2500" dirty="0">
               <a:latin typeface="Calibri (Body)"/>
             </a:endParaRPr>
           </a:p>
@@ -9957,7 +10484,7 @@
     </p:spTree>
     <p:extLst>
       <p:ext uri="{BB962C8B-B14F-4D97-AF65-F5344CB8AC3E}">
-        <p14:creationId xmlns:p14="http://schemas.microsoft.com/office/powerpoint/2010/main" val="2347326092"/>
+        <p14:creationId xmlns:p14="http://schemas.microsoft.com/office/powerpoint/2010/main" val="3387131523"/>
       </p:ext>
     </p:extLst>
   </p:cSld>
@@ -10549,7 +11076,7 @@
         <p:spPr>
           <a:xfrm>
             <a:off x="2004950" y="1620515"/>
-            <a:ext cx="8182099" cy="2923877"/>
+            <a:ext cx="8182099" cy="4708981"/>
           </a:xfrm>
           <a:prstGeom prst="rect">
             <a:avLst/>
@@ -10563,52 +11090,152 @@
           <a:lstStyle/>
           <a:p>
             <a:r>
-              <a:rPr lang="en-PH" sz="2500" b="1" dirty="0">
+              <a:rPr lang="en-US" sz="2500" b="1" dirty="0">
                 <a:latin typeface="Calibri (Body)"/>
               </a:rPr>
-              <a:t>Optional</a:t>
-            </a:r>
-            <a:r>
-              <a:rPr lang="en-PH" sz="2500" dirty="0">
+              <a:t>Star</a:t>
+            </a:r>
+            <a:r>
+              <a:rPr lang="en-US" sz="2500" dirty="0">
                 <a:latin typeface="Calibri (Body)"/>
               </a:rPr>
               <a:t>			</a:t>
             </a:r>
           </a:p>
           <a:p>
+            <a:pPr marL="342900" indent="-342900">
+              <a:buFontTx/>
+              <a:buChar char="-"/>
+            </a:pPr>
             <a:r>
               <a:rPr lang="en-US" sz="2500" b="0" i="0" dirty="0">
                 <a:effectLst/>
                 <a:latin typeface="Calibri (Body)"/>
               </a:rPr>
-              <a:t>Matches 0 or 1 of the preceding token, effectively making it optional.</a:t>
-            </a:r>
-          </a:p>
-          <a:p>
-            <a:endParaRPr lang="en-US" sz="2800" b="0" i="0" dirty="0">
+              <a:t>Matches 0 or more of the previous token.</a:t>
+            </a:r>
+          </a:p>
+          <a:p>
+            <a:endParaRPr lang="en-US" sz="2500" b="0" i="0" dirty="0">
               <a:effectLst/>
               <a:latin typeface="Calibri (Body)"/>
             </a:endParaRPr>
           </a:p>
           <a:p>
             <a:r>
-              <a:rPr lang="en-PH" sz="2800" dirty="0">
+              <a:rPr lang="en-PH" sz="2500" dirty="0">
                 <a:latin typeface="Calibri (Body)"/>
               </a:rPr>
-              <a:t>Pattern: </a:t>
-            </a:r>
-            <a:r>
-              <a:rPr lang="en-PH" sz="2800" b="1" dirty="0">
+              <a:t>Pattern: a</a:t>
+            </a:r>
+            <a:r>
+              <a:rPr lang="en-US" sz="2500" b="1" dirty="0">
                 <a:solidFill>
                   <a:srgbClr val="FF0000"/>
                 </a:solidFill>
                 <a:latin typeface="Calibri (Body)"/>
               </a:rPr>
-              <a:t>?</a:t>
-            </a:r>
-          </a:p>
-          <a:p>
-            <a:endParaRPr lang="en-US" sz="2800" dirty="0">
+              <a:t>*</a:t>
+            </a:r>
+            <a:r>
+              <a:rPr lang="en-US" sz="2500" dirty="0" err="1">
+                <a:latin typeface="Calibri (Body)"/>
+              </a:rPr>
+              <a:t>pple</a:t>
+            </a:r>
+            <a:endParaRPr lang="en-US" sz="2500" dirty="0">
+              <a:latin typeface="Calibri (Body)"/>
+            </a:endParaRPr>
+          </a:p>
+          <a:p>
+            <a:endParaRPr lang="en-US" sz="2500" dirty="0">
+              <a:latin typeface="Calibri (Body)"/>
+            </a:endParaRPr>
+          </a:p>
+          <a:p>
+            <a:r>
+              <a:rPr lang="en-PH" sz="2500" dirty="0">
+                <a:latin typeface="Calibri (Body)"/>
+              </a:rPr>
+              <a:t>Match:</a:t>
+            </a:r>
+          </a:p>
+          <a:p>
+            <a:r>
+              <a:rPr lang="en-PH" sz="2500" b="1" dirty="0" err="1">
+                <a:solidFill>
+                  <a:srgbClr val="00B050"/>
+                </a:solidFill>
+                <a:latin typeface="Calibri (Body)"/>
+              </a:rPr>
+              <a:t>pple</a:t>
+            </a:r>
+            <a:endParaRPr lang="en-PH" sz="2500" b="1" dirty="0">
+              <a:solidFill>
+                <a:srgbClr val="00B050"/>
+              </a:solidFill>
+              <a:latin typeface="Calibri (Body)"/>
+            </a:endParaRPr>
+          </a:p>
+          <a:p>
+            <a:r>
+              <a:rPr lang="en-PH" sz="2500" b="1" dirty="0">
+                <a:solidFill>
+                  <a:srgbClr val="00B050"/>
+                </a:solidFill>
+                <a:latin typeface="Calibri (Body)"/>
+              </a:rPr>
+              <a:t>apple</a:t>
+            </a:r>
+          </a:p>
+          <a:p>
+            <a:r>
+              <a:rPr lang="en-PH" sz="2500" b="1" dirty="0" err="1">
+                <a:solidFill>
+                  <a:srgbClr val="00B050"/>
+                </a:solidFill>
+                <a:latin typeface="Calibri (Body)"/>
+              </a:rPr>
+              <a:t>aapple</a:t>
+            </a:r>
+            <a:endParaRPr lang="en-PH" sz="2500" b="1" dirty="0">
+              <a:solidFill>
+                <a:srgbClr val="00B050"/>
+              </a:solidFill>
+              <a:latin typeface="Calibri (Body)"/>
+            </a:endParaRPr>
+          </a:p>
+          <a:p>
+            <a:r>
+              <a:rPr lang="en-PH" sz="2500" b="1" dirty="0" err="1">
+                <a:solidFill>
+                  <a:srgbClr val="00B050"/>
+                </a:solidFill>
+                <a:latin typeface="Calibri (Body)"/>
+              </a:rPr>
+              <a:t>aaaple</a:t>
+            </a:r>
+            <a:endParaRPr lang="en-PH" sz="2500" b="1" dirty="0">
+              <a:solidFill>
+                <a:srgbClr val="00B050"/>
+              </a:solidFill>
+              <a:latin typeface="Calibri (Body)"/>
+            </a:endParaRPr>
+          </a:p>
+          <a:p>
+            <a:r>
+              <a:rPr lang="en-PH" sz="2500" b="1" dirty="0" err="1">
+                <a:solidFill>
+                  <a:srgbClr val="00B050"/>
+                </a:solidFill>
+                <a:latin typeface="Calibri (Body)"/>
+              </a:rPr>
+              <a:t>aaaapple</a:t>
+            </a:r>
+            <a:endParaRPr lang="en-PH" sz="2500" b="1" dirty="0">
+              <a:solidFill>
+                <a:srgbClr val="00B050"/>
+              </a:solidFill>
               <a:latin typeface="Calibri (Body)"/>
             </a:endParaRPr>
           </a:p>
@@ -10622,7 +11249,7 @@
     </p:spTree>
     <p:extLst>
       <p:ext uri="{BB962C8B-B14F-4D97-AF65-F5344CB8AC3E}">
-        <p14:creationId xmlns:p14="http://schemas.microsoft.com/office/powerpoint/2010/main" val="3620326899"/>
+        <p14:creationId xmlns:p14="http://schemas.microsoft.com/office/powerpoint/2010/main" val="4090116622"/>
       </p:ext>
     </p:extLst>
   </p:cSld>
@@ -10694,7 +11321,7 @@
           <a:p>
             <a:r>
               <a:rPr lang="en-PH" sz="5400" b="1" dirty="0"/>
-              <a:t>Groups and References</a:t>
+              <a:t>Quantifiers and Alternation</a:t>
             </a:r>
             <a:endParaRPr lang="en-PH" sz="5000" b="1" dirty="0"/>
           </a:p>
@@ -10938,8 +11565,8 @@
         </p:nvSpPr>
         <p:spPr>
           <a:xfrm>
-            <a:off x="2004950" y="1620515"/>
-            <a:ext cx="8182099" cy="2015936"/>
+            <a:off x="2004950" y="1215609"/>
+            <a:ext cx="8182099" cy="6370975"/>
           </a:xfrm>
           <a:prstGeom prst="rect">
             <a:avLst/>
@@ -10956,7 +11583,7 @@
               <a:rPr lang="en-PH" sz="2500" b="1" dirty="0">
                 <a:latin typeface="Calibri (Body)"/>
               </a:rPr>
-              <a:t>Capturing Group </a:t>
+              <a:t>Quantifier</a:t>
             </a:r>
             <a:r>
               <a:rPr lang="en-PH" sz="2500" dirty="0">
@@ -10966,19 +11593,2027 @@
             </a:r>
           </a:p>
           <a:p>
+            <a:pPr marL="342900" indent="-342900">
+              <a:buFontTx/>
+              <a:buChar char="-"/>
+            </a:pPr>
             <a:r>
               <a:rPr lang="en-US" sz="2500" b="0" i="0" dirty="0">
                 <a:effectLst/>
                 <a:latin typeface="Calibri (Body)"/>
               </a:rPr>
-              <a:t>Groups multiple tokens together and creates a capture group for extracting a substring or using a backreference.</a:t>
-            </a:r>
+              <a:t>Matches the specified quantity of the previous token.</a:t>
+            </a:r>
+          </a:p>
+          <a:p>
+            <a:endParaRPr lang="en-US" sz="2500" b="0" i="0" dirty="0">
+              <a:effectLst/>
+              <a:latin typeface="Calibri (Body)"/>
+            </a:endParaRPr>
+          </a:p>
+          <a:p>
+            <a:r>
+              <a:rPr lang="en-PH" sz="1600" dirty="0">
+                <a:latin typeface="Calibri (Body)"/>
+              </a:rPr>
+              <a:t>Pattern: a </a:t>
+            </a:r>
+            <a:r>
+              <a:rPr lang="en-PH" sz="1600" b="1" dirty="0">
+                <a:solidFill>
+                  <a:srgbClr val="FF0000"/>
+                </a:solidFill>
+                <a:latin typeface="Calibri (Body)"/>
+              </a:rPr>
+              <a:t>{3}</a:t>
+            </a:r>
+            <a:endParaRPr lang="en-PH" sz="1600" b="1" dirty="0">
+              <a:latin typeface="Calibri (Body)"/>
+            </a:endParaRPr>
+          </a:p>
+          <a:p>
+            <a:r>
+              <a:rPr lang="en-PH" sz="1600" dirty="0">
+                <a:latin typeface="Calibri (Body)"/>
+              </a:rPr>
+              <a:t>Match:</a:t>
+            </a:r>
+          </a:p>
+          <a:p>
+            <a:r>
+              <a:rPr lang="en-PH" sz="1600" b="1" dirty="0" err="1">
+                <a:solidFill>
+                  <a:srgbClr val="00B050"/>
+                </a:solidFill>
+                <a:latin typeface="Calibri (Body)"/>
+              </a:rPr>
+              <a:t>aaa</a:t>
+            </a:r>
+            <a:endParaRPr lang="en-PH" sz="1600" b="1" dirty="0">
+              <a:solidFill>
+                <a:srgbClr val="00B050"/>
+              </a:solidFill>
+              <a:latin typeface="Calibri (Body)"/>
+            </a:endParaRPr>
+          </a:p>
+          <a:p>
+            <a:endParaRPr lang="en-PH" sz="1600" b="1" dirty="0">
+              <a:solidFill>
+                <a:srgbClr val="FF0000"/>
+              </a:solidFill>
+              <a:latin typeface="Calibri (Body)"/>
+            </a:endParaRPr>
+          </a:p>
+          <a:p>
+            <a:r>
+              <a:rPr lang="en-PH" sz="1600" dirty="0">
+                <a:latin typeface="Calibri (Body)"/>
+              </a:rPr>
+              <a:t>Pattern:  </a:t>
+            </a:r>
+            <a:r>
+              <a:rPr lang="en-PH" sz="1600" b="1" dirty="0">
+                <a:latin typeface="Calibri (Body)"/>
+              </a:rPr>
+              <a:t>a</a:t>
+            </a:r>
+            <a:r>
+              <a:rPr lang="en-PH" sz="1600" b="1" dirty="0">
+                <a:solidFill>
+                  <a:srgbClr val="FF0000"/>
+                </a:solidFill>
+                <a:latin typeface="Calibri (Body)"/>
+              </a:rPr>
+              <a:t> {1,3} </a:t>
+            </a:r>
+          </a:p>
+          <a:p>
+            <a:r>
+              <a:rPr lang="en-PH" sz="1600" dirty="0">
+                <a:latin typeface="Calibri (Body)"/>
+              </a:rPr>
+              <a:t>Match:</a:t>
+            </a:r>
+            <a:endParaRPr lang="en-PH" sz="1600" dirty="0">
+              <a:solidFill>
+                <a:srgbClr val="FF0000"/>
+              </a:solidFill>
+              <a:latin typeface="Calibri (Body)"/>
+            </a:endParaRPr>
+          </a:p>
+          <a:p>
+            <a:r>
+              <a:rPr lang="en-PH" sz="1600" b="1" dirty="0">
+                <a:solidFill>
+                  <a:srgbClr val="00B050"/>
+                </a:solidFill>
+                <a:latin typeface="Calibri (Body)"/>
+              </a:rPr>
+              <a:t>a</a:t>
+            </a:r>
+          </a:p>
+          <a:p>
+            <a:r>
+              <a:rPr lang="en-PH" sz="1600" b="1" dirty="0">
+                <a:solidFill>
+                  <a:srgbClr val="00B050"/>
+                </a:solidFill>
+                <a:latin typeface="Calibri (Body)"/>
+              </a:rPr>
+              <a:t>aa</a:t>
+            </a:r>
+          </a:p>
+          <a:p>
+            <a:r>
+              <a:rPr lang="en-PH" sz="1600" b="1" dirty="0" err="1">
+                <a:solidFill>
+                  <a:srgbClr val="00B050"/>
+                </a:solidFill>
+                <a:latin typeface="Calibri (Body)"/>
+              </a:rPr>
+              <a:t>aaa</a:t>
+            </a:r>
+            <a:endParaRPr lang="en-PH" sz="1600" b="1" dirty="0">
+              <a:solidFill>
+                <a:srgbClr val="00B050"/>
+              </a:solidFill>
+              <a:latin typeface="Calibri (Body)"/>
+            </a:endParaRPr>
+          </a:p>
+          <a:p>
+            <a:endParaRPr lang="en-PH" sz="1600" b="1" dirty="0">
+              <a:solidFill>
+                <a:srgbClr val="FF0000"/>
+              </a:solidFill>
+              <a:latin typeface="Calibri (Body)"/>
+            </a:endParaRPr>
+          </a:p>
+          <a:p>
+            <a:r>
+              <a:rPr lang="en-PH" sz="1600" dirty="0">
+                <a:latin typeface="Calibri (Body)"/>
+              </a:rPr>
+              <a:t>Pattern:  </a:t>
+            </a:r>
+            <a:r>
+              <a:rPr lang="en-PH" sz="1600" b="1" dirty="0">
+                <a:latin typeface="Calibri (Body)"/>
+              </a:rPr>
+              <a:t>a</a:t>
+            </a:r>
+            <a:r>
+              <a:rPr lang="en-PH" sz="1600" b="1" dirty="0">
+                <a:solidFill>
+                  <a:srgbClr val="FF0000"/>
+                </a:solidFill>
+                <a:latin typeface="Calibri (Body)"/>
+              </a:rPr>
+              <a:t> {3,} </a:t>
+            </a:r>
+          </a:p>
+          <a:p>
+            <a:r>
+              <a:rPr lang="en-PH" sz="1600" dirty="0">
+                <a:latin typeface="Calibri (Body)"/>
+              </a:rPr>
+              <a:t>Match:</a:t>
+            </a:r>
+          </a:p>
+          <a:p>
+            <a:r>
+              <a:rPr lang="en-PH" sz="1600" b="1" dirty="0" err="1">
+                <a:solidFill>
+                  <a:srgbClr val="00B050"/>
+                </a:solidFill>
+                <a:latin typeface="Calibri (Body)"/>
+              </a:rPr>
+              <a:t>aaa</a:t>
+            </a:r>
+            <a:endParaRPr lang="en-PH" sz="1600" b="1" dirty="0">
+              <a:solidFill>
+                <a:srgbClr val="00B050"/>
+              </a:solidFill>
+              <a:latin typeface="Calibri (Body)"/>
+            </a:endParaRPr>
+          </a:p>
+          <a:p>
+            <a:r>
+              <a:rPr lang="en-PH" sz="1600" b="1" dirty="0" err="1">
+                <a:solidFill>
+                  <a:srgbClr val="00B050"/>
+                </a:solidFill>
+                <a:latin typeface="Calibri (Body)"/>
+              </a:rPr>
+              <a:t>aaaa</a:t>
+            </a:r>
+            <a:endParaRPr lang="en-PH" sz="1600" b="1" dirty="0">
+              <a:solidFill>
+                <a:srgbClr val="00B050"/>
+              </a:solidFill>
+              <a:latin typeface="Calibri (Body)"/>
+            </a:endParaRPr>
+          </a:p>
+          <a:p>
+            <a:r>
+              <a:rPr lang="en-PH" sz="1600" b="1" dirty="0" err="1">
+                <a:solidFill>
+                  <a:srgbClr val="00B050"/>
+                </a:solidFill>
+                <a:latin typeface="Calibri (Body)"/>
+              </a:rPr>
+              <a:t>aaaaa</a:t>
+            </a:r>
+            <a:endParaRPr lang="en-US" sz="1600" dirty="0">
+              <a:solidFill>
+                <a:srgbClr val="00B050"/>
+              </a:solidFill>
+              <a:latin typeface="Calibri (Body)"/>
+            </a:endParaRPr>
+          </a:p>
+          <a:p>
+            <a:endParaRPr lang="en-PH" sz="2800" b="1" dirty="0">
+              <a:solidFill>
+                <a:srgbClr val="FF0000"/>
+              </a:solidFill>
+              <a:latin typeface="Source Code Pro" panose="020B0509030403020204" pitchFamily="49" charset="0"/>
+            </a:endParaRPr>
+          </a:p>
+          <a:p>
+            <a:endParaRPr lang="en-US" sz="2500" b="1" dirty="0">
+              <a:solidFill>
+                <a:srgbClr val="FF0000"/>
+              </a:solidFill>
+              <a:latin typeface="Calibri (Body)"/>
+            </a:endParaRPr>
+          </a:p>
+          <a:p>
             <a:endParaRPr lang="en-PH" sz="2500" dirty="0">
               <a:latin typeface="Calibri (Body)"/>
             </a:endParaRPr>
           </a:p>
+        </p:txBody>
+      </p:sp>
+    </p:spTree>
+    <p:extLst>
+      <p:ext uri="{BB962C8B-B14F-4D97-AF65-F5344CB8AC3E}">
+        <p14:creationId xmlns:p14="http://schemas.microsoft.com/office/powerpoint/2010/main" val="2347326092"/>
+      </p:ext>
+    </p:extLst>
+  </p:cSld>
+  <p:clrMapOvr>
+    <a:masterClrMapping/>
+  </p:clrMapOvr>
+</p:sld>
+</file>
+
+<file path=ppt/slides/slide22.xml><?xml version="1.0" encoding="utf-8"?>
+<p:sld xmlns:a="http://schemas.openxmlformats.org/drawingml/2006/main" xmlns:r="http://schemas.openxmlformats.org/officeDocument/2006/relationships" xmlns:p="http://schemas.openxmlformats.org/presentationml/2006/main">
+  <p:cSld>
+    <p:bg>
+      <p:bgPr>
+        <a:blipFill dpi="0" rotWithShape="1">
+          <a:blip r:embed="rId3">
+            <a:alphaModFix amt="99000"/>
+            <a:lum/>
+          </a:blip>
+          <a:srcRect/>
+          <a:stretch>
+            <a:fillRect t="89000" r="85000" b="-1000"/>
+          </a:stretch>
+        </a:blipFill>
+        <a:effectLst/>
+      </p:bgPr>
+    </p:bg>
+    <p:spTree>
+      <p:nvGrpSpPr>
+        <p:cNvPr id="1" name=""/>
+        <p:cNvGrpSpPr/>
+        <p:nvPr/>
+      </p:nvGrpSpPr>
+      <p:grpSpPr>
+        <a:xfrm>
+          <a:off x="0" y="0"/>
+          <a:ext cx="0" cy="0"/>
+          <a:chOff x="0" y="0"/>
+          <a:chExt cx="0" cy="0"/>
+        </a:xfrm>
+      </p:grpSpPr>
+      <p:sp>
+        <p:nvSpPr>
+          <p:cNvPr id="2" name="Title 1">
+            <a:extLst>
+              <a:ext uri="{FF2B5EF4-FFF2-40B4-BE49-F238E27FC236}">
+                <a16:creationId xmlns:a16="http://schemas.microsoft.com/office/drawing/2014/main" id="{6A3DCE86-C2BA-4713-9E7A-73589E8D6CCF}"/>
+              </a:ext>
+            </a:extLst>
+          </p:cNvPr>
+          <p:cNvSpPr>
+            <a:spLocks noGrp="1"/>
+          </p:cNvSpPr>
+          <p:nvPr>
+            <p:ph type="ctrTitle"/>
+          </p:nvPr>
+        </p:nvSpPr>
+        <p:spPr>
+          <a:xfrm>
+            <a:off x="1524000" y="497150"/>
+            <a:ext cx="9144000" cy="718459"/>
+          </a:xfrm>
+        </p:spPr>
+        <p:txBody>
+          <a:bodyPr>
+            <a:noAutofit/>
+          </a:bodyPr>
+          <a:lstStyle/>
+          <a:p>
+            <a:r>
+              <a:rPr lang="en-PH" sz="5400" b="1" dirty="0"/>
+              <a:t>Quantifiers and Alternation</a:t>
+            </a:r>
+            <a:endParaRPr lang="en-PH" sz="5000" b="1" dirty="0"/>
+          </a:p>
+        </p:txBody>
+      </p:sp>
+      <p:sp>
+        <p:nvSpPr>
+          <p:cNvPr id="4" name="Footer Placeholder 3">
+            <a:extLst>
+              <a:ext uri="{FF2B5EF4-FFF2-40B4-BE49-F238E27FC236}">
+                <a16:creationId xmlns:a16="http://schemas.microsoft.com/office/drawing/2014/main" id="{638E7DE1-45EE-476A-A474-0F3C264AEDA3}"/>
+              </a:ext>
+            </a:extLst>
+          </p:cNvPr>
+          <p:cNvSpPr>
+            <a:spLocks noGrp="1"/>
+          </p:cNvSpPr>
+          <p:nvPr>
+            <p:ph type="ftr" sz="quarter" idx="11"/>
+          </p:nvPr>
+        </p:nvSpPr>
+        <p:spPr>
+          <a:xfrm>
+            <a:off x="0" y="6139541"/>
+            <a:ext cx="12192000" cy="718459"/>
+          </a:xfrm>
+          <a:ln w="28575">
+            <a:solidFill>
+              <a:schemeClr val="accent5">
+                <a:lumMod val="50000"/>
+              </a:schemeClr>
+            </a:solidFill>
+          </a:ln>
+        </p:spPr>
+        <p:txBody>
+          <a:bodyPr/>
+          <a:lstStyle/>
+          <a:p>
+            <a:pPr algn="r"/>
+            <a:r>
+              <a:rPr lang="en-PH" b="1" dirty="0">
+                <a:solidFill>
+                  <a:schemeClr val="tx1"/>
+                </a:solidFill>
+              </a:rPr>
+              <a:t>CCPRGG2L – Intermediate Programming</a:t>
+            </a:r>
+          </a:p>
+        </p:txBody>
+      </p:sp>
+      <p:sp>
+        <p:nvSpPr>
+          <p:cNvPr id="3" name="Title 1">
+            <a:extLst>
+              <a:ext uri="{FF2B5EF4-FFF2-40B4-BE49-F238E27FC236}">
+                <a16:creationId xmlns:a16="http://schemas.microsoft.com/office/drawing/2014/main" id="{6C30C3FD-9F67-8E4D-274C-38222F46C4C5}"/>
+              </a:ext>
+            </a:extLst>
+          </p:cNvPr>
+          <p:cNvSpPr txBox="1">
+            <a:spLocks/>
+          </p:cNvSpPr>
+          <p:nvPr/>
+        </p:nvSpPr>
+        <p:spPr>
+          <a:xfrm>
+            <a:off x="1524000" y="1516449"/>
+            <a:ext cx="9144000" cy="4290585"/>
+          </a:xfrm>
+          <a:prstGeom prst="rect">
+            <a:avLst/>
+          </a:prstGeom>
+        </p:spPr>
+        <p:txBody>
+          <a:bodyPr vert="horz" lIns="91440" tIns="45720" rIns="91440" bIns="45720" rtlCol="0" anchor="b">
+            <a:normAutofit fontScale="97500"/>
+          </a:bodyPr>
+          <a:lstStyle>
+            <a:lvl1pPr algn="ctr" defTabSz="914400" rtl="0" eaLnBrk="1" latinLnBrk="0" hangingPunct="1">
+              <a:lnSpc>
+                <a:spcPct val="90000"/>
+              </a:lnSpc>
+              <a:spcBef>
+                <a:spcPct val="0"/>
+              </a:spcBef>
+              <a:buNone/>
+              <a:defRPr sz="6000" kern="1200">
+                <a:solidFill>
+                  <a:schemeClr val="tx1"/>
+                </a:solidFill>
+                <a:latin typeface="+mj-lt"/>
+                <a:ea typeface="+mj-ea"/>
+                <a:cs typeface="+mj-cs"/>
+              </a:defRPr>
+            </a:lvl1pPr>
+          </a:lstStyle>
+          <a:p>
+            <a:pPr algn="l"/>
+            <a:endParaRPr lang="en-PH" sz="2600" dirty="0">
+              <a:latin typeface="Consolas" panose="020B0609020204030204" pitchFamily="49" charset="0"/>
+            </a:endParaRPr>
+          </a:p>
+          <a:p>
+            <a:pPr algn="l"/>
+            <a:r>
+              <a:rPr lang="en-PH" sz="2600" b="0" dirty="0">
+                <a:effectLst/>
+                <a:latin typeface="Consolas" panose="020B0609020204030204" pitchFamily="49" charset="0"/>
+              </a:rPr>
+              <a:t>                         </a:t>
+            </a:r>
+          </a:p>
+          <a:p>
+            <a:pPr algn="l"/>
+            <a:r>
+              <a:rPr lang="en-PH" sz="2600" b="0" dirty="0">
+                <a:effectLst/>
+                <a:latin typeface="Consolas" panose="020B0609020204030204" pitchFamily="49" charset="0"/>
+              </a:rPr>
+              <a:t>        </a:t>
+            </a:r>
+          </a:p>
+          <a:p>
+            <a:pPr algn="l"/>
+            <a:endParaRPr lang="en-PH" sz="2600" b="0" dirty="0">
+              <a:effectLst/>
+              <a:latin typeface="Consolas" panose="020B0609020204030204" pitchFamily="49" charset="0"/>
+            </a:endParaRPr>
+          </a:p>
+          <a:p>
+            <a:pPr algn="l"/>
+            <a:endParaRPr lang="en-PH" sz="2000" dirty="0">
+              <a:latin typeface="Consolas" panose="020B0609020204030204" pitchFamily="49" charset="0"/>
+            </a:endParaRPr>
+          </a:p>
+          <a:p>
+            <a:pPr algn="l"/>
+            <a:endParaRPr lang="en-PH" sz="2000" b="0" dirty="0">
+              <a:effectLst/>
+              <a:latin typeface="Consolas" panose="020B0609020204030204" pitchFamily="49" charset="0"/>
+            </a:endParaRPr>
+          </a:p>
+          <a:p>
+            <a:pPr algn="l"/>
+            <a:endParaRPr lang="en-PH" sz="2000" dirty="0">
+              <a:latin typeface="Consolas" panose="020B0609020204030204" pitchFamily="49" charset="0"/>
+            </a:endParaRPr>
+          </a:p>
+          <a:p>
+            <a:pPr algn="l"/>
+            <a:endParaRPr lang="en-PH" sz="2000" b="0" dirty="0">
+              <a:effectLst/>
+              <a:latin typeface="Consolas" panose="020B0609020204030204" pitchFamily="49" charset="0"/>
+            </a:endParaRPr>
+          </a:p>
+          <a:p>
+            <a:pPr algn="l"/>
+            <a:endParaRPr lang="en-PH" sz="2000" dirty="0">
+              <a:latin typeface="Consolas" panose="020B0609020204030204" pitchFamily="49" charset="0"/>
+            </a:endParaRPr>
+          </a:p>
+          <a:p>
+            <a:pPr algn="l"/>
+            <a:endParaRPr lang="en-PH" sz="2000" b="0" dirty="0">
+              <a:effectLst/>
+              <a:latin typeface="Consolas" panose="020B0609020204030204" pitchFamily="49" charset="0"/>
+            </a:endParaRPr>
+          </a:p>
+          <a:p>
+            <a:pPr algn="l"/>
+            <a:endParaRPr lang="en-PH" sz="2000" b="0" dirty="0">
+              <a:effectLst/>
+              <a:latin typeface="Consolas" panose="020B0609020204030204" pitchFamily="49" charset="0"/>
+            </a:endParaRPr>
+          </a:p>
+          <a:p>
+            <a:pPr algn="l"/>
+            <a:endParaRPr lang="en-PH" sz="2000" dirty="0">
+              <a:latin typeface="Consolas" panose="020B0609020204030204" pitchFamily="49" charset="0"/>
+            </a:endParaRPr>
+          </a:p>
+          <a:p>
+            <a:pPr algn="l"/>
+            <a:endParaRPr lang="en-PH" sz="2000" b="0" dirty="0">
+              <a:effectLst/>
+              <a:latin typeface="Consolas" panose="020B0609020204030204" pitchFamily="49" charset="0"/>
+            </a:endParaRPr>
+          </a:p>
+          <a:p>
+            <a:pPr algn="l"/>
+            <a:endParaRPr lang="en-PH" sz="2000" b="0" dirty="0">
+              <a:effectLst/>
+              <a:latin typeface="Consolas" panose="020B0609020204030204" pitchFamily="49" charset="0"/>
+            </a:endParaRPr>
+          </a:p>
+        </p:txBody>
+      </p:sp>
+      <p:sp>
+        <p:nvSpPr>
+          <p:cNvPr id="13" name="TextBox 12">
+            <a:extLst>
+              <a:ext uri="{FF2B5EF4-FFF2-40B4-BE49-F238E27FC236}">
+                <a16:creationId xmlns:a16="http://schemas.microsoft.com/office/drawing/2014/main" id="{3900C14F-041A-7E06-AEB2-454CF583C656}"/>
+              </a:ext>
+            </a:extLst>
+          </p:cNvPr>
+          <p:cNvSpPr txBox="1"/>
+          <p:nvPr/>
+        </p:nvSpPr>
+        <p:spPr>
+          <a:xfrm>
+            <a:off x="1294271" y="3067065"/>
+            <a:ext cx="787400" cy="369332"/>
+          </a:xfrm>
+          <a:prstGeom prst="rect">
+            <a:avLst/>
+          </a:prstGeom>
+          <a:noFill/>
+        </p:spPr>
+        <p:txBody>
+          <a:bodyPr wrap="square" rtlCol="0">
+            <a:spAutoFit/>
+          </a:bodyPr>
+          <a:lstStyle/>
+          <a:p>
+            <a:endParaRPr lang="en-PH" dirty="0"/>
+          </a:p>
+        </p:txBody>
+      </p:sp>
+      <p:sp>
+        <p:nvSpPr>
+          <p:cNvPr id="14" name="TextBox 13">
+            <a:extLst>
+              <a:ext uri="{FF2B5EF4-FFF2-40B4-BE49-F238E27FC236}">
+                <a16:creationId xmlns:a16="http://schemas.microsoft.com/office/drawing/2014/main" id="{75652A3C-2B5F-3EDF-F7EB-D0C6328EDA8C}"/>
+              </a:ext>
+            </a:extLst>
+          </p:cNvPr>
+          <p:cNvSpPr txBox="1"/>
+          <p:nvPr/>
+        </p:nvSpPr>
+        <p:spPr>
+          <a:xfrm>
+            <a:off x="1942320" y="1215609"/>
+            <a:ext cx="8182099" cy="4708981"/>
+          </a:xfrm>
+          <a:prstGeom prst="rect">
+            <a:avLst/>
+          </a:prstGeom>
+          <a:noFill/>
+        </p:spPr>
+        <p:txBody>
+          <a:bodyPr wrap="square" rtlCol="0">
+            <a:spAutoFit/>
+          </a:bodyPr>
+          <a:lstStyle/>
+          <a:p>
+            <a:r>
+              <a:rPr lang="en-US" sz="2500" b="1" dirty="0">
+                <a:latin typeface="Calibri (Body)"/>
+              </a:rPr>
+              <a:t>Pipe</a:t>
+            </a:r>
+            <a:r>
+              <a:rPr lang="en-US" sz="2500" dirty="0">
+                <a:latin typeface="Calibri (Body)"/>
+              </a:rPr>
+              <a:t>			</a:t>
+            </a:r>
+          </a:p>
+          <a:p>
+            <a:pPr marL="342900" indent="-342900">
+              <a:buFontTx/>
+              <a:buChar char="-"/>
+            </a:pPr>
+            <a:r>
+              <a:rPr lang="en-US" sz="2500" b="0" i="0" dirty="0">
+                <a:effectLst/>
+                <a:latin typeface="Calibri (Body)"/>
+              </a:rPr>
+              <a:t>Similar to the OR operator in Java. </a:t>
+            </a:r>
+            <a:r>
+              <a:rPr lang="en-US" sz="2500" b="0" i="0" dirty="0">
+                <a:solidFill>
+                  <a:srgbClr val="000000"/>
+                </a:solidFill>
+                <a:effectLst/>
+                <a:latin typeface="Calibri (Body)"/>
+              </a:rPr>
+              <a:t>Matches either the part on the left side, or the part on the right side.</a:t>
+            </a:r>
+          </a:p>
+          <a:p>
+            <a:endParaRPr lang="en-US" sz="2500" dirty="0">
+              <a:latin typeface="Calibri (Body)"/>
+            </a:endParaRPr>
+          </a:p>
+          <a:p>
+            <a:r>
+              <a:rPr lang="en-PH" sz="2500" dirty="0">
+                <a:latin typeface="Calibri (Body)"/>
+              </a:rPr>
+              <a:t>Pattern: b</a:t>
+            </a:r>
+            <a:r>
+              <a:rPr lang="en-PH" sz="2500" b="1" i="0" dirty="0">
+                <a:solidFill>
+                  <a:srgbClr val="FF0000"/>
+                </a:solidFill>
+                <a:effectLst/>
+                <a:latin typeface="Calibri (Body)"/>
+              </a:rPr>
+              <a:t>(</a:t>
+            </a:r>
+            <a:r>
+              <a:rPr lang="en-PH" sz="2500" b="1" i="0" dirty="0" err="1">
+                <a:solidFill>
+                  <a:srgbClr val="FF0000"/>
+                </a:solidFill>
+                <a:effectLst/>
+                <a:latin typeface="Calibri (Body)"/>
+              </a:rPr>
+              <a:t>a|e|i</a:t>
+            </a:r>
+            <a:r>
+              <a:rPr lang="en-PH" sz="2500" b="1" i="0" dirty="0">
+                <a:solidFill>
+                  <a:srgbClr val="FF0000"/>
+                </a:solidFill>
+                <a:effectLst/>
+                <a:latin typeface="Calibri (Body)"/>
+              </a:rPr>
+              <a:t>)</a:t>
+            </a:r>
+            <a:r>
+              <a:rPr lang="en-PH" sz="2500" i="0" dirty="0">
+                <a:effectLst/>
+                <a:latin typeface="Calibri (Body)"/>
+              </a:rPr>
+              <a:t>d</a:t>
+            </a:r>
+          </a:p>
+          <a:p>
+            <a:endParaRPr lang="en-US" sz="2500" dirty="0">
+              <a:latin typeface="Calibri (Body)"/>
+            </a:endParaRPr>
+          </a:p>
+          <a:p>
+            <a:r>
+              <a:rPr lang="en-PH" sz="2500" dirty="0">
+                <a:latin typeface="Calibri (Body)"/>
+              </a:rPr>
+              <a:t>Match: </a:t>
+            </a:r>
+            <a:endParaRPr lang="en-PH" sz="2500" b="1" dirty="0">
+              <a:solidFill>
+                <a:srgbClr val="FF0000"/>
+              </a:solidFill>
+              <a:latin typeface="Calibri (Body)"/>
+            </a:endParaRPr>
+          </a:p>
+          <a:p>
+            <a:r>
+              <a:rPr lang="en-PH" sz="2500" b="1" dirty="0">
+                <a:solidFill>
+                  <a:srgbClr val="00B050"/>
+                </a:solidFill>
+                <a:latin typeface="Calibri (Body)"/>
+              </a:rPr>
+              <a:t>bad</a:t>
+            </a:r>
+          </a:p>
+          <a:p>
+            <a:r>
+              <a:rPr lang="en-PH" sz="2500" b="1" dirty="0">
+                <a:solidFill>
+                  <a:srgbClr val="00B050"/>
+                </a:solidFill>
+                <a:latin typeface="Calibri (Body)"/>
+              </a:rPr>
+              <a:t>bed</a:t>
+            </a:r>
+          </a:p>
+          <a:p>
+            <a:r>
+              <a:rPr lang="en-PH" sz="2500" b="1" dirty="0">
+                <a:solidFill>
+                  <a:srgbClr val="00B050"/>
+                </a:solidFill>
+                <a:latin typeface="Calibri (Body)"/>
+              </a:rPr>
+              <a:t>bid</a:t>
+            </a:r>
+          </a:p>
+          <a:p>
+            <a:endParaRPr lang="en-US" sz="2500" b="1" dirty="0">
+              <a:solidFill>
+                <a:srgbClr val="FF0000"/>
+              </a:solidFill>
+              <a:latin typeface="Calibri (Body)"/>
+            </a:endParaRPr>
+          </a:p>
+          <a:p>
+            <a:r>
+              <a:rPr lang="en-PH" sz="2500" dirty="0">
+                <a:latin typeface="Calibri (Body)"/>
+              </a:rPr>
+              <a:t> </a:t>
+            </a:r>
+          </a:p>
+        </p:txBody>
+      </p:sp>
+    </p:spTree>
+    <p:extLst>
+      <p:ext uri="{BB962C8B-B14F-4D97-AF65-F5344CB8AC3E}">
+        <p14:creationId xmlns:p14="http://schemas.microsoft.com/office/powerpoint/2010/main" val="4214348313"/>
+      </p:ext>
+    </p:extLst>
+  </p:cSld>
+  <p:clrMapOvr>
+    <a:masterClrMapping/>
+  </p:clrMapOvr>
+</p:sld>
+</file>
+
+<file path=ppt/slides/slide23.xml><?xml version="1.0" encoding="utf-8"?>
+<p:sld xmlns:a="http://schemas.openxmlformats.org/drawingml/2006/main" xmlns:r="http://schemas.openxmlformats.org/officeDocument/2006/relationships" xmlns:p="http://schemas.openxmlformats.org/presentationml/2006/main">
+  <p:cSld>
+    <p:bg>
+      <p:bgPr>
+        <a:blipFill dpi="0" rotWithShape="1">
+          <a:blip r:embed="rId3">
+            <a:alphaModFix amt="99000"/>
+            <a:lum/>
+          </a:blip>
+          <a:srcRect/>
+          <a:stretch>
+            <a:fillRect t="89000" r="85000" b="-1000"/>
+          </a:stretch>
+        </a:blipFill>
+        <a:effectLst/>
+      </p:bgPr>
+    </p:bg>
+    <p:spTree>
+      <p:nvGrpSpPr>
+        <p:cNvPr id="1" name=""/>
+        <p:cNvGrpSpPr/>
+        <p:nvPr/>
+      </p:nvGrpSpPr>
+      <p:grpSpPr>
+        <a:xfrm>
+          <a:off x="0" y="0"/>
+          <a:ext cx="0" cy="0"/>
+          <a:chOff x="0" y="0"/>
+          <a:chExt cx="0" cy="0"/>
+        </a:xfrm>
+      </p:grpSpPr>
+      <p:sp>
+        <p:nvSpPr>
+          <p:cNvPr id="2" name="Title 1">
+            <a:extLst>
+              <a:ext uri="{FF2B5EF4-FFF2-40B4-BE49-F238E27FC236}">
+                <a16:creationId xmlns:a16="http://schemas.microsoft.com/office/drawing/2014/main" id="{6A3DCE86-C2BA-4713-9E7A-73589E8D6CCF}"/>
+              </a:ext>
+            </a:extLst>
+          </p:cNvPr>
+          <p:cNvSpPr>
+            <a:spLocks noGrp="1"/>
+          </p:cNvSpPr>
+          <p:nvPr>
+            <p:ph type="ctrTitle"/>
+          </p:nvPr>
+        </p:nvSpPr>
+        <p:spPr>
+          <a:xfrm>
+            <a:off x="1524000" y="497150"/>
+            <a:ext cx="9144000" cy="718459"/>
+          </a:xfrm>
+        </p:spPr>
+        <p:txBody>
+          <a:bodyPr>
+            <a:noAutofit/>
+          </a:bodyPr>
+          <a:lstStyle/>
+          <a:p>
+            <a:r>
+              <a:rPr lang="en-PH" sz="5400" b="1" dirty="0"/>
+              <a:t>Quantifiers and Alternation</a:t>
+            </a:r>
+            <a:endParaRPr lang="en-PH" sz="5000" b="1" dirty="0"/>
+          </a:p>
+        </p:txBody>
+      </p:sp>
+      <p:sp>
+        <p:nvSpPr>
+          <p:cNvPr id="4" name="Footer Placeholder 3">
+            <a:extLst>
+              <a:ext uri="{FF2B5EF4-FFF2-40B4-BE49-F238E27FC236}">
+                <a16:creationId xmlns:a16="http://schemas.microsoft.com/office/drawing/2014/main" id="{638E7DE1-45EE-476A-A474-0F3C264AEDA3}"/>
+              </a:ext>
+            </a:extLst>
+          </p:cNvPr>
+          <p:cNvSpPr>
+            <a:spLocks noGrp="1"/>
+          </p:cNvSpPr>
+          <p:nvPr>
+            <p:ph type="ftr" sz="quarter" idx="11"/>
+          </p:nvPr>
+        </p:nvSpPr>
+        <p:spPr>
+          <a:xfrm>
+            <a:off x="0" y="6139541"/>
+            <a:ext cx="12192000" cy="718459"/>
+          </a:xfrm>
+          <a:ln w="28575">
+            <a:solidFill>
+              <a:schemeClr val="accent5">
+                <a:lumMod val="50000"/>
+              </a:schemeClr>
+            </a:solidFill>
+          </a:ln>
+        </p:spPr>
+        <p:txBody>
+          <a:bodyPr/>
+          <a:lstStyle/>
+          <a:p>
+            <a:pPr algn="r"/>
+            <a:r>
+              <a:rPr lang="en-PH" b="1" dirty="0">
+                <a:solidFill>
+                  <a:schemeClr val="tx1"/>
+                </a:solidFill>
+              </a:rPr>
+              <a:t>CCPRGG2L – Intermediate Programming</a:t>
+            </a:r>
+          </a:p>
+        </p:txBody>
+      </p:sp>
+      <p:sp>
+        <p:nvSpPr>
+          <p:cNvPr id="3" name="Title 1">
+            <a:extLst>
+              <a:ext uri="{FF2B5EF4-FFF2-40B4-BE49-F238E27FC236}">
+                <a16:creationId xmlns:a16="http://schemas.microsoft.com/office/drawing/2014/main" id="{6C30C3FD-9F67-8E4D-274C-38222F46C4C5}"/>
+              </a:ext>
+            </a:extLst>
+          </p:cNvPr>
+          <p:cNvSpPr txBox="1">
+            <a:spLocks/>
+          </p:cNvSpPr>
+          <p:nvPr/>
+        </p:nvSpPr>
+        <p:spPr>
+          <a:xfrm>
+            <a:off x="1524000" y="1516449"/>
+            <a:ext cx="9144000" cy="4290585"/>
+          </a:xfrm>
+          <a:prstGeom prst="rect">
+            <a:avLst/>
+          </a:prstGeom>
+        </p:spPr>
+        <p:txBody>
+          <a:bodyPr vert="horz" lIns="91440" tIns="45720" rIns="91440" bIns="45720" rtlCol="0" anchor="b">
+            <a:normAutofit fontScale="97500"/>
+          </a:bodyPr>
+          <a:lstStyle>
+            <a:lvl1pPr algn="ctr" defTabSz="914400" rtl="0" eaLnBrk="1" latinLnBrk="0" hangingPunct="1">
+              <a:lnSpc>
+                <a:spcPct val="90000"/>
+              </a:lnSpc>
+              <a:spcBef>
+                <a:spcPct val="0"/>
+              </a:spcBef>
+              <a:buNone/>
+              <a:defRPr sz="6000" kern="1200">
+                <a:solidFill>
+                  <a:schemeClr val="tx1"/>
+                </a:solidFill>
+                <a:latin typeface="+mj-lt"/>
+                <a:ea typeface="+mj-ea"/>
+                <a:cs typeface="+mj-cs"/>
+              </a:defRPr>
+            </a:lvl1pPr>
+          </a:lstStyle>
+          <a:p>
+            <a:pPr algn="l"/>
+            <a:endParaRPr lang="en-PH" sz="2600" dirty="0">
+              <a:latin typeface="Consolas" panose="020B0609020204030204" pitchFamily="49" charset="0"/>
+            </a:endParaRPr>
+          </a:p>
+          <a:p>
+            <a:pPr algn="l"/>
+            <a:r>
+              <a:rPr lang="en-PH" sz="2600" b="0" dirty="0">
+                <a:effectLst/>
+                <a:latin typeface="Consolas" panose="020B0609020204030204" pitchFamily="49" charset="0"/>
+              </a:rPr>
+              <a:t>                         </a:t>
+            </a:r>
+          </a:p>
+          <a:p>
+            <a:pPr algn="l"/>
+            <a:r>
+              <a:rPr lang="en-PH" sz="2600" b="0" dirty="0">
+                <a:effectLst/>
+                <a:latin typeface="Consolas" panose="020B0609020204030204" pitchFamily="49" charset="0"/>
+              </a:rPr>
+              <a:t>        </a:t>
+            </a:r>
+          </a:p>
+          <a:p>
+            <a:pPr algn="l"/>
+            <a:endParaRPr lang="en-PH" sz="2600" b="0" dirty="0">
+              <a:effectLst/>
+              <a:latin typeface="Consolas" panose="020B0609020204030204" pitchFamily="49" charset="0"/>
+            </a:endParaRPr>
+          </a:p>
+          <a:p>
+            <a:pPr algn="l"/>
+            <a:endParaRPr lang="en-PH" sz="2000" dirty="0">
+              <a:latin typeface="Consolas" panose="020B0609020204030204" pitchFamily="49" charset="0"/>
+            </a:endParaRPr>
+          </a:p>
+          <a:p>
+            <a:pPr algn="l"/>
+            <a:endParaRPr lang="en-PH" sz="2000" b="0" dirty="0">
+              <a:effectLst/>
+              <a:latin typeface="Consolas" panose="020B0609020204030204" pitchFamily="49" charset="0"/>
+            </a:endParaRPr>
+          </a:p>
+          <a:p>
+            <a:pPr algn="l"/>
+            <a:endParaRPr lang="en-PH" sz="2000" dirty="0">
+              <a:latin typeface="Consolas" panose="020B0609020204030204" pitchFamily="49" charset="0"/>
+            </a:endParaRPr>
+          </a:p>
+          <a:p>
+            <a:pPr algn="l"/>
+            <a:endParaRPr lang="en-PH" sz="2000" b="0" dirty="0">
+              <a:effectLst/>
+              <a:latin typeface="Consolas" panose="020B0609020204030204" pitchFamily="49" charset="0"/>
+            </a:endParaRPr>
+          </a:p>
+          <a:p>
+            <a:pPr algn="l"/>
+            <a:endParaRPr lang="en-PH" sz="2000" dirty="0">
+              <a:latin typeface="Consolas" panose="020B0609020204030204" pitchFamily="49" charset="0"/>
+            </a:endParaRPr>
+          </a:p>
+          <a:p>
+            <a:pPr algn="l"/>
+            <a:endParaRPr lang="en-PH" sz="2000" b="0" dirty="0">
+              <a:effectLst/>
+              <a:latin typeface="Consolas" panose="020B0609020204030204" pitchFamily="49" charset="0"/>
+            </a:endParaRPr>
+          </a:p>
+          <a:p>
+            <a:pPr algn="l"/>
+            <a:endParaRPr lang="en-PH" sz="2000" b="0" dirty="0">
+              <a:effectLst/>
+              <a:latin typeface="Consolas" panose="020B0609020204030204" pitchFamily="49" charset="0"/>
+            </a:endParaRPr>
+          </a:p>
+          <a:p>
+            <a:pPr algn="l"/>
+            <a:endParaRPr lang="en-PH" sz="2000" dirty="0">
+              <a:latin typeface="Consolas" panose="020B0609020204030204" pitchFamily="49" charset="0"/>
+            </a:endParaRPr>
+          </a:p>
+          <a:p>
+            <a:pPr algn="l"/>
+            <a:endParaRPr lang="en-PH" sz="2000" b="0" dirty="0">
+              <a:effectLst/>
+              <a:latin typeface="Consolas" panose="020B0609020204030204" pitchFamily="49" charset="0"/>
+            </a:endParaRPr>
+          </a:p>
+          <a:p>
+            <a:pPr algn="l"/>
+            <a:endParaRPr lang="en-PH" sz="2000" b="0" dirty="0">
+              <a:effectLst/>
+              <a:latin typeface="Consolas" panose="020B0609020204030204" pitchFamily="49" charset="0"/>
+            </a:endParaRPr>
+          </a:p>
+        </p:txBody>
+      </p:sp>
+      <p:sp>
+        <p:nvSpPr>
+          <p:cNvPr id="13" name="TextBox 12">
+            <a:extLst>
+              <a:ext uri="{FF2B5EF4-FFF2-40B4-BE49-F238E27FC236}">
+                <a16:creationId xmlns:a16="http://schemas.microsoft.com/office/drawing/2014/main" id="{3900C14F-041A-7E06-AEB2-454CF583C656}"/>
+              </a:ext>
+            </a:extLst>
+          </p:cNvPr>
+          <p:cNvSpPr txBox="1"/>
+          <p:nvPr/>
+        </p:nvSpPr>
+        <p:spPr>
+          <a:xfrm>
+            <a:off x="1294271" y="3067065"/>
+            <a:ext cx="787400" cy="369332"/>
+          </a:xfrm>
+          <a:prstGeom prst="rect">
+            <a:avLst/>
+          </a:prstGeom>
+          <a:noFill/>
+        </p:spPr>
+        <p:txBody>
+          <a:bodyPr wrap="square" rtlCol="0">
+            <a:spAutoFit/>
+          </a:bodyPr>
+          <a:lstStyle/>
+          <a:p>
+            <a:endParaRPr lang="en-PH" dirty="0"/>
+          </a:p>
+        </p:txBody>
+      </p:sp>
+      <p:sp>
+        <p:nvSpPr>
+          <p:cNvPr id="14" name="TextBox 13">
+            <a:extLst>
+              <a:ext uri="{FF2B5EF4-FFF2-40B4-BE49-F238E27FC236}">
+                <a16:creationId xmlns:a16="http://schemas.microsoft.com/office/drawing/2014/main" id="{75652A3C-2B5F-3EDF-F7EB-D0C6328EDA8C}"/>
+              </a:ext>
+            </a:extLst>
+          </p:cNvPr>
+          <p:cNvSpPr txBox="1"/>
+          <p:nvPr/>
+        </p:nvSpPr>
+        <p:spPr>
+          <a:xfrm>
+            <a:off x="2004950" y="1620515"/>
+            <a:ext cx="8182099" cy="4216539"/>
+          </a:xfrm>
+          <a:prstGeom prst="rect">
+            <a:avLst/>
+          </a:prstGeom>
+          <a:noFill/>
+        </p:spPr>
+        <p:txBody>
+          <a:bodyPr wrap="square" rtlCol="0">
+            <a:spAutoFit/>
+          </a:bodyPr>
+          <a:lstStyle/>
+          <a:p>
+            <a:r>
+              <a:rPr lang="en-PH" sz="2500" b="1" dirty="0">
+                <a:latin typeface="Calibri (Body)"/>
+              </a:rPr>
+              <a:t>Question Mark</a:t>
+            </a:r>
+            <a:r>
+              <a:rPr lang="en-PH" sz="2500" dirty="0">
+                <a:latin typeface="Calibri (Body)"/>
+              </a:rPr>
+              <a:t>			</a:t>
+            </a:r>
+          </a:p>
+          <a:p>
+            <a:pPr marL="342900" indent="-342900">
+              <a:buFontTx/>
+              <a:buChar char="-"/>
+            </a:pPr>
+            <a:r>
+              <a:rPr lang="en-US" sz="2500" b="0" i="0" dirty="0">
+                <a:effectLst/>
+                <a:latin typeface="Calibri (Body)"/>
+              </a:rPr>
+              <a:t>Matches 0 or 1 of the preceding token, effectively making it optional.</a:t>
+            </a:r>
+          </a:p>
+          <a:p>
+            <a:pPr marL="342900" indent="-342900">
+              <a:buFontTx/>
+              <a:buChar char="-"/>
+            </a:pPr>
+            <a:endParaRPr lang="en-US" sz="2800" b="0" i="0" dirty="0">
+              <a:effectLst/>
+              <a:latin typeface="Calibri (Body)"/>
+            </a:endParaRPr>
+          </a:p>
+          <a:p>
+            <a:r>
+              <a:rPr lang="en-PH" sz="2800" dirty="0">
+                <a:latin typeface="Calibri (Body)"/>
+              </a:rPr>
+              <a:t>Pattern: </a:t>
+            </a:r>
+            <a:r>
+              <a:rPr lang="en-PH" sz="2800" dirty="0" err="1">
+                <a:latin typeface="Calibri (Body)"/>
+              </a:rPr>
+              <a:t>colou</a:t>
+            </a:r>
+            <a:r>
+              <a:rPr lang="en-PH" sz="2800" b="1" dirty="0" err="1">
+                <a:solidFill>
+                  <a:srgbClr val="FF0000"/>
+                </a:solidFill>
+                <a:latin typeface="Calibri (Body)"/>
+              </a:rPr>
+              <a:t>?r</a:t>
+            </a:r>
+            <a:endParaRPr lang="en-PH" sz="2800" b="1" dirty="0">
+              <a:solidFill>
+                <a:srgbClr val="FF0000"/>
+              </a:solidFill>
+              <a:latin typeface="Calibri (Body)"/>
+            </a:endParaRPr>
+          </a:p>
+          <a:p>
+            <a:endParaRPr lang="en-PH" sz="2800" b="1" dirty="0">
+              <a:solidFill>
+                <a:srgbClr val="FF0000"/>
+              </a:solidFill>
+              <a:latin typeface="Calibri (Body)"/>
+            </a:endParaRPr>
+          </a:p>
+          <a:p>
+            <a:r>
+              <a:rPr lang="en-PH" sz="2800" dirty="0">
+                <a:latin typeface="Calibri (Body)"/>
+              </a:rPr>
+              <a:t>Match:</a:t>
+            </a:r>
+          </a:p>
+          <a:p>
+            <a:r>
+              <a:rPr lang="en-US" sz="2800" b="1" dirty="0">
+                <a:solidFill>
+                  <a:srgbClr val="00B050"/>
+                </a:solidFill>
+                <a:latin typeface="Calibri (Body)"/>
+              </a:rPr>
+              <a:t>color</a:t>
+            </a:r>
+          </a:p>
+          <a:p>
+            <a:r>
+              <a:rPr lang="en-US" sz="2800" b="1" dirty="0" err="1">
+                <a:solidFill>
+                  <a:srgbClr val="00B050"/>
+                </a:solidFill>
+                <a:latin typeface="Calibri (Body)"/>
+              </a:rPr>
+              <a:t>colour</a:t>
+            </a:r>
+            <a:endParaRPr lang="en-US" sz="2800" b="1" dirty="0">
+              <a:solidFill>
+                <a:srgbClr val="00B050"/>
+              </a:solidFill>
+              <a:latin typeface="Calibri (Body)"/>
+            </a:endParaRPr>
+          </a:p>
           <a:p>
             <a:endParaRPr lang="en-PH" sz="2500" dirty="0">
+              <a:latin typeface="Calibri (Body)"/>
+            </a:endParaRPr>
+          </a:p>
+        </p:txBody>
+      </p:sp>
+    </p:spTree>
+    <p:extLst>
+      <p:ext uri="{BB962C8B-B14F-4D97-AF65-F5344CB8AC3E}">
+        <p14:creationId xmlns:p14="http://schemas.microsoft.com/office/powerpoint/2010/main" val="3620326899"/>
+      </p:ext>
+    </p:extLst>
+  </p:cSld>
+  <p:clrMapOvr>
+    <a:masterClrMapping/>
+  </p:clrMapOvr>
+</p:sld>
+</file>
+
+<file path=ppt/slides/slide24.xml><?xml version="1.0" encoding="utf-8"?>
+<p:sld xmlns:a="http://schemas.openxmlformats.org/drawingml/2006/main" xmlns:r="http://schemas.openxmlformats.org/officeDocument/2006/relationships" xmlns:p="http://schemas.openxmlformats.org/presentationml/2006/main">
+  <p:cSld>
+    <p:bg>
+      <p:bgPr>
+        <a:blipFill dpi="0" rotWithShape="1">
+          <a:blip r:embed="rId3">
+            <a:alphaModFix amt="99000"/>
+            <a:lum/>
+          </a:blip>
+          <a:srcRect/>
+          <a:stretch>
+            <a:fillRect t="89000" r="85000" b="-1000"/>
+          </a:stretch>
+        </a:blipFill>
+        <a:effectLst/>
+      </p:bgPr>
+    </p:bg>
+    <p:spTree>
+      <p:nvGrpSpPr>
+        <p:cNvPr id="1" name=""/>
+        <p:cNvGrpSpPr/>
+        <p:nvPr/>
+      </p:nvGrpSpPr>
+      <p:grpSpPr>
+        <a:xfrm>
+          <a:off x="0" y="0"/>
+          <a:ext cx="0" cy="0"/>
+          <a:chOff x="0" y="0"/>
+          <a:chExt cx="0" cy="0"/>
+        </a:xfrm>
+      </p:grpSpPr>
+      <p:sp>
+        <p:nvSpPr>
+          <p:cNvPr id="2" name="Title 1">
+            <a:extLst>
+              <a:ext uri="{FF2B5EF4-FFF2-40B4-BE49-F238E27FC236}">
+                <a16:creationId xmlns:a16="http://schemas.microsoft.com/office/drawing/2014/main" id="{6A3DCE86-C2BA-4713-9E7A-73589E8D6CCF}"/>
+              </a:ext>
+            </a:extLst>
+          </p:cNvPr>
+          <p:cNvSpPr>
+            <a:spLocks noGrp="1"/>
+          </p:cNvSpPr>
+          <p:nvPr>
+            <p:ph type="ctrTitle"/>
+          </p:nvPr>
+        </p:nvSpPr>
+        <p:spPr>
+          <a:xfrm>
+            <a:off x="1524000" y="497150"/>
+            <a:ext cx="9144000" cy="718459"/>
+          </a:xfrm>
+        </p:spPr>
+        <p:txBody>
+          <a:bodyPr>
+            <a:noAutofit/>
+          </a:bodyPr>
+          <a:lstStyle/>
+          <a:p>
+            <a:r>
+              <a:rPr lang="en-PH" sz="5400" b="1" dirty="0"/>
+              <a:t>Anchors</a:t>
+            </a:r>
+            <a:endParaRPr lang="en-PH" sz="5000" b="1" dirty="0"/>
+          </a:p>
+        </p:txBody>
+      </p:sp>
+      <p:sp>
+        <p:nvSpPr>
+          <p:cNvPr id="4" name="Footer Placeholder 3">
+            <a:extLst>
+              <a:ext uri="{FF2B5EF4-FFF2-40B4-BE49-F238E27FC236}">
+                <a16:creationId xmlns:a16="http://schemas.microsoft.com/office/drawing/2014/main" id="{638E7DE1-45EE-476A-A474-0F3C264AEDA3}"/>
+              </a:ext>
+            </a:extLst>
+          </p:cNvPr>
+          <p:cNvSpPr>
+            <a:spLocks noGrp="1"/>
+          </p:cNvSpPr>
+          <p:nvPr>
+            <p:ph type="ftr" sz="quarter" idx="11"/>
+          </p:nvPr>
+        </p:nvSpPr>
+        <p:spPr>
+          <a:xfrm>
+            <a:off x="0" y="6139541"/>
+            <a:ext cx="12192000" cy="718459"/>
+          </a:xfrm>
+          <a:ln w="28575">
+            <a:solidFill>
+              <a:schemeClr val="accent5">
+                <a:lumMod val="50000"/>
+              </a:schemeClr>
+            </a:solidFill>
+          </a:ln>
+        </p:spPr>
+        <p:txBody>
+          <a:bodyPr/>
+          <a:lstStyle/>
+          <a:p>
+            <a:pPr algn="r"/>
+            <a:r>
+              <a:rPr lang="en-PH" b="1" dirty="0">
+                <a:solidFill>
+                  <a:schemeClr val="tx1"/>
+                </a:solidFill>
+              </a:rPr>
+              <a:t>CCPRGG2L – Intermediate Programming</a:t>
+            </a:r>
+          </a:p>
+        </p:txBody>
+      </p:sp>
+      <p:sp>
+        <p:nvSpPr>
+          <p:cNvPr id="3" name="Title 1">
+            <a:extLst>
+              <a:ext uri="{FF2B5EF4-FFF2-40B4-BE49-F238E27FC236}">
+                <a16:creationId xmlns:a16="http://schemas.microsoft.com/office/drawing/2014/main" id="{6C30C3FD-9F67-8E4D-274C-38222F46C4C5}"/>
+              </a:ext>
+            </a:extLst>
+          </p:cNvPr>
+          <p:cNvSpPr txBox="1">
+            <a:spLocks/>
+          </p:cNvSpPr>
+          <p:nvPr/>
+        </p:nvSpPr>
+        <p:spPr>
+          <a:xfrm>
+            <a:off x="1524000" y="1516449"/>
+            <a:ext cx="9144000" cy="4290585"/>
+          </a:xfrm>
+          <a:prstGeom prst="rect">
+            <a:avLst/>
+          </a:prstGeom>
+        </p:spPr>
+        <p:txBody>
+          <a:bodyPr vert="horz" lIns="91440" tIns="45720" rIns="91440" bIns="45720" rtlCol="0" anchor="b">
+            <a:normAutofit fontScale="97500"/>
+          </a:bodyPr>
+          <a:lstStyle>
+            <a:lvl1pPr algn="ctr" defTabSz="914400" rtl="0" eaLnBrk="1" latinLnBrk="0" hangingPunct="1">
+              <a:lnSpc>
+                <a:spcPct val="90000"/>
+              </a:lnSpc>
+              <a:spcBef>
+                <a:spcPct val="0"/>
+              </a:spcBef>
+              <a:buNone/>
+              <a:defRPr sz="6000" kern="1200">
+                <a:solidFill>
+                  <a:schemeClr val="tx1"/>
+                </a:solidFill>
+                <a:latin typeface="+mj-lt"/>
+                <a:ea typeface="+mj-ea"/>
+                <a:cs typeface="+mj-cs"/>
+              </a:defRPr>
+            </a:lvl1pPr>
+          </a:lstStyle>
+          <a:p>
+            <a:pPr algn="l"/>
+            <a:endParaRPr lang="en-PH" sz="2600" dirty="0">
+              <a:latin typeface="Consolas" panose="020B0609020204030204" pitchFamily="49" charset="0"/>
+            </a:endParaRPr>
+          </a:p>
+          <a:p>
+            <a:pPr algn="l"/>
+            <a:r>
+              <a:rPr lang="en-PH" sz="2600" b="0" dirty="0">
+                <a:effectLst/>
+                <a:latin typeface="Consolas" panose="020B0609020204030204" pitchFamily="49" charset="0"/>
+              </a:rPr>
+              <a:t>                         </a:t>
+            </a:r>
+          </a:p>
+          <a:p>
+            <a:pPr algn="l"/>
+            <a:r>
+              <a:rPr lang="en-PH" sz="2600" b="0" dirty="0">
+                <a:effectLst/>
+                <a:latin typeface="Consolas" panose="020B0609020204030204" pitchFamily="49" charset="0"/>
+              </a:rPr>
+              <a:t>        </a:t>
+            </a:r>
+          </a:p>
+          <a:p>
+            <a:pPr algn="l"/>
+            <a:endParaRPr lang="en-PH" sz="2600" b="0" dirty="0">
+              <a:effectLst/>
+              <a:latin typeface="Consolas" panose="020B0609020204030204" pitchFamily="49" charset="0"/>
+            </a:endParaRPr>
+          </a:p>
+          <a:p>
+            <a:pPr algn="l"/>
+            <a:endParaRPr lang="en-PH" sz="2000" dirty="0">
+              <a:latin typeface="Consolas" panose="020B0609020204030204" pitchFamily="49" charset="0"/>
+            </a:endParaRPr>
+          </a:p>
+          <a:p>
+            <a:pPr algn="l"/>
+            <a:endParaRPr lang="en-PH" sz="2000" b="0" dirty="0">
+              <a:effectLst/>
+              <a:latin typeface="Consolas" panose="020B0609020204030204" pitchFamily="49" charset="0"/>
+            </a:endParaRPr>
+          </a:p>
+          <a:p>
+            <a:pPr algn="l"/>
+            <a:endParaRPr lang="en-PH" sz="2000" dirty="0">
+              <a:latin typeface="Consolas" panose="020B0609020204030204" pitchFamily="49" charset="0"/>
+            </a:endParaRPr>
+          </a:p>
+          <a:p>
+            <a:pPr algn="l"/>
+            <a:endParaRPr lang="en-PH" sz="2000" b="0" dirty="0">
+              <a:effectLst/>
+              <a:latin typeface="Consolas" panose="020B0609020204030204" pitchFamily="49" charset="0"/>
+            </a:endParaRPr>
+          </a:p>
+          <a:p>
+            <a:pPr algn="l"/>
+            <a:endParaRPr lang="en-PH" sz="2000" dirty="0">
+              <a:latin typeface="Consolas" panose="020B0609020204030204" pitchFamily="49" charset="0"/>
+            </a:endParaRPr>
+          </a:p>
+          <a:p>
+            <a:pPr algn="l"/>
+            <a:endParaRPr lang="en-PH" sz="2000" b="0" dirty="0">
+              <a:effectLst/>
+              <a:latin typeface="Consolas" panose="020B0609020204030204" pitchFamily="49" charset="0"/>
+            </a:endParaRPr>
+          </a:p>
+          <a:p>
+            <a:pPr algn="l"/>
+            <a:endParaRPr lang="en-PH" sz="2000" b="0" dirty="0">
+              <a:effectLst/>
+              <a:latin typeface="Consolas" panose="020B0609020204030204" pitchFamily="49" charset="0"/>
+            </a:endParaRPr>
+          </a:p>
+          <a:p>
+            <a:pPr algn="l"/>
+            <a:endParaRPr lang="en-PH" sz="2000" dirty="0">
+              <a:latin typeface="Consolas" panose="020B0609020204030204" pitchFamily="49" charset="0"/>
+            </a:endParaRPr>
+          </a:p>
+          <a:p>
+            <a:pPr algn="l"/>
+            <a:endParaRPr lang="en-PH" sz="2000" b="0" dirty="0">
+              <a:effectLst/>
+              <a:latin typeface="Consolas" panose="020B0609020204030204" pitchFamily="49" charset="0"/>
+            </a:endParaRPr>
+          </a:p>
+          <a:p>
+            <a:pPr algn="l"/>
+            <a:endParaRPr lang="en-PH" sz="2000" b="0" dirty="0">
+              <a:effectLst/>
+              <a:latin typeface="Consolas" panose="020B0609020204030204" pitchFamily="49" charset="0"/>
+            </a:endParaRPr>
+          </a:p>
+        </p:txBody>
+      </p:sp>
+      <p:sp>
+        <p:nvSpPr>
+          <p:cNvPr id="13" name="TextBox 12">
+            <a:extLst>
+              <a:ext uri="{FF2B5EF4-FFF2-40B4-BE49-F238E27FC236}">
+                <a16:creationId xmlns:a16="http://schemas.microsoft.com/office/drawing/2014/main" id="{3900C14F-041A-7E06-AEB2-454CF583C656}"/>
+              </a:ext>
+            </a:extLst>
+          </p:cNvPr>
+          <p:cNvSpPr txBox="1"/>
+          <p:nvPr/>
+        </p:nvSpPr>
+        <p:spPr>
+          <a:xfrm>
+            <a:off x="1294271" y="3067065"/>
+            <a:ext cx="787400" cy="369332"/>
+          </a:xfrm>
+          <a:prstGeom prst="rect">
+            <a:avLst/>
+          </a:prstGeom>
+          <a:noFill/>
+        </p:spPr>
+        <p:txBody>
+          <a:bodyPr wrap="square" rtlCol="0">
+            <a:spAutoFit/>
+          </a:bodyPr>
+          <a:lstStyle/>
+          <a:p>
+            <a:endParaRPr lang="en-PH" dirty="0"/>
+          </a:p>
+        </p:txBody>
+      </p:sp>
+      <p:sp>
+        <p:nvSpPr>
+          <p:cNvPr id="14" name="TextBox 13">
+            <a:extLst>
+              <a:ext uri="{FF2B5EF4-FFF2-40B4-BE49-F238E27FC236}">
+                <a16:creationId xmlns:a16="http://schemas.microsoft.com/office/drawing/2014/main" id="{75652A3C-2B5F-3EDF-F7EB-D0C6328EDA8C}"/>
+              </a:ext>
+            </a:extLst>
+          </p:cNvPr>
+          <p:cNvSpPr txBox="1"/>
+          <p:nvPr/>
+        </p:nvSpPr>
+        <p:spPr>
+          <a:xfrm>
+            <a:off x="2004950" y="1406092"/>
+            <a:ext cx="8182099" cy="5093702"/>
+          </a:xfrm>
+          <a:prstGeom prst="rect">
+            <a:avLst/>
+          </a:prstGeom>
+          <a:noFill/>
+        </p:spPr>
+        <p:txBody>
+          <a:bodyPr wrap="square" rtlCol="0">
+            <a:spAutoFit/>
+          </a:bodyPr>
+          <a:lstStyle/>
+          <a:p>
+            <a:r>
+              <a:rPr lang="en-PH" sz="2500" b="1" i="0" dirty="0">
+                <a:effectLst/>
+                <a:latin typeface="Calibri (Body)"/>
+              </a:rPr>
+              <a:t>Caret</a:t>
+            </a:r>
+          </a:p>
+          <a:p>
+            <a:pPr marL="342900" indent="-342900">
+              <a:buFontTx/>
+              <a:buChar char="-"/>
+            </a:pPr>
+            <a:r>
+              <a:rPr lang="en-US" sz="2500" b="0" i="0" dirty="0">
+                <a:solidFill>
+                  <a:srgbClr val="000000"/>
+                </a:solidFill>
+                <a:effectLst/>
+                <a:latin typeface="Calibri (Body)"/>
+              </a:rPr>
+              <a:t>Matches at the start of the string the regex pattern is applied to.</a:t>
+            </a:r>
+          </a:p>
+          <a:p>
+            <a:endParaRPr lang="en-US" sz="2500" b="0" i="0" dirty="0">
+              <a:solidFill>
+                <a:srgbClr val="000000"/>
+              </a:solidFill>
+              <a:effectLst/>
+              <a:latin typeface="Calibri (Body)"/>
+            </a:endParaRPr>
+          </a:p>
+          <a:p>
+            <a:endParaRPr lang="en-US" sz="2500" dirty="0">
+              <a:latin typeface="Calibri (Body)"/>
+            </a:endParaRPr>
+          </a:p>
+          <a:p>
+            <a:r>
+              <a:rPr lang="en-PH" sz="2500" dirty="0">
+                <a:latin typeface="Calibri (Body)"/>
+              </a:rPr>
+              <a:t>Pattern: </a:t>
+            </a:r>
+            <a:r>
+              <a:rPr lang="en-PH" sz="2500" b="1" dirty="0">
+                <a:solidFill>
+                  <a:srgbClr val="FF0000"/>
+                </a:solidFill>
+                <a:latin typeface="Calibri (Body)"/>
+              </a:rPr>
+              <a:t>^</a:t>
+            </a:r>
+            <a:r>
+              <a:rPr lang="en-PH" sz="2500" b="1" dirty="0">
+                <a:latin typeface="Calibri (Body)"/>
+              </a:rPr>
+              <a:t>.</a:t>
+            </a:r>
+          </a:p>
+          <a:p>
+            <a:endParaRPr lang="en-PH" sz="2500" b="1" dirty="0">
+              <a:latin typeface="Calibri (Body)"/>
+            </a:endParaRPr>
+          </a:p>
+          <a:p>
+            <a:r>
+              <a:rPr lang="en-PH" sz="2500" dirty="0">
+                <a:latin typeface="Calibri (Body)"/>
+              </a:rPr>
+              <a:t>Match:</a:t>
+            </a:r>
+          </a:p>
+          <a:p>
+            <a:r>
+              <a:rPr lang="en-PH" sz="2500" b="1" dirty="0" err="1">
+                <a:solidFill>
+                  <a:srgbClr val="00B050"/>
+                </a:solidFill>
+                <a:latin typeface="Calibri (Body)"/>
+              </a:rPr>
+              <a:t>a</a:t>
+            </a:r>
+            <a:r>
+              <a:rPr lang="en-PH" sz="2500" dirty="0" err="1">
+                <a:latin typeface="Calibri (Body)"/>
+              </a:rPr>
+              <a:t>bc</a:t>
+            </a:r>
+            <a:endParaRPr lang="en-PH" sz="2500" dirty="0">
+              <a:latin typeface="Calibri (Body)"/>
+            </a:endParaRPr>
+          </a:p>
+          <a:p>
+            <a:r>
+              <a:rPr lang="en-PH" sz="2500" b="1" dirty="0">
+                <a:solidFill>
+                  <a:srgbClr val="00B050"/>
+                </a:solidFill>
+                <a:latin typeface="Calibri (Body)"/>
+              </a:rPr>
+              <a:t>d</a:t>
+            </a:r>
+            <a:r>
+              <a:rPr lang="en-PH" sz="2500" dirty="0">
+                <a:latin typeface="Calibri (Body)"/>
+              </a:rPr>
+              <a:t>ef</a:t>
+            </a:r>
+          </a:p>
+          <a:p>
+            <a:endParaRPr lang="en-PH" sz="2500" b="1" dirty="0">
+              <a:latin typeface="Calibri (Body)"/>
+            </a:endParaRPr>
+          </a:p>
+          <a:p>
+            <a:endParaRPr lang="en-PH" sz="2500" b="1" dirty="0">
+              <a:latin typeface="Calibri (Body)"/>
+            </a:endParaRPr>
+          </a:p>
+          <a:p>
+            <a:endParaRPr lang="en-PH" sz="2500" b="1" dirty="0">
+              <a:latin typeface="Calibri (Body)"/>
+            </a:endParaRPr>
+          </a:p>
+        </p:txBody>
+      </p:sp>
+    </p:spTree>
+    <p:extLst>
+      <p:ext uri="{BB962C8B-B14F-4D97-AF65-F5344CB8AC3E}">
+        <p14:creationId xmlns:p14="http://schemas.microsoft.com/office/powerpoint/2010/main" val="3611648984"/>
+      </p:ext>
+    </p:extLst>
+  </p:cSld>
+  <p:clrMapOvr>
+    <a:masterClrMapping/>
+  </p:clrMapOvr>
+</p:sld>
+</file>
+
+<file path=ppt/slides/slide25.xml><?xml version="1.0" encoding="utf-8"?>
+<p:sld xmlns:a="http://schemas.openxmlformats.org/drawingml/2006/main" xmlns:r="http://schemas.openxmlformats.org/officeDocument/2006/relationships" xmlns:p="http://schemas.openxmlformats.org/presentationml/2006/main">
+  <p:cSld>
+    <p:bg>
+      <p:bgPr>
+        <a:blipFill dpi="0" rotWithShape="1">
+          <a:blip r:embed="rId3">
+            <a:alphaModFix amt="99000"/>
+            <a:lum/>
+          </a:blip>
+          <a:srcRect/>
+          <a:stretch>
+            <a:fillRect t="89000" r="85000" b="-1000"/>
+          </a:stretch>
+        </a:blipFill>
+        <a:effectLst/>
+      </p:bgPr>
+    </p:bg>
+    <p:spTree>
+      <p:nvGrpSpPr>
+        <p:cNvPr id="1" name=""/>
+        <p:cNvGrpSpPr/>
+        <p:nvPr/>
+      </p:nvGrpSpPr>
+      <p:grpSpPr>
+        <a:xfrm>
+          <a:off x="0" y="0"/>
+          <a:ext cx="0" cy="0"/>
+          <a:chOff x="0" y="0"/>
+          <a:chExt cx="0" cy="0"/>
+        </a:xfrm>
+      </p:grpSpPr>
+      <p:sp>
+        <p:nvSpPr>
+          <p:cNvPr id="2" name="Title 1">
+            <a:extLst>
+              <a:ext uri="{FF2B5EF4-FFF2-40B4-BE49-F238E27FC236}">
+                <a16:creationId xmlns:a16="http://schemas.microsoft.com/office/drawing/2014/main" id="{6A3DCE86-C2BA-4713-9E7A-73589E8D6CCF}"/>
+              </a:ext>
+            </a:extLst>
+          </p:cNvPr>
+          <p:cNvSpPr>
+            <a:spLocks noGrp="1"/>
+          </p:cNvSpPr>
+          <p:nvPr>
+            <p:ph type="ctrTitle"/>
+          </p:nvPr>
+        </p:nvSpPr>
+        <p:spPr>
+          <a:xfrm>
+            <a:off x="1524000" y="497150"/>
+            <a:ext cx="9144000" cy="718459"/>
+          </a:xfrm>
+        </p:spPr>
+        <p:txBody>
+          <a:bodyPr>
+            <a:noAutofit/>
+          </a:bodyPr>
+          <a:lstStyle/>
+          <a:p>
+            <a:r>
+              <a:rPr lang="en-PH" sz="5400" b="1" dirty="0"/>
+              <a:t>Anchors</a:t>
+            </a:r>
+            <a:endParaRPr lang="en-PH" sz="5000" b="1" dirty="0"/>
+          </a:p>
+        </p:txBody>
+      </p:sp>
+      <p:sp>
+        <p:nvSpPr>
+          <p:cNvPr id="4" name="Footer Placeholder 3">
+            <a:extLst>
+              <a:ext uri="{FF2B5EF4-FFF2-40B4-BE49-F238E27FC236}">
+                <a16:creationId xmlns:a16="http://schemas.microsoft.com/office/drawing/2014/main" id="{638E7DE1-45EE-476A-A474-0F3C264AEDA3}"/>
+              </a:ext>
+            </a:extLst>
+          </p:cNvPr>
+          <p:cNvSpPr>
+            <a:spLocks noGrp="1"/>
+          </p:cNvSpPr>
+          <p:nvPr>
+            <p:ph type="ftr" sz="quarter" idx="11"/>
+          </p:nvPr>
+        </p:nvSpPr>
+        <p:spPr>
+          <a:xfrm>
+            <a:off x="0" y="6139541"/>
+            <a:ext cx="12192000" cy="718459"/>
+          </a:xfrm>
+          <a:ln w="28575">
+            <a:solidFill>
+              <a:schemeClr val="accent5">
+                <a:lumMod val="50000"/>
+              </a:schemeClr>
+            </a:solidFill>
+          </a:ln>
+        </p:spPr>
+        <p:txBody>
+          <a:bodyPr/>
+          <a:lstStyle/>
+          <a:p>
+            <a:pPr algn="r"/>
+            <a:r>
+              <a:rPr lang="en-PH" b="1" dirty="0">
+                <a:solidFill>
+                  <a:schemeClr val="tx1"/>
+                </a:solidFill>
+              </a:rPr>
+              <a:t>CCPRGG2L – Intermediate Programming</a:t>
+            </a:r>
+          </a:p>
+        </p:txBody>
+      </p:sp>
+      <p:sp>
+        <p:nvSpPr>
+          <p:cNvPr id="3" name="Title 1">
+            <a:extLst>
+              <a:ext uri="{FF2B5EF4-FFF2-40B4-BE49-F238E27FC236}">
+                <a16:creationId xmlns:a16="http://schemas.microsoft.com/office/drawing/2014/main" id="{6C30C3FD-9F67-8E4D-274C-38222F46C4C5}"/>
+              </a:ext>
+            </a:extLst>
+          </p:cNvPr>
+          <p:cNvSpPr txBox="1">
+            <a:spLocks/>
+          </p:cNvSpPr>
+          <p:nvPr/>
+        </p:nvSpPr>
+        <p:spPr>
+          <a:xfrm>
+            <a:off x="1524000" y="1516449"/>
+            <a:ext cx="9144000" cy="4290585"/>
+          </a:xfrm>
+          <a:prstGeom prst="rect">
+            <a:avLst/>
+          </a:prstGeom>
+        </p:spPr>
+        <p:txBody>
+          <a:bodyPr vert="horz" lIns="91440" tIns="45720" rIns="91440" bIns="45720" rtlCol="0" anchor="b">
+            <a:normAutofit fontScale="97500"/>
+          </a:bodyPr>
+          <a:lstStyle>
+            <a:lvl1pPr algn="ctr" defTabSz="914400" rtl="0" eaLnBrk="1" latinLnBrk="0" hangingPunct="1">
+              <a:lnSpc>
+                <a:spcPct val="90000"/>
+              </a:lnSpc>
+              <a:spcBef>
+                <a:spcPct val="0"/>
+              </a:spcBef>
+              <a:buNone/>
+              <a:defRPr sz="6000" kern="1200">
+                <a:solidFill>
+                  <a:schemeClr val="tx1"/>
+                </a:solidFill>
+                <a:latin typeface="+mj-lt"/>
+                <a:ea typeface="+mj-ea"/>
+                <a:cs typeface="+mj-cs"/>
+              </a:defRPr>
+            </a:lvl1pPr>
+          </a:lstStyle>
+          <a:p>
+            <a:pPr algn="l"/>
+            <a:endParaRPr lang="en-PH" sz="2600" dirty="0">
+              <a:latin typeface="Consolas" panose="020B0609020204030204" pitchFamily="49" charset="0"/>
+            </a:endParaRPr>
+          </a:p>
+          <a:p>
+            <a:pPr algn="l"/>
+            <a:r>
+              <a:rPr lang="en-PH" sz="2600" b="0" dirty="0">
+                <a:effectLst/>
+                <a:latin typeface="Consolas" panose="020B0609020204030204" pitchFamily="49" charset="0"/>
+              </a:rPr>
+              <a:t>                         </a:t>
+            </a:r>
+          </a:p>
+          <a:p>
+            <a:pPr algn="l"/>
+            <a:r>
+              <a:rPr lang="en-PH" sz="2600" b="0" dirty="0">
+                <a:effectLst/>
+                <a:latin typeface="Consolas" panose="020B0609020204030204" pitchFamily="49" charset="0"/>
+              </a:rPr>
+              <a:t>        </a:t>
+            </a:r>
+          </a:p>
+          <a:p>
+            <a:pPr algn="l"/>
+            <a:endParaRPr lang="en-PH" sz="2600" b="0" dirty="0">
+              <a:effectLst/>
+              <a:latin typeface="Consolas" panose="020B0609020204030204" pitchFamily="49" charset="0"/>
+            </a:endParaRPr>
+          </a:p>
+          <a:p>
+            <a:pPr algn="l"/>
+            <a:endParaRPr lang="en-PH" sz="2000" dirty="0">
+              <a:latin typeface="Consolas" panose="020B0609020204030204" pitchFamily="49" charset="0"/>
+            </a:endParaRPr>
+          </a:p>
+          <a:p>
+            <a:pPr algn="l"/>
+            <a:endParaRPr lang="en-PH" sz="2000" b="0" dirty="0">
+              <a:effectLst/>
+              <a:latin typeface="Consolas" panose="020B0609020204030204" pitchFamily="49" charset="0"/>
+            </a:endParaRPr>
+          </a:p>
+          <a:p>
+            <a:pPr algn="l"/>
+            <a:endParaRPr lang="en-PH" sz="2000" dirty="0">
+              <a:latin typeface="Consolas" panose="020B0609020204030204" pitchFamily="49" charset="0"/>
+            </a:endParaRPr>
+          </a:p>
+          <a:p>
+            <a:pPr algn="l"/>
+            <a:endParaRPr lang="en-PH" sz="2000" b="0" dirty="0">
+              <a:effectLst/>
+              <a:latin typeface="Consolas" panose="020B0609020204030204" pitchFamily="49" charset="0"/>
+            </a:endParaRPr>
+          </a:p>
+          <a:p>
+            <a:pPr algn="l"/>
+            <a:endParaRPr lang="en-PH" sz="2000" dirty="0">
+              <a:latin typeface="Consolas" panose="020B0609020204030204" pitchFamily="49" charset="0"/>
+            </a:endParaRPr>
+          </a:p>
+          <a:p>
+            <a:pPr algn="l"/>
+            <a:endParaRPr lang="en-PH" sz="2000" b="0" dirty="0">
+              <a:effectLst/>
+              <a:latin typeface="Consolas" panose="020B0609020204030204" pitchFamily="49" charset="0"/>
+            </a:endParaRPr>
+          </a:p>
+          <a:p>
+            <a:pPr algn="l"/>
+            <a:endParaRPr lang="en-PH" sz="2000" b="0" dirty="0">
+              <a:effectLst/>
+              <a:latin typeface="Consolas" panose="020B0609020204030204" pitchFamily="49" charset="0"/>
+            </a:endParaRPr>
+          </a:p>
+          <a:p>
+            <a:pPr algn="l"/>
+            <a:endParaRPr lang="en-PH" sz="2000" dirty="0">
+              <a:latin typeface="Consolas" panose="020B0609020204030204" pitchFamily="49" charset="0"/>
+            </a:endParaRPr>
+          </a:p>
+          <a:p>
+            <a:pPr algn="l"/>
+            <a:endParaRPr lang="en-PH" sz="2000" b="0" dirty="0">
+              <a:effectLst/>
+              <a:latin typeface="Consolas" panose="020B0609020204030204" pitchFamily="49" charset="0"/>
+            </a:endParaRPr>
+          </a:p>
+          <a:p>
+            <a:pPr algn="l"/>
+            <a:endParaRPr lang="en-PH" sz="2000" b="0" dirty="0">
+              <a:effectLst/>
+              <a:latin typeface="Consolas" panose="020B0609020204030204" pitchFamily="49" charset="0"/>
+            </a:endParaRPr>
+          </a:p>
+        </p:txBody>
+      </p:sp>
+      <p:sp>
+        <p:nvSpPr>
+          <p:cNvPr id="13" name="TextBox 12">
+            <a:extLst>
+              <a:ext uri="{FF2B5EF4-FFF2-40B4-BE49-F238E27FC236}">
+                <a16:creationId xmlns:a16="http://schemas.microsoft.com/office/drawing/2014/main" id="{3900C14F-041A-7E06-AEB2-454CF583C656}"/>
+              </a:ext>
+            </a:extLst>
+          </p:cNvPr>
+          <p:cNvSpPr txBox="1"/>
+          <p:nvPr/>
+        </p:nvSpPr>
+        <p:spPr>
+          <a:xfrm>
+            <a:off x="1294271" y="3067065"/>
+            <a:ext cx="787400" cy="369332"/>
+          </a:xfrm>
+          <a:prstGeom prst="rect">
+            <a:avLst/>
+          </a:prstGeom>
+          <a:noFill/>
+        </p:spPr>
+        <p:txBody>
+          <a:bodyPr wrap="square" rtlCol="0">
+            <a:spAutoFit/>
+          </a:bodyPr>
+          <a:lstStyle/>
+          <a:p>
+            <a:endParaRPr lang="en-PH" dirty="0"/>
+          </a:p>
+        </p:txBody>
+      </p:sp>
+      <p:sp>
+        <p:nvSpPr>
+          <p:cNvPr id="14" name="TextBox 13">
+            <a:extLst>
+              <a:ext uri="{FF2B5EF4-FFF2-40B4-BE49-F238E27FC236}">
+                <a16:creationId xmlns:a16="http://schemas.microsoft.com/office/drawing/2014/main" id="{75652A3C-2B5F-3EDF-F7EB-D0C6328EDA8C}"/>
+              </a:ext>
+            </a:extLst>
+          </p:cNvPr>
+          <p:cNvSpPr txBox="1"/>
+          <p:nvPr/>
+        </p:nvSpPr>
+        <p:spPr>
+          <a:xfrm>
+            <a:off x="2004950" y="1406092"/>
+            <a:ext cx="8182099" cy="3939540"/>
+          </a:xfrm>
+          <a:prstGeom prst="rect">
+            <a:avLst/>
+          </a:prstGeom>
+          <a:noFill/>
+        </p:spPr>
+        <p:txBody>
+          <a:bodyPr wrap="square" rtlCol="0">
+            <a:spAutoFit/>
+          </a:bodyPr>
+          <a:lstStyle/>
+          <a:p>
+            <a:r>
+              <a:rPr lang="en-PH" sz="2500" b="1" dirty="0">
+                <a:latin typeface="Calibri (Body)"/>
+              </a:rPr>
+              <a:t>Dollar</a:t>
+            </a:r>
+          </a:p>
+          <a:p>
+            <a:pPr marL="342900" indent="-342900">
+              <a:buFontTx/>
+              <a:buChar char="-"/>
+            </a:pPr>
+            <a:r>
+              <a:rPr lang="en-US" sz="2500" b="0" i="0" dirty="0">
+                <a:solidFill>
+                  <a:srgbClr val="000000"/>
+                </a:solidFill>
+                <a:effectLst/>
+                <a:latin typeface="Calibri (Body)"/>
+              </a:rPr>
+              <a:t>Matches at the end of the string the regex pattern is applied to.</a:t>
+            </a:r>
+          </a:p>
+          <a:p>
+            <a:pPr marL="342900" indent="-342900">
+              <a:buFontTx/>
+              <a:buChar char="-"/>
+            </a:pPr>
+            <a:endParaRPr lang="en-US" sz="2500" dirty="0">
               <a:latin typeface="Calibri (Body)"/>
             </a:endParaRPr>
           </a:p>
@@ -11000,13 +13635,1454 @@
             </a:r>
             <a:r>
               <a:rPr lang="en-PH" sz="2500" b="1" dirty="0">
+                <a:latin typeface="Calibri (Body)"/>
+              </a:rPr>
+              <a:t>.</a:t>
+            </a:r>
+            <a:r>
+              <a:rPr lang="en-PH" sz="2500" b="1" dirty="0">
                 <a:solidFill>
                   <a:srgbClr val="FF0000"/>
                 </a:solidFill>
                 <a:latin typeface="Calibri (Body)"/>
               </a:rPr>
-              <a:t>(ABC)</a:t>
-            </a:r>
+              <a:t>$</a:t>
+            </a:r>
+          </a:p>
+          <a:p>
+            <a:endParaRPr lang="en-PH" sz="2500" b="1" dirty="0">
+              <a:solidFill>
+                <a:srgbClr val="FF0000"/>
+              </a:solidFill>
+              <a:latin typeface="Calibri (Body)"/>
+            </a:endParaRPr>
+          </a:p>
+          <a:p>
+            <a:r>
+              <a:rPr lang="en-PH" sz="2500" dirty="0">
+                <a:latin typeface="Calibri (Body)"/>
+              </a:rPr>
+              <a:t>Match:</a:t>
+            </a:r>
+          </a:p>
+          <a:p>
+            <a:r>
+              <a:rPr lang="en-PH" sz="2500" dirty="0" err="1">
+                <a:latin typeface="Calibri (Body)"/>
+              </a:rPr>
+              <a:t>ab</a:t>
+            </a:r>
+            <a:r>
+              <a:rPr lang="en-PH" sz="2500" b="1" dirty="0" err="1">
+                <a:solidFill>
+                  <a:srgbClr val="00B050"/>
+                </a:solidFill>
+                <a:latin typeface="Calibri (Body)"/>
+              </a:rPr>
+              <a:t>c</a:t>
+            </a:r>
+            <a:endParaRPr lang="en-PH" sz="2500" b="1" dirty="0">
+              <a:solidFill>
+                <a:srgbClr val="00B050"/>
+              </a:solidFill>
+              <a:latin typeface="Calibri (Body)"/>
+            </a:endParaRPr>
+          </a:p>
+          <a:p>
+            <a:r>
+              <a:rPr lang="en-PH" sz="2500" dirty="0">
+                <a:latin typeface="Calibri (Body)"/>
+              </a:rPr>
+              <a:t>de</a:t>
+            </a:r>
+            <a:r>
+              <a:rPr lang="en-PH" sz="2500" b="1" dirty="0">
+                <a:solidFill>
+                  <a:srgbClr val="00B050"/>
+                </a:solidFill>
+                <a:latin typeface="Calibri (Body)"/>
+              </a:rPr>
+              <a:t>f</a:t>
+            </a:r>
+          </a:p>
+          <a:p>
+            <a:endParaRPr lang="en-PH" sz="2500" b="1" dirty="0">
+              <a:solidFill>
+                <a:srgbClr val="FF0000"/>
+              </a:solidFill>
+              <a:latin typeface="Calibri (Body)"/>
+            </a:endParaRPr>
+          </a:p>
+        </p:txBody>
+      </p:sp>
+    </p:spTree>
+    <p:extLst>
+      <p:ext uri="{BB962C8B-B14F-4D97-AF65-F5344CB8AC3E}">
+        <p14:creationId xmlns:p14="http://schemas.microsoft.com/office/powerpoint/2010/main" val="184166074"/>
+      </p:ext>
+    </p:extLst>
+  </p:cSld>
+  <p:clrMapOvr>
+    <a:masterClrMapping/>
+  </p:clrMapOvr>
+</p:sld>
+</file>
+
+<file path=ppt/slides/slide26.xml><?xml version="1.0" encoding="utf-8"?>
+<p:sld xmlns:a="http://schemas.openxmlformats.org/drawingml/2006/main" xmlns:r="http://schemas.openxmlformats.org/officeDocument/2006/relationships" xmlns:p="http://schemas.openxmlformats.org/presentationml/2006/main">
+  <p:cSld>
+    <p:bg>
+      <p:bgPr>
+        <a:blipFill dpi="0" rotWithShape="1">
+          <a:blip r:embed="rId3">
+            <a:alphaModFix amt="99000"/>
+            <a:lum/>
+          </a:blip>
+          <a:srcRect/>
+          <a:stretch>
+            <a:fillRect t="89000" r="85000" b="-1000"/>
+          </a:stretch>
+        </a:blipFill>
+        <a:effectLst/>
+      </p:bgPr>
+    </p:bg>
+    <p:spTree>
+      <p:nvGrpSpPr>
+        <p:cNvPr id="1" name=""/>
+        <p:cNvGrpSpPr/>
+        <p:nvPr/>
+      </p:nvGrpSpPr>
+      <p:grpSpPr>
+        <a:xfrm>
+          <a:off x="0" y="0"/>
+          <a:ext cx="0" cy="0"/>
+          <a:chOff x="0" y="0"/>
+          <a:chExt cx="0" cy="0"/>
+        </a:xfrm>
+      </p:grpSpPr>
+      <p:sp>
+        <p:nvSpPr>
+          <p:cNvPr id="2" name="Title 1">
+            <a:extLst>
+              <a:ext uri="{FF2B5EF4-FFF2-40B4-BE49-F238E27FC236}">
+                <a16:creationId xmlns:a16="http://schemas.microsoft.com/office/drawing/2014/main" id="{6A3DCE86-C2BA-4713-9E7A-73589E8D6CCF}"/>
+              </a:ext>
+            </a:extLst>
+          </p:cNvPr>
+          <p:cNvSpPr>
+            <a:spLocks noGrp="1"/>
+          </p:cNvSpPr>
+          <p:nvPr>
+            <p:ph type="ctrTitle"/>
+          </p:nvPr>
+        </p:nvSpPr>
+        <p:spPr>
+          <a:xfrm>
+            <a:off x="1524000" y="497150"/>
+            <a:ext cx="9144000" cy="718459"/>
+          </a:xfrm>
+        </p:spPr>
+        <p:txBody>
+          <a:bodyPr>
+            <a:noAutofit/>
+          </a:bodyPr>
+          <a:lstStyle/>
+          <a:p>
+            <a:r>
+              <a:rPr lang="en-PH" sz="5400" b="1" dirty="0"/>
+              <a:t>Word Boundary</a:t>
+            </a:r>
+            <a:endParaRPr lang="en-PH" sz="5000" b="1" dirty="0"/>
+          </a:p>
+        </p:txBody>
+      </p:sp>
+      <p:sp>
+        <p:nvSpPr>
+          <p:cNvPr id="4" name="Footer Placeholder 3">
+            <a:extLst>
+              <a:ext uri="{FF2B5EF4-FFF2-40B4-BE49-F238E27FC236}">
+                <a16:creationId xmlns:a16="http://schemas.microsoft.com/office/drawing/2014/main" id="{638E7DE1-45EE-476A-A474-0F3C264AEDA3}"/>
+              </a:ext>
+            </a:extLst>
+          </p:cNvPr>
+          <p:cNvSpPr>
+            <a:spLocks noGrp="1"/>
+          </p:cNvSpPr>
+          <p:nvPr>
+            <p:ph type="ftr" sz="quarter" idx="11"/>
+          </p:nvPr>
+        </p:nvSpPr>
+        <p:spPr>
+          <a:xfrm>
+            <a:off x="0" y="6139541"/>
+            <a:ext cx="12192000" cy="718459"/>
+          </a:xfrm>
+          <a:ln w="28575">
+            <a:solidFill>
+              <a:schemeClr val="accent5">
+                <a:lumMod val="50000"/>
+              </a:schemeClr>
+            </a:solidFill>
+          </a:ln>
+        </p:spPr>
+        <p:txBody>
+          <a:bodyPr/>
+          <a:lstStyle/>
+          <a:p>
+            <a:pPr algn="r"/>
+            <a:r>
+              <a:rPr lang="en-PH" b="1" dirty="0">
+                <a:solidFill>
+                  <a:schemeClr val="tx1"/>
+                </a:solidFill>
+              </a:rPr>
+              <a:t>CCPRGG2L – Intermediate Programming</a:t>
+            </a:r>
+          </a:p>
+        </p:txBody>
+      </p:sp>
+      <p:sp>
+        <p:nvSpPr>
+          <p:cNvPr id="3" name="Title 1">
+            <a:extLst>
+              <a:ext uri="{FF2B5EF4-FFF2-40B4-BE49-F238E27FC236}">
+                <a16:creationId xmlns:a16="http://schemas.microsoft.com/office/drawing/2014/main" id="{6C30C3FD-9F67-8E4D-274C-38222F46C4C5}"/>
+              </a:ext>
+            </a:extLst>
+          </p:cNvPr>
+          <p:cNvSpPr txBox="1">
+            <a:spLocks/>
+          </p:cNvSpPr>
+          <p:nvPr/>
+        </p:nvSpPr>
+        <p:spPr>
+          <a:xfrm>
+            <a:off x="1524000" y="1516449"/>
+            <a:ext cx="9144000" cy="4290585"/>
+          </a:xfrm>
+          <a:prstGeom prst="rect">
+            <a:avLst/>
+          </a:prstGeom>
+        </p:spPr>
+        <p:txBody>
+          <a:bodyPr vert="horz" lIns="91440" tIns="45720" rIns="91440" bIns="45720" rtlCol="0" anchor="b">
+            <a:normAutofit fontScale="97500"/>
+          </a:bodyPr>
+          <a:lstStyle>
+            <a:lvl1pPr algn="ctr" defTabSz="914400" rtl="0" eaLnBrk="1" latinLnBrk="0" hangingPunct="1">
+              <a:lnSpc>
+                <a:spcPct val="90000"/>
+              </a:lnSpc>
+              <a:spcBef>
+                <a:spcPct val="0"/>
+              </a:spcBef>
+              <a:buNone/>
+              <a:defRPr sz="6000" kern="1200">
+                <a:solidFill>
+                  <a:schemeClr val="tx1"/>
+                </a:solidFill>
+                <a:latin typeface="+mj-lt"/>
+                <a:ea typeface="+mj-ea"/>
+                <a:cs typeface="+mj-cs"/>
+              </a:defRPr>
+            </a:lvl1pPr>
+          </a:lstStyle>
+          <a:p>
+            <a:pPr algn="l"/>
+            <a:endParaRPr lang="en-PH" sz="2600" dirty="0">
+              <a:latin typeface="Consolas" panose="020B0609020204030204" pitchFamily="49" charset="0"/>
+            </a:endParaRPr>
+          </a:p>
+          <a:p>
+            <a:pPr algn="l"/>
+            <a:r>
+              <a:rPr lang="en-PH" sz="2600" b="0" dirty="0">
+                <a:effectLst/>
+                <a:latin typeface="Consolas" panose="020B0609020204030204" pitchFamily="49" charset="0"/>
+              </a:rPr>
+              <a:t>                         </a:t>
+            </a:r>
+          </a:p>
+          <a:p>
+            <a:pPr algn="l"/>
+            <a:r>
+              <a:rPr lang="en-PH" sz="2600" b="0" dirty="0">
+                <a:effectLst/>
+                <a:latin typeface="Consolas" panose="020B0609020204030204" pitchFamily="49" charset="0"/>
+              </a:rPr>
+              <a:t>        </a:t>
+            </a:r>
+          </a:p>
+          <a:p>
+            <a:pPr algn="l"/>
+            <a:endParaRPr lang="en-PH" sz="2600" b="0" dirty="0">
+              <a:effectLst/>
+              <a:latin typeface="Consolas" panose="020B0609020204030204" pitchFamily="49" charset="0"/>
+            </a:endParaRPr>
+          </a:p>
+          <a:p>
+            <a:pPr algn="l"/>
+            <a:endParaRPr lang="en-PH" sz="2000" dirty="0">
+              <a:latin typeface="Consolas" panose="020B0609020204030204" pitchFamily="49" charset="0"/>
+            </a:endParaRPr>
+          </a:p>
+          <a:p>
+            <a:pPr algn="l"/>
+            <a:endParaRPr lang="en-PH" sz="2000" b="0" dirty="0">
+              <a:effectLst/>
+              <a:latin typeface="Consolas" panose="020B0609020204030204" pitchFamily="49" charset="0"/>
+            </a:endParaRPr>
+          </a:p>
+          <a:p>
+            <a:pPr algn="l"/>
+            <a:endParaRPr lang="en-PH" sz="2000" dirty="0">
+              <a:latin typeface="Consolas" panose="020B0609020204030204" pitchFamily="49" charset="0"/>
+            </a:endParaRPr>
+          </a:p>
+          <a:p>
+            <a:pPr algn="l"/>
+            <a:endParaRPr lang="en-PH" sz="2000" b="0" dirty="0">
+              <a:effectLst/>
+              <a:latin typeface="Consolas" panose="020B0609020204030204" pitchFamily="49" charset="0"/>
+            </a:endParaRPr>
+          </a:p>
+          <a:p>
+            <a:pPr algn="l"/>
+            <a:endParaRPr lang="en-PH" sz="2000" dirty="0">
+              <a:latin typeface="Consolas" panose="020B0609020204030204" pitchFamily="49" charset="0"/>
+            </a:endParaRPr>
+          </a:p>
+          <a:p>
+            <a:pPr algn="l"/>
+            <a:endParaRPr lang="en-PH" sz="2000" b="0" dirty="0">
+              <a:effectLst/>
+              <a:latin typeface="Consolas" panose="020B0609020204030204" pitchFamily="49" charset="0"/>
+            </a:endParaRPr>
+          </a:p>
+          <a:p>
+            <a:pPr algn="l"/>
+            <a:endParaRPr lang="en-PH" sz="2000" b="0" dirty="0">
+              <a:effectLst/>
+              <a:latin typeface="Consolas" panose="020B0609020204030204" pitchFamily="49" charset="0"/>
+            </a:endParaRPr>
+          </a:p>
+          <a:p>
+            <a:pPr algn="l"/>
+            <a:endParaRPr lang="en-PH" sz="2000" dirty="0">
+              <a:latin typeface="Consolas" panose="020B0609020204030204" pitchFamily="49" charset="0"/>
+            </a:endParaRPr>
+          </a:p>
+          <a:p>
+            <a:pPr algn="l"/>
+            <a:endParaRPr lang="en-PH" sz="2000" b="0" dirty="0">
+              <a:effectLst/>
+              <a:latin typeface="Consolas" panose="020B0609020204030204" pitchFamily="49" charset="0"/>
+            </a:endParaRPr>
+          </a:p>
+          <a:p>
+            <a:pPr algn="l"/>
+            <a:endParaRPr lang="en-PH" sz="2000" b="0" dirty="0">
+              <a:effectLst/>
+              <a:latin typeface="Consolas" panose="020B0609020204030204" pitchFamily="49" charset="0"/>
+            </a:endParaRPr>
+          </a:p>
+        </p:txBody>
+      </p:sp>
+      <p:sp>
+        <p:nvSpPr>
+          <p:cNvPr id="13" name="TextBox 12">
+            <a:extLst>
+              <a:ext uri="{FF2B5EF4-FFF2-40B4-BE49-F238E27FC236}">
+                <a16:creationId xmlns:a16="http://schemas.microsoft.com/office/drawing/2014/main" id="{3900C14F-041A-7E06-AEB2-454CF583C656}"/>
+              </a:ext>
+            </a:extLst>
+          </p:cNvPr>
+          <p:cNvSpPr txBox="1"/>
+          <p:nvPr/>
+        </p:nvSpPr>
+        <p:spPr>
+          <a:xfrm>
+            <a:off x="1294271" y="3067065"/>
+            <a:ext cx="787400" cy="369332"/>
+          </a:xfrm>
+          <a:prstGeom prst="rect">
+            <a:avLst/>
+          </a:prstGeom>
+          <a:noFill/>
+        </p:spPr>
+        <p:txBody>
+          <a:bodyPr wrap="square" rtlCol="0">
+            <a:spAutoFit/>
+          </a:bodyPr>
+          <a:lstStyle/>
+          <a:p>
+            <a:endParaRPr lang="en-PH" dirty="0"/>
+          </a:p>
+        </p:txBody>
+      </p:sp>
+      <p:sp>
+        <p:nvSpPr>
+          <p:cNvPr id="14" name="TextBox 13">
+            <a:extLst>
+              <a:ext uri="{FF2B5EF4-FFF2-40B4-BE49-F238E27FC236}">
+                <a16:creationId xmlns:a16="http://schemas.microsoft.com/office/drawing/2014/main" id="{75652A3C-2B5F-3EDF-F7EB-D0C6328EDA8C}"/>
+              </a:ext>
+            </a:extLst>
+          </p:cNvPr>
+          <p:cNvSpPr txBox="1"/>
+          <p:nvPr/>
+        </p:nvSpPr>
+        <p:spPr>
+          <a:xfrm>
+            <a:off x="2004950" y="1210319"/>
+            <a:ext cx="8182099" cy="3554819"/>
+          </a:xfrm>
+          <a:prstGeom prst="rect">
+            <a:avLst/>
+          </a:prstGeom>
+          <a:noFill/>
+        </p:spPr>
+        <p:txBody>
+          <a:bodyPr wrap="square" rtlCol="0">
+            <a:spAutoFit/>
+          </a:bodyPr>
+          <a:lstStyle/>
+          <a:p>
+            <a:r>
+              <a:rPr lang="en-PH" sz="2500" b="1" dirty="0">
+                <a:latin typeface="Calibri (Body)"/>
+              </a:rPr>
+              <a:t>Word Boundary</a:t>
+            </a:r>
+            <a:endParaRPr lang="en-PH" sz="2500" b="1" i="0" dirty="0">
+              <a:effectLst/>
+              <a:latin typeface="Calibri (Body)"/>
+            </a:endParaRPr>
+          </a:p>
+          <a:p>
+            <a:pPr marL="342900" indent="-342900">
+              <a:buFontTx/>
+              <a:buChar char="-"/>
+            </a:pPr>
+            <a:r>
+              <a:rPr lang="en-US" sz="2500" b="0" i="0" dirty="0">
+                <a:solidFill>
+                  <a:srgbClr val="000000"/>
+                </a:solidFill>
+                <a:effectLst/>
+                <a:latin typeface="Calibri (Body)"/>
+              </a:rPr>
+              <a:t>Matches at a position that is followed by a word character but not preceded by a word character.</a:t>
+            </a:r>
+          </a:p>
+          <a:p>
+            <a:endParaRPr lang="en-US" sz="2500" b="0" i="0" dirty="0">
+              <a:solidFill>
+                <a:srgbClr val="000000"/>
+              </a:solidFill>
+              <a:effectLst/>
+              <a:latin typeface="Calibri (Body)"/>
+            </a:endParaRPr>
+          </a:p>
+          <a:p>
+            <a:endParaRPr lang="en-US" sz="2500" dirty="0">
+              <a:latin typeface="Calibri (Body)"/>
+            </a:endParaRPr>
+          </a:p>
+          <a:p>
+            <a:r>
+              <a:rPr lang="en-PH" sz="2500" dirty="0"/>
+              <a:t>Pattern: </a:t>
+            </a:r>
+            <a:r>
+              <a:rPr lang="en-PH" sz="2500" b="1" dirty="0">
+                <a:solidFill>
+                  <a:srgbClr val="FF0000"/>
+                </a:solidFill>
+              </a:rPr>
+              <a:t>\b.</a:t>
+            </a:r>
+          </a:p>
+          <a:p>
+            <a:endParaRPr lang="en-PH" sz="2500" b="1" dirty="0">
+              <a:latin typeface="Calibri (Body)"/>
+            </a:endParaRPr>
+          </a:p>
+          <a:p>
+            <a:r>
+              <a:rPr lang="en-PH" sz="2500" dirty="0">
+                <a:latin typeface="Calibri (Body)"/>
+              </a:rPr>
+              <a:t>Match:</a:t>
+            </a:r>
+          </a:p>
+          <a:p>
+            <a:r>
+              <a:rPr lang="en-PH" sz="2500" b="1" dirty="0" err="1">
+                <a:solidFill>
+                  <a:srgbClr val="00B050"/>
+                </a:solidFill>
+                <a:latin typeface="Calibri (Body)"/>
+              </a:rPr>
+              <a:t>a</a:t>
+            </a:r>
+            <a:r>
+              <a:rPr lang="en-PH" sz="2500" dirty="0" err="1">
+                <a:latin typeface="Calibri (Body)"/>
+              </a:rPr>
+              <a:t>bc</a:t>
+            </a:r>
+            <a:r>
+              <a:rPr lang="en-PH" sz="2500" dirty="0">
+                <a:latin typeface="Calibri (Body)"/>
+              </a:rPr>
+              <a:t> </a:t>
+            </a:r>
+            <a:r>
+              <a:rPr lang="en-PH" sz="2500" b="1" dirty="0">
+                <a:solidFill>
+                  <a:srgbClr val="00B050"/>
+                </a:solidFill>
+                <a:latin typeface="Calibri (Body)"/>
+              </a:rPr>
+              <a:t>d</a:t>
+            </a:r>
+            <a:r>
+              <a:rPr lang="en-PH" sz="2500" dirty="0">
+                <a:latin typeface="Calibri (Body)"/>
+              </a:rPr>
+              <a:t>ef</a:t>
+            </a:r>
+          </a:p>
+        </p:txBody>
+      </p:sp>
+    </p:spTree>
+    <p:extLst>
+      <p:ext uri="{BB962C8B-B14F-4D97-AF65-F5344CB8AC3E}">
+        <p14:creationId xmlns:p14="http://schemas.microsoft.com/office/powerpoint/2010/main" val="1138967674"/>
+      </p:ext>
+    </p:extLst>
+  </p:cSld>
+  <p:clrMapOvr>
+    <a:masterClrMapping/>
+  </p:clrMapOvr>
+</p:sld>
+</file>
+
+<file path=ppt/slides/slide27.xml><?xml version="1.0" encoding="utf-8"?>
+<p:sld xmlns:a="http://schemas.openxmlformats.org/drawingml/2006/main" xmlns:r="http://schemas.openxmlformats.org/officeDocument/2006/relationships" xmlns:p="http://schemas.openxmlformats.org/presentationml/2006/main">
+  <p:cSld>
+    <p:bg>
+      <p:bgPr>
+        <a:blipFill dpi="0" rotWithShape="1">
+          <a:blip r:embed="rId3">
+            <a:alphaModFix amt="99000"/>
+            <a:lum/>
+          </a:blip>
+          <a:srcRect/>
+          <a:stretch>
+            <a:fillRect t="89000" r="85000" b="-1000"/>
+          </a:stretch>
+        </a:blipFill>
+        <a:effectLst/>
+      </p:bgPr>
+    </p:bg>
+    <p:spTree>
+      <p:nvGrpSpPr>
+        <p:cNvPr id="1" name=""/>
+        <p:cNvGrpSpPr/>
+        <p:nvPr/>
+      </p:nvGrpSpPr>
+      <p:grpSpPr>
+        <a:xfrm>
+          <a:off x="0" y="0"/>
+          <a:ext cx="0" cy="0"/>
+          <a:chOff x="0" y="0"/>
+          <a:chExt cx="0" cy="0"/>
+        </a:xfrm>
+      </p:grpSpPr>
+      <p:sp>
+        <p:nvSpPr>
+          <p:cNvPr id="2" name="Title 1">
+            <a:extLst>
+              <a:ext uri="{FF2B5EF4-FFF2-40B4-BE49-F238E27FC236}">
+                <a16:creationId xmlns:a16="http://schemas.microsoft.com/office/drawing/2014/main" id="{6A3DCE86-C2BA-4713-9E7A-73589E8D6CCF}"/>
+              </a:ext>
+            </a:extLst>
+          </p:cNvPr>
+          <p:cNvSpPr>
+            <a:spLocks noGrp="1"/>
+          </p:cNvSpPr>
+          <p:nvPr>
+            <p:ph type="ctrTitle"/>
+          </p:nvPr>
+        </p:nvSpPr>
+        <p:spPr>
+          <a:xfrm>
+            <a:off x="1524000" y="497150"/>
+            <a:ext cx="9144000" cy="718459"/>
+          </a:xfrm>
+        </p:spPr>
+        <p:txBody>
+          <a:bodyPr>
+            <a:noAutofit/>
+          </a:bodyPr>
+          <a:lstStyle/>
+          <a:p>
+            <a:r>
+              <a:rPr lang="en-PH" sz="5400" b="1" dirty="0"/>
+              <a:t>Word Boundary</a:t>
+            </a:r>
+            <a:endParaRPr lang="en-PH" sz="5000" b="1" dirty="0"/>
+          </a:p>
+        </p:txBody>
+      </p:sp>
+      <p:sp>
+        <p:nvSpPr>
+          <p:cNvPr id="4" name="Footer Placeholder 3">
+            <a:extLst>
+              <a:ext uri="{FF2B5EF4-FFF2-40B4-BE49-F238E27FC236}">
+                <a16:creationId xmlns:a16="http://schemas.microsoft.com/office/drawing/2014/main" id="{638E7DE1-45EE-476A-A474-0F3C264AEDA3}"/>
+              </a:ext>
+            </a:extLst>
+          </p:cNvPr>
+          <p:cNvSpPr>
+            <a:spLocks noGrp="1"/>
+          </p:cNvSpPr>
+          <p:nvPr>
+            <p:ph type="ftr" sz="quarter" idx="11"/>
+          </p:nvPr>
+        </p:nvSpPr>
+        <p:spPr>
+          <a:xfrm>
+            <a:off x="0" y="6139541"/>
+            <a:ext cx="12192000" cy="718459"/>
+          </a:xfrm>
+          <a:ln w="28575">
+            <a:solidFill>
+              <a:schemeClr val="accent5">
+                <a:lumMod val="50000"/>
+              </a:schemeClr>
+            </a:solidFill>
+          </a:ln>
+        </p:spPr>
+        <p:txBody>
+          <a:bodyPr/>
+          <a:lstStyle/>
+          <a:p>
+            <a:pPr algn="r"/>
+            <a:r>
+              <a:rPr lang="en-PH" b="1" dirty="0">
+                <a:solidFill>
+                  <a:schemeClr val="tx1"/>
+                </a:solidFill>
+              </a:rPr>
+              <a:t>CCPRGG2L – Intermediate Programming</a:t>
+            </a:r>
+          </a:p>
+        </p:txBody>
+      </p:sp>
+      <p:sp>
+        <p:nvSpPr>
+          <p:cNvPr id="3" name="Title 1">
+            <a:extLst>
+              <a:ext uri="{FF2B5EF4-FFF2-40B4-BE49-F238E27FC236}">
+                <a16:creationId xmlns:a16="http://schemas.microsoft.com/office/drawing/2014/main" id="{6C30C3FD-9F67-8E4D-274C-38222F46C4C5}"/>
+              </a:ext>
+            </a:extLst>
+          </p:cNvPr>
+          <p:cNvSpPr txBox="1">
+            <a:spLocks/>
+          </p:cNvSpPr>
+          <p:nvPr/>
+        </p:nvSpPr>
+        <p:spPr>
+          <a:xfrm>
+            <a:off x="1524000" y="1516449"/>
+            <a:ext cx="9144000" cy="4290585"/>
+          </a:xfrm>
+          <a:prstGeom prst="rect">
+            <a:avLst/>
+          </a:prstGeom>
+        </p:spPr>
+        <p:txBody>
+          <a:bodyPr vert="horz" lIns="91440" tIns="45720" rIns="91440" bIns="45720" rtlCol="0" anchor="b">
+            <a:normAutofit fontScale="97500"/>
+          </a:bodyPr>
+          <a:lstStyle>
+            <a:lvl1pPr algn="ctr" defTabSz="914400" rtl="0" eaLnBrk="1" latinLnBrk="0" hangingPunct="1">
+              <a:lnSpc>
+                <a:spcPct val="90000"/>
+              </a:lnSpc>
+              <a:spcBef>
+                <a:spcPct val="0"/>
+              </a:spcBef>
+              <a:buNone/>
+              <a:defRPr sz="6000" kern="1200">
+                <a:solidFill>
+                  <a:schemeClr val="tx1"/>
+                </a:solidFill>
+                <a:latin typeface="+mj-lt"/>
+                <a:ea typeface="+mj-ea"/>
+                <a:cs typeface="+mj-cs"/>
+              </a:defRPr>
+            </a:lvl1pPr>
+          </a:lstStyle>
+          <a:p>
+            <a:pPr algn="l"/>
+            <a:endParaRPr lang="en-PH" sz="2600" dirty="0">
+              <a:latin typeface="Consolas" panose="020B0609020204030204" pitchFamily="49" charset="0"/>
+            </a:endParaRPr>
+          </a:p>
+          <a:p>
+            <a:pPr algn="l"/>
+            <a:r>
+              <a:rPr lang="en-PH" sz="2600" b="0" dirty="0">
+                <a:effectLst/>
+                <a:latin typeface="Consolas" panose="020B0609020204030204" pitchFamily="49" charset="0"/>
+              </a:rPr>
+              <a:t>                         </a:t>
+            </a:r>
+          </a:p>
+          <a:p>
+            <a:pPr algn="l"/>
+            <a:r>
+              <a:rPr lang="en-PH" sz="2600" b="0" dirty="0">
+                <a:effectLst/>
+                <a:latin typeface="Consolas" panose="020B0609020204030204" pitchFamily="49" charset="0"/>
+              </a:rPr>
+              <a:t>        </a:t>
+            </a:r>
+          </a:p>
+          <a:p>
+            <a:pPr algn="l"/>
+            <a:endParaRPr lang="en-PH" sz="2600" b="0" dirty="0">
+              <a:effectLst/>
+              <a:latin typeface="Consolas" panose="020B0609020204030204" pitchFamily="49" charset="0"/>
+            </a:endParaRPr>
+          </a:p>
+          <a:p>
+            <a:pPr algn="l"/>
+            <a:endParaRPr lang="en-PH" sz="2000" dirty="0">
+              <a:latin typeface="Consolas" panose="020B0609020204030204" pitchFamily="49" charset="0"/>
+            </a:endParaRPr>
+          </a:p>
+          <a:p>
+            <a:pPr algn="l"/>
+            <a:endParaRPr lang="en-PH" sz="2000" b="0" dirty="0">
+              <a:effectLst/>
+              <a:latin typeface="Consolas" panose="020B0609020204030204" pitchFamily="49" charset="0"/>
+            </a:endParaRPr>
+          </a:p>
+          <a:p>
+            <a:pPr algn="l"/>
+            <a:endParaRPr lang="en-PH" sz="2000" dirty="0">
+              <a:latin typeface="Consolas" panose="020B0609020204030204" pitchFamily="49" charset="0"/>
+            </a:endParaRPr>
+          </a:p>
+          <a:p>
+            <a:pPr algn="l"/>
+            <a:endParaRPr lang="en-PH" sz="2000" b="0" dirty="0">
+              <a:effectLst/>
+              <a:latin typeface="Consolas" panose="020B0609020204030204" pitchFamily="49" charset="0"/>
+            </a:endParaRPr>
+          </a:p>
+          <a:p>
+            <a:pPr algn="l"/>
+            <a:endParaRPr lang="en-PH" sz="2000" dirty="0">
+              <a:latin typeface="Consolas" panose="020B0609020204030204" pitchFamily="49" charset="0"/>
+            </a:endParaRPr>
+          </a:p>
+          <a:p>
+            <a:pPr algn="l"/>
+            <a:endParaRPr lang="en-PH" sz="2000" b="0" dirty="0">
+              <a:effectLst/>
+              <a:latin typeface="Consolas" panose="020B0609020204030204" pitchFamily="49" charset="0"/>
+            </a:endParaRPr>
+          </a:p>
+          <a:p>
+            <a:pPr algn="l"/>
+            <a:endParaRPr lang="en-PH" sz="2000" b="0" dirty="0">
+              <a:effectLst/>
+              <a:latin typeface="Consolas" panose="020B0609020204030204" pitchFamily="49" charset="0"/>
+            </a:endParaRPr>
+          </a:p>
+          <a:p>
+            <a:pPr algn="l"/>
+            <a:endParaRPr lang="en-PH" sz="2000" dirty="0">
+              <a:latin typeface="Consolas" panose="020B0609020204030204" pitchFamily="49" charset="0"/>
+            </a:endParaRPr>
+          </a:p>
+          <a:p>
+            <a:pPr algn="l"/>
+            <a:endParaRPr lang="en-PH" sz="2000" b="0" dirty="0">
+              <a:effectLst/>
+              <a:latin typeface="Consolas" panose="020B0609020204030204" pitchFamily="49" charset="0"/>
+            </a:endParaRPr>
+          </a:p>
+          <a:p>
+            <a:pPr algn="l"/>
+            <a:endParaRPr lang="en-PH" sz="2000" b="0" dirty="0">
+              <a:effectLst/>
+              <a:latin typeface="Consolas" panose="020B0609020204030204" pitchFamily="49" charset="0"/>
+            </a:endParaRPr>
+          </a:p>
+        </p:txBody>
+      </p:sp>
+      <p:sp>
+        <p:nvSpPr>
+          <p:cNvPr id="13" name="TextBox 12">
+            <a:extLst>
+              <a:ext uri="{FF2B5EF4-FFF2-40B4-BE49-F238E27FC236}">
+                <a16:creationId xmlns:a16="http://schemas.microsoft.com/office/drawing/2014/main" id="{3900C14F-041A-7E06-AEB2-454CF583C656}"/>
+              </a:ext>
+            </a:extLst>
+          </p:cNvPr>
+          <p:cNvSpPr txBox="1"/>
+          <p:nvPr/>
+        </p:nvSpPr>
+        <p:spPr>
+          <a:xfrm>
+            <a:off x="1294271" y="3067065"/>
+            <a:ext cx="787400" cy="369332"/>
+          </a:xfrm>
+          <a:prstGeom prst="rect">
+            <a:avLst/>
+          </a:prstGeom>
+          <a:noFill/>
+        </p:spPr>
+        <p:txBody>
+          <a:bodyPr wrap="square" rtlCol="0">
+            <a:spAutoFit/>
+          </a:bodyPr>
+          <a:lstStyle/>
+          <a:p>
+            <a:endParaRPr lang="en-PH" dirty="0"/>
+          </a:p>
+        </p:txBody>
+      </p:sp>
+      <p:sp>
+        <p:nvSpPr>
+          <p:cNvPr id="14" name="TextBox 13">
+            <a:extLst>
+              <a:ext uri="{FF2B5EF4-FFF2-40B4-BE49-F238E27FC236}">
+                <a16:creationId xmlns:a16="http://schemas.microsoft.com/office/drawing/2014/main" id="{75652A3C-2B5F-3EDF-F7EB-D0C6328EDA8C}"/>
+              </a:ext>
+            </a:extLst>
+          </p:cNvPr>
+          <p:cNvSpPr txBox="1"/>
+          <p:nvPr/>
+        </p:nvSpPr>
+        <p:spPr>
+          <a:xfrm>
+            <a:off x="2004950" y="1210319"/>
+            <a:ext cx="8182099" cy="3170099"/>
+          </a:xfrm>
+          <a:prstGeom prst="rect">
+            <a:avLst/>
+          </a:prstGeom>
+          <a:noFill/>
+        </p:spPr>
+        <p:txBody>
+          <a:bodyPr wrap="square" rtlCol="0">
+            <a:spAutoFit/>
+          </a:bodyPr>
+          <a:lstStyle/>
+          <a:p>
+            <a:r>
+              <a:rPr lang="en-PH" sz="2500" b="1" dirty="0">
+                <a:latin typeface="Calibri (Body)"/>
+              </a:rPr>
+              <a:t>Not Word Boundary</a:t>
+            </a:r>
+          </a:p>
+          <a:p>
+            <a:r>
+              <a:rPr lang="en-US" sz="2500" b="0" i="0" dirty="0">
+                <a:effectLst/>
+                <a:latin typeface="Calibri (Body)"/>
+              </a:rPr>
+              <a:t>Matches any position that is not a word boundary. This matches a position, not a character.</a:t>
+            </a:r>
+          </a:p>
+          <a:p>
+            <a:endParaRPr lang="en-US" sz="2500" dirty="0">
+              <a:latin typeface="Calibri (Body)"/>
+            </a:endParaRPr>
+          </a:p>
+          <a:p>
+            <a:r>
+              <a:rPr lang="en-PH" sz="2500" dirty="0"/>
+              <a:t>Pattern: </a:t>
+            </a:r>
+            <a:r>
+              <a:rPr lang="en-PH" sz="2500" b="1" dirty="0">
+                <a:solidFill>
+                  <a:srgbClr val="FF0000"/>
+                </a:solidFill>
+              </a:rPr>
+              <a:t>\B.</a:t>
+            </a:r>
+          </a:p>
+          <a:p>
+            <a:endParaRPr lang="en-PH" sz="2500" dirty="0"/>
+          </a:p>
+          <a:p>
+            <a:r>
+              <a:rPr lang="en-PH" sz="2500" dirty="0"/>
+              <a:t>Match:</a:t>
+            </a:r>
+          </a:p>
+          <a:p>
+            <a:r>
+              <a:rPr lang="en-PH" sz="2500" dirty="0" err="1"/>
+              <a:t>a</a:t>
+            </a:r>
+            <a:r>
+              <a:rPr lang="en-PH" sz="2500" b="1" dirty="0" err="1">
+                <a:solidFill>
+                  <a:srgbClr val="00B050"/>
+                </a:solidFill>
+              </a:rPr>
+              <a:t>bc</a:t>
+            </a:r>
+            <a:r>
+              <a:rPr lang="en-PH" sz="2500" dirty="0"/>
+              <a:t> d</a:t>
+            </a:r>
+            <a:r>
+              <a:rPr lang="en-PH" sz="2500" b="1" dirty="0">
+                <a:solidFill>
+                  <a:srgbClr val="00B050"/>
+                </a:solidFill>
+              </a:rPr>
+              <a:t>ef</a:t>
+            </a:r>
+          </a:p>
+        </p:txBody>
+      </p:sp>
+    </p:spTree>
+    <p:extLst>
+      <p:ext uri="{BB962C8B-B14F-4D97-AF65-F5344CB8AC3E}">
+        <p14:creationId xmlns:p14="http://schemas.microsoft.com/office/powerpoint/2010/main" val="1087783794"/>
+      </p:ext>
+    </p:extLst>
+  </p:cSld>
+  <p:clrMapOvr>
+    <a:masterClrMapping/>
+  </p:clrMapOvr>
+</p:sld>
+</file>
+
+<file path=ppt/slides/slide28.xml><?xml version="1.0" encoding="utf-8"?>
+<p:sld xmlns:a="http://schemas.openxmlformats.org/drawingml/2006/main" xmlns:r="http://schemas.openxmlformats.org/officeDocument/2006/relationships" xmlns:p="http://schemas.openxmlformats.org/presentationml/2006/main">
+  <p:cSld>
+    <p:bg>
+      <p:bgPr>
+        <a:blipFill dpi="0" rotWithShape="1">
+          <a:blip r:embed="rId3">
+            <a:alphaModFix amt="99000"/>
+            <a:lum/>
+          </a:blip>
+          <a:srcRect/>
+          <a:stretch>
+            <a:fillRect t="89000" r="85000" b="-1000"/>
+          </a:stretch>
+        </a:blipFill>
+        <a:effectLst/>
+      </p:bgPr>
+    </p:bg>
+    <p:spTree>
+      <p:nvGrpSpPr>
+        <p:cNvPr id="1" name=""/>
+        <p:cNvGrpSpPr/>
+        <p:nvPr/>
+      </p:nvGrpSpPr>
+      <p:grpSpPr>
+        <a:xfrm>
+          <a:off x="0" y="0"/>
+          <a:ext cx="0" cy="0"/>
+          <a:chOff x="0" y="0"/>
+          <a:chExt cx="0" cy="0"/>
+        </a:xfrm>
+      </p:grpSpPr>
+      <p:sp>
+        <p:nvSpPr>
+          <p:cNvPr id="2" name="Title 1">
+            <a:extLst>
+              <a:ext uri="{FF2B5EF4-FFF2-40B4-BE49-F238E27FC236}">
+                <a16:creationId xmlns:a16="http://schemas.microsoft.com/office/drawing/2014/main" id="{6A3DCE86-C2BA-4713-9E7A-73589E8D6CCF}"/>
+              </a:ext>
+            </a:extLst>
+          </p:cNvPr>
+          <p:cNvSpPr>
+            <a:spLocks noGrp="1"/>
+          </p:cNvSpPr>
+          <p:nvPr>
+            <p:ph type="ctrTitle"/>
+          </p:nvPr>
+        </p:nvSpPr>
+        <p:spPr>
+          <a:xfrm>
+            <a:off x="1524000" y="497150"/>
+            <a:ext cx="9144000" cy="718459"/>
+          </a:xfrm>
+        </p:spPr>
+        <p:txBody>
+          <a:bodyPr>
+            <a:noAutofit/>
+          </a:bodyPr>
+          <a:lstStyle/>
+          <a:p>
+            <a:r>
+              <a:rPr lang="en-PH" sz="5400" b="1" dirty="0"/>
+              <a:t>Groups and References</a:t>
+            </a:r>
+            <a:endParaRPr lang="en-PH" sz="5000" b="1" dirty="0"/>
+          </a:p>
+        </p:txBody>
+      </p:sp>
+      <p:sp>
+        <p:nvSpPr>
+          <p:cNvPr id="4" name="Footer Placeholder 3">
+            <a:extLst>
+              <a:ext uri="{FF2B5EF4-FFF2-40B4-BE49-F238E27FC236}">
+                <a16:creationId xmlns:a16="http://schemas.microsoft.com/office/drawing/2014/main" id="{638E7DE1-45EE-476A-A474-0F3C264AEDA3}"/>
+              </a:ext>
+            </a:extLst>
+          </p:cNvPr>
+          <p:cNvSpPr>
+            <a:spLocks noGrp="1"/>
+          </p:cNvSpPr>
+          <p:nvPr>
+            <p:ph type="ftr" sz="quarter" idx="11"/>
+          </p:nvPr>
+        </p:nvSpPr>
+        <p:spPr>
+          <a:xfrm>
+            <a:off x="0" y="6139541"/>
+            <a:ext cx="12192000" cy="718459"/>
+          </a:xfrm>
+          <a:ln w="28575">
+            <a:solidFill>
+              <a:schemeClr val="accent5">
+                <a:lumMod val="50000"/>
+              </a:schemeClr>
+            </a:solidFill>
+          </a:ln>
+        </p:spPr>
+        <p:txBody>
+          <a:bodyPr/>
+          <a:lstStyle/>
+          <a:p>
+            <a:pPr algn="r"/>
+            <a:r>
+              <a:rPr lang="en-PH" b="1" dirty="0">
+                <a:solidFill>
+                  <a:schemeClr val="tx1"/>
+                </a:solidFill>
+              </a:rPr>
+              <a:t>CCPRGG2L – Intermediate Programming</a:t>
+            </a:r>
+          </a:p>
+        </p:txBody>
+      </p:sp>
+      <p:sp>
+        <p:nvSpPr>
+          <p:cNvPr id="3" name="Title 1">
+            <a:extLst>
+              <a:ext uri="{FF2B5EF4-FFF2-40B4-BE49-F238E27FC236}">
+                <a16:creationId xmlns:a16="http://schemas.microsoft.com/office/drawing/2014/main" id="{6C30C3FD-9F67-8E4D-274C-38222F46C4C5}"/>
+              </a:ext>
+            </a:extLst>
+          </p:cNvPr>
+          <p:cNvSpPr txBox="1">
+            <a:spLocks/>
+          </p:cNvSpPr>
+          <p:nvPr/>
+        </p:nvSpPr>
+        <p:spPr>
+          <a:xfrm>
+            <a:off x="1524000" y="1516449"/>
+            <a:ext cx="9144000" cy="4290585"/>
+          </a:xfrm>
+          <a:prstGeom prst="rect">
+            <a:avLst/>
+          </a:prstGeom>
+        </p:spPr>
+        <p:txBody>
+          <a:bodyPr vert="horz" lIns="91440" tIns="45720" rIns="91440" bIns="45720" rtlCol="0" anchor="b">
+            <a:normAutofit fontScale="97500"/>
+          </a:bodyPr>
+          <a:lstStyle>
+            <a:lvl1pPr algn="ctr" defTabSz="914400" rtl="0" eaLnBrk="1" latinLnBrk="0" hangingPunct="1">
+              <a:lnSpc>
+                <a:spcPct val="90000"/>
+              </a:lnSpc>
+              <a:spcBef>
+                <a:spcPct val="0"/>
+              </a:spcBef>
+              <a:buNone/>
+              <a:defRPr sz="6000" kern="1200">
+                <a:solidFill>
+                  <a:schemeClr val="tx1"/>
+                </a:solidFill>
+                <a:latin typeface="+mj-lt"/>
+                <a:ea typeface="+mj-ea"/>
+                <a:cs typeface="+mj-cs"/>
+              </a:defRPr>
+            </a:lvl1pPr>
+          </a:lstStyle>
+          <a:p>
+            <a:pPr algn="l"/>
+            <a:endParaRPr lang="en-PH" sz="2600" dirty="0">
+              <a:latin typeface="Consolas" panose="020B0609020204030204" pitchFamily="49" charset="0"/>
+            </a:endParaRPr>
+          </a:p>
+          <a:p>
+            <a:pPr algn="l"/>
+            <a:r>
+              <a:rPr lang="en-PH" sz="2600" b="0" dirty="0">
+                <a:effectLst/>
+                <a:latin typeface="Consolas" panose="020B0609020204030204" pitchFamily="49" charset="0"/>
+              </a:rPr>
+              <a:t>                         </a:t>
+            </a:r>
+          </a:p>
+          <a:p>
+            <a:pPr algn="l"/>
+            <a:r>
+              <a:rPr lang="en-PH" sz="2600" b="0" dirty="0">
+                <a:effectLst/>
+                <a:latin typeface="Consolas" panose="020B0609020204030204" pitchFamily="49" charset="0"/>
+              </a:rPr>
+              <a:t>        </a:t>
+            </a:r>
+          </a:p>
+          <a:p>
+            <a:pPr algn="l"/>
+            <a:endParaRPr lang="en-PH" sz="2600" b="0" dirty="0">
+              <a:effectLst/>
+              <a:latin typeface="Consolas" panose="020B0609020204030204" pitchFamily="49" charset="0"/>
+            </a:endParaRPr>
+          </a:p>
+          <a:p>
+            <a:pPr algn="l"/>
+            <a:endParaRPr lang="en-PH" sz="2000" dirty="0">
+              <a:latin typeface="Consolas" panose="020B0609020204030204" pitchFamily="49" charset="0"/>
+            </a:endParaRPr>
+          </a:p>
+          <a:p>
+            <a:pPr algn="l"/>
+            <a:endParaRPr lang="en-PH" sz="2000" b="0" dirty="0">
+              <a:effectLst/>
+              <a:latin typeface="Consolas" panose="020B0609020204030204" pitchFamily="49" charset="0"/>
+            </a:endParaRPr>
+          </a:p>
+          <a:p>
+            <a:pPr algn="l"/>
+            <a:endParaRPr lang="en-PH" sz="2000" dirty="0">
+              <a:latin typeface="Consolas" panose="020B0609020204030204" pitchFamily="49" charset="0"/>
+            </a:endParaRPr>
+          </a:p>
+          <a:p>
+            <a:pPr algn="l"/>
+            <a:endParaRPr lang="en-PH" sz="2000" b="0" dirty="0">
+              <a:effectLst/>
+              <a:latin typeface="Consolas" panose="020B0609020204030204" pitchFamily="49" charset="0"/>
+            </a:endParaRPr>
+          </a:p>
+          <a:p>
+            <a:pPr algn="l"/>
+            <a:endParaRPr lang="en-PH" sz="2000" dirty="0">
+              <a:latin typeface="Consolas" panose="020B0609020204030204" pitchFamily="49" charset="0"/>
+            </a:endParaRPr>
+          </a:p>
+          <a:p>
+            <a:pPr algn="l"/>
+            <a:endParaRPr lang="en-PH" sz="2000" b="0" dirty="0">
+              <a:effectLst/>
+              <a:latin typeface="Consolas" panose="020B0609020204030204" pitchFamily="49" charset="0"/>
+            </a:endParaRPr>
+          </a:p>
+          <a:p>
+            <a:pPr algn="l"/>
+            <a:endParaRPr lang="en-PH" sz="2000" b="0" dirty="0">
+              <a:effectLst/>
+              <a:latin typeface="Consolas" panose="020B0609020204030204" pitchFamily="49" charset="0"/>
+            </a:endParaRPr>
+          </a:p>
+          <a:p>
+            <a:pPr algn="l"/>
+            <a:endParaRPr lang="en-PH" sz="2000" dirty="0">
+              <a:latin typeface="Consolas" panose="020B0609020204030204" pitchFamily="49" charset="0"/>
+            </a:endParaRPr>
+          </a:p>
+          <a:p>
+            <a:pPr algn="l"/>
+            <a:endParaRPr lang="en-PH" sz="2000" b="0" dirty="0">
+              <a:effectLst/>
+              <a:latin typeface="Consolas" panose="020B0609020204030204" pitchFamily="49" charset="0"/>
+            </a:endParaRPr>
+          </a:p>
+          <a:p>
+            <a:pPr algn="l"/>
+            <a:endParaRPr lang="en-PH" sz="2000" b="0" dirty="0">
+              <a:effectLst/>
+              <a:latin typeface="Consolas" panose="020B0609020204030204" pitchFamily="49" charset="0"/>
+            </a:endParaRPr>
+          </a:p>
+        </p:txBody>
+      </p:sp>
+      <p:sp>
+        <p:nvSpPr>
+          <p:cNvPr id="13" name="TextBox 12">
+            <a:extLst>
+              <a:ext uri="{FF2B5EF4-FFF2-40B4-BE49-F238E27FC236}">
+                <a16:creationId xmlns:a16="http://schemas.microsoft.com/office/drawing/2014/main" id="{3900C14F-041A-7E06-AEB2-454CF583C656}"/>
+              </a:ext>
+            </a:extLst>
+          </p:cNvPr>
+          <p:cNvSpPr txBox="1"/>
+          <p:nvPr/>
+        </p:nvSpPr>
+        <p:spPr>
+          <a:xfrm>
+            <a:off x="1294271" y="3067065"/>
+            <a:ext cx="787400" cy="369332"/>
+          </a:xfrm>
+          <a:prstGeom prst="rect">
+            <a:avLst/>
+          </a:prstGeom>
+          <a:noFill/>
+        </p:spPr>
+        <p:txBody>
+          <a:bodyPr wrap="square" rtlCol="0">
+            <a:spAutoFit/>
+          </a:bodyPr>
+          <a:lstStyle/>
+          <a:p>
+            <a:endParaRPr lang="en-PH" dirty="0"/>
+          </a:p>
+        </p:txBody>
+      </p:sp>
+      <p:sp>
+        <p:nvSpPr>
+          <p:cNvPr id="14" name="TextBox 13">
+            <a:extLst>
+              <a:ext uri="{FF2B5EF4-FFF2-40B4-BE49-F238E27FC236}">
+                <a16:creationId xmlns:a16="http://schemas.microsoft.com/office/drawing/2014/main" id="{75652A3C-2B5F-3EDF-F7EB-D0C6328EDA8C}"/>
+              </a:ext>
+            </a:extLst>
+          </p:cNvPr>
+          <p:cNvSpPr txBox="1"/>
+          <p:nvPr/>
+        </p:nvSpPr>
+        <p:spPr>
+          <a:xfrm>
+            <a:off x="2004950" y="1620515"/>
+            <a:ext cx="8182099" cy="3785652"/>
+          </a:xfrm>
+          <a:prstGeom prst="rect">
+            <a:avLst/>
+          </a:prstGeom>
+          <a:noFill/>
+        </p:spPr>
+        <p:txBody>
+          <a:bodyPr wrap="square" rtlCol="0">
+            <a:spAutoFit/>
+          </a:bodyPr>
+          <a:lstStyle/>
+          <a:p>
+            <a:r>
+              <a:rPr lang="en-PH" sz="2000" b="1" dirty="0">
+                <a:latin typeface="Calibri Light (Body)"/>
+              </a:rPr>
+              <a:t>Capturing Group </a:t>
+            </a:r>
+            <a:r>
+              <a:rPr lang="en-PH" sz="2000" dirty="0">
+                <a:latin typeface="Calibri Light (Body)"/>
+              </a:rPr>
+              <a:t>			</a:t>
+            </a:r>
+          </a:p>
+          <a:p>
+            <a:pPr marL="342900" indent="-342900">
+              <a:buFontTx/>
+              <a:buChar char="-"/>
+            </a:pPr>
+            <a:r>
+              <a:rPr lang="en-US" sz="2000" b="0" i="0" dirty="0">
+                <a:solidFill>
+                  <a:srgbClr val="000000"/>
+                </a:solidFill>
+                <a:effectLst/>
+                <a:latin typeface="Calibri Light (Body)"/>
+              </a:rPr>
+              <a:t>They capture the text matched by the regex inside them into a numbered group that can be reused with a numbered backreference. They allow you to apply regex operators to the entire grouped regex.</a:t>
+            </a:r>
+          </a:p>
+          <a:p>
+            <a:endParaRPr lang="en-PH" sz="2000" dirty="0">
+              <a:latin typeface="Calibri Light (Body)"/>
+            </a:endParaRPr>
+          </a:p>
+          <a:p>
+            <a:r>
+              <a:rPr lang="en-PH" sz="2000" dirty="0">
+                <a:latin typeface="Calibri Light (Body)"/>
+              </a:rPr>
+              <a:t>Pattern:</a:t>
+            </a:r>
+            <a:r>
+              <a:rPr lang="en-PH" sz="2000" dirty="0">
+                <a:solidFill>
+                  <a:srgbClr val="FF0000"/>
+                </a:solidFill>
+                <a:latin typeface="Calibri Light (Body)"/>
+              </a:rPr>
+              <a:t> </a:t>
+            </a:r>
+            <a:r>
+              <a:rPr lang="en-PH" sz="2000" b="1" dirty="0">
+                <a:solidFill>
+                  <a:srgbClr val="FF0000"/>
+                </a:solidFill>
+                <a:latin typeface="Calibri Light (Body)"/>
+              </a:rPr>
+              <a:t>(</a:t>
+            </a:r>
+            <a:r>
+              <a:rPr lang="en-PH" sz="2000" b="1" dirty="0">
+                <a:latin typeface="Calibri Light (Body)"/>
+              </a:rPr>
+              <a:t>go</a:t>
+            </a:r>
+            <a:r>
+              <a:rPr lang="en-PH" sz="2000" b="1" dirty="0">
+                <a:solidFill>
+                  <a:srgbClr val="FF0000"/>
+                </a:solidFill>
+                <a:latin typeface="Calibri Light (Body)"/>
+              </a:rPr>
+              <a:t>)</a:t>
+            </a:r>
+            <a:r>
+              <a:rPr lang="en-PH" sz="2000" b="1" dirty="0">
+                <a:latin typeface="Calibri Light (Body)"/>
+              </a:rPr>
+              <a:t>+</a:t>
+            </a:r>
+          </a:p>
+          <a:p>
+            <a:r>
+              <a:rPr lang="en-PH" sz="2000" b="1" dirty="0">
+                <a:solidFill>
+                  <a:srgbClr val="00B050"/>
+                </a:solidFill>
+                <a:latin typeface="Calibri Light (Body)"/>
+              </a:rPr>
+              <a:t>go</a:t>
+            </a:r>
+          </a:p>
+          <a:p>
+            <a:r>
+              <a:rPr lang="en-PH" sz="2000" b="1" dirty="0" err="1">
+                <a:solidFill>
+                  <a:srgbClr val="00B050"/>
+                </a:solidFill>
+                <a:latin typeface="Calibri Light (Body)"/>
+              </a:rPr>
+              <a:t>gogo</a:t>
+            </a:r>
+            <a:endParaRPr lang="en-PH" sz="2000" b="1" dirty="0">
+              <a:solidFill>
+                <a:srgbClr val="00B050"/>
+              </a:solidFill>
+              <a:latin typeface="Calibri Light (Body)"/>
+            </a:endParaRPr>
+          </a:p>
+          <a:p>
+            <a:r>
+              <a:rPr lang="en-PH" sz="2000" b="1" dirty="0" err="1">
+                <a:solidFill>
+                  <a:srgbClr val="00B050"/>
+                </a:solidFill>
+                <a:latin typeface="Calibri Light (Body)"/>
+              </a:rPr>
+              <a:t>gogogo</a:t>
+            </a:r>
+            <a:endParaRPr lang="en-PH" sz="2000" b="1" dirty="0">
+              <a:solidFill>
+                <a:srgbClr val="00B050"/>
+              </a:solidFill>
+              <a:latin typeface="Calibri Light (Body)"/>
+            </a:endParaRPr>
+          </a:p>
+          <a:p>
+            <a:endParaRPr lang="en-PH" sz="2000" b="1" dirty="0">
+              <a:solidFill>
+                <a:srgbClr val="00B050"/>
+              </a:solidFill>
+              <a:latin typeface="Calibri Light (Body)"/>
+            </a:endParaRPr>
+          </a:p>
+          <a:p>
+            <a:r>
+              <a:rPr lang="en-US" sz="2000" b="1" dirty="0">
+                <a:latin typeface="Calibri Light (Body)"/>
+              </a:rPr>
+              <a:t>Note: Without parentheses, the pattern </a:t>
+            </a:r>
+            <a:r>
+              <a:rPr lang="en-US" sz="2000" b="1" dirty="0">
+                <a:solidFill>
+                  <a:srgbClr val="FF0000"/>
+                </a:solidFill>
+                <a:latin typeface="Calibri Light (Body)"/>
+              </a:rPr>
+              <a:t>go+ </a:t>
+            </a:r>
+            <a:r>
+              <a:rPr lang="en-US" sz="2000" b="1" dirty="0">
+                <a:latin typeface="Calibri Light (Body)"/>
+              </a:rPr>
+              <a:t>means g character, followed by o repeated one or more times. For instance, </a:t>
+            </a:r>
+            <a:r>
+              <a:rPr lang="en-US" sz="2000" b="1" dirty="0" err="1">
+                <a:solidFill>
+                  <a:srgbClr val="00B050"/>
+                </a:solidFill>
+                <a:latin typeface="Calibri Light (Body)"/>
+              </a:rPr>
+              <a:t>goooo</a:t>
+            </a:r>
+            <a:r>
+              <a:rPr lang="en-US" sz="2000" b="1" dirty="0">
+                <a:latin typeface="Calibri Light (Body)"/>
+              </a:rPr>
+              <a:t> or </a:t>
+            </a:r>
+            <a:r>
+              <a:rPr lang="en-US" sz="2000" b="1" dirty="0" err="1">
+                <a:solidFill>
+                  <a:srgbClr val="00B050"/>
+                </a:solidFill>
+                <a:latin typeface="Calibri Light (Body)"/>
+              </a:rPr>
+              <a:t>gooooooooo</a:t>
+            </a:r>
+            <a:r>
+              <a:rPr lang="en-US" sz="2000" b="1" dirty="0">
+                <a:latin typeface="Calibri Light (Body)"/>
+              </a:rPr>
+              <a:t>.</a:t>
+            </a:r>
+            <a:endParaRPr lang="en-PH" sz="2000" b="1" dirty="0">
+              <a:latin typeface="Calibri Light (Body)"/>
+            </a:endParaRPr>
           </a:p>
         </p:txBody>
       </p:sp>
@@ -11014,6 +15090,477 @@
     <p:extLst>
       <p:ext uri="{BB962C8B-B14F-4D97-AF65-F5344CB8AC3E}">
         <p14:creationId xmlns:p14="http://schemas.microsoft.com/office/powerpoint/2010/main" val="1879970539"/>
+      </p:ext>
+    </p:extLst>
+  </p:cSld>
+  <p:clrMapOvr>
+    <a:masterClrMapping/>
+  </p:clrMapOvr>
+</p:sld>
+</file>
+
+<file path=ppt/slides/slide29.xml><?xml version="1.0" encoding="utf-8"?>
+<p:sld xmlns:a="http://schemas.openxmlformats.org/drawingml/2006/main" xmlns:r="http://schemas.openxmlformats.org/officeDocument/2006/relationships" xmlns:p="http://schemas.openxmlformats.org/presentationml/2006/main">
+  <p:cSld>
+    <p:bg>
+      <p:bgPr>
+        <a:blipFill dpi="0" rotWithShape="1">
+          <a:blip r:embed="rId3">
+            <a:alphaModFix amt="99000"/>
+            <a:lum/>
+          </a:blip>
+          <a:srcRect/>
+          <a:stretch>
+            <a:fillRect t="89000" r="85000" b="-1000"/>
+          </a:stretch>
+        </a:blipFill>
+        <a:effectLst/>
+      </p:bgPr>
+    </p:bg>
+    <p:spTree>
+      <p:nvGrpSpPr>
+        <p:cNvPr id="1" name=""/>
+        <p:cNvGrpSpPr/>
+        <p:nvPr/>
+      </p:nvGrpSpPr>
+      <p:grpSpPr>
+        <a:xfrm>
+          <a:off x="0" y="0"/>
+          <a:ext cx="0" cy="0"/>
+          <a:chOff x="0" y="0"/>
+          <a:chExt cx="0" cy="0"/>
+        </a:xfrm>
+      </p:grpSpPr>
+      <p:sp>
+        <p:nvSpPr>
+          <p:cNvPr id="2" name="Title 1">
+            <a:extLst>
+              <a:ext uri="{FF2B5EF4-FFF2-40B4-BE49-F238E27FC236}">
+                <a16:creationId xmlns:a16="http://schemas.microsoft.com/office/drawing/2014/main" id="{6A3DCE86-C2BA-4713-9E7A-73589E8D6CCF}"/>
+              </a:ext>
+            </a:extLst>
+          </p:cNvPr>
+          <p:cNvSpPr>
+            <a:spLocks noGrp="1"/>
+          </p:cNvSpPr>
+          <p:nvPr>
+            <p:ph type="ctrTitle"/>
+          </p:nvPr>
+        </p:nvSpPr>
+        <p:spPr>
+          <a:xfrm>
+            <a:off x="1524000" y="497150"/>
+            <a:ext cx="9144000" cy="718459"/>
+          </a:xfrm>
+        </p:spPr>
+        <p:txBody>
+          <a:bodyPr>
+            <a:noAutofit/>
+          </a:bodyPr>
+          <a:lstStyle/>
+          <a:p>
+            <a:r>
+              <a:rPr lang="en-PH" sz="5400" b="1" dirty="0"/>
+              <a:t>Groups and References</a:t>
+            </a:r>
+            <a:endParaRPr lang="en-PH" sz="5000" b="1" dirty="0"/>
+          </a:p>
+        </p:txBody>
+      </p:sp>
+      <p:sp>
+        <p:nvSpPr>
+          <p:cNvPr id="4" name="Footer Placeholder 3">
+            <a:extLst>
+              <a:ext uri="{FF2B5EF4-FFF2-40B4-BE49-F238E27FC236}">
+                <a16:creationId xmlns:a16="http://schemas.microsoft.com/office/drawing/2014/main" id="{638E7DE1-45EE-476A-A474-0F3C264AEDA3}"/>
+              </a:ext>
+            </a:extLst>
+          </p:cNvPr>
+          <p:cNvSpPr>
+            <a:spLocks noGrp="1"/>
+          </p:cNvSpPr>
+          <p:nvPr>
+            <p:ph type="ftr" sz="quarter" idx="11"/>
+          </p:nvPr>
+        </p:nvSpPr>
+        <p:spPr>
+          <a:xfrm>
+            <a:off x="0" y="6139541"/>
+            <a:ext cx="12192000" cy="718459"/>
+          </a:xfrm>
+          <a:ln w="28575">
+            <a:solidFill>
+              <a:schemeClr val="accent5">
+                <a:lumMod val="50000"/>
+              </a:schemeClr>
+            </a:solidFill>
+          </a:ln>
+        </p:spPr>
+        <p:txBody>
+          <a:bodyPr/>
+          <a:lstStyle/>
+          <a:p>
+            <a:pPr algn="r"/>
+            <a:r>
+              <a:rPr lang="en-PH" b="1" dirty="0">
+                <a:solidFill>
+                  <a:schemeClr val="tx1"/>
+                </a:solidFill>
+              </a:rPr>
+              <a:t>CCPRGG2L – Intermediate Programming</a:t>
+            </a:r>
+          </a:p>
+        </p:txBody>
+      </p:sp>
+      <p:sp>
+        <p:nvSpPr>
+          <p:cNvPr id="3" name="Title 1">
+            <a:extLst>
+              <a:ext uri="{FF2B5EF4-FFF2-40B4-BE49-F238E27FC236}">
+                <a16:creationId xmlns:a16="http://schemas.microsoft.com/office/drawing/2014/main" id="{6C30C3FD-9F67-8E4D-274C-38222F46C4C5}"/>
+              </a:ext>
+            </a:extLst>
+          </p:cNvPr>
+          <p:cNvSpPr txBox="1">
+            <a:spLocks/>
+          </p:cNvSpPr>
+          <p:nvPr/>
+        </p:nvSpPr>
+        <p:spPr>
+          <a:xfrm>
+            <a:off x="1524000" y="1516449"/>
+            <a:ext cx="9144000" cy="4290585"/>
+          </a:xfrm>
+          <a:prstGeom prst="rect">
+            <a:avLst/>
+          </a:prstGeom>
+        </p:spPr>
+        <p:txBody>
+          <a:bodyPr vert="horz" lIns="91440" tIns="45720" rIns="91440" bIns="45720" rtlCol="0" anchor="b">
+            <a:normAutofit fontScale="97500"/>
+          </a:bodyPr>
+          <a:lstStyle>
+            <a:lvl1pPr algn="ctr" defTabSz="914400" rtl="0" eaLnBrk="1" latinLnBrk="0" hangingPunct="1">
+              <a:lnSpc>
+                <a:spcPct val="90000"/>
+              </a:lnSpc>
+              <a:spcBef>
+                <a:spcPct val="0"/>
+              </a:spcBef>
+              <a:buNone/>
+              <a:defRPr sz="6000" kern="1200">
+                <a:solidFill>
+                  <a:schemeClr val="tx1"/>
+                </a:solidFill>
+                <a:latin typeface="+mj-lt"/>
+                <a:ea typeface="+mj-ea"/>
+                <a:cs typeface="+mj-cs"/>
+              </a:defRPr>
+            </a:lvl1pPr>
+          </a:lstStyle>
+          <a:p>
+            <a:pPr algn="l"/>
+            <a:endParaRPr lang="en-PH" sz="2600" dirty="0">
+              <a:latin typeface="Consolas" panose="020B0609020204030204" pitchFamily="49" charset="0"/>
+            </a:endParaRPr>
+          </a:p>
+          <a:p>
+            <a:pPr algn="l"/>
+            <a:r>
+              <a:rPr lang="en-PH" sz="2600" b="0" dirty="0">
+                <a:effectLst/>
+                <a:latin typeface="Consolas" panose="020B0609020204030204" pitchFamily="49" charset="0"/>
+              </a:rPr>
+              <a:t>                         </a:t>
+            </a:r>
+          </a:p>
+          <a:p>
+            <a:pPr algn="l"/>
+            <a:r>
+              <a:rPr lang="en-PH" sz="2600" b="0" dirty="0">
+                <a:effectLst/>
+                <a:latin typeface="Consolas" panose="020B0609020204030204" pitchFamily="49" charset="0"/>
+              </a:rPr>
+              <a:t>        </a:t>
+            </a:r>
+          </a:p>
+          <a:p>
+            <a:pPr algn="l"/>
+            <a:endParaRPr lang="en-PH" sz="2600" b="0" dirty="0">
+              <a:effectLst/>
+              <a:latin typeface="Consolas" panose="020B0609020204030204" pitchFamily="49" charset="0"/>
+            </a:endParaRPr>
+          </a:p>
+          <a:p>
+            <a:pPr algn="l"/>
+            <a:endParaRPr lang="en-PH" sz="2000" dirty="0">
+              <a:latin typeface="Consolas" panose="020B0609020204030204" pitchFamily="49" charset="0"/>
+            </a:endParaRPr>
+          </a:p>
+          <a:p>
+            <a:pPr algn="l"/>
+            <a:endParaRPr lang="en-PH" sz="2000" b="0" dirty="0">
+              <a:effectLst/>
+              <a:latin typeface="Consolas" panose="020B0609020204030204" pitchFamily="49" charset="0"/>
+            </a:endParaRPr>
+          </a:p>
+          <a:p>
+            <a:pPr algn="l"/>
+            <a:endParaRPr lang="en-PH" sz="2000" dirty="0">
+              <a:latin typeface="Consolas" panose="020B0609020204030204" pitchFamily="49" charset="0"/>
+            </a:endParaRPr>
+          </a:p>
+          <a:p>
+            <a:pPr algn="l"/>
+            <a:endParaRPr lang="en-PH" sz="2000" b="0" dirty="0">
+              <a:effectLst/>
+              <a:latin typeface="Consolas" panose="020B0609020204030204" pitchFamily="49" charset="0"/>
+            </a:endParaRPr>
+          </a:p>
+          <a:p>
+            <a:pPr algn="l"/>
+            <a:endParaRPr lang="en-PH" sz="2000" dirty="0">
+              <a:latin typeface="Consolas" panose="020B0609020204030204" pitchFamily="49" charset="0"/>
+            </a:endParaRPr>
+          </a:p>
+          <a:p>
+            <a:pPr algn="l"/>
+            <a:endParaRPr lang="en-PH" sz="2000" b="0" dirty="0">
+              <a:effectLst/>
+              <a:latin typeface="Consolas" panose="020B0609020204030204" pitchFamily="49" charset="0"/>
+            </a:endParaRPr>
+          </a:p>
+          <a:p>
+            <a:pPr algn="l"/>
+            <a:endParaRPr lang="en-PH" sz="2000" b="0" dirty="0">
+              <a:effectLst/>
+              <a:latin typeface="Consolas" panose="020B0609020204030204" pitchFamily="49" charset="0"/>
+            </a:endParaRPr>
+          </a:p>
+          <a:p>
+            <a:pPr algn="l"/>
+            <a:endParaRPr lang="en-PH" sz="2000" dirty="0">
+              <a:latin typeface="Consolas" panose="020B0609020204030204" pitchFamily="49" charset="0"/>
+            </a:endParaRPr>
+          </a:p>
+          <a:p>
+            <a:pPr algn="l"/>
+            <a:endParaRPr lang="en-PH" sz="2000" b="0" dirty="0">
+              <a:effectLst/>
+              <a:latin typeface="Consolas" panose="020B0609020204030204" pitchFamily="49" charset="0"/>
+            </a:endParaRPr>
+          </a:p>
+          <a:p>
+            <a:pPr algn="l"/>
+            <a:endParaRPr lang="en-PH" sz="2000" b="0" dirty="0">
+              <a:effectLst/>
+              <a:latin typeface="Consolas" panose="020B0609020204030204" pitchFamily="49" charset="0"/>
+            </a:endParaRPr>
+          </a:p>
+        </p:txBody>
+      </p:sp>
+      <p:sp>
+        <p:nvSpPr>
+          <p:cNvPr id="13" name="TextBox 12">
+            <a:extLst>
+              <a:ext uri="{FF2B5EF4-FFF2-40B4-BE49-F238E27FC236}">
+                <a16:creationId xmlns:a16="http://schemas.microsoft.com/office/drawing/2014/main" id="{3900C14F-041A-7E06-AEB2-454CF583C656}"/>
+              </a:ext>
+            </a:extLst>
+          </p:cNvPr>
+          <p:cNvSpPr txBox="1"/>
+          <p:nvPr/>
+        </p:nvSpPr>
+        <p:spPr>
+          <a:xfrm>
+            <a:off x="1294271" y="3067065"/>
+            <a:ext cx="787400" cy="369332"/>
+          </a:xfrm>
+          <a:prstGeom prst="rect">
+            <a:avLst/>
+          </a:prstGeom>
+          <a:noFill/>
+        </p:spPr>
+        <p:txBody>
+          <a:bodyPr wrap="square" rtlCol="0">
+            <a:spAutoFit/>
+          </a:bodyPr>
+          <a:lstStyle/>
+          <a:p>
+            <a:endParaRPr lang="en-PH" dirty="0"/>
+          </a:p>
+        </p:txBody>
+      </p:sp>
+      <p:sp>
+        <p:nvSpPr>
+          <p:cNvPr id="14" name="TextBox 13">
+            <a:extLst>
+              <a:ext uri="{FF2B5EF4-FFF2-40B4-BE49-F238E27FC236}">
+                <a16:creationId xmlns:a16="http://schemas.microsoft.com/office/drawing/2014/main" id="{75652A3C-2B5F-3EDF-F7EB-D0C6328EDA8C}"/>
+              </a:ext>
+            </a:extLst>
+          </p:cNvPr>
+          <p:cNvSpPr txBox="1"/>
+          <p:nvPr/>
+        </p:nvSpPr>
+        <p:spPr>
+          <a:xfrm>
+            <a:off x="2004950" y="1620515"/>
+            <a:ext cx="8182099" cy="3554819"/>
+          </a:xfrm>
+          <a:prstGeom prst="rect">
+            <a:avLst/>
+          </a:prstGeom>
+          <a:noFill/>
+        </p:spPr>
+        <p:txBody>
+          <a:bodyPr wrap="square" rtlCol="0">
+            <a:spAutoFit/>
+          </a:bodyPr>
+          <a:lstStyle/>
+          <a:p>
+            <a:r>
+              <a:rPr lang="en-PH" sz="2500" b="1" dirty="0">
+                <a:latin typeface="Calibri (Body)"/>
+              </a:rPr>
+              <a:t>Backreference</a:t>
+            </a:r>
+            <a:r>
+              <a:rPr lang="en-PH" sz="2500" dirty="0">
+                <a:latin typeface="Calibri (Body)"/>
+              </a:rPr>
+              <a:t>			</a:t>
+            </a:r>
+          </a:p>
+          <a:p>
+            <a:pPr marL="342900" indent="-342900">
+              <a:buFontTx/>
+              <a:buChar char="-"/>
+            </a:pPr>
+            <a:r>
+              <a:rPr lang="en-US" sz="2500" b="0" i="0" dirty="0">
+                <a:effectLst/>
+                <a:latin typeface="Calibri (Body)"/>
+              </a:rPr>
+              <a:t>Matches the results of a capture group.</a:t>
+            </a:r>
+          </a:p>
+          <a:p>
+            <a:pPr marL="342900" indent="-342900">
+              <a:buFontTx/>
+              <a:buChar char="-"/>
+            </a:pPr>
+            <a:endParaRPr lang="en-US" sz="2500" b="0" i="0" dirty="0">
+              <a:solidFill>
+                <a:srgbClr val="B7BCC0"/>
+              </a:solidFill>
+              <a:effectLst/>
+              <a:latin typeface="Calibri (Body)"/>
+            </a:endParaRPr>
+          </a:p>
+          <a:p>
+            <a:r>
+              <a:rPr lang="en-PH" sz="2500" dirty="0">
+                <a:latin typeface="Calibri (Body)"/>
+              </a:rPr>
+              <a:t>Pattern:</a:t>
+            </a:r>
+            <a:r>
+              <a:rPr lang="en-PH" sz="2500" dirty="0">
+                <a:solidFill>
+                  <a:srgbClr val="FF0000"/>
+                </a:solidFill>
+                <a:latin typeface="Calibri (Body)"/>
+              </a:rPr>
+              <a:t> </a:t>
+            </a:r>
+            <a:r>
+              <a:rPr lang="en-PH" sz="2500" dirty="0">
+                <a:latin typeface="Calibri (Body)"/>
+              </a:rPr>
+              <a:t>(group1)(group2)</a:t>
+            </a:r>
+            <a:r>
+              <a:rPr lang="en-PH" sz="2500" b="1" dirty="0">
+                <a:solidFill>
+                  <a:srgbClr val="FF0000"/>
+                </a:solidFill>
+                <a:latin typeface="Calibri (Body)"/>
+              </a:rPr>
+              <a:t>\1\2</a:t>
+            </a:r>
+            <a:endParaRPr lang="en-PH" sz="2500" b="1" dirty="0">
+              <a:latin typeface="Calibri (Body)"/>
+            </a:endParaRPr>
+          </a:p>
+          <a:p>
+            <a:endParaRPr lang="en-PH" sz="2500" dirty="0">
+              <a:latin typeface="Calibri (Body)"/>
+            </a:endParaRPr>
+          </a:p>
+          <a:p>
+            <a:r>
+              <a:rPr lang="en-PH" sz="2500" b="1" dirty="0">
+                <a:solidFill>
+                  <a:srgbClr val="00B050"/>
+                </a:solidFill>
+                <a:latin typeface="Calibri (Body)"/>
+              </a:rPr>
+              <a:t>group1group2group1group2</a:t>
+            </a:r>
+          </a:p>
+          <a:p>
+            <a:endParaRPr lang="en-PH" sz="2500" b="1" dirty="0">
+              <a:solidFill>
+                <a:srgbClr val="00B050"/>
+              </a:solidFill>
+              <a:latin typeface="Calibri (Body)"/>
+            </a:endParaRPr>
+          </a:p>
+          <a:p>
+            <a:r>
+              <a:rPr lang="en-US" sz="2500" b="1" dirty="0">
+                <a:latin typeface="Calibri (Body)"/>
+              </a:rPr>
+              <a:t>Note: The first capture group is designated as </a:t>
+            </a:r>
+            <a:r>
+              <a:rPr lang="en-US" sz="2500" b="1" dirty="0">
+                <a:solidFill>
+                  <a:srgbClr val="FF0000"/>
+                </a:solidFill>
+                <a:latin typeface="Calibri (Body)"/>
+              </a:rPr>
+              <a:t>\1 </a:t>
+            </a:r>
+            <a:r>
+              <a:rPr lang="en-US" sz="2500" b="1" dirty="0">
+                <a:latin typeface="Calibri (Body)"/>
+              </a:rPr>
+              <a:t>and the second capture group designated as </a:t>
+            </a:r>
+            <a:r>
+              <a:rPr lang="en-US" sz="2500" b="1" dirty="0">
+                <a:solidFill>
+                  <a:srgbClr val="FF0000"/>
+                </a:solidFill>
+                <a:latin typeface="Calibri (Body)"/>
+              </a:rPr>
+              <a:t>\2</a:t>
+            </a:r>
+            <a:endParaRPr lang="en-PH" sz="2500" b="1" dirty="0">
+              <a:solidFill>
+                <a:srgbClr val="FF0000"/>
+              </a:solidFill>
+              <a:latin typeface="Calibri (Body)"/>
+            </a:endParaRPr>
+          </a:p>
+        </p:txBody>
+      </p:sp>
+    </p:spTree>
+    <p:extLst>
+      <p:ext uri="{BB962C8B-B14F-4D97-AF65-F5344CB8AC3E}">
+        <p14:creationId xmlns:p14="http://schemas.microsoft.com/office/powerpoint/2010/main" val="2476565235"/>
       </p:ext>
     </p:extLst>
   </p:cSld>
@@ -13258,7 +17805,7 @@
         <p:spPr>
           <a:xfrm>
             <a:off x="2004950" y="1406092"/>
-            <a:ext cx="8182099" cy="1677382"/>
+            <a:ext cx="8182099" cy="2400657"/>
           </a:xfrm>
           <a:prstGeom prst="rect">
             <a:avLst/>
@@ -13271,42 +17818,75 @@
           </a:bodyPr>
           <a:lstStyle/>
           <a:p>
+            <a:r>
+              <a:rPr lang="en-PH" sz="2500" b="1" dirty="0"/>
+              <a:t>Character set </a:t>
+            </a:r>
+          </a:p>
+          <a:p>
             <a:pPr marL="342900" indent="-342900">
-              <a:buFont typeface="Wingdings" panose="05000000000000000000" pitchFamily="2" charset="2"/>
-              <a:buChar char="q"/>
+              <a:buFontTx/>
+              <a:buChar char="-"/>
             </a:pPr>
             <a:r>
-              <a:rPr lang="en-US" sz="2500" b="0" i="0" dirty="0">
-                <a:effectLst/>
-                <a:latin typeface="Calibri (Body)"/>
-              </a:rPr>
-              <a:t>Character classes match a character from a specific set.</a:t>
-            </a:r>
-            <a:endParaRPr lang="en-PH" sz="2500" dirty="0">
-              <a:latin typeface="Calibri (Body)"/>
-            </a:endParaRPr>
-          </a:p>
-          <a:p>
-            <a:endParaRPr lang="en-PH" sz="2500" dirty="0">
-              <a:latin typeface="Calibri (Body)"/>
-            </a:endParaRPr>
-          </a:p>
-          <a:p>
-            <a:endParaRPr lang="en-PH" sz="2500" dirty="0">
-              <a:latin typeface="Calibri (Body)"/>
-            </a:endParaRPr>
-          </a:p>
-          <a:p>
-            <a:endParaRPr lang="en-PH" sz="2500" dirty="0">
-              <a:latin typeface="Calibri (Body)"/>
-            </a:endParaRPr>
+              <a:rPr lang="en-PH" sz="2500" dirty="0"/>
+              <a:t>Matches any character in the set.				</a:t>
+            </a:r>
+          </a:p>
+          <a:p>
+            <a:r>
+              <a:rPr lang="en-PH" sz="2500" dirty="0"/>
+              <a:t>Pattern: </a:t>
+            </a:r>
+            <a:r>
+              <a:rPr lang="en-PH" sz="2500" b="1" dirty="0">
+                <a:solidFill>
+                  <a:srgbClr val="FF0000"/>
+                </a:solidFill>
+              </a:rPr>
+              <a:t>[</a:t>
+            </a:r>
+            <a:r>
+              <a:rPr lang="en-PH" sz="2500" b="1" dirty="0" err="1"/>
+              <a:t>aeiou</a:t>
+            </a:r>
+            <a:r>
+              <a:rPr lang="en-PH" sz="2500" b="1" dirty="0">
+                <a:solidFill>
+                  <a:srgbClr val="FF0000"/>
+                </a:solidFill>
+              </a:rPr>
+              <a:t>]</a:t>
+            </a:r>
+          </a:p>
+          <a:p>
+            <a:endParaRPr lang="en-PH" sz="2500" dirty="0"/>
+          </a:p>
+          <a:p>
+            <a:r>
+              <a:rPr lang="en-PH" sz="2500" dirty="0"/>
+              <a:t>Matches: </a:t>
+            </a:r>
+            <a:r>
+              <a:rPr lang="en-PH" sz="2500" b="1" dirty="0" err="1">
+                <a:solidFill>
+                  <a:srgbClr val="00B050"/>
+                </a:solidFill>
+              </a:rPr>
+              <a:t>aeiou</a:t>
+            </a:r>
+            <a:r>
+              <a:rPr lang="en-PH" sz="2500" dirty="0" err="1"/>
+              <a:t>abc</a:t>
+            </a:r>
+            <a:endParaRPr lang="en-PH" sz="2500" dirty="0"/>
           </a:p>
         </p:txBody>
       </p:sp>
     </p:spTree>
     <p:extLst>
       <p:ext uri="{BB962C8B-B14F-4D97-AF65-F5344CB8AC3E}">
-        <p14:creationId xmlns:p14="http://schemas.microsoft.com/office/powerpoint/2010/main" val="3205745539"/>
+        <p14:creationId xmlns:p14="http://schemas.microsoft.com/office/powerpoint/2010/main" val="4139510024"/>
       </p:ext>
     </p:extLst>
   </p:cSld>

--- a/week_4/Regular Expressions.pptx
+++ b/week_4/Regular Expressions.pptx
@@ -5,7 +5,7 @@
     <p:sldMasterId id="2147483648" r:id="rId1"/>
   </p:sldMasterIdLst>
   <p:notesMasterIdLst>
-    <p:notesMasterId r:id="rId31"/>
+    <p:notesMasterId r:id="rId44"/>
   </p:notesMasterIdLst>
   <p:sldIdLst>
     <p:sldId id="257" r:id="rId2"/>
@@ -29,14 +29,27 @@
     <p:sldId id="333" r:id="rId20"/>
     <p:sldId id="355" r:id="rId21"/>
     <p:sldId id="347" r:id="rId22"/>
-    <p:sldId id="356" r:id="rId23"/>
-    <p:sldId id="348" r:id="rId24"/>
-    <p:sldId id="345" r:id="rId25"/>
-    <p:sldId id="357" r:id="rId26"/>
-    <p:sldId id="346" r:id="rId27"/>
-    <p:sldId id="358" r:id="rId28"/>
-    <p:sldId id="332" r:id="rId29"/>
-    <p:sldId id="359" r:id="rId30"/>
+    <p:sldId id="363" r:id="rId23"/>
+    <p:sldId id="356" r:id="rId24"/>
+    <p:sldId id="348" r:id="rId25"/>
+    <p:sldId id="345" r:id="rId26"/>
+    <p:sldId id="357" r:id="rId27"/>
+    <p:sldId id="346" r:id="rId28"/>
+    <p:sldId id="358" r:id="rId29"/>
+    <p:sldId id="332" r:id="rId30"/>
+    <p:sldId id="364" r:id="rId31"/>
+    <p:sldId id="359" r:id="rId32"/>
+    <p:sldId id="361" r:id="rId33"/>
+    <p:sldId id="360" r:id="rId34"/>
+    <p:sldId id="362" r:id="rId35"/>
+    <p:sldId id="368" r:id="rId36"/>
+    <p:sldId id="372" r:id="rId37"/>
+    <p:sldId id="365" r:id="rId38"/>
+    <p:sldId id="367" r:id="rId39"/>
+    <p:sldId id="366" r:id="rId40"/>
+    <p:sldId id="369" r:id="rId41"/>
+    <p:sldId id="370" r:id="rId42"/>
+    <p:sldId id="371" r:id="rId43"/>
   </p:sldIdLst>
   <p:sldSz cx="12192000" cy="6858000"/>
   <p:notesSz cx="6858000" cy="9144000"/>
@@ -233,7 +246,7 @@
           <a:p>
             <a:fld id="{F666E1FD-E7A0-497B-BBC0-740BAAC97C64}" type="datetimeFigureOut">
               <a:rPr lang="en-PH" smtClean="0"/>
-              <a:t>07/01/2023</a:t>
+              <a:t>09/01/2023</a:t>
             </a:fld>
             <a:endParaRPr lang="en-PH"/>
           </a:p>
@@ -1754,7 +1767,7 @@
     </p:spTree>
     <p:extLst>
       <p:ext uri="{BB962C8B-B14F-4D97-AF65-F5344CB8AC3E}">
-        <p14:creationId xmlns:p14="http://schemas.microsoft.com/office/powerpoint/2010/main" val="1531973192"/>
+        <p14:creationId xmlns:p14="http://schemas.microsoft.com/office/powerpoint/2010/main" val="352822206"/>
       </p:ext>
     </p:extLst>
   </p:cSld>
@@ -1838,7 +1851,7 @@
     </p:spTree>
     <p:extLst>
       <p:ext uri="{BB962C8B-B14F-4D97-AF65-F5344CB8AC3E}">
-        <p14:creationId xmlns:p14="http://schemas.microsoft.com/office/powerpoint/2010/main" val="2991468277"/>
+        <p14:creationId xmlns:p14="http://schemas.microsoft.com/office/powerpoint/2010/main" val="1531973192"/>
       </p:ext>
     </p:extLst>
   </p:cSld>
@@ -1922,7 +1935,7 @@
     </p:spTree>
     <p:extLst>
       <p:ext uri="{BB962C8B-B14F-4D97-AF65-F5344CB8AC3E}">
-        <p14:creationId xmlns:p14="http://schemas.microsoft.com/office/powerpoint/2010/main" val="118352308"/>
+        <p14:creationId xmlns:p14="http://schemas.microsoft.com/office/powerpoint/2010/main" val="2991468277"/>
       </p:ext>
     </p:extLst>
   </p:cSld>
@@ -2006,7 +2019,7 @@
     </p:spTree>
     <p:extLst>
       <p:ext uri="{BB962C8B-B14F-4D97-AF65-F5344CB8AC3E}">
-        <p14:creationId xmlns:p14="http://schemas.microsoft.com/office/powerpoint/2010/main" val="3151878"/>
+        <p14:creationId xmlns:p14="http://schemas.microsoft.com/office/powerpoint/2010/main" val="118352308"/>
       </p:ext>
     </p:extLst>
   </p:cSld>
@@ -2090,7 +2103,7 @@
     </p:spTree>
     <p:extLst>
       <p:ext uri="{BB962C8B-B14F-4D97-AF65-F5344CB8AC3E}">
-        <p14:creationId xmlns:p14="http://schemas.microsoft.com/office/powerpoint/2010/main" val="3912039669"/>
+        <p14:creationId xmlns:p14="http://schemas.microsoft.com/office/powerpoint/2010/main" val="3151878"/>
       </p:ext>
     </p:extLst>
   </p:cSld>
@@ -2174,7 +2187,7 @@
     </p:spTree>
     <p:extLst>
       <p:ext uri="{BB962C8B-B14F-4D97-AF65-F5344CB8AC3E}">
-        <p14:creationId xmlns:p14="http://schemas.microsoft.com/office/powerpoint/2010/main" val="1997916813"/>
+        <p14:creationId xmlns:p14="http://schemas.microsoft.com/office/powerpoint/2010/main" val="3912039669"/>
       </p:ext>
     </p:extLst>
   </p:cSld>
@@ -2258,7 +2271,7 @@
     </p:spTree>
     <p:extLst>
       <p:ext uri="{BB962C8B-B14F-4D97-AF65-F5344CB8AC3E}">
-        <p14:creationId xmlns:p14="http://schemas.microsoft.com/office/powerpoint/2010/main" val="3296448520"/>
+        <p14:creationId xmlns:p14="http://schemas.microsoft.com/office/powerpoint/2010/main" val="1997916813"/>
       </p:ext>
     </p:extLst>
   </p:cSld>
@@ -2342,7 +2355,7 @@
     </p:spTree>
     <p:extLst>
       <p:ext uri="{BB962C8B-B14F-4D97-AF65-F5344CB8AC3E}">
-        <p14:creationId xmlns:p14="http://schemas.microsoft.com/office/powerpoint/2010/main" val="4200817075"/>
+        <p14:creationId xmlns:p14="http://schemas.microsoft.com/office/powerpoint/2010/main" val="3296448520"/>
       </p:ext>
     </p:extLst>
   </p:cSld>
@@ -2439,6 +2452,846 @@
 </p:notes>
 </file>
 
+<file path=ppt/notesSlides/notesSlide30.xml><?xml version="1.0" encoding="utf-8"?>
+<p:notes xmlns:a="http://schemas.openxmlformats.org/drawingml/2006/main" xmlns:r="http://schemas.openxmlformats.org/officeDocument/2006/relationships" xmlns:p="http://schemas.openxmlformats.org/presentationml/2006/main">
+  <p:cSld>
+    <p:spTree>
+      <p:nvGrpSpPr>
+        <p:cNvPr id="1" name=""/>
+        <p:cNvGrpSpPr/>
+        <p:nvPr/>
+      </p:nvGrpSpPr>
+      <p:grpSpPr>
+        <a:xfrm>
+          <a:off x="0" y="0"/>
+          <a:ext cx="0" cy="0"/>
+          <a:chOff x="0" y="0"/>
+          <a:chExt cx="0" cy="0"/>
+        </a:xfrm>
+      </p:grpSpPr>
+      <p:sp>
+        <p:nvSpPr>
+          <p:cNvPr id="2" name="Slide Image Placeholder 1"/>
+          <p:cNvSpPr>
+            <a:spLocks noGrp="1" noRot="1" noChangeAspect="1"/>
+          </p:cNvSpPr>
+          <p:nvPr>
+            <p:ph type="sldImg"/>
+          </p:nvPr>
+        </p:nvSpPr>
+        <p:spPr/>
+      </p:sp>
+      <p:sp>
+        <p:nvSpPr>
+          <p:cNvPr id="3" name="Notes Placeholder 2"/>
+          <p:cNvSpPr>
+            <a:spLocks noGrp="1"/>
+          </p:cNvSpPr>
+          <p:nvPr>
+            <p:ph type="body" idx="1"/>
+          </p:nvPr>
+        </p:nvSpPr>
+        <p:spPr/>
+        <p:txBody>
+          <a:bodyPr/>
+          <a:lstStyle/>
+          <a:p>
+            <a:endParaRPr lang="en-PH" dirty="0"/>
+          </a:p>
+        </p:txBody>
+      </p:sp>
+      <p:sp>
+        <p:nvSpPr>
+          <p:cNvPr id="4" name="Slide Number Placeholder 3"/>
+          <p:cNvSpPr>
+            <a:spLocks noGrp="1"/>
+          </p:cNvSpPr>
+          <p:nvPr>
+            <p:ph type="sldNum" sz="quarter" idx="5"/>
+          </p:nvPr>
+        </p:nvSpPr>
+        <p:spPr/>
+        <p:txBody>
+          <a:bodyPr/>
+          <a:lstStyle/>
+          <a:p>
+            <a:fld id="{FE90CCE9-4AAE-4E1F-85AD-521A406D6524}" type="slidenum">
+              <a:rPr lang="en-PH" smtClean="0"/>
+              <a:t>30</a:t>
+            </a:fld>
+            <a:endParaRPr lang="en-PH"/>
+          </a:p>
+        </p:txBody>
+      </p:sp>
+    </p:spTree>
+    <p:extLst>
+      <p:ext uri="{BB962C8B-B14F-4D97-AF65-F5344CB8AC3E}">
+        <p14:creationId xmlns:p14="http://schemas.microsoft.com/office/powerpoint/2010/main" val="3588592570"/>
+      </p:ext>
+    </p:extLst>
+  </p:cSld>
+  <p:clrMapOvr>
+    <a:masterClrMapping/>
+  </p:clrMapOvr>
+</p:notes>
+</file>
+
+<file path=ppt/notesSlides/notesSlide31.xml><?xml version="1.0" encoding="utf-8"?>
+<p:notes xmlns:a="http://schemas.openxmlformats.org/drawingml/2006/main" xmlns:r="http://schemas.openxmlformats.org/officeDocument/2006/relationships" xmlns:p="http://schemas.openxmlformats.org/presentationml/2006/main">
+  <p:cSld>
+    <p:spTree>
+      <p:nvGrpSpPr>
+        <p:cNvPr id="1" name=""/>
+        <p:cNvGrpSpPr/>
+        <p:nvPr/>
+      </p:nvGrpSpPr>
+      <p:grpSpPr>
+        <a:xfrm>
+          <a:off x="0" y="0"/>
+          <a:ext cx="0" cy="0"/>
+          <a:chOff x="0" y="0"/>
+          <a:chExt cx="0" cy="0"/>
+        </a:xfrm>
+      </p:grpSpPr>
+      <p:sp>
+        <p:nvSpPr>
+          <p:cNvPr id="2" name="Slide Image Placeholder 1"/>
+          <p:cNvSpPr>
+            <a:spLocks noGrp="1" noRot="1" noChangeAspect="1"/>
+          </p:cNvSpPr>
+          <p:nvPr>
+            <p:ph type="sldImg"/>
+          </p:nvPr>
+        </p:nvSpPr>
+        <p:spPr/>
+      </p:sp>
+      <p:sp>
+        <p:nvSpPr>
+          <p:cNvPr id="3" name="Notes Placeholder 2"/>
+          <p:cNvSpPr>
+            <a:spLocks noGrp="1"/>
+          </p:cNvSpPr>
+          <p:nvPr>
+            <p:ph type="body" idx="1"/>
+          </p:nvPr>
+        </p:nvSpPr>
+        <p:spPr/>
+        <p:txBody>
+          <a:bodyPr/>
+          <a:lstStyle/>
+          <a:p>
+            <a:endParaRPr lang="en-PH" dirty="0"/>
+          </a:p>
+        </p:txBody>
+      </p:sp>
+      <p:sp>
+        <p:nvSpPr>
+          <p:cNvPr id="4" name="Slide Number Placeholder 3"/>
+          <p:cNvSpPr>
+            <a:spLocks noGrp="1"/>
+          </p:cNvSpPr>
+          <p:nvPr>
+            <p:ph type="sldNum" sz="quarter" idx="5"/>
+          </p:nvPr>
+        </p:nvSpPr>
+        <p:spPr/>
+        <p:txBody>
+          <a:bodyPr/>
+          <a:lstStyle/>
+          <a:p>
+            <a:fld id="{FE90CCE9-4AAE-4E1F-85AD-521A406D6524}" type="slidenum">
+              <a:rPr lang="en-PH" smtClean="0"/>
+              <a:t>31</a:t>
+            </a:fld>
+            <a:endParaRPr lang="en-PH"/>
+          </a:p>
+        </p:txBody>
+      </p:sp>
+    </p:spTree>
+    <p:extLst>
+      <p:ext uri="{BB962C8B-B14F-4D97-AF65-F5344CB8AC3E}">
+        <p14:creationId xmlns:p14="http://schemas.microsoft.com/office/powerpoint/2010/main" val="4200817075"/>
+      </p:ext>
+    </p:extLst>
+  </p:cSld>
+  <p:clrMapOvr>
+    <a:masterClrMapping/>
+  </p:clrMapOvr>
+</p:notes>
+</file>
+
+<file path=ppt/notesSlides/notesSlide32.xml><?xml version="1.0" encoding="utf-8"?>
+<p:notes xmlns:a="http://schemas.openxmlformats.org/drawingml/2006/main" xmlns:r="http://schemas.openxmlformats.org/officeDocument/2006/relationships" xmlns:p="http://schemas.openxmlformats.org/presentationml/2006/main">
+  <p:cSld>
+    <p:spTree>
+      <p:nvGrpSpPr>
+        <p:cNvPr id="1" name=""/>
+        <p:cNvGrpSpPr/>
+        <p:nvPr/>
+      </p:nvGrpSpPr>
+      <p:grpSpPr>
+        <a:xfrm>
+          <a:off x="0" y="0"/>
+          <a:ext cx="0" cy="0"/>
+          <a:chOff x="0" y="0"/>
+          <a:chExt cx="0" cy="0"/>
+        </a:xfrm>
+      </p:grpSpPr>
+      <p:sp>
+        <p:nvSpPr>
+          <p:cNvPr id="2" name="Slide Image Placeholder 1"/>
+          <p:cNvSpPr>
+            <a:spLocks noGrp="1" noRot="1" noChangeAspect="1"/>
+          </p:cNvSpPr>
+          <p:nvPr>
+            <p:ph type="sldImg"/>
+          </p:nvPr>
+        </p:nvSpPr>
+        <p:spPr/>
+      </p:sp>
+      <p:sp>
+        <p:nvSpPr>
+          <p:cNvPr id="3" name="Notes Placeholder 2"/>
+          <p:cNvSpPr>
+            <a:spLocks noGrp="1"/>
+          </p:cNvSpPr>
+          <p:nvPr>
+            <p:ph type="body" idx="1"/>
+          </p:nvPr>
+        </p:nvSpPr>
+        <p:spPr/>
+        <p:txBody>
+          <a:bodyPr/>
+          <a:lstStyle/>
+          <a:p>
+            <a:endParaRPr lang="en-PH" dirty="0"/>
+          </a:p>
+        </p:txBody>
+      </p:sp>
+      <p:sp>
+        <p:nvSpPr>
+          <p:cNvPr id="4" name="Slide Number Placeholder 3"/>
+          <p:cNvSpPr>
+            <a:spLocks noGrp="1"/>
+          </p:cNvSpPr>
+          <p:nvPr>
+            <p:ph type="sldNum" sz="quarter" idx="5"/>
+          </p:nvPr>
+        </p:nvSpPr>
+        <p:spPr/>
+        <p:txBody>
+          <a:bodyPr/>
+          <a:lstStyle/>
+          <a:p>
+            <a:fld id="{FE90CCE9-4AAE-4E1F-85AD-521A406D6524}" type="slidenum">
+              <a:rPr lang="en-PH" smtClean="0"/>
+              <a:t>32</a:t>
+            </a:fld>
+            <a:endParaRPr lang="en-PH"/>
+          </a:p>
+        </p:txBody>
+      </p:sp>
+    </p:spTree>
+    <p:extLst>
+      <p:ext uri="{BB962C8B-B14F-4D97-AF65-F5344CB8AC3E}">
+        <p14:creationId xmlns:p14="http://schemas.microsoft.com/office/powerpoint/2010/main" val="3789092613"/>
+      </p:ext>
+    </p:extLst>
+  </p:cSld>
+  <p:clrMapOvr>
+    <a:masterClrMapping/>
+  </p:clrMapOvr>
+</p:notes>
+</file>
+
+<file path=ppt/notesSlides/notesSlide33.xml><?xml version="1.0" encoding="utf-8"?>
+<p:notes xmlns:a="http://schemas.openxmlformats.org/drawingml/2006/main" xmlns:r="http://schemas.openxmlformats.org/officeDocument/2006/relationships" xmlns:p="http://schemas.openxmlformats.org/presentationml/2006/main">
+  <p:cSld>
+    <p:spTree>
+      <p:nvGrpSpPr>
+        <p:cNvPr id="1" name=""/>
+        <p:cNvGrpSpPr/>
+        <p:nvPr/>
+      </p:nvGrpSpPr>
+      <p:grpSpPr>
+        <a:xfrm>
+          <a:off x="0" y="0"/>
+          <a:ext cx="0" cy="0"/>
+          <a:chOff x="0" y="0"/>
+          <a:chExt cx="0" cy="0"/>
+        </a:xfrm>
+      </p:grpSpPr>
+      <p:sp>
+        <p:nvSpPr>
+          <p:cNvPr id="2" name="Slide Image Placeholder 1"/>
+          <p:cNvSpPr>
+            <a:spLocks noGrp="1" noRot="1" noChangeAspect="1"/>
+          </p:cNvSpPr>
+          <p:nvPr>
+            <p:ph type="sldImg"/>
+          </p:nvPr>
+        </p:nvSpPr>
+        <p:spPr/>
+      </p:sp>
+      <p:sp>
+        <p:nvSpPr>
+          <p:cNvPr id="3" name="Notes Placeholder 2"/>
+          <p:cNvSpPr>
+            <a:spLocks noGrp="1"/>
+          </p:cNvSpPr>
+          <p:nvPr>
+            <p:ph type="body" idx="1"/>
+          </p:nvPr>
+        </p:nvSpPr>
+        <p:spPr/>
+        <p:txBody>
+          <a:bodyPr/>
+          <a:lstStyle/>
+          <a:p>
+            <a:endParaRPr lang="en-PH" dirty="0"/>
+          </a:p>
+        </p:txBody>
+      </p:sp>
+      <p:sp>
+        <p:nvSpPr>
+          <p:cNvPr id="4" name="Slide Number Placeholder 3"/>
+          <p:cNvSpPr>
+            <a:spLocks noGrp="1"/>
+          </p:cNvSpPr>
+          <p:nvPr>
+            <p:ph type="sldNum" sz="quarter" idx="5"/>
+          </p:nvPr>
+        </p:nvSpPr>
+        <p:spPr/>
+        <p:txBody>
+          <a:bodyPr/>
+          <a:lstStyle/>
+          <a:p>
+            <a:fld id="{FE90CCE9-4AAE-4E1F-85AD-521A406D6524}" type="slidenum">
+              <a:rPr lang="en-PH" smtClean="0"/>
+              <a:t>33</a:t>
+            </a:fld>
+            <a:endParaRPr lang="en-PH"/>
+          </a:p>
+        </p:txBody>
+      </p:sp>
+    </p:spTree>
+    <p:extLst>
+      <p:ext uri="{BB962C8B-B14F-4D97-AF65-F5344CB8AC3E}">
+        <p14:creationId xmlns:p14="http://schemas.microsoft.com/office/powerpoint/2010/main" val="3626400522"/>
+      </p:ext>
+    </p:extLst>
+  </p:cSld>
+  <p:clrMapOvr>
+    <a:masterClrMapping/>
+  </p:clrMapOvr>
+</p:notes>
+</file>
+
+<file path=ppt/notesSlides/notesSlide34.xml><?xml version="1.0" encoding="utf-8"?>
+<p:notes xmlns:a="http://schemas.openxmlformats.org/drawingml/2006/main" xmlns:r="http://schemas.openxmlformats.org/officeDocument/2006/relationships" xmlns:p="http://schemas.openxmlformats.org/presentationml/2006/main">
+  <p:cSld>
+    <p:spTree>
+      <p:nvGrpSpPr>
+        <p:cNvPr id="1" name=""/>
+        <p:cNvGrpSpPr/>
+        <p:nvPr/>
+      </p:nvGrpSpPr>
+      <p:grpSpPr>
+        <a:xfrm>
+          <a:off x="0" y="0"/>
+          <a:ext cx="0" cy="0"/>
+          <a:chOff x="0" y="0"/>
+          <a:chExt cx="0" cy="0"/>
+        </a:xfrm>
+      </p:grpSpPr>
+      <p:sp>
+        <p:nvSpPr>
+          <p:cNvPr id="2" name="Slide Image Placeholder 1"/>
+          <p:cNvSpPr>
+            <a:spLocks noGrp="1" noRot="1" noChangeAspect="1"/>
+          </p:cNvSpPr>
+          <p:nvPr>
+            <p:ph type="sldImg"/>
+          </p:nvPr>
+        </p:nvSpPr>
+        <p:spPr/>
+      </p:sp>
+      <p:sp>
+        <p:nvSpPr>
+          <p:cNvPr id="3" name="Notes Placeholder 2"/>
+          <p:cNvSpPr>
+            <a:spLocks noGrp="1"/>
+          </p:cNvSpPr>
+          <p:nvPr>
+            <p:ph type="body" idx="1"/>
+          </p:nvPr>
+        </p:nvSpPr>
+        <p:spPr/>
+        <p:txBody>
+          <a:bodyPr/>
+          <a:lstStyle/>
+          <a:p>
+            <a:endParaRPr lang="en-PH" dirty="0"/>
+          </a:p>
+        </p:txBody>
+      </p:sp>
+      <p:sp>
+        <p:nvSpPr>
+          <p:cNvPr id="4" name="Slide Number Placeholder 3"/>
+          <p:cNvSpPr>
+            <a:spLocks noGrp="1"/>
+          </p:cNvSpPr>
+          <p:nvPr>
+            <p:ph type="sldNum" sz="quarter" idx="5"/>
+          </p:nvPr>
+        </p:nvSpPr>
+        <p:spPr/>
+        <p:txBody>
+          <a:bodyPr/>
+          <a:lstStyle/>
+          <a:p>
+            <a:fld id="{FE90CCE9-4AAE-4E1F-85AD-521A406D6524}" type="slidenum">
+              <a:rPr lang="en-PH" smtClean="0"/>
+              <a:t>34</a:t>
+            </a:fld>
+            <a:endParaRPr lang="en-PH"/>
+          </a:p>
+        </p:txBody>
+      </p:sp>
+    </p:spTree>
+    <p:extLst>
+      <p:ext uri="{BB962C8B-B14F-4D97-AF65-F5344CB8AC3E}">
+        <p14:creationId xmlns:p14="http://schemas.microsoft.com/office/powerpoint/2010/main" val="2510985466"/>
+      </p:ext>
+    </p:extLst>
+  </p:cSld>
+  <p:clrMapOvr>
+    <a:masterClrMapping/>
+  </p:clrMapOvr>
+</p:notes>
+</file>
+
+<file path=ppt/notesSlides/notesSlide35.xml><?xml version="1.0" encoding="utf-8"?>
+<p:notes xmlns:a="http://schemas.openxmlformats.org/drawingml/2006/main" xmlns:r="http://schemas.openxmlformats.org/officeDocument/2006/relationships" xmlns:p="http://schemas.openxmlformats.org/presentationml/2006/main">
+  <p:cSld>
+    <p:spTree>
+      <p:nvGrpSpPr>
+        <p:cNvPr id="1" name=""/>
+        <p:cNvGrpSpPr/>
+        <p:nvPr/>
+      </p:nvGrpSpPr>
+      <p:grpSpPr>
+        <a:xfrm>
+          <a:off x="0" y="0"/>
+          <a:ext cx="0" cy="0"/>
+          <a:chOff x="0" y="0"/>
+          <a:chExt cx="0" cy="0"/>
+        </a:xfrm>
+      </p:grpSpPr>
+      <p:sp>
+        <p:nvSpPr>
+          <p:cNvPr id="2" name="Slide Image Placeholder 1"/>
+          <p:cNvSpPr>
+            <a:spLocks noGrp="1" noRot="1" noChangeAspect="1"/>
+          </p:cNvSpPr>
+          <p:nvPr>
+            <p:ph type="sldImg"/>
+          </p:nvPr>
+        </p:nvSpPr>
+        <p:spPr/>
+      </p:sp>
+      <p:sp>
+        <p:nvSpPr>
+          <p:cNvPr id="3" name="Notes Placeholder 2"/>
+          <p:cNvSpPr>
+            <a:spLocks noGrp="1"/>
+          </p:cNvSpPr>
+          <p:nvPr>
+            <p:ph type="body" idx="1"/>
+          </p:nvPr>
+        </p:nvSpPr>
+        <p:spPr/>
+        <p:txBody>
+          <a:bodyPr/>
+          <a:lstStyle/>
+          <a:p>
+            <a:endParaRPr lang="en-PH" dirty="0"/>
+          </a:p>
+        </p:txBody>
+      </p:sp>
+      <p:sp>
+        <p:nvSpPr>
+          <p:cNvPr id="4" name="Slide Number Placeholder 3"/>
+          <p:cNvSpPr>
+            <a:spLocks noGrp="1"/>
+          </p:cNvSpPr>
+          <p:nvPr>
+            <p:ph type="sldNum" sz="quarter" idx="5"/>
+          </p:nvPr>
+        </p:nvSpPr>
+        <p:spPr/>
+        <p:txBody>
+          <a:bodyPr/>
+          <a:lstStyle/>
+          <a:p>
+            <a:fld id="{FE90CCE9-4AAE-4E1F-85AD-521A406D6524}" type="slidenum">
+              <a:rPr lang="en-PH" smtClean="0"/>
+              <a:t>35</a:t>
+            </a:fld>
+            <a:endParaRPr lang="en-PH"/>
+          </a:p>
+        </p:txBody>
+      </p:sp>
+    </p:spTree>
+    <p:extLst>
+      <p:ext uri="{BB962C8B-B14F-4D97-AF65-F5344CB8AC3E}">
+        <p14:creationId xmlns:p14="http://schemas.microsoft.com/office/powerpoint/2010/main" val="2334503561"/>
+      </p:ext>
+    </p:extLst>
+  </p:cSld>
+  <p:clrMapOvr>
+    <a:masterClrMapping/>
+  </p:clrMapOvr>
+</p:notes>
+</file>
+
+<file path=ppt/notesSlides/notesSlide36.xml><?xml version="1.0" encoding="utf-8"?>
+<p:notes xmlns:a="http://schemas.openxmlformats.org/drawingml/2006/main" xmlns:r="http://schemas.openxmlformats.org/officeDocument/2006/relationships" xmlns:p="http://schemas.openxmlformats.org/presentationml/2006/main">
+  <p:cSld>
+    <p:spTree>
+      <p:nvGrpSpPr>
+        <p:cNvPr id="1" name=""/>
+        <p:cNvGrpSpPr/>
+        <p:nvPr/>
+      </p:nvGrpSpPr>
+      <p:grpSpPr>
+        <a:xfrm>
+          <a:off x="0" y="0"/>
+          <a:ext cx="0" cy="0"/>
+          <a:chOff x="0" y="0"/>
+          <a:chExt cx="0" cy="0"/>
+        </a:xfrm>
+      </p:grpSpPr>
+      <p:sp>
+        <p:nvSpPr>
+          <p:cNvPr id="2" name="Slide Image Placeholder 1"/>
+          <p:cNvSpPr>
+            <a:spLocks noGrp="1" noRot="1" noChangeAspect="1"/>
+          </p:cNvSpPr>
+          <p:nvPr>
+            <p:ph type="sldImg"/>
+          </p:nvPr>
+        </p:nvSpPr>
+        <p:spPr/>
+      </p:sp>
+      <p:sp>
+        <p:nvSpPr>
+          <p:cNvPr id="3" name="Notes Placeholder 2"/>
+          <p:cNvSpPr>
+            <a:spLocks noGrp="1"/>
+          </p:cNvSpPr>
+          <p:nvPr>
+            <p:ph type="body" idx="1"/>
+          </p:nvPr>
+        </p:nvSpPr>
+        <p:spPr/>
+        <p:txBody>
+          <a:bodyPr/>
+          <a:lstStyle/>
+          <a:p>
+            <a:endParaRPr lang="en-PH" dirty="0"/>
+          </a:p>
+        </p:txBody>
+      </p:sp>
+      <p:sp>
+        <p:nvSpPr>
+          <p:cNvPr id="4" name="Slide Number Placeholder 3"/>
+          <p:cNvSpPr>
+            <a:spLocks noGrp="1"/>
+          </p:cNvSpPr>
+          <p:nvPr>
+            <p:ph type="sldNum" sz="quarter" idx="5"/>
+          </p:nvPr>
+        </p:nvSpPr>
+        <p:spPr/>
+        <p:txBody>
+          <a:bodyPr/>
+          <a:lstStyle/>
+          <a:p>
+            <a:fld id="{FE90CCE9-4AAE-4E1F-85AD-521A406D6524}" type="slidenum">
+              <a:rPr lang="en-PH" smtClean="0"/>
+              <a:t>36</a:t>
+            </a:fld>
+            <a:endParaRPr lang="en-PH"/>
+          </a:p>
+        </p:txBody>
+      </p:sp>
+    </p:spTree>
+    <p:extLst>
+      <p:ext uri="{BB962C8B-B14F-4D97-AF65-F5344CB8AC3E}">
+        <p14:creationId xmlns:p14="http://schemas.microsoft.com/office/powerpoint/2010/main" val="3772576926"/>
+      </p:ext>
+    </p:extLst>
+  </p:cSld>
+  <p:clrMapOvr>
+    <a:masterClrMapping/>
+  </p:clrMapOvr>
+</p:notes>
+</file>
+
+<file path=ppt/notesSlides/notesSlide37.xml><?xml version="1.0" encoding="utf-8"?>
+<p:notes xmlns:a="http://schemas.openxmlformats.org/drawingml/2006/main" xmlns:r="http://schemas.openxmlformats.org/officeDocument/2006/relationships" xmlns:p="http://schemas.openxmlformats.org/presentationml/2006/main">
+  <p:cSld>
+    <p:spTree>
+      <p:nvGrpSpPr>
+        <p:cNvPr id="1" name=""/>
+        <p:cNvGrpSpPr/>
+        <p:nvPr/>
+      </p:nvGrpSpPr>
+      <p:grpSpPr>
+        <a:xfrm>
+          <a:off x="0" y="0"/>
+          <a:ext cx="0" cy="0"/>
+          <a:chOff x="0" y="0"/>
+          <a:chExt cx="0" cy="0"/>
+        </a:xfrm>
+      </p:grpSpPr>
+      <p:sp>
+        <p:nvSpPr>
+          <p:cNvPr id="2" name="Slide Image Placeholder 1"/>
+          <p:cNvSpPr>
+            <a:spLocks noGrp="1" noRot="1" noChangeAspect="1"/>
+          </p:cNvSpPr>
+          <p:nvPr>
+            <p:ph type="sldImg"/>
+          </p:nvPr>
+        </p:nvSpPr>
+        <p:spPr/>
+      </p:sp>
+      <p:sp>
+        <p:nvSpPr>
+          <p:cNvPr id="3" name="Notes Placeholder 2"/>
+          <p:cNvSpPr>
+            <a:spLocks noGrp="1"/>
+          </p:cNvSpPr>
+          <p:nvPr>
+            <p:ph type="body" idx="1"/>
+          </p:nvPr>
+        </p:nvSpPr>
+        <p:spPr/>
+        <p:txBody>
+          <a:bodyPr/>
+          <a:lstStyle/>
+          <a:p>
+            <a:endParaRPr lang="en-PH" dirty="0"/>
+          </a:p>
+        </p:txBody>
+      </p:sp>
+      <p:sp>
+        <p:nvSpPr>
+          <p:cNvPr id="4" name="Slide Number Placeholder 3"/>
+          <p:cNvSpPr>
+            <a:spLocks noGrp="1"/>
+          </p:cNvSpPr>
+          <p:nvPr>
+            <p:ph type="sldNum" sz="quarter" idx="5"/>
+          </p:nvPr>
+        </p:nvSpPr>
+        <p:spPr/>
+        <p:txBody>
+          <a:bodyPr/>
+          <a:lstStyle/>
+          <a:p>
+            <a:fld id="{FE90CCE9-4AAE-4E1F-85AD-521A406D6524}" type="slidenum">
+              <a:rPr lang="en-PH" smtClean="0"/>
+              <a:t>37</a:t>
+            </a:fld>
+            <a:endParaRPr lang="en-PH"/>
+          </a:p>
+        </p:txBody>
+      </p:sp>
+    </p:spTree>
+    <p:extLst>
+      <p:ext uri="{BB962C8B-B14F-4D97-AF65-F5344CB8AC3E}">
+        <p14:creationId xmlns:p14="http://schemas.microsoft.com/office/powerpoint/2010/main" val="2337321414"/>
+      </p:ext>
+    </p:extLst>
+  </p:cSld>
+  <p:clrMapOvr>
+    <a:masterClrMapping/>
+  </p:clrMapOvr>
+</p:notes>
+</file>
+
+<file path=ppt/notesSlides/notesSlide38.xml><?xml version="1.0" encoding="utf-8"?>
+<p:notes xmlns:a="http://schemas.openxmlformats.org/drawingml/2006/main" xmlns:r="http://schemas.openxmlformats.org/officeDocument/2006/relationships" xmlns:p="http://schemas.openxmlformats.org/presentationml/2006/main">
+  <p:cSld>
+    <p:spTree>
+      <p:nvGrpSpPr>
+        <p:cNvPr id="1" name=""/>
+        <p:cNvGrpSpPr/>
+        <p:nvPr/>
+      </p:nvGrpSpPr>
+      <p:grpSpPr>
+        <a:xfrm>
+          <a:off x="0" y="0"/>
+          <a:ext cx="0" cy="0"/>
+          <a:chOff x="0" y="0"/>
+          <a:chExt cx="0" cy="0"/>
+        </a:xfrm>
+      </p:grpSpPr>
+      <p:sp>
+        <p:nvSpPr>
+          <p:cNvPr id="2" name="Slide Image Placeholder 1"/>
+          <p:cNvSpPr>
+            <a:spLocks noGrp="1" noRot="1" noChangeAspect="1"/>
+          </p:cNvSpPr>
+          <p:nvPr>
+            <p:ph type="sldImg"/>
+          </p:nvPr>
+        </p:nvSpPr>
+        <p:spPr/>
+      </p:sp>
+      <p:sp>
+        <p:nvSpPr>
+          <p:cNvPr id="3" name="Notes Placeholder 2"/>
+          <p:cNvSpPr>
+            <a:spLocks noGrp="1"/>
+          </p:cNvSpPr>
+          <p:nvPr>
+            <p:ph type="body" idx="1"/>
+          </p:nvPr>
+        </p:nvSpPr>
+        <p:spPr/>
+        <p:txBody>
+          <a:bodyPr/>
+          <a:lstStyle/>
+          <a:p>
+            <a:endParaRPr lang="en-PH" dirty="0"/>
+          </a:p>
+        </p:txBody>
+      </p:sp>
+      <p:sp>
+        <p:nvSpPr>
+          <p:cNvPr id="4" name="Slide Number Placeholder 3"/>
+          <p:cNvSpPr>
+            <a:spLocks noGrp="1"/>
+          </p:cNvSpPr>
+          <p:nvPr>
+            <p:ph type="sldNum" sz="quarter" idx="5"/>
+          </p:nvPr>
+        </p:nvSpPr>
+        <p:spPr/>
+        <p:txBody>
+          <a:bodyPr/>
+          <a:lstStyle/>
+          <a:p>
+            <a:fld id="{FE90CCE9-4AAE-4E1F-85AD-521A406D6524}" type="slidenum">
+              <a:rPr lang="en-PH" smtClean="0"/>
+              <a:t>38</a:t>
+            </a:fld>
+            <a:endParaRPr lang="en-PH"/>
+          </a:p>
+        </p:txBody>
+      </p:sp>
+    </p:spTree>
+    <p:extLst>
+      <p:ext uri="{BB962C8B-B14F-4D97-AF65-F5344CB8AC3E}">
+        <p14:creationId xmlns:p14="http://schemas.microsoft.com/office/powerpoint/2010/main" val="3744189979"/>
+      </p:ext>
+    </p:extLst>
+  </p:cSld>
+  <p:clrMapOvr>
+    <a:masterClrMapping/>
+  </p:clrMapOvr>
+</p:notes>
+</file>
+
+<file path=ppt/notesSlides/notesSlide39.xml><?xml version="1.0" encoding="utf-8"?>
+<p:notes xmlns:a="http://schemas.openxmlformats.org/drawingml/2006/main" xmlns:r="http://schemas.openxmlformats.org/officeDocument/2006/relationships" xmlns:p="http://schemas.openxmlformats.org/presentationml/2006/main">
+  <p:cSld>
+    <p:spTree>
+      <p:nvGrpSpPr>
+        <p:cNvPr id="1" name=""/>
+        <p:cNvGrpSpPr/>
+        <p:nvPr/>
+      </p:nvGrpSpPr>
+      <p:grpSpPr>
+        <a:xfrm>
+          <a:off x="0" y="0"/>
+          <a:ext cx="0" cy="0"/>
+          <a:chOff x="0" y="0"/>
+          <a:chExt cx="0" cy="0"/>
+        </a:xfrm>
+      </p:grpSpPr>
+      <p:sp>
+        <p:nvSpPr>
+          <p:cNvPr id="2" name="Slide Image Placeholder 1"/>
+          <p:cNvSpPr>
+            <a:spLocks noGrp="1" noRot="1" noChangeAspect="1"/>
+          </p:cNvSpPr>
+          <p:nvPr>
+            <p:ph type="sldImg"/>
+          </p:nvPr>
+        </p:nvSpPr>
+        <p:spPr/>
+      </p:sp>
+      <p:sp>
+        <p:nvSpPr>
+          <p:cNvPr id="3" name="Notes Placeholder 2"/>
+          <p:cNvSpPr>
+            <a:spLocks noGrp="1"/>
+          </p:cNvSpPr>
+          <p:nvPr>
+            <p:ph type="body" idx="1"/>
+          </p:nvPr>
+        </p:nvSpPr>
+        <p:spPr/>
+        <p:txBody>
+          <a:bodyPr/>
+          <a:lstStyle/>
+          <a:p>
+            <a:endParaRPr lang="en-PH" dirty="0"/>
+          </a:p>
+        </p:txBody>
+      </p:sp>
+      <p:sp>
+        <p:nvSpPr>
+          <p:cNvPr id="4" name="Slide Number Placeholder 3"/>
+          <p:cNvSpPr>
+            <a:spLocks noGrp="1"/>
+          </p:cNvSpPr>
+          <p:nvPr>
+            <p:ph type="sldNum" sz="quarter" idx="5"/>
+          </p:nvPr>
+        </p:nvSpPr>
+        <p:spPr/>
+        <p:txBody>
+          <a:bodyPr/>
+          <a:lstStyle/>
+          <a:p>
+            <a:fld id="{FE90CCE9-4AAE-4E1F-85AD-521A406D6524}" type="slidenum">
+              <a:rPr lang="en-PH" smtClean="0"/>
+              <a:t>39</a:t>
+            </a:fld>
+            <a:endParaRPr lang="en-PH"/>
+          </a:p>
+        </p:txBody>
+      </p:sp>
+    </p:spTree>
+    <p:extLst>
+      <p:ext uri="{BB962C8B-B14F-4D97-AF65-F5344CB8AC3E}">
+        <p14:creationId xmlns:p14="http://schemas.microsoft.com/office/powerpoint/2010/main" val="3496546879"/>
+      </p:ext>
+    </p:extLst>
+  </p:cSld>
+  <p:clrMapOvr>
+    <a:masterClrMapping/>
+  </p:clrMapOvr>
+</p:notes>
+</file>
+
 <file path=ppt/notesSlides/notesSlide4.xml><?xml version="1.0" encoding="utf-8"?>
 <p:notes xmlns:a="http://schemas.openxmlformats.org/drawingml/2006/main" xmlns:r="http://schemas.openxmlformats.org/officeDocument/2006/relationships" xmlns:p="http://schemas.openxmlformats.org/presentationml/2006/main">
   <p:cSld>
@@ -2517,6 +3370,258 @@
     <p:extLst>
       <p:ext uri="{BB962C8B-B14F-4D97-AF65-F5344CB8AC3E}">
         <p14:creationId xmlns:p14="http://schemas.microsoft.com/office/powerpoint/2010/main" val="1775938513"/>
+      </p:ext>
+    </p:extLst>
+  </p:cSld>
+  <p:clrMapOvr>
+    <a:masterClrMapping/>
+  </p:clrMapOvr>
+</p:notes>
+</file>
+
+<file path=ppt/notesSlides/notesSlide40.xml><?xml version="1.0" encoding="utf-8"?>
+<p:notes xmlns:a="http://schemas.openxmlformats.org/drawingml/2006/main" xmlns:r="http://schemas.openxmlformats.org/officeDocument/2006/relationships" xmlns:p="http://schemas.openxmlformats.org/presentationml/2006/main">
+  <p:cSld>
+    <p:spTree>
+      <p:nvGrpSpPr>
+        <p:cNvPr id="1" name=""/>
+        <p:cNvGrpSpPr/>
+        <p:nvPr/>
+      </p:nvGrpSpPr>
+      <p:grpSpPr>
+        <a:xfrm>
+          <a:off x="0" y="0"/>
+          <a:ext cx="0" cy="0"/>
+          <a:chOff x="0" y="0"/>
+          <a:chExt cx="0" cy="0"/>
+        </a:xfrm>
+      </p:grpSpPr>
+      <p:sp>
+        <p:nvSpPr>
+          <p:cNvPr id="2" name="Slide Image Placeholder 1"/>
+          <p:cNvSpPr>
+            <a:spLocks noGrp="1" noRot="1" noChangeAspect="1"/>
+          </p:cNvSpPr>
+          <p:nvPr>
+            <p:ph type="sldImg"/>
+          </p:nvPr>
+        </p:nvSpPr>
+        <p:spPr/>
+      </p:sp>
+      <p:sp>
+        <p:nvSpPr>
+          <p:cNvPr id="3" name="Notes Placeholder 2"/>
+          <p:cNvSpPr>
+            <a:spLocks noGrp="1"/>
+          </p:cNvSpPr>
+          <p:nvPr>
+            <p:ph type="body" idx="1"/>
+          </p:nvPr>
+        </p:nvSpPr>
+        <p:spPr/>
+        <p:txBody>
+          <a:bodyPr/>
+          <a:lstStyle/>
+          <a:p>
+            <a:endParaRPr lang="en-PH" dirty="0"/>
+          </a:p>
+        </p:txBody>
+      </p:sp>
+      <p:sp>
+        <p:nvSpPr>
+          <p:cNvPr id="4" name="Slide Number Placeholder 3"/>
+          <p:cNvSpPr>
+            <a:spLocks noGrp="1"/>
+          </p:cNvSpPr>
+          <p:nvPr>
+            <p:ph type="sldNum" sz="quarter" idx="5"/>
+          </p:nvPr>
+        </p:nvSpPr>
+        <p:spPr/>
+        <p:txBody>
+          <a:bodyPr/>
+          <a:lstStyle/>
+          <a:p>
+            <a:fld id="{FE90CCE9-4AAE-4E1F-85AD-521A406D6524}" type="slidenum">
+              <a:rPr lang="en-PH" smtClean="0"/>
+              <a:t>40</a:t>
+            </a:fld>
+            <a:endParaRPr lang="en-PH"/>
+          </a:p>
+        </p:txBody>
+      </p:sp>
+    </p:spTree>
+    <p:extLst>
+      <p:ext uri="{BB962C8B-B14F-4D97-AF65-F5344CB8AC3E}">
+        <p14:creationId xmlns:p14="http://schemas.microsoft.com/office/powerpoint/2010/main" val="2360537030"/>
+      </p:ext>
+    </p:extLst>
+  </p:cSld>
+  <p:clrMapOvr>
+    <a:masterClrMapping/>
+  </p:clrMapOvr>
+</p:notes>
+</file>
+
+<file path=ppt/notesSlides/notesSlide41.xml><?xml version="1.0" encoding="utf-8"?>
+<p:notes xmlns:a="http://schemas.openxmlformats.org/drawingml/2006/main" xmlns:r="http://schemas.openxmlformats.org/officeDocument/2006/relationships" xmlns:p="http://schemas.openxmlformats.org/presentationml/2006/main">
+  <p:cSld>
+    <p:spTree>
+      <p:nvGrpSpPr>
+        <p:cNvPr id="1" name=""/>
+        <p:cNvGrpSpPr/>
+        <p:nvPr/>
+      </p:nvGrpSpPr>
+      <p:grpSpPr>
+        <a:xfrm>
+          <a:off x="0" y="0"/>
+          <a:ext cx="0" cy="0"/>
+          <a:chOff x="0" y="0"/>
+          <a:chExt cx="0" cy="0"/>
+        </a:xfrm>
+      </p:grpSpPr>
+      <p:sp>
+        <p:nvSpPr>
+          <p:cNvPr id="2" name="Slide Image Placeholder 1"/>
+          <p:cNvSpPr>
+            <a:spLocks noGrp="1" noRot="1" noChangeAspect="1"/>
+          </p:cNvSpPr>
+          <p:nvPr>
+            <p:ph type="sldImg"/>
+          </p:nvPr>
+        </p:nvSpPr>
+        <p:spPr/>
+      </p:sp>
+      <p:sp>
+        <p:nvSpPr>
+          <p:cNvPr id="3" name="Notes Placeholder 2"/>
+          <p:cNvSpPr>
+            <a:spLocks noGrp="1"/>
+          </p:cNvSpPr>
+          <p:nvPr>
+            <p:ph type="body" idx="1"/>
+          </p:nvPr>
+        </p:nvSpPr>
+        <p:spPr/>
+        <p:txBody>
+          <a:bodyPr/>
+          <a:lstStyle/>
+          <a:p>
+            <a:endParaRPr lang="en-PH" dirty="0"/>
+          </a:p>
+        </p:txBody>
+      </p:sp>
+      <p:sp>
+        <p:nvSpPr>
+          <p:cNvPr id="4" name="Slide Number Placeholder 3"/>
+          <p:cNvSpPr>
+            <a:spLocks noGrp="1"/>
+          </p:cNvSpPr>
+          <p:nvPr>
+            <p:ph type="sldNum" sz="quarter" idx="5"/>
+          </p:nvPr>
+        </p:nvSpPr>
+        <p:spPr/>
+        <p:txBody>
+          <a:bodyPr/>
+          <a:lstStyle/>
+          <a:p>
+            <a:fld id="{FE90CCE9-4AAE-4E1F-85AD-521A406D6524}" type="slidenum">
+              <a:rPr lang="en-PH" smtClean="0"/>
+              <a:t>41</a:t>
+            </a:fld>
+            <a:endParaRPr lang="en-PH"/>
+          </a:p>
+        </p:txBody>
+      </p:sp>
+    </p:spTree>
+    <p:extLst>
+      <p:ext uri="{BB962C8B-B14F-4D97-AF65-F5344CB8AC3E}">
+        <p14:creationId xmlns:p14="http://schemas.microsoft.com/office/powerpoint/2010/main" val="3469544227"/>
+      </p:ext>
+    </p:extLst>
+  </p:cSld>
+  <p:clrMapOvr>
+    <a:masterClrMapping/>
+  </p:clrMapOvr>
+</p:notes>
+</file>
+
+<file path=ppt/notesSlides/notesSlide42.xml><?xml version="1.0" encoding="utf-8"?>
+<p:notes xmlns:a="http://schemas.openxmlformats.org/drawingml/2006/main" xmlns:r="http://schemas.openxmlformats.org/officeDocument/2006/relationships" xmlns:p="http://schemas.openxmlformats.org/presentationml/2006/main">
+  <p:cSld>
+    <p:spTree>
+      <p:nvGrpSpPr>
+        <p:cNvPr id="1" name=""/>
+        <p:cNvGrpSpPr/>
+        <p:nvPr/>
+      </p:nvGrpSpPr>
+      <p:grpSpPr>
+        <a:xfrm>
+          <a:off x="0" y="0"/>
+          <a:ext cx="0" cy="0"/>
+          <a:chOff x="0" y="0"/>
+          <a:chExt cx="0" cy="0"/>
+        </a:xfrm>
+      </p:grpSpPr>
+      <p:sp>
+        <p:nvSpPr>
+          <p:cNvPr id="2" name="Slide Image Placeholder 1"/>
+          <p:cNvSpPr>
+            <a:spLocks noGrp="1" noRot="1" noChangeAspect="1"/>
+          </p:cNvSpPr>
+          <p:nvPr>
+            <p:ph type="sldImg"/>
+          </p:nvPr>
+        </p:nvSpPr>
+        <p:spPr/>
+      </p:sp>
+      <p:sp>
+        <p:nvSpPr>
+          <p:cNvPr id="3" name="Notes Placeholder 2"/>
+          <p:cNvSpPr>
+            <a:spLocks noGrp="1"/>
+          </p:cNvSpPr>
+          <p:nvPr>
+            <p:ph type="body" idx="1"/>
+          </p:nvPr>
+        </p:nvSpPr>
+        <p:spPr/>
+        <p:txBody>
+          <a:bodyPr/>
+          <a:lstStyle/>
+          <a:p>
+            <a:endParaRPr lang="en-PH" dirty="0"/>
+          </a:p>
+        </p:txBody>
+      </p:sp>
+      <p:sp>
+        <p:nvSpPr>
+          <p:cNvPr id="4" name="Slide Number Placeholder 3"/>
+          <p:cNvSpPr>
+            <a:spLocks noGrp="1"/>
+          </p:cNvSpPr>
+          <p:nvPr>
+            <p:ph type="sldNum" sz="quarter" idx="5"/>
+          </p:nvPr>
+        </p:nvSpPr>
+        <p:spPr/>
+        <p:txBody>
+          <a:bodyPr/>
+          <a:lstStyle/>
+          <a:p>
+            <a:fld id="{FE90CCE9-4AAE-4E1F-85AD-521A406D6524}" type="slidenum">
+              <a:rPr lang="en-PH" smtClean="0"/>
+              <a:t>42</a:t>
+            </a:fld>
+            <a:endParaRPr lang="en-PH"/>
+          </a:p>
+        </p:txBody>
+      </p:sp>
+    </p:spTree>
+    <p:extLst>
+      <p:ext uri="{BB962C8B-B14F-4D97-AF65-F5344CB8AC3E}">
+        <p14:creationId xmlns:p14="http://schemas.microsoft.com/office/powerpoint/2010/main" val="1792070134"/>
       </p:ext>
     </p:extLst>
   </p:cSld>
@@ -3104,7 +4209,7 @@
           <a:p>
             <a:fld id="{0CCF0B81-6BD8-4C65-9459-815598C5F1F4}" type="datetimeFigureOut">
               <a:rPr lang="en-PH" smtClean="0"/>
-              <a:t>07/01/2023</a:t>
+              <a:t>09/01/2023</a:t>
             </a:fld>
             <a:endParaRPr lang="en-PH"/>
           </a:p>
@@ -3304,7 +4409,7 @@
           <a:p>
             <a:fld id="{0CCF0B81-6BD8-4C65-9459-815598C5F1F4}" type="datetimeFigureOut">
               <a:rPr lang="en-PH" smtClean="0"/>
-              <a:t>07/01/2023</a:t>
+              <a:t>09/01/2023</a:t>
             </a:fld>
             <a:endParaRPr lang="en-PH"/>
           </a:p>
@@ -3514,7 +4619,7 @@
           <a:p>
             <a:fld id="{0CCF0B81-6BD8-4C65-9459-815598C5F1F4}" type="datetimeFigureOut">
               <a:rPr lang="en-PH" smtClean="0"/>
-              <a:t>07/01/2023</a:t>
+              <a:t>09/01/2023</a:t>
             </a:fld>
             <a:endParaRPr lang="en-PH"/>
           </a:p>
@@ -3714,7 +4819,7 @@
           <a:p>
             <a:fld id="{0CCF0B81-6BD8-4C65-9459-815598C5F1F4}" type="datetimeFigureOut">
               <a:rPr lang="en-PH" smtClean="0"/>
-              <a:t>07/01/2023</a:t>
+              <a:t>09/01/2023</a:t>
             </a:fld>
             <a:endParaRPr lang="en-PH"/>
           </a:p>
@@ -3990,7 +5095,7 @@
           <a:p>
             <a:fld id="{0CCF0B81-6BD8-4C65-9459-815598C5F1F4}" type="datetimeFigureOut">
               <a:rPr lang="en-PH" smtClean="0"/>
-              <a:t>07/01/2023</a:t>
+              <a:t>09/01/2023</a:t>
             </a:fld>
             <a:endParaRPr lang="en-PH"/>
           </a:p>
@@ -4258,7 +5363,7 @@
           <a:p>
             <a:fld id="{0CCF0B81-6BD8-4C65-9459-815598C5F1F4}" type="datetimeFigureOut">
               <a:rPr lang="en-PH" smtClean="0"/>
-              <a:t>07/01/2023</a:t>
+              <a:t>09/01/2023</a:t>
             </a:fld>
             <a:endParaRPr lang="en-PH"/>
           </a:p>
@@ -4673,7 +5778,7 @@
           <a:p>
             <a:fld id="{0CCF0B81-6BD8-4C65-9459-815598C5F1F4}" type="datetimeFigureOut">
               <a:rPr lang="en-PH" smtClean="0"/>
-              <a:t>07/01/2023</a:t>
+              <a:t>09/01/2023</a:t>
             </a:fld>
             <a:endParaRPr lang="en-PH"/>
           </a:p>
@@ -4815,7 +5920,7 @@
           <a:p>
             <a:fld id="{0CCF0B81-6BD8-4C65-9459-815598C5F1F4}" type="datetimeFigureOut">
               <a:rPr lang="en-PH" smtClean="0"/>
-              <a:t>07/01/2023</a:t>
+              <a:t>09/01/2023</a:t>
             </a:fld>
             <a:endParaRPr lang="en-PH"/>
           </a:p>
@@ -4928,7 +6033,7 @@
           <a:p>
             <a:fld id="{0CCF0B81-6BD8-4C65-9459-815598C5F1F4}" type="datetimeFigureOut">
               <a:rPr lang="en-PH" smtClean="0"/>
-              <a:t>07/01/2023</a:t>
+              <a:t>09/01/2023</a:t>
             </a:fld>
             <a:endParaRPr lang="en-PH"/>
           </a:p>
@@ -5241,7 +6346,7 @@
           <a:p>
             <a:fld id="{0CCF0B81-6BD8-4C65-9459-815598C5F1F4}" type="datetimeFigureOut">
               <a:rPr lang="en-PH" smtClean="0"/>
-              <a:t>07/01/2023</a:t>
+              <a:t>09/01/2023</a:t>
             </a:fld>
             <a:endParaRPr lang="en-PH"/>
           </a:p>
@@ -5530,7 +6635,7 @@
           <a:p>
             <a:fld id="{0CCF0B81-6BD8-4C65-9459-815598C5F1F4}" type="datetimeFigureOut">
               <a:rPr lang="en-PH" smtClean="0"/>
-              <a:t>07/01/2023</a:t>
+              <a:t>09/01/2023</a:t>
             </a:fld>
             <a:endParaRPr lang="en-PH"/>
           </a:p>
@@ -5773,7 +6878,7 @@
           <a:p>
             <a:fld id="{0CCF0B81-6BD8-4C65-9459-815598C5F1F4}" type="datetimeFigureOut">
               <a:rPr lang="en-PH" smtClean="0"/>
-              <a:t>07/01/2023</a:t>
+              <a:t>09/01/2023</a:t>
             </a:fld>
             <a:endParaRPr lang="en-PH"/>
           </a:p>
@@ -7527,15 +8632,7 @@
             </a:pPr>
             <a:r>
               <a:rPr lang="en-PH" sz="2500" dirty="0"/>
-              <a:t>Matches any character except </a:t>
-            </a:r>
-            <a:r>
-              <a:rPr lang="en-PH" sz="2500" dirty="0" err="1"/>
-              <a:t>linebreaks</a:t>
-            </a:r>
-            <a:r>
-              <a:rPr lang="en-PH" sz="2500" dirty="0"/>
-              <a:t>.</a:t>
+              <a:t>Matches any character except line breaks.</a:t>
             </a:r>
           </a:p>
           <a:p>
@@ -11566,7 +12663,7 @@
         <p:spPr>
           <a:xfrm>
             <a:off x="2004950" y="1215609"/>
-            <a:ext cx="8182099" cy="6370975"/>
+            <a:ext cx="8182099" cy="5093702"/>
           </a:xfrm>
           <a:prstGeom prst="rect">
             <a:avLst/>
@@ -11613,13 +12710,13 @@
           </a:p>
           <a:p>
             <a:r>
-              <a:rPr lang="en-PH" sz="1600" dirty="0">
-                <a:latin typeface="Calibri (Body)"/>
-              </a:rPr>
-              <a:t>Pattern: a </a:t>
-            </a:r>
-            <a:r>
-              <a:rPr lang="en-PH" sz="1600" b="1" dirty="0">
+              <a:rPr lang="en-PH" sz="2500" dirty="0">
+                <a:latin typeface="Calibri (Body)"/>
+              </a:rPr>
+              <a:t>Pattern: a</a:t>
+            </a:r>
+            <a:r>
+              <a:rPr lang="en-PH" sz="2500" b="1" dirty="0">
                 <a:solidFill>
                   <a:srgbClr val="FF0000"/>
                 </a:solidFill>
@@ -11627,37 +12724,20 @@
               </a:rPr>
               <a:t>{3}</a:t>
             </a:r>
-            <a:endParaRPr lang="en-PH" sz="1600" b="1" dirty="0">
+            <a:endParaRPr lang="en-PH" sz="2500" b="1" dirty="0">
               <a:latin typeface="Calibri (Body)"/>
             </a:endParaRPr>
           </a:p>
           <a:p>
             <a:r>
-              <a:rPr lang="en-PH" sz="1600" dirty="0">
-                <a:latin typeface="Calibri (Body)"/>
-              </a:rPr>
-              <a:t>Match:</a:t>
-            </a:r>
-          </a:p>
-          <a:p>
-            <a:r>
-              <a:rPr lang="en-PH" sz="1600" b="1" dirty="0" err="1">
-                <a:solidFill>
-                  <a:srgbClr val="00B050"/>
-                </a:solidFill>
-                <a:latin typeface="Calibri (Body)"/>
-              </a:rPr>
-              <a:t>aaa</a:t>
-            </a:r>
-            <a:endParaRPr lang="en-PH" sz="1600" b="1" dirty="0">
-              <a:solidFill>
-                <a:srgbClr val="00B050"/>
-              </a:solidFill>
-              <a:latin typeface="Calibri (Body)"/>
-            </a:endParaRPr>
-          </a:p>
-          <a:p>
-            <a:endParaRPr lang="en-PH" sz="1600" b="1" dirty="0">
+              <a:rPr lang="en-PH" sz="2500" dirty="0">
+                <a:latin typeface="Calibri (Body)"/>
+              </a:rPr>
+              <a:t>Exactly 3 a’s</a:t>
+            </a:r>
+          </a:p>
+          <a:p>
+            <a:endParaRPr lang="en-PH" sz="2500" b="1" dirty="0">
               <a:solidFill>
                 <a:srgbClr val="FF0000"/>
               </a:solidFill>
@@ -11666,35 +12746,37 @@
           </a:p>
           <a:p>
             <a:r>
-              <a:rPr lang="en-PH" sz="1600" dirty="0">
+              <a:rPr lang="en-PH" sz="2500" dirty="0">
                 <a:latin typeface="Calibri (Body)"/>
               </a:rPr>
               <a:t>Pattern:  </a:t>
             </a:r>
             <a:r>
-              <a:rPr lang="en-PH" sz="1600" b="1" dirty="0">
+              <a:rPr lang="en-PH" sz="2500" b="1" dirty="0">
                 <a:latin typeface="Calibri (Body)"/>
               </a:rPr>
               <a:t>a</a:t>
             </a:r>
             <a:r>
-              <a:rPr lang="en-PH" sz="1600" b="1" dirty="0">
+              <a:rPr lang="en-PH" sz="2500" b="1" dirty="0">
                 <a:solidFill>
                   <a:srgbClr val="FF0000"/>
                 </a:solidFill>
                 <a:latin typeface="Calibri (Body)"/>
               </a:rPr>
-              <a:t> {1,3} </a:t>
-            </a:r>
-          </a:p>
-          <a:p>
-            <a:r>
-              <a:rPr lang="en-PH" sz="1600" dirty="0">
-                <a:latin typeface="Calibri (Body)"/>
-              </a:rPr>
-              <a:t>Match:</a:t>
-            </a:r>
-            <a:endParaRPr lang="en-PH" sz="1600" dirty="0">
+              <a:t>{1,3} </a:t>
+            </a:r>
+          </a:p>
+          <a:p>
+            <a:r>
+              <a:rPr lang="en-PH" sz="2500" dirty="0">
+                <a:latin typeface="Calibri (Body)"/>
+              </a:rPr>
+              <a:t>One to three a’s</a:t>
+            </a:r>
+          </a:p>
+          <a:p>
+            <a:endParaRPr lang="en-PH" sz="2500" b="1" dirty="0">
               <a:solidFill>
                 <a:srgbClr val="FF0000"/>
               </a:solidFill>
@@ -11703,140 +12785,34 @@
           </a:p>
           <a:p>
             <a:r>
-              <a:rPr lang="en-PH" sz="1600" b="1" dirty="0">
-                <a:solidFill>
-                  <a:srgbClr val="00B050"/>
-                </a:solidFill>
+              <a:rPr lang="en-PH" sz="2500" dirty="0">
+                <a:latin typeface="Calibri (Body)"/>
+              </a:rPr>
+              <a:t>Pattern:  </a:t>
+            </a:r>
+            <a:r>
+              <a:rPr lang="en-PH" sz="2500" b="1" dirty="0">
                 <a:latin typeface="Calibri (Body)"/>
               </a:rPr>
               <a:t>a</a:t>
             </a:r>
-          </a:p>
-          <a:p>
-            <a:r>
-              <a:rPr lang="en-PH" sz="1600" b="1" dirty="0">
-                <a:solidFill>
-                  <a:srgbClr val="00B050"/>
-                </a:solidFill>
-                <a:latin typeface="Calibri (Body)"/>
-              </a:rPr>
-              <a:t>aa</a:t>
-            </a:r>
-          </a:p>
-          <a:p>
-            <a:r>
-              <a:rPr lang="en-PH" sz="1600" b="1" dirty="0" err="1">
-                <a:solidFill>
-                  <a:srgbClr val="00B050"/>
-                </a:solidFill>
-                <a:latin typeface="Calibri (Body)"/>
-              </a:rPr>
-              <a:t>aaa</a:t>
-            </a:r>
-            <a:endParaRPr lang="en-PH" sz="1600" b="1" dirty="0">
-              <a:solidFill>
-                <a:srgbClr val="00B050"/>
-              </a:solidFill>
-              <a:latin typeface="Calibri (Body)"/>
-            </a:endParaRPr>
-          </a:p>
-          <a:p>
-            <a:endParaRPr lang="en-PH" sz="1600" b="1" dirty="0">
-              <a:solidFill>
-                <a:srgbClr val="FF0000"/>
-              </a:solidFill>
-              <a:latin typeface="Calibri (Body)"/>
-            </a:endParaRPr>
-          </a:p>
-          <a:p>
-            <a:r>
-              <a:rPr lang="en-PH" sz="1600" dirty="0">
-                <a:latin typeface="Calibri (Body)"/>
-              </a:rPr>
-              <a:t>Pattern:  </a:t>
-            </a:r>
-            <a:r>
-              <a:rPr lang="en-PH" sz="1600" b="1" dirty="0">
-                <a:latin typeface="Calibri (Body)"/>
-              </a:rPr>
-              <a:t>a</a:t>
-            </a:r>
-            <a:r>
-              <a:rPr lang="en-PH" sz="1600" b="1" dirty="0">
+            <a:r>
+              <a:rPr lang="en-PH" sz="2500" b="1" dirty="0">
                 <a:solidFill>
                   <a:srgbClr val="FF0000"/>
                 </a:solidFill>
                 <a:latin typeface="Calibri (Body)"/>
               </a:rPr>
-              <a:t> {3,} </a:t>
-            </a:r>
-          </a:p>
-          <a:p>
-            <a:r>
-              <a:rPr lang="en-PH" sz="1600" dirty="0">
-                <a:latin typeface="Calibri (Body)"/>
-              </a:rPr>
-              <a:t>Match:</a:t>
-            </a:r>
-          </a:p>
-          <a:p>
-            <a:r>
-              <a:rPr lang="en-PH" sz="1600" b="1" dirty="0" err="1">
-                <a:solidFill>
-                  <a:srgbClr val="00B050"/>
-                </a:solidFill>
-                <a:latin typeface="Calibri (Body)"/>
-              </a:rPr>
-              <a:t>aaa</a:t>
-            </a:r>
-            <a:endParaRPr lang="en-PH" sz="1600" b="1" dirty="0">
-              <a:solidFill>
-                <a:srgbClr val="00B050"/>
-              </a:solidFill>
-              <a:latin typeface="Calibri (Body)"/>
-            </a:endParaRPr>
-          </a:p>
-          <a:p>
-            <a:r>
-              <a:rPr lang="en-PH" sz="1600" b="1" dirty="0" err="1">
-                <a:solidFill>
-                  <a:srgbClr val="00B050"/>
-                </a:solidFill>
-                <a:latin typeface="Calibri (Body)"/>
-              </a:rPr>
-              <a:t>aaaa</a:t>
-            </a:r>
-            <a:endParaRPr lang="en-PH" sz="1600" b="1" dirty="0">
-              <a:solidFill>
-                <a:srgbClr val="00B050"/>
-              </a:solidFill>
-              <a:latin typeface="Calibri (Body)"/>
-            </a:endParaRPr>
-          </a:p>
-          <a:p>
-            <a:r>
-              <a:rPr lang="en-PH" sz="1600" b="1" dirty="0" err="1">
-                <a:solidFill>
-                  <a:srgbClr val="00B050"/>
-                </a:solidFill>
-                <a:latin typeface="Calibri (Body)"/>
-              </a:rPr>
-              <a:t>aaaaa</a:t>
-            </a:r>
-            <a:endParaRPr lang="en-US" sz="1600" dirty="0">
-              <a:solidFill>
-                <a:srgbClr val="00B050"/>
-              </a:solidFill>
-              <a:latin typeface="Calibri (Body)"/>
-            </a:endParaRPr>
-          </a:p>
-          <a:p>
-            <a:endParaRPr lang="en-PH" sz="2800" b="1" dirty="0">
-              <a:solidFill>
-                <a:srgbClr val="FF0000"/>
-              </a:solidFill>
-              <a:latin typeface="Source Code Pro" panose="020B0509030403020204" pitchFamily="49" charset="0"/>
-            </a:endParaRPr>
+              <a:t>{3,} </a:t>
+            </a:r>
+          </a:p>
+          <a:p>
+            <a:r>
+              <a:rPr lang="en-PH" sz="2500" dirty="0">
+                <a:latin typeface="Calibri (Body)"/>
+              </a:rPr>
+              <a:t>Three or more a’s</a:t>
+            </a:r>
           </a:p>
           <a:p>
             <a:endParaRPr lang="en-US" sz="2500" b="1" dirty="0">
@@ -12172,8 +13148,8 @@
         </p:nvSpPr>
         <p:spPr>
           <a:xfrm>
-            <a:off x="1942320" y="1215609"/>
-            <a:ext cx="8182099" cy="4708981"/>
+            <a:off x="2004950" y="1215609"/>
+            <a:ext cx="8182099" cy="5632311"/>
           </a:xfrm>
           <a:prstGeom prst="rect">
             <a:avLst/>
@@ -12187,104 +13163,69 @@
           <a:lstStyle/>
           <a:p>
             <a:r>
-              <a:rPr lang="en-US" sz="2500" b="1" dirty="0">
-                <a:latin typeface="Calibri (Body)"/>
-              </a:rPr>
-              <a:t>Pipe</a:t>
-            </a:r>
-            <a:r>
-              <a:rPr lang="en-US" sz="2500" dirty="0">
-                <a:latin typeface="Calibri (Body)"/>
-              </a:rPr>
-              <a:t>			</a:t>
-            </a:r>
-          </a:p>
-          <a:p>
-            <a:pPr marL="342900" indent="-342900">
-              <a:buFontTx/>
-              <a:buChar char="-"/>
-            </a:pPr>
-            <a:r>
-              <a:rPr lang="en-US" sz="2500" b="0" i="0" dirty="0">
-                <a:effectLst/>
-                <a:latin typeface="Calibri (Body)"/>
-              </a:rPr>
-              <a:t>Similar to the OR operator in Java. </a:t>
-            </a:r>
-            <a:r>
-              <a:rPr lang="en-US" sz="2500" b="0" i="0" dirty="0">
-                <a:solidFill>
-                  <a:srgbClr val="000000"/>
-                </a:solidFill>
-                <a:effectLst/>
-                <a:latin typeface="Calibri (Body)"/>
-              </a:rPr>
-              <a:t>Matches either the part on the left side, or the part on the right side.</a:t>
-            </a:r>
-          </a:p>
-          <a:p>
-            <a:endParaRPr lang="en-US" sz="2500" dirty="0">
+              <a:rPr lang="en-PH" b="1" dirty="0">
+                <a:latin typeface="Calibri (Body)"/>
+              </a:rPr>
+              <a:t>Examples</a:t>
+            </a:r>
+            <a:endParaRPr lang="en-US" b="0" i="0" dirty="0">
+              <a:effectLst/>
               <a:latin typeface="Calibri (Body)"/>
             </a:endParaRPr>
           </a:p>
           <a:p>
-            <a:r>
-              <a:rPr lang="en-PH" sz="2500" dirty="0">
-                <a:latin typeface="Calibri (Body)"/>
-              </a:rPr>
-              <a:t>Pattern: b</a:t>
-            </a:r>
-            <a:r>
-              <a:rPr lang="en-PH" sz="2500" b="1" i="0" dirty="0">
+            <a:endParaRPr lang="en-US" b="0" i="0" dirty="0">
+              <a:effectLst/>
+              <a:latin typeface="Calibri (Body)"/>
+            </a:endParaRPr>
+          </a:p>
+          <a:p>
+            <a:r>
+              <a:rPr lang="en-PH" dirty="0">
+                <a:latin typeface="Calibri (Body)"/>
+              </a:rPr>
+              <a:t>Pattern: a</a:t>
+            </a:r>
+            <a:r>
+              <a:rPr lang="en-PH" b="1" dirty="0">
                 <a:solidFill>
                   <a:srgbClr val="FF0000"/>
                 </a:solidFill>
-                <a:effectLst/>
-                <a:latin typeface="Calibri (Body)"/>
-              </a:rPr>
-              <a:t>(</a:t>
-            </a:r>
-            <a:r>
-              <a:rPr lang="en-PH" sz="2500" b="1" i="0" dirty="0" err="1">
+                <a:latin typeface="Calibri (Body)"/>
+              </a:rPr>
+              <a:t>{3}</a:t>
+            </a:r>
+            <a:endParaRPr lang="en-PH" b="1" dirty="0">
+              <a:latin typeface="Calibri (Body)"/>
+            </a:endParaRPr>
+          </a:p>
+          <a:p>
+            <a:r>
+              <a:rPr lang="en-PH" dirty="0">
+                <a:latin typeface="Calibri (Body)"/>
+              </a:rPr>
+              <a:t>Match:</a:t>
+            </a:r>
+          </a:p>
+          <a:p>
+            <a:r>
+              <a:rPr lang="en-PH" b="1" dirty="0" err="1">
                 <a:solidFill>
-                  <a:srgbClr val="FF0000"/>
+                  <a:srgbClr val="00B050"/>
                 </a:solidFill>
-                <a:effectLst/>
-                <a:latin typeface="Calibri (Body)"/>
-              </a:rPr>
-              <a:t>a|e|i</a:t>
-            </a:r>
-            <a:r>
-              <a:rPr lang="en-PH" sz="2500" b="1" i="0" dirty="0">
-                <a:solidFill>
-                  <a:srgbClr val="FF0000"/>
-                </a:solidFill>
-                <a:effectLst/>
-                <a:latin typeface="Calibri (Body)"/>
-              </a:rPr>
-              <a:t>)</a:t>
-            </a:r>
-            <a:r>
-              <a:rPr lang="en-PH" sz="2500" i="0" dirty="0">
-                <a:effectLst/>
-                <a:latin typeface="Calibri (Body)"/>
-              </a:rPr>
-              <a:t>d</a:t>
-            </a:r>
-          </a:p>
-          <a:p>
-            <a:endParaRPr lang="en-US" sz="2500" dirty="0">
+                <a:latin typeface="Calibri (Body)"/>
+              </a:rPr>
+              <a:t>aaa</a:t>
+            </a:r>
+            <a:endParaRPr lang="en-PH" b="1" dirty="0">
+              <a:solidFill>
+                <a:srgbClr val="00B050"/>
+              </a:solidFill>
               <a:latin typeface="Calibri (Body)"/>
             </a:endParaRPr>
           </a:p>
           <a:p>
-            <a:r>
-              <a:rPr lang="en-PH" sz="2500" dirty="0">
-                <a:latin typeface="Calibri (Body)"/>
-              </a:rPr>
-              <a:t>Match: </a:t>
-            </a:r>
-            <a:endParaRPr lang="en-PH" sz="2500" b="1" dirty="0">
+            <a:endParaRPr lang="en-PH" b="1" dirty="0">
               <a:solidFill>
                 <a:srgbClr val="FF0000"/>
               </a:solidFill>
@@ -12293,39 +13234,35 @@
           </a:p>
           <a:p>
             <a:r>
-              <a:rPr lang="en-PH" sz="2500" b="1" dirty="0">
+              <a:rPr lang="en-PH" dirty="0">
+                <a:latin typeface="Calibri (Body)"/>
+              </a:rPr>
+              <a:t>Pattern:  </a:t>
+            </a:r>
+            <a:r>
+              <a:rPr lang="en-PH" b="1" dirty="0">
+                <a:latin typeface="Calibri (Body)"/>
+              </a:rPr>
+              <a:t>a</a:t>
+            </a:r>
+            <a:r>
+              <a:rPr lang="en-PH" b="1" dirty="0">
                 <a:solidFill>
-                  <a:srgbClr val="00B050"/>
+                  <a:srgbClr val="FF0000"/>
                 </a:solidFill>
                 <a:latin typeface="Calibri (Body)"/>
               </a:rPr>
-              <a:t>bad</a:t>
-            </a:r>
-          </a:p>
-          <a:p>
-            <a:r>
-              <a:rPr lang="en-PH" sz="2500" b="1" dirty="0">
-                <a:solidFill>
-                  <a:srgbClr val="00B050"/>
-                </a:solidFill>
-                <a:latin typeface="Calibri (Body)"/>
-              </a:rPr>
-              <a:t>bed</a:t>
-            </a:r>
-          </a:p>
-          <a:p>
-            <a:r>
-              <a:rPr lang="en-PH" sz="2500" b="1" dirty="0">
-                <a:solidFill>
-                  <a:srgbClr val="00B050"/>
-                </a:solidFill>
-                <a:latin typeface="Calibri (Body)"/>
-              </a:rPr>
-              <a:t>bid</a:t>
-            </a:r>
-          </a:p>
-          <a:p>
-            <a:endParaRPr lang="en-US" sz="2500" b="1" dirty="0">
+              <a:t>{1,3} </a:t>
+            </a:r>
+          </a:p>
+          <a:p>
+            <a:r>
+              <a:rPr lang="en-PH" dirty="0">
+                <a:latin typeface="Calibri (Body)"/>
+              </a:rPr>
+              <a:t>Match:</a:t>
+            </a:r>
+            <a:endParaRPr lang="en-PH" dirty="0">
               <a:solidFill>
                 <a:srgbClr val="FF0000"/>
               </a:solidFill>
@@ -12334,18 +13271,160 @@
           </a:p>
           <a:p>
             <a:r>
-              <a:rPr lang="en-PH" sz="2500" dirty="0">
-                <a:latin typeface="Calibri (Body)"/>
-              </a:rPr>
-              <a:t> </a:t>
-            </a:r>
+              <a:rPr lang="en-PH" b="1" dirty="0">
+                <a:solidFill>
+                  <a:srgbClr val="00B050"/>
+                </a:solidFill>
+                <a:latin typeface="Calibri (Body)"/>
+              </a:rPr>
+              <a:t>a</a:t>
+            </a:r>
+          </a:p>
+          <a:p>
+            <a:r>
+              <a:rPr lang="en-PH" b="1" dirty="0">
+                <a:solidFill>
+                  <a:srgbClr val="00B050"/>
+                </a:solidFill>
+                <a:latin typeface="Calibri (Body)"/>
+              </a:rPr>
+              <a:t>aa</a:t>
+            </a:r>
+          </a:p>
+          <a:p>
+            <a:r>
+              <a:rPr lang="en-PH" b="1" dirty="0" err="1">
+                <a:solidFill>
+                  <a:srgbClr val="00B050"/>
+                </a:solidFill>
+                <a:latin typeface="Calibri (Body)"/>
+              </a:rPr>
+              <a:t>aaa</a:t>
+            </a:r>
+            <a:endParaRPr lang="en-PH" b="1" dirty="0">
+              <a:solidFill>
+                <a:srgbClr val="00B050"/>
+              </a:solidFill>
+              <a:latin typeface="Calibri (Body)"/>
+            </a:endParaRPr>
+          </a:p>
+          <a:p>
+            <a:endParaRPr lang="en-PH" b="1" dirty="0">
+              <a:solidFill>
+                <a:srgbClr val="FF0000"/>
+              </a:solidFill>
+              <a:latin typeface="Calibri (Body)"/>
+            </a:endParaRPr>
+          </a:p>
+          <a:p>
+            <a:r>
+              <a:rPr lang="en-PH" dirty="0">
+                <a:latin typeface="Calibri (Body)"/>
+              </a:rPr>
+              <a:t>Pattern:  </a:t>
+            </a:r>
+            <a:r>
+              <a:rPr lang="en-PH" b="1" dirty="0">
+                <a:latin typeface="Calibri (Body)"/>
+              </a:rPr>
+              <a:t>a</a:t>
+            </a:r>
+            <a:r>
+              <a:rPr lang="en-PH" b="1" dirty="0">
+                <a:solidFill>
+                  <a:srgbClr val="FF0000"/>
+                </a:solidFill>
+                <a:latin typeface="Calibri (Body)"/>
+              </a:rPr>
+              <a:t>{3,} </a:t>
+            </a:r>
+          </a:p>
+          <a:p>
+            <a:r>
+              <a:rPr lang="en-PH" dirty="0">
+                <a:latin typeface="Calibri (Body)"/>
+              </a:rPr>
+              <a:t>Match:</a:t>
+            </a:r>
+          </a:p>
+          <a:p>
+            <a:r>
+              <a:rPr lang="en-PH" b="1" dirty="0" err="1">
+                <a:solidFill>
+                  <a:srgbClr val="00B050"/>
+                </a:solidFill>
+                <a:latin typeface="Calibri (Body)"/>
+              </a:rPr>
+              <a:t>aaa</a:t>
+            </a:r>
+            <a:endParaRPr lang="en-PH" b="1" dirty="0">
+              <a:solidFill>
+                <a:srgbClr val="00B050"/>
+              </a:solidFill>
+              <a:latin typeface="Calibri (Body)"/>
+            </a:endParaRPr>
+          </a:p>
+          <a:p>
+            <a:r>
+              <a:rPr lang="en-PH" b="1" dirty="0" err="1">
+                <a:solidFill>
+                  <a:srgbClr val="00B050"/>
+                </a:solidFill>
+                <a:latin typeface="Calibri (Body)"/>
+              </a:rPr>
+              <a:t>aaaa</a:t>
+            </a:r>
+            <a:endParaRPr lang="en-PH" b="1" dirty="0">
+              <a:solidFill>
+                <a:srgbClr val="00B050"/>
+              </a:solidFill>
+              <a:latin typeface="Calibri (Body)"/>
+            </a:endParaRPr>
+          </a:p>
+          <a:p>
+            <a:r>
+              <a:rPr lang="en-PH" b="1" dirty="0" err="1">
+                <a:solidFill>
+                  <a:srgbClr val="00B050"/>
+                </a:solidFill>
+                <a:latin typeface="Calibri (Body)"/>
+              </a:rPr>
+              <a:t>aaaaa</a:t>
+            </a:r>
+            <a:endParaRPr lang="en-US" dirty="0">
+              <a:solidFill>
+                <a:srgbClr val="00B050"/>
+              </a:solidFill>
+              <a:latin typeface="Calibri (Body)"/>
+            </a:endParaRPr>
+          </a:p>
+          <a:p>
+            <a:endParaRPr lang="en-PH" b="1" dirty="0">
+              <a:solidFill>
+                <a:srgbClr val="FF0000"/>
+              </a:solidFill>
+              <a:latin typeface="Calibri (Body)"/>
+            </a:endParaRPr>
+          </a:p>
+          <a:p>
+            <a:endParaRPr lang="en-US" b="1" dirty="0">
+              <a:solidFill>
+                <a:srgbClr val="FF0000"/>
+              </a:solidFill>
+              <a:latin typeface="Calibri (Body)"/>
+            </a:endParaRPr>
+          </a:p>
+          <a:p>
+            <a:endParaRPr lang="en-PH" dirty="0">
+              <a:latin typeface="Calibri (Body)"/>
+            </a:endParaRPr>
           </a:p>
         </p:txBody>
       </p:sp>
     </p:spTree>
     <p:extLst>
       <p:ext uri="{BB962C8B-B14F-4D97-AF65-F5344CB8AC3E}">
-        <p14:creationId xmlns:p14="http://schemas.microsoft.com/office/powerpoint/2010/main" val="4214348313"/>
+        <p14:creationId xmlns:p14="http://schemas.microsoft.com/office/powerpoint/2010/main" val="3536903475"/>
       </p:ext>
     </p:extLst>
   </p:cSld>
@@ -12661,8 +13740,8 @@
         </p:nvSpPr>
         <p:spPr>
           <a:xfrm>
-            <a:off x="2004950" y="1620515"/>
-            <a:ext cx="8182099" cy="4216539"/>
+            <a:off x="1942320" y="1215609"/>
+            <a:ext cx="8182099" cy="4708981"/>
           </a:xfrm>
           <a:prstGeom prst="rect">
             <a:avLst/>
@@ -12676,13 +13755,13 @@
           <a:lstStyle/>
           <a:p>
             <a:r>
-              <a:rPr lang="en-PH" sz="2500" b="1" dirty="0">
-                <a:latin typeface="Calibri (Body)"/>
-              </a:rPr>
-              <a:t>Question Mark</a:t>
-            </a:r>
-            <a:r>
-              <a:rPr lang="en-PH" sz="2500" dirty="0">
+              <a:rPr lang="en-US" sz="2500" b="1" dirty="0">
+                <a:latin typeface="Calibri (Body)"/>
+              </a:rPr>
+              <a:t>Pipe</a:t>
+            </a:r>
+            <a:r>
+              <a:rPr lang="en-US" sz="2500" dirty="0">
                 <a:latin typeface="Calibri (Body)"/>
               </a:rPr>
               <a:t>			</a:t>
@@ -12698,42 +13777,82 @@
                 <a:effectLst/>
                 <a:latin typeface="Calibri (Body)"/>
               </a:rPr>
-              <a:t>Matches 0 or 1 of the preceding token, effectively making it optional.</a:t>
-            </a:r>
-          </a:p>
-          <a:p>
-            <a:pPr marL="342900" indent="-342900">
-              <a:buFontTx/>
-              <a:buChar char="-"/>
-            </a:pPr>
-            <a:endParaRPr lang="en-US" sz="2800" b="0" i="0" dirty="0">
-              <a:effectLst/>
+              <a:t>Similar to the OR operator in Java. </a:t>
+            </a:r>
+            <a:r>
+              <a:rPr lang="en-US" sz="2500" b="0" i="0" dirty="0">
+                <a:solidFill>
+                  <a:srgbClr val="000000"/>
+                </a:solidFill>
+                <a:effectLst/>
+                <a:latin typeface="Calibri (Body)"/>
+              </a:rPr>
+              <a:t>Matches either the part on the left side, or the part on the right side.</a:t>
+            </a:r>
+          </a:p>
+          <a:p>
+            <a:endParaRPr lang="en-US" sz="2500" dirty="0">
               <a:latin typeface="Calibri (Body)"/>
             </a:endParaRPr>
           </a:p>
           <a:p>
             <a:r>
-              <a:rPr lang="en-PH" sz="2800" dirty="0">
-                <a:latin typeface="Calibri (Body)"/>
-              </a:rPr>
-              <a:t>Pattern: </a:t>
-            </a:r>
-            <a:r>
-              <a:rPr lang="en-PH" sz="2800" dirty="0" err="1">
-                <a:latin typeface="Calibri (Body)"/>
-              </a:rPr>
-              <a:t>colou</a:t>
-            </a:r>
-            <a:r>
-              <a:rPr lang="en-PH" sz="2800" b="1" dirty="0" err="1">
+              <a:rPr lang="en-PH" sz="2500" dirty="0">
+                <a:latin typeface="Calibri (Body)"/>
+              </a:rPr>
+              <a:t>Pattern: b</a:t>
+            </a:r>
+            <a:r>
+              <a:rPr lang="en-PH" sz="2500" b="1" i="0" dirty="0">
                 <a:solidFill>
                   <a:srgbClr val="FF0000"/>
                 </a:solidFill>
-                <a:latin typeface="Calibri (Body)"/>
-              </a:rPr>
-              <a:t>?r</a:t>
-            </a:r>
-            <a:endParaRPr lang="en-PH" sz="2800" b="1" dirty="0">
+                <a:effectLst/>
+                <a:latin typeface="Calibri (Body)"/>
+              </a:rPr>
+              <a:t>(</a:t>
+            </a:r>
+            <a:r>
+              <a:rPr lang="en-PH" sz="2500" b="1" i="0" dirty="0" err="1">
+                <a:solidFill>
+                  <a:srgbClr val="FF0000"/>
+                </a:solidFill>
+                <a:effectLst/>
+                <a:latin typeface="Calibri (Body)"/>
+              </a:rPr>
+              <a:t>a|e|i</a:t>
+            </a:r>
+            <a:r>
+              <a:rPr lang="en-PH" sz="2500" b="1" i="0" dirty="0">
+                <a:solidFill>
+                  <a:srgbClr val="FF0000"/>
+                </a:solidFill>
+                <a:effectLst/>
+                <a:latin typeface="Calibri (Body)"/>
+              </a:rPr>
+              <a:t>)</a:t>
+            </a:r>
+            <a:r>
+              <a:rPr lang="en-PH" sz="2500" i="0" dirty="0">
+                <a:effectLst/>
+                <a:latin typeface="Calibri (Body)"/>
+              </a:rPr>
+              <a:t>d</a:t>
+            </a:r>
+          </a:p>
+          <a:p>
+            <a:endParaRPr lang="en-US" sz="2500" dirty="0">
+              <a:latin typeface="Calibri (Body)"/>
+            </a:endParaRPr>
+          </a:p>
+          <a:p>
+            <a:r>
+              <a:rPr lang="en-PH" sz="2500" dirty="0">
+                <a:latin typeface="Calibri (Body)"/>
+              </a:rPr>
+              <a:t>Match: </a:t>
+            </a:r>
+            <a:endParaRPr lang="en-PH" sz="2500" b="1" dirty="0">
               <a:solidFill>
                 <a:srgbClr val="FF0000"/>
               </a:solidFill>
@@ -12741,7 +13860,40 @@
             </a:endParaRPr>
           </a:p>
           <a:p>
-            <a:endParaRPr lang="en-PH" sz="2800" b="1" dirty="0">
+            <a:r>
+              <a:rPr lang="en-PH" sz="2500" b="1" dirty="0">
+                <a:solidFill>
+                  <a:srgbClr val="00B050"/>
+                </a:solidFill>
+                <a:latin typeface="Calibri (Body)"/>
+              </a:rPr>
+              <a:t>bad</a:t>
+            </a:r>
+          </a:p>
+          <a:p>
+            <a:r>
+              <a:rPr lang="en-PH" sz="2500" b="1" dirty="0">
+                <a:solidFill>
+                  <a:srgbClr val="00B050"/>
+                </a:solidFill>
+                <a:latin typeface="Calibri (Body)"/>
+              </a:rPr>
+              <a:t>bed</a:t>
+            </a:r>
+          </a:p>
+          <a:p>
+            <a:r>
+              <a:rPr lang="en-PH" sz="2500" b="1" dirty="0">
+                <a:solidFill>
+                  <a:srgbClr val="00B050"/>
+                </a:solidFill>
+                <a:latin typeface="Calibri (Body)"/>
+              </a:rPr>
+              <a:t>bid</a:t>
+            </a:r>
+          </a:p>
+          <a:p>
+            <a:endParaRPr lang="en-US" sz="2500" b="1" dirty="0">
               <a:solidFill>
                 <a:srgbClr val="FF0000"/>
               </a:solidFill>
@@ -12750,51 +13902,18 @@
           </a:p>
           <a:p>
             <a:r>
-              <a:rPr lang="en-PH" sz="2800" dirty="0">
-                <a:latin typeface="Calibri (Body)"/>
-              </a:rPr>
-              <a:t>Match:</a:t>
-            </a:r>
-          </a:p>
-          <a:p>
-            <a:r>
-              <a:rPr lang="en-US" sz="2800" b="1" dirty="0">
-                <a:solidFill>
-                  <a:srgbClr val="00B050"/>
-                </a:solidFill>
-                <a:latin typeface="Calibri (Body)"/>
-              </a:rPr>
-              <a:t>color</a:t>
-            </a:r>
-          </a:p>
-          <a:p>
-            <a:r>
-              <a:rPr lang="en-US" sz="2800" b="1" dirty="0" err="1">
-                <a:solidFill>
-                  <a:srgbClr val="00B050"/>
-                </a:solidFill>
-                <a:latin typeface="Calibri (Body)"/>
-              </a:rPr>
-              <a:t>colour</a:t>
-            </a:r>
-            <a:endParaRPr lang="en-US" sz="2800" b="1" dirty="0">
-              <a:solidFill>
-                <a:srgbClr val="00B050"/>
-              </a:solidFill>
-              <a:latin typeface="Calibri (Body)"/>
-            </a:endParaRPr>
-          </a:p>
-          <a:p>
-            <a:endParaRPr lang="en-PH" sz="2500" dirty="0">
-              <a:latin typeface="Calibri (Body)"/>
-            </a:endParaRPr>
+              <a:rPr lang="en-PH" sz="2500" dirty="0">
+                <a:latin typeface="Calibri (Body)"/>
+              </a:rPr>
+              <a:t> </a:t>
+            </a:r>
           </a:p>
         </p:txBody>
       </p:sp>
     </p:spTree>
     <p:extLst>
       <p:ext uri="{BB962C8B-B14F-4D97-AF65-F5344CB8AC3E}">
-        <p14:creationId xmlns:p14="http://schemas.microsoft.com/office/powerpoint/2010/main" val="3620326899"/>
+        <p14:creationId xmlns:p14="http://schemas.microsoft.com/office/powerpoint/2010/main" val="4214348313"/>
       </p:ext>
     </p:extLst>
   </p:cSld>
@@ -12866,7 +13985,7 @@
           <a:p>
             <a:r>
               <a:rPr lang="en-PH" sz="5400" b="1" dirty="0"/>
-              <a:t>Anchors</a:t>
+              <a:t>Quantifiers and Alternation</a:t>
             </a:r>
             <a:endParaRPr lang="en-PH" sz="5000" b="1" dirty="0"/>
           </a:p>
@@ -13110,8 +14229,8 @@
         </p:nvSpPr>
         <p:spPr>
           <a:xfrm>
-            <a:off x="2004950" y="1406092"/>
-            <a:ext cx="8182099" cy="5093702"/>
+            <a:off x="2004950" y="1620515"/>
+            <a:ext cx="8182099" cy="4216539"/>
           </a:xfrm>
           <a:prstGeom prst="rect">
             <a:avLst/>
@@ -13125,11 +14244,16 @@
           <a:lstStyle/>
           <a:p>
             <a:r>
-              <a:rPr lang="en-PH" sz="2500" b="1" i="0" dirty="0">
-                <a:effectLst/>
-                <a:latin typeface="Calibri (Body)"/>
-              </a:rPr>
-              <a:t>Caret</a:t>
+              <a:rPr lang="en-PH" sz="2500" b="1" dirty="0">
+                <a:latin typeface="Calibri (Body)"/>
+              </a:rPr>
+              <a:t>Question Mark</a:t>
+            </a:r>
+            <a:r>
+              <a:rPr lang="en-PH" sz="2500" dirty="0">
+                <a:latin typeface="Calibri (Body)"/>
+              </a:rPr>
+              <a:t>			</a:t>
             </a:r>
           </a:p>
           <a:p>
@@ -13139,60 +14263,62 @@
             </a:pPr>
             <a:r>
               <a:rPr lang="en-US" sz="2500" b="0" i="0" dirty="0">
-                <a:solidFill>
-                  <a:srgbClr val="000000"/>
-                </a:solidFill>
                 <a:effectLst/>
                 <a:latin typeface="Calibri (Body)"/>
               </a:rPr>
-              <a:t>Matches at the start of the string the regex pattern is applied to.</a:t>
-            </a:r>
-          </a:p>
-          <a:p>
-            <a:endParaRPr lang="en-US" sz="2500" b="0" i="0" dirty="0">
-              <a:solidFill>
-                <a:srgbClr val="000000"/>
-              </a:solidFill>
+              <a:t>Matches 0 or 1 of the preceding token, effectively making it optional.</a:t>
+            </a:r>
+          </a:p>
+          <a:p>
+            <a:pPr marL="342900" indent="-342900">
+              <a:buFontTx/>
+              <a:buChar char="-"/>
+            </a:pPr>
+            <a:endParaRPr lang="en-US" sz="2800" b="0" i="0" dirty="0">
               <a:effectLst/>
               <a:latin typeface="Calibri (Body)"/>
             </a:endParaRPr>
           </a:p>
           <a:p>
-            <a:endParaRPr lang="en-US" sz="2500" dirty="0">
-              <a:latin typeface="Calibri (Body)"/>
-            </a:endParaRPr>
-          </a:p>
-          <a:p>
-            <a:r>
-              <a:rPr lang="en-PH" sz="2500" dirty="0">
+            <a:r>
+              <a:rPr lang="en-PH" sz="2800" dirty="0">
                 <a:latin typeface="Calibri (Body)"/>
               </a:rPr>
               <a:t>Pattern: </a:t>
             </a:r>
             <a:r>
-              <a:rPr lang="en-PH" sz="2500" b="1" dirty="0">
+              <a:rPr lang="en-PH" sz="2800" dirty="0" err="1">
+                <a:latin typeface="Calibri (Body)"/>
+              </a:rPr>
+              <a:t>colou</a:t>
+            </a:r>
+            <a:r>
+              <a:rPr lang="en-PH" sz="2800" b="1" dirty="0" err="1">
                 <a:solidFill>
                   <a:srgbClr val="FF0000"/>
                 </a:solidFill>
                 <a:latin typeface="Calibri (Body)"/>
               </a:rPr>
-              <a:t>^</a:t>
-            </a:r>
-            <a:r>
-              <a:rPr lang="en-PH" sz="2500" b="1" dirty="0">
-                <a:latin typeface="Calibri (Body)"/>
-              </a:rPr>
-              <a:t>.</a:t>
-            </a:r>
-          </a:p>
-          <a:p>
-            <a:endParaRPr lang="en-PH" sz="2500" b="1" dirty="0">
+              <a:t>?r</a:t>
+            </a:r>
+            <a:endParaRPr lang="en-PH" sz="2800" b="1" dirty="0">
+              <a:solidFill>
+                <a:srgbClr val="FF0000"/>
+              </a:solidFill>
               <a:latin typeface="Calibri (Body)"/>
             </a:endParaRPr>
           </a:p>
           <a:p>
-            <a:r>
-              <a:rPr lang="en-PH" sz="2500" dirty="0">
+            <a:endParaRPr lang="en-PH" sz="2800" b="1" dirty="0">
+              <a:solidFill>
+                <a:srgbClr val="FF0000"/>
+              </a:solidFill>
+              <a:latin typeface="Calibri (Body)"/>
+            </a:endParaRPr>
+          </a:p>
+          <a:p>
+            <a:r>
+              <a:rPr lang="en-PH" sz="2800" dirty="0">
                 <a:latin typeface="Calibri (Body)"/>
               </a:rPr>
               <a:t>Match:</a:t>
@@ -13200,53 +14326,34 @@
           </a:p>
           <a:p>
             <a:r>
-              <a:rPr lang="en-PH" sz="2500" b="1" dirty="0" err="1">
+              <a:rPr lang="en-US" sz="2800" b="1" dirty="0">
                 <a:solidFill>
                   <a:srgbClr val="00B050"/>
                 </a:solidFill>
                 <a:latin typeface="Calibri (Body)"/>
               </a:rPr>
-              <a:t>a</a:t>
-            </a:r>
-            <a:r>
-              <a:rPr lang="en-PH" sz="2500" dirty="0" err="1">
-                <a:latin typeface="Calibri (Body)"/>
-              </a:rPr>
-              <a:t>bc</a:t>
-            </a:r>
-            <a:endParaRPr lang="en-PH" sz="2500" dirty="0">
-              <a:latin typeface="Calibri (Body)"/>
-            </a:endParaRPr>
-          </a:p>
-          <a:p>
-            <a:r>
-              <a:rPr lang="en-PH" sz="2500" b="1" dirty="0">
+              <a:t>color</a:t>
+            </a:r>
+          </a:p>
+          <a:p>
+            <a:r>
+              <a:rPr lang="en-US" sz="2800" b="1" dirty="0" err="1">
                 <a:solidFill>
                   <a:srgbClr val="00B050"/>
                 </a:solidFill>
                 <a:latin typeface="Calibri (Body)"/>
               </a:rPr>
-              <a:t>d</a:t>
-            </a:r>
-            <a:r>
-              <a:rPr lang="en-PH" sz="2500" dirty="0">
-                <a:latin typeface="Calibri (Body)"/>
-              </a:rPr>
-              <a:t>ef</a:t>
-            </a:r>
-          </a:p>
-          <a:p>
-            <a:endParaRPr lang="en-PH" sz="2500" b="1" dirty="0">
+              <a:t>colour</a:t>
+            </a:r>
+            <a:endParaRPr lang="en-US" sz="2800" b="1" dirty="0">
+              <a:solidFill>
+                <a:srgbClr val="00B050"/>
+              </a:solidFill>
               <a:latin typeface="Calibri (Body)"/>
             </a:endParaRPr>
           </a:p>
           <a:p>
-            <a:endParaRPr lang="en-PH" sz="2500" b="1" dirty="0">
-              <a:latin typeface="Calibri (Body)"/>
-            </a:endParaRPr>
-          </a:p>
-          <a:p>
-            <a:endParaRPr lang="en-PH" sz="2500" b="1" dirty="0">
+            <a:endParaRPr lang="en-PH" sz="2500" dirty="0">
               <a:latin typeface="Calibri (Body)"/>
             </a:endParaRPr>
           </a:p>
@@ -13255,7 +14362,7 @@
     </p:spTree>
     <p:extLst>
       <p:ext uri="{BB962C8B-B14F-4D97-AF65-F5344CB8AC3E}">
-        <p14:creationId xmlns:p14="http://schemas.microsoft.com/office/powerpoint/2010/main" val="3611648984"/>
+        <p14:creationId xmlns:p14="http://schemas.microsoft.com/office/powerpoint/2010/main" val="3620326899"/>
       </p:ext>
     </p:extLst>
   </p:cSld>
@@ -13572,7 +14679,7 @@
         <p:spPr>
           <a:xfrm>
             <a:off x="2004950" y="1406092"/>
-            <a:ext cx="8182099" cy="3939540"/>
+            <a:ext cx="8182099" cy="5093702"/>
           </a:xfrm>
           <a:prstGeom prst="rect">
             <a:avLst/>
@@ -13586,10 +14693,11 @@
           <a:lstStyle/>
           <a:p>
             <a:r>
-              <a:rPr lang="en-PH" sz="2500" b="1" dirty="0">
-                <a:latin typeface="Calibri (Body)"/>
-              </a:rPr>
-              <a:t>Dollar</a:t>
+              <a:rPr lang="en-PH" sz="2500" b="1" i="0" dirty="0">
+                <a:effectLst/>
+                <a:latin typeface="Calibri (Body)"/>
+              </a:rPr>
+              <a:t>Caret</a:t>
             </a:r>
           </a:p>
           <a:p>
@@ -13605,15 +14713,15 @@
                 <a:effectLst/>
                 <a:latin typeface="Calibri (Body)"/>
               </a:rPr>
-              <a:t>Matches at the end of the string the regex pattern is applied to.</a:t>
-            </a:r>
-          </a:p>
-          <a:p>
-            <a:pPr marL="342900" indent="-342900">
-              <a:buFontTx/>
-              <a:buChar char="-"/>
-            </a:pPr>
-            <a:endParaRPr lang="en-US" sz="2500" dirty="0">
+              <a:t>Matches at the start of the string the regex pattern is applied to.</a:t>
+            </a:r>
+          </a:p>
+          <a:p>
+            <a:endParaRPr lang="en-US" sz="2500" b="0" i="0" dirty="0">
+              <a:solidFill>
+                <a:srgbClr val="000000"/>
+              </a:solidFill>
+              <a:effectLst/>
               <a:latin typeface="Calibri (Body)"/>
             </a:endParaRPr>
           </a:p>
@@ -13622,22 +14730,7 @@
               <a:rPr lang="en-PH" sz="2500" dirty="0">
                 <a:latin typeface="Calibri (Body)"/>
               </a:rPr>
-              <a:t>Pattern:</a:t>
-            </a:r>
-            <a:r>
-              <a:rPr lang="en-PH" sz="2500" dirty="0">
-                <a:solidFill>
-                  <a:srgbClr val="FF0000"/>
-                </a:solidFill>
-                <a:latin typeface="Calibri (Body)"/>
-              </a:rPr>
-              <a:t> </a:t>
-            </a:r>
-            <a:r>
-              <a:rPr lang="en-PH" sz="2500" b="1" dirty="0">
-                <a:latin typeface="Calibri (Body)"/>
-              </a:rPr>
-              <a:t>.</a:t>
+              <a:t>Pattern: </a:t>
             </a:r>
             <a:r>
               <a:rPr lang="en-PH" sz="2500" b="1" dirty="0">
@@ -13646,14 +14739,17 @@
                 </a:solidFill>
                 <a:latin typeface="Calibri (Body)"/>
               </a:rPr>
-              <a:t>$</a:t>
+              <a:t>^</a:t>
+            </a:r>
+            <a:r>
+              <a:rPr lang="en-PH" sz="2500" b="1" dirty="0">
+                <a:latin typeface="Calibri (Body)"/>
+              </a:rPr>
+              <a:t>.</a:t>
             </a:r>
           </a:p>
           <a:p>
             <a:endParaRPr lang="en-PH" sz="2500" b="1" dirty="0">
-              <a:solidFill>
-                <a:srgbClr val="FF0000"/>
-              </a:solidFill>
               <a:latin typeface="Calibri (Body)"/>
             </a:endParaRPr>
           </a:p>
@@ -13666,12 +14762,6 @@
             </a:r>
           </a:p>
           <a:p>
-            <a:r>
-              <a:rPr lang="en-PH" sz="2500" dirty="0" err="1">
-                <a:latin typeface="Calibri (Body)"/>
-              </a:rPr>
-              <a:t>ab</a:t>
-            </a:r>
             <a:r>
               <a:rPr lang="en-PH" sz="2500" b="1" dirty="0" err="1">
                 <a:solidFill>
@@ -13679,22 +14769,19 @@
                 </a:solidFill>
                 <a:latin typeface="Calibri (Body)"/>
               </a:rPr>
-              <a:t>c</a:t>
-            </a:r>
-            <a:endParaRPr lang="en-PH" sz="2500" b="1" dirty="0">
-              <a:solidFill>
-                <a:srgbClr val="00B050"/>
-              </a:solidFill>
+              <a:t>a</a:t>
+            </a:r>
+            <a:r>
+              <a:rPr lang="en-PH" sz="2500" dirty="0" err="1">
+                <a:latin typeface="Calibri (Body)"/>
+              </a:rPr>
+              <a:t>bc</a:t>
+            </a:r>
+            <a:endParaRPr lang="en-PH" sz="2500" dirty="0">
               <a:latin typeface="Calibri (Body)"/>
             </a:endParaRPr>
           </a:p>
           <a:p>
-            <a:r>
-              <a:rPr lang="en-PH" sz="2500" dirty="0">
-                <a:latin typeface="Calibri (Body)"/>
-              </a:rPr>
-              <a:t>de</a:t>
-            </a:r>
             <a:r>
               <a:rPr lang="en-PH" sz="2500" b="1" dirty="0">
                 <a:solidFill>
@@ -13702,14 +14789,47 @@
                 </a:solidFill>
                 <a:latin typeface="Calibri (Body)"/>
               </a:rPr>
-              <a:t>f</a:t>
-            </a:r>
+              <a:t>d</a:t>
+            </a:r>
+            <a:r>
+              <a:rPr lang="en-PH" sz="2500" dirty="0">
+                <a:latin typeface="Calibri (Body)"/>
+              </a:rPr>
+              <a:t>ef</a:t>
+            </a:r>
+          </a:p>
+          <a:p>
+            <a:r>
+              <a:rPr lang="en-PH" sz="2500" b="1" dirty="0" err="1">
+                <a:solidFill>
+                  <a:srgbClr val="00B050"/>
+                </a:solidFill>
+                <a:latin typeface="Calibri (Body)"/>
+              </a:rPr>
+              <a:t>g</a:t>
+            </a:r>
+            <a:r>
+              <a:rPr lang="en-PH" sz="2500" dirty="0" err="1">
+                <a:latin typeface="Calibri (Body)"/>
+              </a:rPr>
+              <a:t>hi</a:t>
+            </a:r>
+            <a:endParaRPr lang="en-PH" sz="2500" dirty="0">
+              <a:latin typeface="Calibri (Body)"/>
+            </a:endParaRPr>
           </a:p>
           <a:p>
             <a:endParaRPr lang="en-PH" sz="2500" b="1" dirty="0">
-              <a:solidFill>
-                <a:srgbClr val="FF0000"/>
-              </a:solidFill>
+              <a:latin typeface="Calibri (Body)"/>
+            </a:endParaRPr>
+          </a:p>
+          <a:p>
+            <a:endParaRPr lang="en-PH" sz="2500" b="1" dirty="0">
+              <a:latin typeface="Calibri (Body)"/>
+            </a:endParaRPr>
+          </a:p>
+          <a:p>
+            <a:endParaRPr lang="en-PH" sz="2500" b="1" dirty="0">
               <a:latin typeface="Calibri (Body)"/>
             </a:endParaRPr>
           </a:p>
@@ -13718,7 +14838,7 @@
     </p:spTree>
     <p:extLst>
       <p:ext uri="{BB962C8B-B14F-4D97-AF65-F5344CB8AC3E}">
-        <p14:creationId xmlns:p14="http://schemas.microsoft.com/office/powerpoint/2010/main" val="184166074"/>
+        <p14:creationId xmlns:p14="http://schemas.microsoft.com/office/powerpoint/2010/main" val="3611648984"/>
       </p:ext>
     </p:extLst>
   </p:cSld>
@@ -13790,7 +14910,7 @@
           <a:p>
             <a:r>
               <a:rPr lang="en-PH" sz="5400" b="1" dirty="0"/>
-              <a:t>Word Boundary</a:t>
+              <a:t>Anchors</a:t>
             </a:r>
             <a:endParaRPr lang="en-PH" sz="5000" b="1" dirty="0"/>
           </a:p>
@@ -14034,8 +15154,8 @@
         </p:nvSpPr>
         <p:spPr>
           <a:xfrm>
-            <a:off x="2004950" y="1210319"/>
-            <a:ext cx="8182099" cy="3554819"/>
+            <a:off x="2004950" y="1406092"/>
+            <a:ext cx="8182099" cy="4324261"/>
           </a:xfrm>
           <a:prstGeom prst="rect">
             <a:avLst/>
@@ -14052,12 +15172,8 @@
               <a:rPr lang="en-PH" sz="2500" b="1" dirty="0">
                 <a:latin typeface="Calibri (Body)"/>
               </a:rPr>
-              <a:t>Word Boundary</a:t>
-            </a:r>
-            <a:endParaRPr lang="en-PH" sz="2500" b="1" i="0" dirty="0">
-              <a:effectLst/>
-              <a:latin typeface="Calibri (Body)"/>
-            </a:endParaRPr>
+              <a:t>Dollar</a:t>
+            </a:r>
           </a:p>
           <a:p>
             <a:pPr marL="342900" indent="-342900">
@@ -14072,39 +15188,55 @@
                 <a:effectLst/>
                 <a:latin typeface="Calibri (Body)"/>
               </a:rPr>
-              <a:t>Matches at a position that is followed by a word character but not preceded by a word character.</a:t>
-            </a:r>
-          </a:p>
-          <a:p>
-            <a:endParaRPr lang="en-US" sz="2500" b="0" i="0" dirty="0">
-              <a:solidFill>
-                <a:srgbClr val="000000"/>
-              </a:solidFill>
-              <a:effectLst/>
-              <a:latin typeface="Calibri (Body)"/>
-            </a:endParaRPr>
-          </a:p>
-          <a:p>
+              <a:t>Matches at the end of the string the regex pattern is applied to.</a:t>
+            </a:r>
+          </a:p>
+          <a:p>
+            <a:pPr marL="342900" indent="-342900">
+              <a:buFontTx/>
+              <a:buChar char="-"/>
+            </a:pPr>
             <a:endParaRPr lang="en-US" sz="2500" dirty="0">
               <a:latin typeface="Calibri (Body)"/>
             </a:endParaRPr>
           </a:p>
           <a:p>
             <a:r>
-              <a:rPr lang="en-PH" sz="2500" dirty="0"/>
-              <a:t>Pattern: </a:t>
+              <a:rPr lang="en-PH" sz="2500" dirty="0">
+                <a:latin typeface="Calibri (Body)"/>
+              </a:rPr>
+              <a:t>Pattern:</a:t>
+            </a:r>
+            <a:r>
+              <a:rPr lang="en-PH" sz="2500" dirty="0">
+                <a:solidFill>
+                  <a:srgbClr val="FF0000"/>
+                </a:solidFill>
+                <a:latin typeface="Calibri (Body)"/>
+              </a:rPr>
+              <a:t> </a:t>
+            </a:r>
+            <a:r>
+              <a:rPr lang="en-PH" sz="2500" b="1" dirty="0">
+                <a:latin typeface="Calibri (Body)"/>
+              </a:rPr>
+              <a:t>.</a:t>
             </a:r>
             <a:r>
               <a:rPr lang="en-PH" sz="2500" b="1" dirty="0">
                 <a:solidFill>
                   <a:srgbClr val="FF0000"/>
                 </a:solidFill>
-              </a:rPr>
-              <a:t>\b.</a:t>
+                <a:latin typeface="Calibri (Body)"/>
+              </a:rPr>
+              <a:t>$</a:t>
             </a:r>
           </a:p>
           <a:p>
             <a:endParaRPr lang="en-PH" sz="2500" b="1" dirty="0">
+              <a:solidFill>
+                <a:srgbClr val="FF0000"/>
+              </a:solidFill>
               <a:latin typeface="Calibri (Body)"/>
             </a:endParaRPr>
           </a:p>
@@ -14117,6 +15249,12 @@
             </a:r>
           </a:p>
           <a:p>
+            <a:r>
+              <a:rPr lang="en-PH" sz="2500" dirty="0" err="1">
+                <a:latin typeface="Calibri (Body)"/>
+              </a:rPr>
+              <a:t>ab</a:t>
+            </a:r>
             <a:r>
               <a:rPr lang="en-PH" sz="2500" b="1" dirty="0" err="1">
                 <a:solidFill>
@@ -14124,19 +15262,21 @@
                 </a:solidFill>
                 <a:latin typeface="Calibri (Body)"/>
               </a:rPr>
-              <a:t>a</a:t>
-            </a:r>
-            <a:r>
-              <a:rPr lang="en-PH" sz="2500" dirty="0" err="1">
-                <a:latin typeface="Calibri (Body)"/>
-              </a:rPr>
-              <a:t>bc</a:t>
-            </a:r>
+              <a:t>c</a:t>
+            </a:r>
+            <a:endParaRPr lang="en-PH" sz="2500" b="1" dirty="0">
+              <a:solidFill>
+                <a:srgbClr val="00B050"/>
+              </a:solidFill>
+              <a:latin typeface="Calibri (Body)"/>
+            </a:endParaRPr>
+          </a:p>
+          <a:p>
             <a:r>
               <a:rPr lang="en-PH" sz="2500" dirty="0">
                 <a:latin typeface="Calibri (Body)"/>
               </a:rPr>
-              <a:t> </a:t>
+              <a:t>de</a:t>
             </a:r>
             <a:r>
               <a:rPr lang="en-PH" sz="2500" b="1" dirty="0">
@@ -14145,21 +15285,46 @@
                 </a:solidFill>
                 <a:latin typeface="Calibri (Body)"/>
               </a:rPr>
-              <a:t>d</a:t>
-            </a:r>
-            <a:r>
-              <a:rPr lang="en-PH" sz="2500" dirty="0">
-                <a:latin typeface="Calibri (Body)"/>
-              </a:rPr>
-              <a:t>ef</a:t>
-            </a:r>
+              <a:t>f</a:t>
+            </a:r>
+          </a:p>
+          <a:p>
+            <a:r>
+              <a:rPr lang="en-PH" sz="2500" b="1" dirty="0" err="1">
+                <a:latin typeface="Calibri (Body)"/>
+              </a:rPr>
+              <a:t>gh</a:t>
+            </a:r>
+            <a:r>
+              <a:rPr lang="en-PH" sz="2500" b="1" dirty="0" err="1">
+                <a:solidFill>
+                  <a:srgbClr val="00B050"/>
+                </a:solidFill>
+                <a:latin typeface="Calibri (Body)"/>
+              </a:rPr>
+              <a:t>i</a:t>
+            </a:r>
+            <a:endParaRPr lang="en-PH" sz="2500" b="1" dirty="0">
+              <a:solidFill>
+                <a:srgbClr val="00B050"/>
+              </a:solidFill>
+              <a:latin typeface="Calibri (Body)"/>
+            </a:endParaRPr>
+          </a:p>
+          <a:p>
+            <a:endParaRPr lang="en-PH" sz="2500" b="1" dirty="0">
+              <a:solidFill>
+                <a:srgbClr val="FF0000"/>
+              </a:solidFill>
+              <a:latin typeface="Calibri (Body)"/>
+            </a:endParaRPr>
           </a:p>
         </p:txBody>
       </p:sp>
     </p:spTree>
     <p:extLst>
       <p:ext uri="{BB962C8B-B14F-4D97-AF65-F5344CB8AC3E}">
-        <p14:creationId xmlns:p14="http://schemas.microsoft.com/office/powerpoint/2010/main" val="1138967674"/>
+        <p14:creationId xmlns:p14="http://schemas.microsoft.com/office/powerpoint/2010/main" val="184166074"/>
       </p:ext>
     </p:extLst>
   </p:cSld>
@@ -14476,7 +15641,7 @@
         <p:spPr>
           <a:xfrm>
             <a:off x="2004950" y="1210319"/>
-            <a:ext cx="8182099" cy="3170099"/>
+            <a:ext cx="8182099" cy="3554819"/>
           </a:xfrm>
           <a:prstGeom prst="rect">
             <a:avLst/>
@@ -14493,17 +15658,37 @@
               <a:rPr lang="en-PH" sz="2500" b="1" dirty="0">
                 <a:latin typeface="Calibri (Body)"/>
               </a:rPr>
-              <a:t>Not Word Boundary</a:t>
-            </a:r>
-          </a:p>
-          <a:p>
+              <a:t>Word Boundary</a:t>
+            </a:r>
+            <a:endParaRPr lang="en-PH" sz="2500" b="1" i="0" dirty="0">
+              <a:effectLst/>
+              <a:latin typeface="Calibri (Body)"/>
+            </a:endParaRPr>
+          </a:p>
+          <a:p>
+            <a:pPr marL="342900" indent="-342900">
+              <a:buFontTx/>
+              <a:buChar char="-"/>
+            </a:pPr>
             <a:r>
               <a:rPr lang="en-US" sz="2500" b="0" i="0" dirty="0">
+                <a:solidFill>
+                  <a:srgbClr val="000000"/>
+                </a:solidFill>
                 <a:effectLst/>
                 <a:latin typeface="Calibri (Body)"/>
               </a:rPr>
-              <a:t>Matches any position that is not a word boundary. This matches a position, not a character.</a:t>
-            </a:r>
+              <a:t>Matches at a position that is followed by a word character but not preceded by a word character.</a:t>
+            </a:r>
+          </a:p>
+          <a:p>
+            <a:endParaRPr lang="en-US" sz="2500" b="0" i="0" dirty="0">
+              <a:solidFill>
+                <a:srgbClr val="000000"/>
+              </a:solidFill>
+              <a:effectLst/>
+              <a:latin typeface="Calibri (Body)"/>
+            </a:endParaRPr>
           </a:p>
           <a:p>
             <a:endParaRPr lang="en-US" sz="2500" dirty="0">
@@ -14521,40 +15706,56 @@
                   <a:srgbClr val="FF0000"/>
                 </a:solidFill>
               </a:rPr>
-              <a:t>\B.</a:t>
-            </a:r>
-          </a:p>
-          <a:p>
-            <a:endParaRPr lang="en-PH" sz="2500" dirty="0"/>
-          </a:p>
-          <a:p>
-            <a:r>
-              <a:rPr lang="en-PH" sz="2500" dirty="0"/>
+              <a:t>\b.</a:t>
+            </a:r>
+          </a:p>
+          <a:p>
+            <a:endParaRPr lang="en-PH" sz="2500" b="1" dirty="0">
+              <a:latin typeface="Calibri (Body)"/>
+            </a:endParaRPr>
+          </a:p>
+          <a:p>
+            <a:r>
+              <a:rPr lang="en-PH" sz="2500" dirty="0">
+                <a:latin typeface="Calibri (Body)"/>
+              </a:rPr>
               <a:t>Match:</a:t>
             </a:r>
           </a:p>
           <a:p>
-            <a:r>
-              <a:rPr lang="en-PH" sz="2500" dirty="0" err="1"/>
-              <a:t>a</a:t>
-            </a:r>
             <a:r>
               <a:rPr lang="en-PH" sz="2500" b="1" dirty="0" err="1">
                 <a:solidFill>
                   <a:srgbClr val="00B050"/>
                 </a:solidFill>
+                <a:latin typeface="Calibri (Body)"/>
+              </a:rPr>
+              <a:t>a</a:t>
+            </a:r>
+            <a:r>
+              <a:rPr lang="en-PH" sz="2500" dirty="0" err="1">
+                <a:latin typeface="Calibri (Body)"/>
               </a:rPr>
               <a:t>bc</a:t>
             </a:r>
             <a:r>
-              <a:rPr lang="en-PH" sz="2500" dirty="0"/>
-              <a:t> d</a:t>
+              <a:rPr lang="en-PH" sz="2500" dirty="0">
+                <a:latin typeface="Calibri (Body)"/>
+              </a:rPr>
+              <a:t> </a:t>
             </a:r>
             <a:r>
               <a:rPr lang="en-PH" sz="2500" b="1" dirty="0">
                 <a:solidFill>
                   <a:srgbClr val="00B050"/>
                 </a:solidFill>
+                <a:latin typeface="Calibri (Body)"/>
+              </a:rPr>
+              <a:t>d</a:t>
+            </a:r>
+            <a:r>
+              <a:rPr lang="en-PH" sz="2500" dirty="0">
+                <a:latin typeface="Calibri (Body)"/>
               </a:rPr>
               <a:t>ef</a:t>
             </a:r>
@@ -14564,7 +15765,7 @@
     </p:spTree>
     <p:extLst>
       <p:ext uri="{BB962C8B-B14F-4D97-AF65-F5344CB8AC3E}">
-        <p14:creationId xmlns:p14="http://schemas.microsoft.com/office/powerpoint/2010/main" val="1087783794"/>
+        <p14:creationId xmlns:p14="http://schemas.microsoft.com/office/powerpoint/2010/main" val="1138967674"/>
       </p:ext>
     </p:extLst>
   </p:cSld>
@@ -14636,7 +15837,7 @@
           <a:p>
             <a:r>
               <a:rPr lang="en-PH" sz="5400" b="1" dirty="0"/>
-              <a:t>Groups and References</a:t>
+              <a:t>Word Boundary</a:t>
             </a:r>
             <a:endParaRPr lang="en-PH" sz="5000" b="1" dirty="0"/>
           </a:p>
@@ -14880,8 +16081,8 @@
         </p:nvSpPr>
         <p:spPr>
           <a:xfrm>
-            <a:off x="2004950" y="1620515"/>
-            <a:ext cx="8182099" cy="3785652"/>
+            <a:off x="2004950" y="1210319"/>
+            <a:ext cx="8182099" cy="3170099"/>
           </a:xfrm>
           <a:prstGeom prst="rect">
             <a:avLst/>
@@ -14895,201 +16096,81 @@
           <a:lstStyle/>
           <a:p>
             <a:r>
-              <a:rPr lang="en-PH" sz="2000" b="1" dirty="0">
-                <a:latin typeface="Calibri Light (Body)"/>
-              </a:rPr>
-              <a:t>Capturing Group </a:t>
-            </a:r>
-            <a:r>
-              <a:rPr lang="en-PH" sz="2000" dirty="0">
-                <a:latin typeface="Calibri Light (Body)"/>
-              </a:rPr>
-              <a:t>			</a:t>
-            </a:r>
-          </a:p>
-          <a:p>
-            <a:pPr marL="342900" indent="-342900">
-              <a:buFontTx/>
-              <a:buChar char="-"/>
-            </a:pPr>
-            <a:r>
-              <a:rPr lang="en-US" sz="2000" b="0" i="0" dirty="0">
-                <a:solidFill>
-                  <a:srgbClr val="000000"/>
-                </a:solidFill>
+              <a:rPr lang="en-PH" sz="2500" b="1" dirty="0">
+                <a:latin typeface="Calibri (Body)"/>
+              </a:rPr>
+              <a:t>Not Word Boundary</a:t>
+            </a:r>
+          </a:p>
+          <a:p>
+            <a:r>
+              <a:rPr lang="en-US" sz="2500" b="0" i="0" dirty="0">
                 <a:effectLst/>
-                <a:latin typeface="Calibri Light (Body)"/>
-              </a:rPr>
-              <a:t>They capture the text matched by the regex inside them into a numbered group that can be reused with a numbered backreference. They allow you to apply regex operators to the entire grouped regex.</a:t>
-            </a:r>
-          </a:p>
-          <a:p>
-            <a:endParaRPr lang="en-PH" sz="2000" dirty="0">
-              <a:latin typeface="Calibri Light (Body)"/>
-            </a:endParaRPr>
-          </a:p>
-          <a:p>
-            <a:r>
-              <a:rPr lang="en-PH" sz="2000" dirty="0">
-                <a:latin typeface="Calibri Light (Body)"/>
-              </a:rPr>
-              <a:t>Pattern:</a:t>
-            </a:r>
-            <a:r>
-              <a:rPr lang="en-PH" sz="2000" dirty="0">
+                <a:latin typeface="Calibri (Body)"/>
+              </a:rPr>
+              <a:t>Matches any position that is not a word boundary. This matches a position, not a character.</a:t>
+            </a:r>
+          </a:p>
+          <a:p>
+            <a:endParaRPr lang="en-US" sz="2500" dirty="0">
+              <a:latin typeface="Calibri (Body)"/>
+            </a:endParaRPr>
+          </a:p>
+          <a:p>
+            <a:r>
+              <a:rPr lang="en-PH" sz="2500" dirty="0"/>
+              <a:t>Pattern: </a:t>
+            </a:r>
+            <a:r>
+              <a:rPr lang="en-PH" sz="2500" b="1" dirty="0">
                 <a:solidFill>
                   <a:srgbClr val="FF0000"/>
                 </a:solidFill>
-                <a:latin typeface="Calibri Light (Body)"/>
-              </a:rPr>
-              <a:t> </a:t>
-            </a:r>
-            <a:r>
-              <a:rPr lang="en-PH" sz="2000" b="1" dirty="0">
-                <a:solidFill>
-                  <a:srgbClr val="FF0000"/>
-                </a:solidFill>
-                <a:latin typeface="Calibri Light (Body)"/>
-              </a:rPr>
-              <a:t>(</a:t>
-            </a:r>
-            <a:r>
-              <a:rPr lang="en-PH" sz="2000" b="1" dirty="0">
-                <a:latin typeface="Calibri Light (Body)"/>
-              </a:rPr>
-              <a:t>go</a:t>
-            </a:r>
-            <a:r>
-              <a:rPr lang="en-PH" sz="2000" b="1" dirty="0">
-                <a:solidFill>
-                  <a:srgbClr val="FF0000"/>
-                </a:solidFill>
-                <a:latin typeface="Calibri Light (Body)"/>
-              </a:rPr>
-              <a:t>)</a:t>
-            </a:r>
-            <a:r>
-              <a:rPr lang="en-PH" sz="2000" b="1" dirty="0">
-                <a:latin typeface="Calibri Light (Body)"/>
-              </a:rPr>
-              <a:t>+</a:t>
-            </a:r>
-          </a:p>
-          <a:p>
-            <a:r>
-              <a:rPr lang="en-PH" sz="2000" b="1" dirty="0">
+              </a:rPr>
+              <a:t>\B.</a:t>
+            </a:r>
+          </a:p>
+          <a:p>
+            <a:endParaRPr lang="en-PH" sz="2500" dirty="0"/>
+          </a:p>
+          <a:p>
+            <a:r>
+              <a:rPr lang="en-PH" sz="2500" dirty="0"/>
+              <a:t>Match:</a:t>
+            </a:r>
+          </a:p>
+          <a:p>
+            <a:r>
+              <a:rPr lang="en-PH" sz="2500" dirty="0" err="1"/>
+              <a:t>a</a:t>
+            </a:r>
+            <a:r>
+              <a:rPr lang="en-PH" sz="2500" b="1" dirty="0" err="1">
                 <a:solidFill>
                   <a:srgbClr val="00B050"/>
                 </a:solidFill>
-                <a:latin typeface="Calibri Light (Body)"/>
-              </a:rPr>
-              <a:t>go</a:t>
-            </a:r>
-          </a:p>
-          <a:p>
-            <a:r>
-              <a:rPr lang="en-PH" sz="2000" b="1" dirty="0" err="1">
+              </a:rPr>
+              <a:t>bc</a:t>
+            </a:r>
+            <a:r>
+              <a:rPr lang="en-PH" sz="2500" dirty="0"/>
+              <a:t> d</a:t>
+            </a:r>
+            <a:r>
+              <a:rPr lang="en-PH" sz="2500" b="1" dirty="0">
                 <a:solidFill>
                   <a:srgbClr val="00B050"/>
                 </a:solidFill>
-                <a:latin typeface="Calibri Light (Body)"/>
-              </a:rPr>
-              <a:t>gogo</a:t>
-            </a:r>
-            <a:endParaRPr lang="en-PH" sz="2000" b="1" dirty="0">
-              <a:solidFill>
-                <a:srgbClr val="00B050"/>
-              </a:solidFill>
-              <a:latin typeface="Calibri Light (Body)"/>
-            </a:endParaRPr>
-          </a:p>
-          <a:p>
-            <a:r>
-              <a:rPr lang="en-PH" sz="2000" b="1" dirty="0" err="1">
-                <a:solidFill>
-                  <a:srgbClr val="00B050"/>
-                </a:solidFill>
-                <a:latin typeface="Calibri Light (Body)"/>
-              </a:rPr>
-              <a:t>gogogo</a:t>
-            </a:r>
-            <a:endParaRPr lang="en-PH" sz="2000" b="1" dirty="0">
-              <a:solidFill>
-                <a:srgbClr val="00B050"/>
-              </a:solidFill>
-              <a:latin typeface="Calibri Light (Body)"/>
-            </a:endParaRPr>
-          </a:p>
-          <a:p>
-            <a:endParaRPr lang="en-PH" sz="2000" b="1" dirty="0">
-              <a:solidFill>
-                <a:srgbClr val="00B050"/>
-              </a:solidFill>
-              <a:latin typeface="Calibri Light (Body)"/>
-            </a:endParaRPr>
-          </a:p>
-          <a:p>
-            <a:r>
-              <a:rPr lang="en-US" sz="2000" b="1" dirty="0">
-                <a:latin typeface="Calibri Light (Body)"/>
-              </a:rPr>
-              <a:t>Note: Without parentheses, the pattern </a:t>
-            </a:r>
-            <a:r>
-              <a:rPr lang="en-US" sz="2000" b="1" dirty="0">
-                <a:solidFill>
-                  <a:srgbClr val="FF0000"/>
-                </a:solidFill>
-                <a:latin typeface="Calibri Light (Body)"/>
-              </a:rPr>
-              <a:t>go+ </a:t>
-            </a:r>
-            <a:r>
-              <a:rPr lang="en-US" sz="2000" b="1" dirty="0">
-                <a:latin typeface="Calibri Light (Body)"/>
-              </a:rPr>
-              <a:t>means g character, followed by o repeated one or more times. For instance, </a:t>
-            </a:r>
-            <a:r>
-              <a:rPr lang="en-US" sz="2000" b="1" dirty="0" err="1">
-                <a:solidFill>
-                  <a:srgbClr val="00B050"/>
-                </a:solidFill>
-                <a:latin typeface="Calibri Light (Body)"/>
-              </a:rPr>
-              <a:t>goooo</a:t>
-            </a:r>
-            <a:r>
-              <a:rPr lang="en-US" sz="2000" b="1" dirty="0">
-                <a:latin typeface="Calibri Light (Body)"/>
-              </a:rPr>
-              <a:t> or </a:t>
-            </a:r>
-            <a:r>
-              <a:rPr lang="en-US" sz="2000" b="1" dirty="0" err="1">
-                <a:solidFill>
-                  <a:srgbClr val="00B050"/>
-                </a:solidFill>
-                <a:latin typeface="Calibri Light (Body)"/>
-              </a:rPr>
-              <a:t>gooooooooo</a:t>
-            </a:r>
-            <a:r>
-              <a:rPr lang="en-US" sz="2000" b="1" dirty="0">
-                <a:latin typeface="Calibri Light (Body)"/>
-              </a:rPr>
-              <a:t>.</a:t>
-            </a:r>
-            <a:endParaRPr lang="en-PH" sz="2000" b="1" dirty="0">
-              <a:latin typeface="Calibri Light (Body)"/>
-            </a:endParaRPr>
+              </a:rPr>
+              <a:t>ef</a:t>
+            </a:r>
           </a:p>
         </p:txBody>
       </p:sp>
     </p:spTree>
     <p:extLst>
       <p:ext uri="{BB962C8B-B14F-4D97-AF65-F5344CB8AC3E}">
-        <p14:creationId xmlns:p14="http://schemas.microsoft.com/office/powerpoint/2010/main" val="1879970539"/>
+        <p14:creationId xmlns:p14="http://schemas.microsoft.com/office/powerpoint/2010/main" val="1087783794"/>
       </p:ext>
     </p:extLst>
   </p:cSld>
@@ -15161,7 +16242,7 @@
           <a:p>
             <a:r>
               <a:rPr lang="en-PH" sz="5400" b="1" dirty="0"/>
-              <a:t>Groups and References</a:t>
+              <a:t>Capture Group</a:t>
             </a:r>
             <a:endParaRPr lang="en-PH" sz="5000" b="1" dirty="0"/>
           </a:p>
@@ -15405,8 +16486,8 @@
         </p:nvSpPr>
         <p:spPr>
           <a:xfrm>
-            <a:off x="2004950" y="1620515"/>
-            <a:ext cx="8182099" cy="3554819"/>
+            <a:off x="2004950" y="1413835"/>
+            <a:ext cx="8182099" cy="3170099"/>
           </a:xfrm>
           <a:prstGeom prst="rect">
             <a:avLst/>
@@ -15423,7 +16504,7 @@
               <a:rPr lang="en-PH" sz="2500" b="1" dirty="0">
                 <a:latin typeface="Calibri (Body)"/>
               </a:rPr>
-              <a:t>Backreference</a:t>
+              <a:t>Capture Group </a:t>
             </a:r>
             <a:r>
               <a:rPr lang="en-PH" sz="2500" dirty="0">
@@ -15439,10 +16520,13 @@
             </a:pPr>
             <a:r>
               <a:rPr lang="en-US" sz="2500" b="0" i="0" dirty="0">
+                <a:solidFill>
+                  <a:srgbClr val="000000"/>
+                </a:solidFill>
                 <a:effectLst/>
                 <a:latin typeface="Calibri (Body)"/>
               </a:rPr>
-              <a:t>Matches the results of a capture group.</a:t>
+              <a:t>They capture the text matched by the regex inside them into a numbered group that can be reused with a numbered backreference. They allow you to apply regex operators to the entire grouped regex.</a:t>
             </a:r>
           </a:p>
           <a:p>
@@ -15452,106 +16536,30 @@
             </a:pPr>
             <a:endParaRPr lang="en-US" sz="2500" b="0" i="0" dirty="0">
               <a:solidFill>
-                <a:srgbClr val="B7BCC0"/>
+                <a:srgbClr val="000000"/>
               </a:solidFill>
               <a:effectLst/>
               <a:latin typeface="Calibri (Body)"/>
             </a:endParaRPr>
           </a:p>
           <a:p>
-            <a:r>
-              <a:rPr lang="en-PH" sz="2500" dirty="0">
-                <a:latin typeface="Calibri (Body)"/>
-              </a:rPr>
-              <a:t>Pattern:</a:t>
-            </a:r>
-            <a:r>
-              <a:rPr lang="en-PH" sz="2500" dirty="0">
+            <a:pPr marL="342900" indent="-342900">
+              <a:buFontTx/>
+              <a:buChar char="-"/>
+            </a:pPr>
+            <a:r>
+              <a:rPr lang="en-US" sz="2500" b="0" i="0" dirty="0">
                 <a:solidFill>
-                  <a:srgbClr val="FF0000"/>
+                  <a:srgbClr val="000000"/>
                 </a:solidFill>
-                <a:latin typeface="Calibri (Body)"/>
-              </a:rPr>
-              <a:t> </a:t>
-            </a:r>
-            <a:r>
-              <a:rPr lang="en-PH" sz="2500" dirty="0">
-                <a:latin typeface="Calibri (Body)"/>
-              </a:rPr>
-              <a:t>(group1)(group2)</a:t>
-            </a:r>
-            <a:r>
-              <a:rPr lang="en-PH" sz="2500" b="1" dirty="0">
-                <a:solidFill>
-                  <a:srgbClr val="FF0000"/>
-                </a:solidFill>
-                <a:latin typeface="Calibri (Body)"/>
-              </a:rPr>
-              <a:t>\1\2</a:t>
-            </a:r>
-            <a:endParaRPr lang="en-PH" sz="2500" b="1" dirty="0">
-              <a:latin typeface="Calibri (Body)"/>
-            </a:endParaRPr>
+                <a:effectLst/>
+                <a:latin typeface="Calibri (Body)"/>
+              </a:rPr>
+              <a:t>The capture group construct is a pair of parentheses.</a:t>
+            </a:r>
           </a:p>
           <a:p>
             <a:endParaRPr lang="en-PH" sz="2500" dirty="0">
-              <a:latin typeface="Calibri (Body)"/>
-            </a:endParaRPr>
-          </a:p>
-          <a:p>
-            <a:r>
-              <a:rPr lang="en-PH" sz="2500" b="1" dirty="0">
-                <a:solidFill>
-                  <a:srgbClr val="00B050"/>
-                </a:solidFill>
-                <a:latin typeface="Calibri (Body)"/>
-              </a:rPr>
-              <a:t>group1group2group1group2</a:t>
-            </a:r>
-          </a:p>
-          <a:p>
-            <a:endParaRPr lang="en-PH" sz="2500" b="1" dirty="0">
-              <a:solidFill>
-                <a:srgbClr val="00B050"/>
-              </a:solidFill>
-              <a:latin typeface="Calibri (Body)"/>
-            </a:endParaRPr>
-          </a:p>
-          <a:p>
-            <a:r>
-              <a:rPr lang="en-US" sz="2500" b="1" dirty="0">
-                <a:latin typeface="Calibri (Body)"/>
-              </a:rPr>
-              <a:t>Note: The first capture group is designated as </a:t>
-            </a:r>
-            <a:r>
-              <a:rPr lang="en-US" sz="2500" b="1" dirty="0">
-                <a:solidFill>
-                  <a:srgbClr val="FF0000"/>
-                </a:solidFill>
-                <a:latin typeface="Calibri (Body)"/>
-              </a:rPr>
-              <a:t>\1 </a:t>
-            </a:r>
-            <a:r>
-              <a:rPr lang="en-US" sz="2500" b="1" dirty="0">
-                <a:latin typeface="Calibri (Body)"/>
-              </a:rPr>
-              <a:t>and the second capture group designated as </a:t>
-            </a:r>
-            <a:r>
-              <a:rPr lang="en-US" sz="2500" b="1" dirty="0">
-                <a:solidFill>
-                  <a:srgbClr val="FF0000"/>
-                </a:solidFill>
-                <a:latin typeface="Calibri (Body)"/>
-              </a:rPr>
-              <a:t>\2</a:t>
-            </a:r>
-            <a:endParaRPr lang="en-PH" sz="2500" b="1" dirty="0">
-              <a:solidFill>
-                <a:srgbClr val="FF0000"/>
-              </a:solidFill>
               <a:latin typeface="Calibri (Body)"/>
             </a:endParaRPr>
           </a:p>
@@ -15560,7 +16568,7 @@
     </p:spTree>
     <p:extLst>
       <p:ext uri="{BB962C8B-B14F-4D97-AF65-F5344CB8AC3E}">
-        <p14:creationId xmlns:p14="http://schemas.microsoft.com/office/powerpoint/2010/main" val="2476565235"/>
+        <p14:creationId xmlns:p14="http://schemas.microsoft.com/office/powerpoint/2010/main" val="1879970539"/>
       </p:ext>
     </p:extLst>
   </p:cSld>
@@ -15695,6 +16703,4646 @@
 </p:sld>
 </file>
 
+<file path=ppt/slides/slide30.xml><?xml version="1.0" encoding="utf-8"?>
+<p:sld xmlns:a="http://schemas.openxmlformats.org/drawingml/2006/main" xmlns:r="http://schemas.openxmlformats.org/officeDocument/2006/relationships" xmlns:p="http://schemas.openxmlformats.org/presentationml/2006/main">
+  <p:cSld>
+    <p:bg>
+      <p:bgPr>
+        <a:blipFill dpi="0" rotWithShape="1">
+          <a:blip r:embed="rId3">
+            <a:alphaModFix amt="99000"/>
+            <a:lum/>
+          </a:blip>
+          <a:srcRect/>
+          <a:stretch>
+            <a:fillRect t="89000" r="85000" b="-1000"/>
+          </a:stretch>
+        </a:blipFill>
+        <a:effectLst/>
+      </p:bgPr>
+    </p:bg>
+    <p:spTree>
+      <p:nvGrpSpPr>
+        <p:cNvPr id="1" name=""/>
+        <p:cNvGrpSpPr/>
+        <p:nvPr/>
+      </p:nvGrpSpPr>
+      <p:grpSpPr>
+        <a:xfrm>
+          <a:off x="0" y="0"/>
+          <a:ext cx="0" cy="0"/>
+          <a:chOff x="0" y="0"/>
+          <a:chExt cx="0" cy="0"/>
+        </a:xfrm>
+      </p:grpSpPr>
+      <p:sp>
+        <p:nvSpPr>
+          <p:cNvPr id="2" name="Title 1">
+            <a:extLst>
+              <a:ext uri="{FF2B5EF4-FFF2-40B4-BE49-F238E27FC236}">
+                <a16:creationId xmlns:a16="http://schemas.microsoft.com/office/drawing/2014/main" id="{6A3DCE86-C2BA-4713-9E7A-73589E8D6CCF}"/>
+              </a:ext>
+            </a:extLst>
+          </p:cNvPr>
+          <p:cNvSpPr>
+            <a:spLocks noGrp="1"/>
+          </p:cNvSpPr>
+          <p:nvPr>
+            <p:ph type="ctrTitle"/>
+          </p:nvPr>
+        </p:nvSpPr>
+        <p:spPr>
+          <a:xfrm>
+            <a:off x="1524000" y="497150"/>
+            <a:ext cx="9144000" cy="718459"/>
+          </a:xfrm>
+        </p:spPr>
+        <p:txBody>
+          <a:bodyPr>
+            <a:noAutofit/>
+          </a:bodyPr>
+          <a:lstStyle/>
+          <a:p>
+            <a:r>
+              <a:rPr lang="en-PH" sz="5400" b="1" dirty="0"/>
+              <a:t>Capture Group</a:t>
+            </a:r>
+            <a:endParaRPr lang="en-PH" sz="5000" b="1" dirty="0"/>
+          </a:p>
+        </p:txBody>
+      </p:sp>
+      <p:sp>
+        <p:nvSpPr>
+          <p:cNvPr id="4" name="Footer Placeholder 3">
+            <a:extLst>
+              <a:ext uri="{FF2B5EF4-FFF2-40B4-BE49-F238E27FC236}">
+                <a16:creationId xmlns:a16="http://schemas.microsoft.com/office/drawing/2014/main" id="{638E7DE1-45EE-476A-A474-0F3C264AEDA3}"/>
+              </a:ext>
+            </a:extLst>
+          </p:cNvPr>
+          <p:cNvSpPr>
+            <a:spLocks noGrp="1"/>
+          </p:cNvSpPr>
+          <p:nvPr>
+            <p:ph type="ftr" sz="quarter" idx="11"/>
+          </p:nvPr>
+        </p:nvSpPr>
+        <p:spPr>
+          <a:xfrm>
+            <a:off x="0" y="6139541"/>
+            <a:ext cx="12192000" cy="718459"/>
+          </a:xfrm>
+          <a:ln w="28575">
+            <a:solidFill>
+              <a:schemeClr val="accent5">
+                <a:lumMod val="50000"/>
+              </a:schemeClr>
+            </a:solidFill>
+          </a:ln>
+        </p:spPr>
+        <p:txBody>
+          <a:bodyPr/>
+          <a:lstStyle/>
+          <a:p>
+            <a:pPr algn="r"/>
+            <a:r>
+              <a:rPr lang="en-PH" b="1" dirty="0">
+                <a:solidFill>
+                  <a:schemeClr val="tx1"/>
+                </a:solidFill>
+              </a:rPr>
+              <a:t>CCPRGG2L – Intermediate Programming</a:t>
+            </a:r>
+          </a:p>
+        </p:txBody>
+      </p:sp>
+      <p:sp>
+        <p:nvSpPr>
+          <p:cNvPr id="3" name="Title 1">
+            <a:extLst>
+              <a:ext uri="{FF2B5EF4-FFF2-40B4-BE49-F238E27FC236}">
+                <a16:creationId xmlns:a16="http://schemas.microsoft.com/office/drawing/2014/main" id="{6C30C3FD-9F67-8E4D-274C-38222F46C4C5}"/>
+              </a:ext>
+            </a:extLst>
+          </p:cNvPr>
+          <p:cNvSpPr txBox="1">
+            <a:spLocks/>
+          </p:cNvSpPr>
+          <p:nvPr/>
+        </p:nvSpPr>
+        <p:spPr>
+          <a:xfrm>
+            <a:off x="1524000" y="1516449"/>
+            <a:ext cx="9144000" cy="4290585"/>
+          </a:xfrm>
+          <a:prstGeom prst="rect">
+            <a:avLst/>
+          </a:prstGeom>
+        </p:spPr>
+        <p:txBody>
+          <a:bodyPr vert="horz" lIns="91440" tIns="45720" rIns="91440" bIns="45720" rtlCol="0" anchor="b">
+            <a:normAutofit fontScale="97500"/>
+          </a:bodyPr>
+          <a:lstStyle>
+            <a:lvl1pPr algn="ctr" defTabSz="914400" rtl="0" eaLnBrk="1" latinLnBrk="0" hangingPunct="1">
+              <a:lnSpc>
+                <a:spcPct val="90000"/>
+              </a:lnSpc>
+              <a:spcBef>
+                <a:spcPct val="0"/>
+              </a:spcBef>
+              <a:buNone/>
+              <a:defRPr sz="6000" kern="1200">
+                <a:solidFill>
+                  <a:schemeClr val="tx1"/>
+                </a:solidFill>
+                <a:latin typeface="+mj-lt"/>
+                <a:ea typeface="+mj-ea"/>
+                <a:cs typeface="+mj-cs"/>
+              </a:defRPr>
+            </a:lvl1pPr>
+          </a:lstStyle>
+          <a:p>
+            <a:pPr algn="l"/>
+            <a:endParaRPr lang="en-PH" sz="2600" dirty="0">
+              <a:latin typeface="Consolas" panose="020B0609020204030204" pitchFamily="49" charset="0"/>
+            </a:endParaRPr>
+          </a:p>
+          <a:p>
+            <a:pPr algn="l"/>
+            <a:r>
+              <a:rPr lang="en-PH" sz="2600" b="0" dirty="0">
+                <a:effectLst/>
+                <a:latin typeface="Consolas" panose="020B0609020204030204" pitchFamily="49" charset="0"/>
+              </a:rPr>
+              <a:t>                         </a:t>
+            </a:r>
+          </a:p>
+          <a:p>
+            <a:pPr algn="l"/>
+            <a:r>
+              <a:rPr lang="en-PH" sz="2600" b="0" dirty="0">
+                <a:effectLst/>
+                <a:latin typeface="Consolas" panose="020B0609020204030204" pitchFamily="49" charset="0"/>
+              </a:rPr>
+              <a:t>        </a:t>
+            </a:r>
+          </a:p>
+          <a:p>
+            <a:pPr algn="l"/>
+            <a:endParaRPr lang="en-PH" sz="2600" b="0" dirty="0">
+              <a:effectLst/>
+              <a:latin typeface="Consolas" panose="020B0609020204030204" pitchFamily="49" charset="0"/>
+            </a:endParaRPr>
+          </a:p>
+          <a:p>
+            <a:pPr algn="l"/>
+            <a:endParaRPr lang="en-PH" sz="2000" dirty="0">
+              <a:latin typeface="Consolas" panose="020B0609020204030204" pitchFamily="49" charset="0"/>
+            </a:endParaRPr>
+          </a:p>
+          <a:p>
+            <a:pPr algn="l"/>
+            <a:endParaRPr lang="en-PH" sz="2000" b="0" dirty="0">
+              <a:effectLst/>
+              <a:latin typeface="Consolas" panose="020B0609020204030204" pitchFamily="49" charset="0"/>
+            </a:endParaRPr>
+          </a:p>
+          <a:p>
+            <a:pPr algn="l"/>
+            <a:endParaRPr lang="en-PH" sz="2000" dirty="0">
+              <a:latin typeface="Consolas" panose="020B0609020204030204" pitchFamily="49" charset="0"/>
+            </a:endParaRPr>
+          </a:p>
+          <a:p>
+            <a:pPr algn="l"/>
+            <a:endParaRPr lang="en-PH" sz="2000" b="0" dirty="0">
+              <a:effectLst/>
+              <a:latin typeface="Consolas" panose="020B0609020204030204" pitchFamily="49" charset="0"/>
+            </a:endParaRPr>
+          </a:p>
+          <a:p>
+            <a:pPr algn="l"/>
+            <a:endParaRPr lang="en-PH" sz="2000" dirty="0">
+              <a:latin typeface="Consolas" panose="020B0609020204030204" pitchFamily="49" charset="0"/>
+            </a:endParaRPr>
+          </a:p>
+          <a:p>
+            <a:pPr algn="l"/>
+            <a:endParaRPr lang="en-PH" sz="2000" b="0" dirty="0">
+              <a:effectLst/>
+              <a:latin typeface="Consolas" panose="020B0609020204030204" pitchFamily="49" charset="0"/>
+            </a:endParaRPr>
+          </a:p>
+          <a:p>
+            <a:pPr algn="l"/>
+            <a:endParaRPr lang="en-PH" sz="2000" b="0" dirty="0">
+              <a:effectLst/>
+              <a:latin typeface="Consolas" panose="020B0609020204030204" pitchFamily="49" charset="0"/>
+            </a:endParaRPr>
+          </a:p>
+          <a:p>
+            <a:pPr algn="l"/>
+            <a:endParaRPr lang="en-PH" sz="2000" dirty="0">
+              <a:latin typeface="Consolas" panose="020B0609020204030204" pitchFamily="49" charset="0"/>
+            </a:endParaRPr>
+          </a:p>
+          <a:p>
+            <a:pPr algn="l"/>
+            <a:endParaRPr lang="en-PH" sz="2000" b="0" dirty="0">
+              <a:effectLst/>
+              <a:latin typeface="Consolas" panose="020B0609020204030204" pitchFamily="49" charset="0"/>
+            </a:endParaRPr>
+          </a:p>
+          <a:p>
+            <a:pPr algn="l"/>
+            <a:endParaRPr lang="en-PH" sz="2000" b="0" dirty="0">
+              <a:effectLst/>
+              <a:latin typeface="Consolas" panose="020B0609020204030204" pitchFamily="49" charset="0"/>
+            </a:endParaRPr>
+          </a:p>
+        </p:txBody>
+      </p:sp>
+      <p:sp>
+        <p:nvSpPr>
+          <p:cNvPr id="13" name="TextBox 12">
+            <a:extLst>
+              <a:ext uri="{FF2B5EF4-FFF2-40B4-BE49-F238E27FC236}">
+                <a16:creationId xmlns:a16="http://schemas.microsoft.com/office/drawing/2014/main" id="{3900C14F-041A-7E06-AEB2-454CF583C656}"/>
+              </a:ext>
+            </a:extLst>
+          </p:cNvPr>
+          <p:cNvSpPr txBox="1"/>
+          <p:nvPr/>
+        </p:nvSpPr>
+        <p:spPr>
+          <a:xfrm>
+            <a:off x="1294271" y="3067065"/>
+            <a:ext cx="787400" cy="369332"/>
+          </a:xfrm>
+          <a:prstGeom prst="rect">
+            <a:avLst/>
+          </a:prstGeom>
+          <a:noFill/>
+        </p:spPr>
+        <p:txBody>
+          <a:bodyPr wrap="square" rtlCol="0">
+            <a:spAutoFit/>
+          </a:bodyPr>
+          <a:lstStyle/>
+          <a:p>
+            <a:endParaRPr lang="en-PH" dirty="0"/>
+          </a:p>
+        </p:txBody>
+      </p:sp>
+      <p:sp>
+        <p:nvSpPr>
+          <p:cNvPr id="14" name="TextBox 13">
+            <a:extLst>
+              <a:ext uri="{FF2B5EF4-FFF2-40B4-BE49-F238E27FC236}">
+                <a16:creationId xmlns:a16="http://schemas.microsoft.com/office/drawing/2014/main" id="{75652A3C-2B5F-3EDF-F7EB-D0C6328EDA8C}"/>
+              </a:ext>
+            </a:extLst>
+          </p:cNvPr>
+          <p:cNvSpPr txBox="1"/>
+          <p:nvPr/>
+        </p:nvSpPr>
+        <p:spPr>
+          <a:xfrm>
+            <a:off x="2004950" y="1413835"/>
+            <a:ext cx="8182099" cy="3939540"/>
+          </a:xfrm>
+          <a:prstGeom prst="rect">
+            <a:avLst/>
+          </a:prstGeom>
+          <a:noFill/>
+        </p:spPr>
+        <p:txBody>
+          <a:bodyPr wrap="square" rtlCol="0">
+            <a:spAutoFit/>
+          </a:bodyPr>
+          <a:lstStyle/>
+          <a:p>
+            <a:r>
+              <a:rPr lang="en-PH" sz="2500" dirty="0">
+                <a:latin typeface="Calibri (Body)"/>
+              </a:rPr>
+              <a:t>Pattern:</a:t>
+            </a:r>
+            <a:r>
+              <a:rPr lang="en-PH" sz="2500" dirty="0">
+                <a:solidFill>
+                  <a:srgbClr val="FF0000"/>
+                </a:solidFill>
+                <a:latin typeface="Calibri (Body)"/>
+              </a:rPr>
+              <a:t> </a:t>
+            </a:r>
+            <a:r>
+              <a:rPr lang="en-PH" sz="2500" b="1" dirty="0">
+                <a:solidFill>
+                  <a:srgbClr val="FF0000"/>
+                </a:solidFill>
+                <a:latin typeface="Calibri (Body)"/>
+              </a:rPr>
+              <a:t>(</a:t>
+            </a:r>
+            <a:r>
+              <a:rPr lang="en-PH" sz="2500" b="1" dirty="0">
+                <a:latin typeface="Calibri (Body)"/>
+              </a:rPr>
+              <a:t>go</a:t>
+            </a:r>
+            <a:r>
+              <a:rPr lang="en-PH" sz="2500" b="1" dirty="0">
+                <a:solidFill>
+                  <a:srgbClr val="FF0000"/>
+                </a:solidFill>
+                <a:latin typeface="Calibri (Body)"/>
+              </a:rPr>
+              <a:t>)</a:t>
+            </a:r>
+            <a:r>
+              <a:rPr lang="en-PH" sz="2500" b="1" dirty="0">
+                <a:latin typeface="Calibri (Body)"/>
+              </a:rPr>
+              <a:t>+</a:t>
+            </a:r>
+          </a:p>
+          <a:p>
+            <a:endParaRPr lang="en-PH" sz="2500" b="1" dirty="0">
+              <a:latin typeface="Calibri (Body)"/>
+            </a:endParaRPr>
+          </a:p>
+          <a:p>
+            <a:r>
+              <a:rPr lang="en-PH" sz="2500" b="1" dirty="0">
+                <a:latin typeface="Calibri (Body)"/>
+              </a:rPr>
+              <a:t>Match:</a:t>
+            </a:r>
+          </a:p>
+          <a:p>
+            <a:r>
+              <a:rPr lang="en-PH" sz="2500" b="1" dirty="0">
+                <a:solidFill>
+                  <a:srgbClr val="00B050"/>
+                </a:solidFill>
+                <a:latin typeface="Calibri (Body)"/>
+              </a:rPr>
+              <a:t>go</a:t>
+            </a:r>
+          </a:p>
+          <a:p>
+            <a:r>
+              <a:rPr lang="en-PH" sz="2500" b="1" dirty="0" err="1">
+                <a:solidFill>
+                  <a:srgbClr val="00B050"/>
+                </a:solidFill>
+                <a:latin typeface="Calibri (Body)"/>
+              </a:rPr>
+              <a:t>gogo</a:t>
+            </a:r>
+            <a:endParaRPr lang="en-PH" sz="2500" b="1" dirty="0">
+              <a:solidFill>
+                <a:srgbClr val="00B050"/>
+              </a:solidFill>
+              <a:latin typeface="Calibri (Body)"/>
+            </a:endParaRPr>
+          </a:p>
+          <a:p>
+            <a:r>
+              <a:rPr lang="en-PH" sz="2500" b="1" dirty="0" err="1">
+                <a:solidFill>
+                  <a:srgbClr val="00B050"/>
+                </a:solidFill>
+                <a:latin typeface="Calibri (Body)"/>
+              </a:rPr>
+              <a:t>gogogo</a:t>
+            </a:r>
+            <a:endParaRPr lang="en-PH" sz="2500" b="1" dirty="0">
+              <a:solidFill>
+                <a:srgbClr val="00B050"/>
+              </a:solidFill>
+              <a:latin typeface="Calibri (Body)"/>
+            </a:endParaRPr>
+          </a:p>
+          <a:p>
+            <a:endParaRPr lang="en-PH" sz="2500" b="1" dirty="0">
+              <a:solidFill>
+                <a:srgbClr val="00B050"/>
+              </a:solidFill>
+              <a:latin typeface="Calibri (Body)"/>
+            </a:endParaRPr>
+          </a:p>
+          <a:p>
+            <a:r>
+              <a:rPr lang="en-US" sz="2500" dirty="0">
+                <a:latin typeface="Calibri (Body)"/>
+              </a:rPr>
+              <a:t>Note: Without parentheses, the pattern </a:t>
+            </a:r>
+            <a:r>
+              <a:rPr lang="en-US" sz="2500" b="1" dirty="0">
+                <a:solidFill>
+                  <a:srgbClr val="FF0000"/>
+                </a:solidFill>
+                <a:latin typeface="Calibri (Body)"/>
+              </a:rPr>
+              <a:t>go+ </a:t>
+            </a:r>
+            <a:r>
+              <a:rPr lang="en-US" sz="2500" dirty="0">
+                <a:latin typeface="Calibri (Body)"/>
+              </a:rPr>
+              <a:t>means g character, followed by o repeated one or more times. For instance, </a:t>
+            </a:r>
+            <a:r>
+              <a:rPr lang="en-US" sz="2500" b="1" dirty="0" err="1">
+                <a:solidFill>
+                  <a:srgbClr val="00B050"/>
+                </a:solidFill>
+                <a:latin typeface="Calibri (Body)"/>
+              </a:rPr>
+              <a:t>goooo</a:t>
+            </a:r>
+            <a:r>
+              <a:rPr lang="en-US" sz="2500" dirty="0">
+                <a:latin typeface="Calibri (Body)"/>
+              </a:rPr>
+              <a:t> or </a:t>
+            </a:r>
+            <a:r>
+              <a:rPr lang="en-US" sz="2500" b="1" dirty="0" err="1">
+                <a:solidFill>
+                  <a:srgbClr val="00B050"/>
+                </a:solidFill>
+                <a:latin typeface="Calibri (Body)"/>
+              </a:rPr>
+              <a:t>gooooooooo</a:t>
+            </a:r>
+            <a:r>
+              <a:rPr lang="en-US" sz="2500" dirty="0">
+                <a:latin typeface="Calibri (Body)"/>
+              </a:rPr>
+              <a:t>.</a:t>
+            </a:r>
+            <a:endParaRPr lang="en-PH" sz="2500" dirty="0">
+              <a:latin typeface="Calibri (Body)"/>
+            </a:endParaRPr>
+          </a:p>
+        </p:txBody>
+      </p:sp>
+    </p:spTree>
+    <p:extLst>
+      <p:ext uri="{BB962C8B-B14F-4D97-AF65-F5344CB8AC3E}">
+        <p14:creationId xmlns:p14="http://schemas.microsoft.com/office/powerpoint/2010/main" val="3255330836"/>
+      </p:ext>
+    </p:extLst>
+  </p:cSld>
+  <p:clrMapOvr>
+    <a:masterClrMapping/>
+  </p:clrMapOvr>
+</p:sld>
+</file>
+
+<file path=ppt/slides/slide31.xml><?xml version="1.0" encoding="utf-8"?>
+<p:sld xmlns:a="http://schemas.openxmlformats.org/drawingml/2006/main" xmlns:r="http://schemas.openxmlformats.org/officeDocument/2006/relationships" xmlns:p="http://schemas.openxmlformats.org/presentationml/2006/main">
+  <p:cSld>
+    <p:bg>
+      <p:bgPr>
+        <a:blipFill dpi="0" rotWithShape="1">
+          <a:blip r:embed="rId3">
+            <a:alphaModFix amt="99000"/>
+            <a:lum/>
+          </a:blip>
+          <a:srcRect/>
+          <a:stretch>
+            <a:fillRect t="89000" r="85000" b="-1000"/>
+          </a:stretch>
+        </a:blipFill>
+        <a:effectLst/>
+      </p:bgPr>
+    </p:bg>
+    <p:spTree>
+      <p:nvGrpSpPr>
+        <p:cNvPr id="1" name=""/>
+        <p:cNvGrpSpPr/>
+        <p:nvPr/>
+      </p:nvGrpSpPr>
+      <p:grpSpPr>
+        <a:xfrm>
+          <a:off x="0" y="0"/>
+          <a:ext cx="0" cy="0"/>
+          <a:chOff x="0" y="0"/>
+          <a:chExt cx="0" cy="0"/>
+        </a:xfrm>
+      </p:grpSpPr>
+      <p:sp>
+        <p:nvSpPr>
+          <p:cNvPr id="2" name="Title 1">
+            <a:extLst>
+              <a:ext uri="{FF2B5EF4-FFF2-40B4-BE49-F238E27FC236}">
+                <a16:creationId xmlns:a16="http://schemas.microsoft.com/office/drawing/2014/main" id="{6A3DCE86-C2BA-4713-9E7A-73589E8D6CCF}"/>
+              </a:ext>
+            </a:extLst>
+          </p:cNvPr>
+          <p:cNvSpPr>
+            <a:spLocks noGrp="1"/>
+          </p:cNvSpPr>
+          <p:nvPr>
+            <p:ph type="ctrTitle"/>
+          </p:nvPr>
+        </p:nvSpPr>
+        <p:spPr>
+          <a:xfrm>
+            <a:off x="1524000" y="497150"/>
+            <a:ext cx="9144000" cy="718459"/>
+          </a:xfrm>
+        </p:spPr>
+        <p:txBody>
+          <a:bodyPr>
+            <a:noAutofit/>
+          </a:bodyPr>
+          <a:lstStyle/>
+          <a:p>
+            <a:r>
+              <a:rPr lang="en-PH" sz="5400" b="1" dirty="0"/>
+              <a:t>Backreference</a:t>
+            </a:r>
+            <a:endParaRPr lang="en-PH" sz="5000" b="1" dirty="0"/>
+          </a:p>
+        </p:txBody>
+      </p:sp>
+      <p:sp>
+        <p:nvSpPr>
+          <p:cNvPr id="4" name="Footer Placeholder 3">
+            <a:extLst>
+              <a:ext uri="{FF2B5EF4-FFF2-40B4-BE49-F238E27FC236}">
+                <a16:creationId xmlns:a16="http://schemas.microsoft.com/office/drawing/2014/main" id="{638E7DE1-45EE-476A-A474-0F3C264AEDA3}"/>
+              </a:ext>
+            </a:extLst>
+          </p:cNvPr>
+          <p:cNvSpPr>
+            <a:spLocks noGrp="1"/>
+          </p:cNvSpPr>
+          <p:nvPr>
+            <p:ph type="ftr" sz="quarter" idx="11"/>
+          </p:nvPr>
+        </p:nvSpPr>
+        <p:spPr>
+          <a:xfrm>
+            <a:off x="0" y="6139541"/>
+            <a:ext cx="12192000" cy="718459"/>
+          </a:xfrm>
+          <a:ln w="28575">
+            <a:solidFill>
+              <a:schemeClr val="accent5">
+                <a:lumMod val="50000"/>
+              </a:schemeClr>
+            </a:solidFill>
+          </a:ln>
+        </p:spPr>
+        <p:txBody>
+          <a:bodyPr/>
+          <a:lstStyle/>
+          <a:p>
+            <a:pPr algn="r"/>
+            <a:r>
+              <a:rPr lang="en-PH" b="1" dirty="0">
+                <a:solidFill>
+                  <a:schemeClr val="tx1"/>
+                </a:solidFill>
+              </a:rPr>
+              <a:t>CCPRGG2L – Intermediate Programming</a:t>
+            </a:r>
+          </a:p>
+        </p:txBody>
+      </p:sp>
+      <p:sp>
+        <p:nvSpPr>
+          <p:cNvPr id="3" name="Title 1">
+            <a:extLst>
+              <a:ext uri="{FF2B5EF4-FFF2-40B4-BE49-F238E27FC236}">
+                <a16:creationId xmlns:a16="http://schemas.microsoft.com/office/drawing/2014/main" id="{6C30C3FD-9F67-8E4D-274C-38222F46C4C5}"/>
+              </a:ext>
+            </a:extLst>
+          </p:cNvPr>
+          <p:cNvSpPr txBox="1">
+            <a:spLocks/>
+          </p:cNvSpPr>
+          <p:nvPr/>
+        </p:nvSpPr>
+        <p:spPr>
+          <a:xfrm>
+            <a:off x="1524000" y="1516449"/>
+            <a:ext cx="9144000" cy="4290585"/>
+          </a:xfrm>
+          <a:prstGeom prst="rect">
+            <a:avLst/>
+          </a:prstGeom>
+        </p:spPr>
+        <p:txBody>
+          <a:bodyPr vert="horz" lIns="91440" tIns="45720" rIns="91440" bIns="45720" rtlCol="0" anchor="b">
+            <a:normAutofit fontScale="97500"/>
+          </a:bodyPr>
+          <a:lstStyle>
+            <a:lvl1pPr algn="ctr" defTabSz="914400" rtl="0" eaLnBrk="1" latinLnBrk="0" hangingPunct="1">
+              <a:lnSpc>
+                <a:spcPct val="90000"/>
+              </a:lnSpc>
+              <a:spcBef>
+                <a:spcPct val="0"/>
+              </a:spcBef>
+              <a:buNone/>
+              <a:defRPr sz="6000" kern="1200">
+                <a:solidFill>
+                  <a:schemeClr val="tx1"/>
+                </a:solidFill>
+                <a:latin typeface="+mj-lt"/>
+                <a:ea typeface="+mj-ea"/>
+                <a:cs typeface="+mj-cs"/>
+              </a:defRPr>
+            </a:lvl1pPr>
+          </a:lstStyle>
+          <a:p>
+            <a:pPr algn="l"/>
+            <a:endParaRPr lang="en-PH" sz="2600" dirty="0">
+              <a:latin typeface="Consolas" panose="020B0609020204030204" pitchFamily="49" charset="0"/>
+            </a:endParaRPr>
+          </a:p>
+          <a:p>
+            <a:pPr algn="l"/>
+            <a:r>
+              <a:rPr lang="en-PH" sz="2600" b="0" dirty="0">
+                <a:effectLst/>
+                <a:latin typeface="Consolas" panose="020B0609020204030204" pitchFamily="49" charset="0"/>
+              </a:rPr>
+              <a:t>                         </a:t>
+            </a:r>
+          </a:p>
+          <a:p>
+            <a:pPr algn="l"/>
+            <a:r>
+              <a:rPr lang="en-PH" sz="2600" b="0" dirty="0">
+                <a:effectLst/>
+                <a:latin typeface="Consolas" panose="020B0609020204030204" pitchFamily="49" charset="0"/>
+              </a:rPr>
+              <a:t>        </a:t>
+            </a:r>
+          </a:p>
+          <a:p>
+            <a:pPr algn="l"/>
+            <a:endParaRPr lang="en-PH" sz="2600" b="0" dirty="0">
+              <a:effectLst/>
+              <a:latin typeface="Consolas" panose="020B0609020204030204" pitchFamily="49" charset="0"/>
+            </a:endParaRPr>
+          </a:p>
+          <a:p>
+            <a:pPr algn="l"/>
+            <a:endParaRPr lang="en-PH" sz="2000" dirty="0">
+              <a:latin typeface="Consolas" panose="020B0609020204030204" pitchFamily="49" charset="0"/>
+            </a:endParaRPr>
+          </a:p>
+          <a:p>
+            <a:pPr algn="l"/>
+            <a:endParaRPr lang="en-PH" sz="2000" b="0" dirty="0">
+              <a:effectLst/>
+              <a:latin typeface="Consolas" panose="020B0609020204030204" pitchFamily="49" charset="0"/>
+            </a:endParaRPr>
+          </a:p>
+          <a:p>
+            <a:pPr algn="l"/>
+            <a:endParaRPr lang="en-PH" sz="2000" dirty="0">
+              <a:latin typeface="Consolas" panose="020B0609020204030204" pitchFamily="49" charset="0"/>
+            </a:endParaRPr>
+          </a:p>
+          <a:p>
+            <a:pPr algn="l"/>
+            <a:endParaRPr lang="en-PH" sz="2000" b="0" dirty="0">
+              <a:effectLst/>
+              <a:latin typeface="Consolas" panose="020B0609020204030204" pitchFamily="49" charset="0"/>
+            </a:endParaRPr>
+          </a:p>
+          <a:p>
+            <a:pPr algn="l"/>
+            <a:endParaRPr lang="en-PH" sz="2000" dirty="0">
+              <a:latin typeface="Consolas" panose="020B0609020204030204" pitchFamily="49" charset="0"/>
+            </a:endParaRPr>
+          </a:p>
+          <a:p>
+            <a:pPr algn="l"/>
+            <a:endParaRPr lang="en-PH" sz="2000" b="0" dirty="0">
+              <a:effectLst/>
+              <a:latin typeface="Consolas" panose="020B0609020204030204" pitchFamily="49" charset="0"/>
+            </a:endParaRPr>
+          </a:p>
+          <a:p>
+            <a:pPr algn="l"/>
+            <a:endParaRPr lang="en-PH" sz="2000" b="0" dirty="0">
+              <a:effectLst/>
+              <a:latin typeface="Consolas" panose="020B0609020204030204" pitchFamily="49" charset="0"/>
+            </a:endParaRPr>
+          </a:p>
+          <a:p>
+            <a:pPr algn="l"/>
+            <a:endParaRPr lang="en-PH" sz="2000" dirty="0">
+              <a:latin typeface="Consolas" panose="020B0609020204030204" pitchFamily="49" charset="0"/>
+            </a:endParaRPr>
+          </a:p>
+          <a:p>
+            <a:pPr algn="l"/>
+            <a:endParaRPr lang="en-PH" sz="2000" b="0" dirty="0">
+              <a:effectLst/>
+              <a:latin typeface="Consolas" panose="020B0609020204030204" pitchFamily="49" charset="0"/>
+            </a:endParaRPr>
+          </a:p>
+          <a:p>
+            <a:pPr algn="l"/>
+            <a:endParaRPr lang="en-PH" sz="2000" b="0" dirty="0">
+              <a:effectLst/>
+              <a:latin typeface="Consolas" panose="020B0609020204030204" pitchFamily="49" charset="0"/>
+            </a:endParaRPr>
+          </a:p>
+        </p:txBody>
+      </p:sp>
+      <p:sp>
+        <p:nvSpPr>
+          <p:cNvPr id="13" name="TextBox 12">
+            <a:extLst>
+              <a:ext uri="{FF2B5EF4-FFF2-40B4-BE49-F238E27FC236}">
+                <a16:creationId xmlns:a16="http://schemas.microsoft.com/office/drawing/2014/main" id="{3900C14F-041A-7E06-AEB2-454CF583C656}"/>
+              </a:ext>
+            </a:extLst>
+          </p:cNvPr>
+          <p:cNvSpPr txBox="1"/>
+          <p:nvPr/>
+        </p:nvSpPr>
+        <p:spPr>
+          <a:xfrm>
+            <a:off x="1294271" y="3067065"/>
+            <a:ext cx="787400" cy="369332"/>
+          </a:xfrm>
+          <a:prstGeom prst="rect">
+            <a:avLst/>
+          </a:prstGeom>
+          <a:noFill/>
+        </p:spPr>
+        <p:txBody>
+          <a:bodyPr wrap="square" rtlCol="0">
+            <a:spAutoFit/>
+          </a:bodyPr>
+          <a:lstStyle/>
+          <a:p>
+            <a:endParaRPr lang="en-PH" dirty="0"/>
+          </a:p>
+        </p:txBody>
+      </p:sp>
+      <p:sp>
+        <p:nvSpPr>
+          <p:cNvPr id="14" name="TextBox 13">
+            <a:extLst>
+              <a:ext uri="{FF2B5EF4-FFF2-40B4-BE49-F238E27FC236}">
+                <a16:creationId xmlns:a16="http://schemas.microsoft.com/office/drawing/2014/main" id="{75652A3C-2B5F-3EDF-F7EB-D0C6328EDA8C}"/>
+              </a:ext>
+            </a:extLst>
+          </p:cNvPr>
+          <p:cNvSpPr txBox="1"/>
+          <p:nvPr/>
+        </p:nvSpPr>
+        <p:spPr>
+          <a:xfrm>
+            <a:off x="2004950" y="1264306"/>
+            <a:ext cx="8182099" cy="4708981"/>
+          </a:xfrm>
+          <a:prstGeom prst="rect">
+            <a:avLst/>
+          </a:prstGeom>
+          <a:noFill/>
+        </p:spPr>
+        <p:txBody>
+          <a:bodyPr wrap="square" rtlCol="0">
+            <a:spAutoFit/>
+          </a:bodyPr>
+          <a:lstStyle/>
+          <a:p>
+            <a:r>
+              <a:rPr lang="en-PH" sz="2500" b="1" dirty="0">
+                <a:latin typeface="Calibri (Body)"/>
+              </a:rPr>
+              <a:t>Backreference</a:t>
+            </a:r>
+            <a:r>
+              <a:rPr lang="en-PH" sz="2500" dirty="0">
+                <a:latin typeface="Calibri (Body)"/>
+              </a:rPr>
+              <a:t>			</a:t>
+            </a:r>
+          </a:p>
+          <a:p>
+            <a:pPr marL="342900" indent="-342900">
+              <a:buFontTx/>
+              <a:buChar char="-"/>
+            </a:pPr>
+            <a:r>
+              <a:rPr lang="en-US" sz="2500" b="0" i="0" dirty="0">
+                <a:effectLst/>
+                <a:latin typeface="Calibri (Body)"/>
+              </a:rPr>
+              <a:t>Matches the results of a capture group. The first capture group is indicated by </a:t>
+            </a:r>
+            <a:r>
+              <a:rPr lang="en-US" sz="2500" b="1" i="0" dirty="0">
+                <a:solidFill>
+                  <a:srgbClr val="FF0000"/>
+                </a:solidFill>
+                <a:effectLst/>
+                <a:latin typeface="Calibri (Body)"/>
+              </a:rPr>
+              <a:t>\1</a:t>
+            </a:r>
+            <a:r>
+              <a:rPr lang="en-US" sz="2500" b="0" i="0" dirty="0">
+                <a:effectLst/>
+                <a:latin typeface="Calibri (Body)"/>
+              </a:rPr>
+              <a:t>, the second capture indicated by </a:t>
+            </a:r>
+            <a:r>
+              <a:rPr lang="en-US" sz="2500" b="1" i="0" dirty="0">
+                <a:solidFill>
+                  <a:srgbClr val="FF0000"/>
+                </a:solidFill>
+                <a:effectLst/>
+                <a:latin typeface="Calibri (Body)"/>
+              </a:rPr>
+              <a:t>\2 </a:t>
+            </a:r>
+            <a:r>
+              <a:rPr lang="en-US" sz="2500" b="0" i="0" dirty="0">
+                <a:effectLst/>
+                <a:latin typeface="Calibri (Body)"/>
+              </a:rPr>
+              <a:t>and so on.</a:t>
+            </a:r>
+          </a:p>
+          <a:p>
+            <a:pPr marL="342900" indent="-342900">
+              <a:buFontTx/>
+              <a:buChar char="-"/>
+            </a:pPr>
+            <a:endParaRPr lang="en-US" sz="2500" b="0" i="0" dirty="0">
+              <a:solidFill>
+                <a:srgbClr val="B7BCC0"/>
+              </a:solidFill>
+              <a:effectLst/>
+              <a:latin typeface="Calibri (Body)"/>
+            </a:endParaRPr>
+          </a:p>
+          <a:p>
+            <a:r>
+              <a:rPr lang="en-PH" sz="2500" dirty="0">
+                <a:latin typeface="Calibri (Body)"/>
+              </a:rPr>
+              <a:t>Pattern:</a:t>
+            </a:r>
+            <a:r>
+              <a:rPr lang="en-PH" sz="2500" dirty="0">
+                <a:solidFill>
+                  <a:srgbClr val="FF0000"/>
+                </a:solidFill>
+                <a:latin typeface="Calibri (Body)"/>
+              </a:rPr>
+              <a:t> </a:t>
+            </a:r>
+            <a:r>
+              <a:rPr lang="en-PH" sz="2500" dirty="0">
+                <a:latin typeface="Calibri (Body)"/>
+              </a:rPr>
+              <a:t>(group1)(group2)</a:t>
+            </a:r>
+            <a:r>
+              <a:rPr lang="en-PH" sz="2500" b="1" dirty="0">
+                <a:solidFill>
+                  <a:srgbClr val="FF0000"/>
+                </a:solidFill>
+                <a:latin typeface="Calibri (Body)"/>
+              </a:rPr>
+              <a:t>\1\2</a:t>
+            </a:r>
+          </a:p>
+          <a:p>
+            <a:endParaRPr lang="en-PH" sz="2500" dirty="0">
+              <a:latin typeface="Calibri (Body)"/>
+            </a:endParaRPr>
+          </a:p>
+          <a:p>
+            <a:r>
+              <a:rPr lang="en-PH" sz="2500" dirty="0">
+                <a:latin typeface="Calibri (Body)"/>
+              </a:rPr>
+              <a:t>Match:</a:t>
+            </a:r>
+          </a:p>
+          <a:p>
+            <a:r>
+              <a:rPr lang="en-PH" sz="2500" b="1" dirty="0">
+                <a:solidFill>
+                  <a:srgbClr val="00B050"/>
+                </a:solidFill>
+                <a:latin typeface="Calibri (Body)"/>
+              </a:rPr>
+              <a:t>group1group2group1group2</a:t>
+            </a:r>
+          </a:p>
+          <a:p>
+            <a:endParaRPr lang="en-PH" sz="2500" b="1" dirty="0">
+              <a:solidFill>
+                <a:srgbClr val="00B050"/>
+              </a:solidFill>
+              <a:latin typeface="Calibri (Body)"/>
+            </a:endParaRPr>
+          </a:p>
+          <a:p>
+            <a:r>
+              <a:rPr lang="en-US" sz="2500" b="1" dirty="0">
+                <a:latin typeface="Calibri (Body)"/>
+              </a:rPr>
+              <a:t>Note: The first capture group is designated as </a:t>
+            </a:r>
+            <a:r>
+              <a:rPr lang="en-US" sz="2500" b="1" dirty="0">
+                <a:solidFill>
+                  <a:srgbClr val="FF0000"/>
+                </a:solidFill>
+                <a:latin typeface="Calibri (Body)"/>
+              </a:rPr>
+              <a:t>\1 </a:t>
+            </a:r>
+            <a:r>
+              <a:rPr lang="en-US" sz="2500" b="1" dirty="0">
+                <a:latin typeface="Calibri (Body)"/>
+              </a:rPr>
+              <a:t>and the second capture group designated as </a:t>
+            </a:r>
+            <a:r>
+              <a:rPr lang="en-US" sz="2500" b="1" dirty="0">
+                <a:solidFill>
+                  <a:srgbClr val="FF0000"/>
+                </a:solidFill>
+                <a:latin typeface="Calibri (Body)"/>
+              </a:rPr>
+              <a:t>\2</a:t>
+            </a:r>
+            <a:endParaRPr lang="en-PH" sz="2500" b="1" dirty="0">
+              <a:solidFill>
+                <a:srgbClr val="FF0000"/>
+              </a:solidFill>
+              <a:latin typeface="Calibri (Body)"/>
+            </a:endParaRPr>
+          </a:p>
+        </p:txBody>
+      </p:sp>
+    </p:spTree>
+    <p:extLst>
+      <p:ext uri="{BB962C8B-B14F-4D97-AF65-F5344CB8AC3E}">
+        <p14:creationId xmlns:p14="http://schemas.microsoft.com/office/powerpoint/2010/main" val="2476565235"/>
+      </p:ext>
+    </p:extLst>
+  </p:cSld>
+  <p:clrMapOvr>
+    <a:masterClrMapping/>
+  </p:clrMapOvr>
+</p:sld>
+</file>
+
+<file path=ppt/slides/slide32.xml><?xml version="1.0" encoding="utf-8"?>
+<p:sld xmlns:a="http://schemas.openxmlformats.org/drawingml/2006/main" xmlns:r="http://schemas.openxmlformats.org/officeDocument/2006/relationships" xmlns:p="http://schemas.openxmlformats.org/presentationml/2006/main">
+  <p:cSld>
+    <p:bg>
+      <p:bgPr>
+        <a:blipFill dpi="0" rotWithShape="1">
+          <a:blip r:embed="rId3">
+            <a:alphaModFix amt="99000"/>
+            <a:lum/>
+          </a:blip>
+          <a:srcRect/>
+          <a:stretch>
+            <a:fillRect t="89000" r="85000" b="-1000"/>
+          </a:stretch>
+        </a:blipFill>
+        <a:effectLst/>
+      </p:bgPr>
+    </p:bg>
+    <p:spTree>
+      <p:nvGrpSpPr>
+        <p:cNvPr id="1" name=""/>
+        <p:cNvGrpSpPr/>
+        <p:nvPr/>
+      </p:nvGrpSpPr>
+      <p:grpSpPr>
+        <a:xfrm>
+          <a:off x="0" y="0"/>
+          <a:ext cx="0" cy="0"/>
+          <a:chOff x="0" y="0"/>
+          <a:chExt cx="0" cy="0"/>
+        </a:xfrm>
+      </p:grpSpPr>
+      <p:sp>
+        <p:nvSpPr>
+          <p:cNvPr id="2" name="Title 1">
+            <a:extLst>
+              <a:ext uri="{FF2B5EF4-FFF2-40B4-BE49-F238E27FC236}">
+                <a16:creationId xmlns:a16="http://schemas.microsoft.com/office/drawing/2014/main" id="{6A3DCE86-C2BA-4713-9E7A-73589E8D6CCF}"/>
+              </a:ext>
+            </a:extLst>
+          </p:cNvPr>
+          <p:cNvSpPr>
+            <a:spLocks noGrp="1"/>
+          </p:cNvSpPr>
+          <p:nvPr>
+            <p:ph type="ctrTitle"/>
+          </p:nvPr>
+        </p:nvSpPr>
+        <p:spPr>
+          <a:xfrm>
+            <a:off x="1524000" y="497150"/>
+            <a:ext cx="9144000" cy="718459"/>
+          </a:xfrm>
+        </p:spPr>
+        <p:txBody>
+          <a:bodyPr>
+            <a:noAutofit/>
+          </a:bodyPr>
+          <a:lstStyle/>
+          <a:p>
+            <a:r>
+              <a:rPr lang="en-PH" sz="5400" b="1" dirty="0"/>
+              <a:t>Backreference in Detail</a:t>
+            </a:r>
+            <a:endParaRPr lang="en-PH" sz="5000" b="1" dirty="0"/>
+          </a:p>
+        </p:txBody>
+      </p:sp>
+      <p:sp>
+        <p:nvSpPr>
+          <p:cNvPr id="4" name="Footer Placeholder 3">
+            <a:extLst>
+              <a:ext uri="{FF2B5EF4-FFF2-40B4-BE49-F238E27FC236}">
+                <a16:creationId xmlns:a16="http://schemas.microsoft.com/office/drawing/2014/main" id="{638E7DE1-45EE-476A-A474-0F3C264AEDA3}"/>
+              </a:ext>
+            </a:extLst>
+          </p:cNvPr>
+          <p:cNvSpPr>
+            <a:spLocks noGrp="1"/>
+          </p:cNvSpPr>
+          <p:nvPr>
+            <p:ph type="ftr" sz="quarter" idx="11"/>
+          </p:nvPr>
+        </p:nvSpPr>
+        <p:spPr>
+          <a:xfrm>
+            <a:off x="0" y="6139541"/>
+            <a:ext cx="12192000" cy="718459"/>
+          </a:xfrm>
+          <a:ln w="28575">
+            <a:solidFill>
+              <a:schemeClr val="accent5">
+                <a:lumMod val="50000"/>
+              </a:schemeClr>
+            </a:solidFill>
+          </a:ln>
+        </p:spPr>
+        <p:txBody>
+          <a:bodyPr/>
+          <a:lstStyle/>
+          <a:p>
+            <a:pPr algn="r"/>
+            <a:r>
+              <a:rPr lang="en-PH" b="1" dirty="0">
+                <a:solidFill>
+                  <a:schemeClr val="tx1"/>
+                </a:solidFill>
+              </a:rPr>
+              <a:t>CCPRGG2L – Intermediate Programming</a:t>
+            </a:r>
+          </a:p>
+        </p:txBody>
+      </p:sp>
+      <p:sp>
+        <p:nvSpPr>
+          <p:cNvPr id="3" name="Title 1">
+            <a:extLst>
+              <a:ext uri="{FF2B5EF4-FFF2-40B4-BE49-F238E27FC236}">
+                <a16:creationId xmlns:a16="http://schemas.microsoft.com/office/drawing/2014/main" id="{6C30C3FD-9F67-8E4D-274C-38222F46C4C5}"/>
+              </a:ext>
+            </a:extLst>
+          </p:cNvPr>
+          <p:cNvSpPr txBox="1">
+            <a:spLocks/>
+          </p:cNvSpPr>
+          <p:nvPr/>
+        </p:nvSpPr>
+        <p:spPr>
+          <a:xfrm>
+            <a:off x="1524000" y="1516449"/>
+            <a:ext cx="9144000" cy="4290585"/>
+          </a:xfrm>
+          <a:prstGeom prst="rect">
+            <a:avLst/>
+          </a:prstGeom>
+        </p:spPr>
+        <p:txBody>
+          <a:bodyPr vert="horz" lIns="91440" tIns="45720" rIns="91440" bIns="45720" rtlCol="0" anchor="b">
+            <a:normAutofit fontScale="97500"/>
+          </a:bodyPr>
+          <a:lstStyle>
+            <a:lvl1pPr algn="ctr" defTabSz="914400" rtl="0" eaLnBrk="1" latinLnBrk="0" hangingPunct="1">
+              <a:lnSpc>
+                <a:spcPct val="90000"/>
+              </a:lnSpc>
+              <a:spcBef>
+                <a:spcPct val="0"/>
+              </a:spcBef>
+              <a:buNone/>
+              <a:defRPr sz="6000" kern="1200">
+                <a:solidFill>
+                  <a:schemeClr val="tx1"/>
+                </a:solidFill>
+                <a:latin typeface="+mj-lt"/>
+                <a:ea typeface="+mj-ea"/>
+                <a:cs typeface="+mj-cs"/>
+              </a:defRPr>
+            </a:lvl1pPr>
+          </a:lstStyle>
+          <a:p>
+            <a:pPr algn="l"/>
+            <a:endParaRPr lang="en-PH" sz="2600" dirty="0">
+              <a:latin typeface="Consolas" panose="020B0609020204030204" pitchFamily="49" charset="0"/>
+            </a:endParaRPr>
+          </a:p>
+          <a:p>
+            <a:pPr algn="l"/>
+            <a:r>
+              <a:rPr lang="en-PH" sz="2600" b="0" dirty="0">
+                <a:effectLst/>
+                <a:latin typeface="Consolas" panose="020B0609020204030204" pitchFamily="49" charset="0"/>
+              </a:rPr>
+              <a:t>                         </a:t>
+            </a:r>
+          </a:p>
+          <a:p>
+            <a:pPr algn="l"/>
+            <a:r>
+              <a:rPr lang="en-PH" sz="2600" b="0" dirty="0">
+                <a:effectLst/>
+                <a:latin typeface="Consolas" panose="020B0609020204030204" pitchFamily="49" charset="0"/>
+              </a:rPr>
+              <a:t>        </a:t>
+            </a:r>
+          </a:p>
+          <a:p>
+            <a:pPr algn="l"/>
+            <a:endParaRPr lang="en-PH" sz="2600" b="0" dirty="0">
+              <a:effectLst/>
+              <a:latin typeface="Consolas" panose="020B0609020204030204" pitchFamily="49" charset="0"/>
+            </a:endParaRPr>
+          </a:p>
+          <a:p>
+            <a:pPr algn="l"/>
+            <a:endParaRPr lang="en-PH" sz="2000" dirty="0">
+              <a:latin typeface="Consolas" panose="020B0609020204030204" pitchFamily="49" charset="0"/>
+            </a:endParaRPr>
+          </a:p>
+          <a:p>
+            <a:pPr algn="l"/>
+            <a:endParaRPr lang="en-PH" sz="2000" b="0" dirty="0">
+              <a:effectLst/>
+              <a:latin typeface="Consolas" panose="020B0609020204030204" pitchFamily="49" charset="0"/>
+            </a:endParaRPr>
+          </a:p>
+          <a:p>
+            <a:pPr algn="l"/>
+            <a:endParaRPr lang="en-PH" sz="2000" dirty="0">
+              <a:latin typeface="Consolas" panose="020B0609020204030204" pitchFamily="49" charset="0"/>
+            </a:endParaRPr>
+          </a:p>
+          <a:p>
+            <a:pPr algn="l"/>
+            <a:endParaRPr lang="en-PH" sz="2000" b="0" dirty="0">
+              <a:effectLst/>
+              <a:latin typeface="Consolas" panose="020B0609020204030204" pitchFamily="49" charset="0"/>
+            </a:endParaRPr>
+          </a:p>
+          <a:p>
+            <a:pPr algn="l"/>
+            <a:endParaRPr lang="en-PH" sz="2000" dirty="0">
+              <a:latin typeface="Consolas" panose="020B0609020204030204" pitchFamily="49" charset="0"/>
+            </a:endParaRPr>
+          </a:p>
+          <a:p>
+            <a:pPr algn="l"/>
+            <a:endParaRPr lang="en-PH" sz="2000" b="0" dirty="0">
+              <a:effectLst/>
+              <a:latin typeface="Consolas" panose="020B0609020204030204" pitchFamily="49" charset="0"/>
+            </a:endParaRPr>
+          </a:p>
+          <a:p>
+            <a:pPr algn="l"/>
+            <a:endParaRPr lang="en-PH" sz="2000" b="0" dirty="0">
+              <a:effectLst/>
+              <a:latin typeface="Consolas" panose="020B0609020204030204" pitchFamily="49" charset="0"/>
+            </a:endParaRPr>
+          </a:p>
+          <a:p>
+            <a:pPr algn="l"/>
+            <a:endParaRPr lang="en-PH" sz="2000" dirty="0">
+              <a:latin typeface="Consolas" panose="020B0609020204030204" pitchFamily="49" charset="0"/>
+            </a:endParaRPr>
+          </a:p>
+          <a:p>
+            <a:pPr algn="l"/>
+            <a:endParaRPr lang="en-PH" sz="2000" b="0" dirty="0">
+              <a:effectLst/>
+              <a:latin typeface="Consolas" panose="020B0609020204030204" pitchFamily="49" charset="0"/>
+            </a:endParaRPr>
+          </a:p>
+          <a:p>
+            <a:pPr algn="l"/>
+            <a:endParaRPr lang="en-PH" sz="2000" b="0" dirty="0">
+              <a:effectLst/>
+              <a:latin typeface="Consolas" panose="020B0609020204030204" pitchFamily="49" charset="0"/>
+            </a:endParaRPr>
+          </a:p>
+        </p:txBody>
+      </p:sp>
+      <p:sp>
+        <p:nvSpPr>
+          <p:cNvPr id="13" name="TextBox 12">
+            <a:extLst>
+              <a:ext uri="{FF2B5EF4-FFF2-40B4-BE49-F238E27FC236}">
+                <a16:creationId xmlns:a16="http://schemas.microsoft.com/office/drawing/2014/main" id="{3900C14F-041A-7E06-AEB2-454CF583C656}"/>
+              </a:ext>
+            </a:extLst>
+          </p:cNvPr>
+          <p:cNvSpPr txBox="1"/>
+          <p:nvPr/>
+        </p:nvSpPr>
+        <p:spPr>
+          <a:xfrm>
+            <a:off x="1294271" y="3067065"/>
+            <a:ext cx="787400" cy="369332"/>
+          </a:xfrm>
+          <a:prstGeom prst="rect">
+            <a:avLst/>
+          </a:prstGeom>
+          <a:noFill/>
+        </p:spPr>
+        <p:txBody>
+          <a:bodyPr wrap="square" rtlCol="0">
+            <a:spAutoFit/>
+          </a:bodyPr>
+          <a:lstStyle/>
+          <a:p>
+            <a:endParaRPr lang="en-PH" dirty="0"/>
+          </a:p>
+        </p:txBody>
+      </p:sp>
+      <p:sp>
+        <p:nvSpPr>
+          <p:cNvPr id="14" name="TextBox 13">
+            <a:extLst>
+              <a:ext uri="{FF2B5EF4-FFF2-40B4-BE49-F238E27FC236}">
+                <a16:creationId xmlns:a16="http://schemas.microsoft.com/office/drawing/2014/main" id="{75652A3C-2B5F-3EDF-F7EB-D0C6328EDA8C}"/>
+              </a:ext>
+            </a:extLst>
+          </p:cNvPr>
+          <p:cNvSpPr txBox="1"/>
+          <p:nvPr/>
+        </p:nvSpPr>
+        <p:spPr>
+          <a:xfrm>
+            <a:off x="2004950" y="1183942"/>
+            <a:ext cx="8182099" cy="3170099"/>
+          </a:xfrm>
+          <a:prstGeom prst="rect">
+            <a:avLst/>
+          </a:prstGeom>
+          <a:noFill/>
+        </p:spPr>
+        <p:txBody>
+          <a:bodyPr wrap="square" rtlCol="0">
+            <a:spAutoFit/>
+          </a:bodyPr>
+          <a:lstStyle/>
+          <a:p>
+            <a:pPr marL="342900" indent="-342900">
+              <a:buFontTx/>
+              <a:buChar char="-"/>
+            </a:pPr>
+            <a:endParaRPr lang="en-US" sz="2500" b="0" i="0" dirty="0">
+              <a:solidFill>
+                <a:srgbClr val="B7BCC0"/>
+              </a:solidFill>
+              <a:effectLst/>
+              <a:latin typeface="Calibri (Body)"/>
+            </a:endParaRPr>
+          </a:p>
+          <a:p>
+            <a:r>
+              <a:rPr lang="en-PH" sz="2500" dirty="0">
+                <a:latin typeface="Calibri (Body)"/>
+              </a:rPr>
+              <a:t>Pattern:</a:t>
+            </a:r>
+            <a:r>
+              <a:rPr lang="en-PH" sz="2500" dirty="0">
+                <a:solidFill>
+                  <a:srgbClr val="FF0000"/>
+                </a:solidFill>
+                <a:latin typeface="Calibri (Body)"/>
+              </a:rPr>
+              <a:t> </a:t>
+            </a:r>
+            <a:r>
+              <a:rPr lang="en-PH" sz="2500" b="1" dirty="0">
+                <a:solidFill>
+                  <a:srgbClr val="7030A0"/>
+                </a:solidFill>
+                <a:latin typeface="Calibri (Body)"/>
+              </a:rPr>
+              <a:t>(group1)</a:t>
+            </a:r>
+            <a:r>
+              <a:rPr lang="en-PH" sz="2500" b="1" dirty="0">
+                <a:solidFill>
+                  <a:srgbClr val="00B0F0"/>
+                </a:solidFill>
+                <a:latin typeface="Calibri (Body)"/>
+              </a:rPr>
+              <a:t>(group2)</a:t>
+            </a:r>
+            <a:r>
+              <a:rPr lang="en-PH" sz="2500" b="1" dirty="0">
+                <a:solidFill>
+                  <a:srgbClr val="7030A0"/>
+                </a:solidFill>
+                <a:latin typeface="Calibri (Body)"/>
+              </a:rPr>
+              <a:t>\1</a:t>
+            </a:r>
+            <a:r>
+              <a:rPr lang="en-PH" sz="2500" b="1" dirty="0">
+                <a:solidFill>
+                  <a:srgbClr val="00B0F0"/>
+                </a:solidFill>
+                <a:latin typeface="Calibri (Body)"/>
+              </a:rPr>
+              <a:t>\2</a:t>
+            </a:r>
+          </a:p>
+          <a:p>
+            <a:endParaRPr lang="en-PH" sz="2500" dirty="0">
+              <a:latin typeface="Calibri (Body)"/>
+            </a:endParaRPr>
+          </a:p>
+          <a:p>
+            <a:r>
+              <a:rPr lang="en-PH" sz="2500" dirty="0">
+                <a:latin typeface="Calibri (Body)"/>
+              </a:rPr>
+              <a:t>Match:</a:t>
+            </a:r>
+          </a:p>
+          <a:p>
+            <a:r>
+              <a:rPr lang="en-PH" sz="2500" b="1" dirty="0">
+                <a:solidFill>
+                  <a:srgbClr val="7030A0"/>
+                </a:solidFill>
+                <a:latin typeface="Calibri (Body)"/>
+              </a:rPr>
+              <a:t>group1</a:t>
+            </a:r>
+            <a:r>
+              <a:rPr lang="en-PH" sz="2500" b="1" dirty="0">
+                <a:solidFill>
+                  <a:srgbClr val="00B0F0"/>
+                </a:solidFill>
+                <a:latin typeface="Calibri (Body)"/>
+              </a:rPr>
+              <a:t>group2</a:t>
+            </a:r>
+            <a:r>
+              <a:rPr lang="en-PH" sz="2500" b="1" dirty="0">
+                <a:solidFill>
+                  <a:srgbClr val="7030A0"/>
+                </a:solidFill>
+                <a:latin typeface="Calibri (Body)"/>
+              </a:rPr>
+              <a:t>group1</a:t>
+            </a:r>
+            <a:r>
+              <a:rPr lang="en-PH" sz="2500" b="1" dirty="0">
+                <a:solidFill>
+                  <a:srgbClr val="00B0F0"/>
+                </a:solidFill>
+                <a:latin typeface="Calibri (Body)"/>
+              </a:rPr>
+              <a:t>group2</a:t>
+            </a:r>
+          </a:p>
+          <a:p>
+            <a:endParaRPr lang="en-PH" sz="2500" b="1" dirty="0">
+              <a:solidFill>
+                <a:srgbClr val="00B050"/>
+              </a:solidFill>
+              <a:latin typeface="Calibri (Body)"/>
+            </a:endParaRPr>
+          </a:p>
+          <a:p>
+            <a:r>
+              <a:rPr lang="en-PH" sz="2500" dirty="0">
+                <a:latin typeface="Calibri (Body)"/>
+              </a:rPr>
+              <a:t>This pattern is the same as </a:t>
+            </a:r>
+            <a:r>
+              <a:rPr lang="en-PH" sz="2500" b="1" dirty="0">
+                <a:solidFill>
+                  <a:srgbClr val="7030A0"/>
+                </a:solidFill>
+                <a:latin typeface="Calibri (Body)"/>
+              </a:rPr>
+              <a:t>(group1)</a:t>
+            </a:r>
+            <a:r>
+              <a:rPr lang="en-PH" sz="2500" b="1" dirty="0">
+                <a:solidFill>
+                  <a:srgbClr val="00B0F0"/>
+                </a:solidFill>
+                <a:latin typeface="Calibri (Body)"/>
+              </a:rPr>
+              <a:t>(group2)</a:t>
+            </a:r>
+            <a:r>
+              <a:rPr lang="en-PH" sz="2500" b="1" dirty="0">
+                <a:solidFill>
+                  <a:srgbClr val="7030A0"/>
+                </a:solidFill>
+                <a:latin typeface="Calibri (Body)"/>
+              </a:rPr>
+              <a:t>(group1)</a:t>
+            </a:r>
+            <a:r>
+              <a:rPr lang="en-PH" sz="2500" b="1" dirty="0">
+                <a:solidFill>
+                  <a:srgbClr val="00B0F0"/>
+                </a:solidFill>
+                <a:latin typeface="Calibri (Body)"/>
+              </a:rPr>
+              <a:t>(group2)</a:t>
+            </a:r>
+            <a:r>
+              <a:rPr lang="en-PH" sz="2500" b="1" dirty="0">
+                <a:solidFill>
+                  <a:srgbClr val="FF0000"/>
+                </a:solidFill>
+                <a:latin typeface="Calibri (Body)"/>
+              </a:rPr>
+              <a:t> </a:t>
+            </a:r>
+          </a:p>
+        </p:txBody>
+      </p:sp>
+    </p:spTree>
+    <p:extLst>
+      <p:ext uri="{BB962C8B-B14F-4D97-AF65-F5344CB8AC3E}">
+        <p14:creationId xmlns:p14="http://schemas.microsoft.com/office/powerpoint/2010/main" val="2933650927"/>
+      </p:ext>
+    </p:extLst>
+  </p:cSld>
+  <p:clrMapOvr>
+    <a:masterClrMapping/>
+  </p:clrMapOvr>
+</p:sld>
+</file>
+
+<file path=ppt/slides/slide33.xml><?xml version="1.0" encoding="utf-8"?>
+<p:sld xmlns:a="http://schemas.openxmlformats.org/drawingml/2006/main" xmlns:r="http://schemas.openxmlformats.org/officeDocument/2006/relationships" xmlns:p="http://schemas.openxmlformats.org/presentationml/2006/main">
+  <p:cSld>
+    <p:bg>
+      <p:bgPr>
+        <a:blipFill dpi="0" rotWithShape="1">
+          <a:blip r:embed="rId3">
+            <a:alphaModFix amt="99000"/>
+            <a:lum/>
+          </a:blip>
+          <a:srcRect/>
+          <a:stretch>
+            <a:fillRect t="89000" r="85000" b="-1000"/>
+          </a:stretch>
+        </a:blipFill>
+        <a:effectLst/>
+      </p:bgPr>
+    </p:bg>
+    <p:spTree>
+      <p:nvGrpSpPr>
+        <p:cNvPr id="1" name=""/>
+        <p:cNvGrpSpPr/>
+        <p:nvPr/>
+      </p:nvGrpSpPr>
+      <p:grpSpPr>
+        <a:xfrm>
+          <a:off x="0" y="0"/>
+          <a:ext cx="0" cy="0"/>
+          <a:chOff x="0" y="0"/>
+          <a:chExt cx="0" cy="0"/>
+        </a:xfrm>
+      </p:grpSpPr>
+      <p:sp>
+        <p:nvSpPr>
+          <p:cNvPr id="2" name="Title 1">
+            <a:extLst>
+              <a:ext uri="{FF2B5EF4-FFF2-40B4-BE49-F238E27FC236}">
+                <a16:creationId xmlns:a16="http://schemas.microsoft.com/office/drawing/2014/main" id="{6A3DCE86-C2BA-4713-9E7A-73589E8D6CCF}"/>
+              </a:ext>
+            </a:extLst>
+          </p:cNvPr>
+          <p:cNvSpPr>
+            <a:spLocks noGrp="1"/>
+          </p:cNvSpPr>
+          <p:nvPr>
+            <p:ph type="ctrTitle"/>
+          </p:nvPr>
+        </p:nvSpPr>
+        <p:spPr>
+          <a:xfrm>
+            <a:off x="1524000" y="497150"/>
+            <a:ext cx="9144000" cy="718459"/>
+          </a:xfrm>
+        </p:spPr>
+        <p:txBody>
+          <a:bodyPr>
+            <a:noAutofit/>
+          </a:bodyPr>
+          <a:lstStyle/>
+          <a:p>
+            <a:r>
+              <a:rPr lang="en-PH" sz="5400" b="1" dirty="0" err="1"/>
+              <a:t>Lookaround</a:t>
+            </a:r>
+            <a:endParaRPr lang="en-PH" sz="5000" b="1" dirty="0"/>
+          </a:p>
+        </p:txBody>
+      </p:sp>
+      <p:sp>
+        <p:nvSpPr>
+          <p:cNvPr id="4" name="Footer Placeholder 3">
+            <a:extLst>
+              <a:ext uri="{FF2B5EF4-FFF2-40B4-BE49-F238E27FC236}">
+                <a16:creationId xmlns:a16="http://schemas.microsoft.com/office/drawing/2014/main" id="{638E7DE1-45EE-476A-A474-0F3C264AEDA3}"/>
+              </a:ext>
+            </a:extLst>
+          </p:cNvPr>
+          <p:cNvSpPr>
+            <a:spLocks noGrp="1"/>
+          </p:cNvSpPr>
+          <p:nvPr>
+            <p:ph type="ftr" sz="quarter" idx="11"/>
+          </p:nvPr>
+        </p:nvSpPr>
+        <p:spPr>
+          <a:xfrm>
+            <a:off x="0" y="6139541"/>
+            <a:ext cx="12192000" cy="718459"/>
+          </a:xfrm>
+          <a:ln w="28575">
+            <a:solidFill>
+              <a:schemeClr val="accent5">
+                <a:lumMod val="50000"/>
+              </a:schemeClr>
+            </a:solidFill>
+          </a:ln>
+        </p:spPr>
+        <p:txBody>
+          <a:bodyPr/>
+          <a:lstStyle/>
+          <a:p>
+            <a:pPr algn="r"/>
+            <a:r>
+              <a:rPr lang="en-PH" b="1" dirty="0">
+                <a:solidFill>
+                  <a:schemeClr val="tx1"/>
+                </a:solidFill>
+              </a:rPr>
+              <a:t>CCPRGG2L – Intermediate Programming</a:t>
+            </a:r>
+          </a:p>
+        </p:txBody>
+      </p:sp>
+      <p:sp>
+        <p:nvSpPr>
+          <p:cNvPr id="3" name="Title 1">
+            <a:extLst>
+              <a:ext uri="{FF2B5EF4-FFF2-40B4-BE49-F238E27FC236}">
+                <a16:creationId xmlns:a16="http://schemas.microsoft.com/office/drawing/2014/main" id="{6C30C3FD-9F67-8E4D-274C-38222F46C4C5}"/>
+              </a:ext>
+            </a:extLst>
+          </p:cNvPr>
+          <p:cNvSpPr txBox="1">
+            <a:spLocks/>
+          </p:cNvSpPr>
+          <p:nvPr/>
+        </p:nvSpPr>
+        <p:spPr>
+          <a:xfrm>
+            <a:off x="1524000" y="1516449"/>
+            <a:ext cx="9144000" cy="4290585"/>
+          </a:xfrm>
+          <a:prstGeom prst="rect">
+            <a:avLst/>
+          </a:prstGeom>
+        </p:spPr>
+        <p:txBody>
+          <a:bodyPr vert="horz" lIns="91440" tIns="45720" rIns="91440" bIns="45720" rtlCol="0" anchor="b">
+            <a:normAutofit fontScale="97500"/>
+          </a:bodyPr>
+          <a:lstStyle>
+            <a:lvl1pPr algn="ctr" defTabSz="914400" rtl="0" eaLnBrk="1" latinLnBrk="0" hangingPunct="1">
+              <a:lnSpc>
+                <a:spcPct val="90000"/>
+              </a:lnSpc>
+              <a:spcBef>
+                <a:spcPct val="0"/>
+              </a:spcBef>
+              <a:buNone/>
+              <a:defRPr sz="6000" kern="1200">
+                <a:solidFill>
+                  <a:schemeClr val="tx1"/>
+                </a:solidFill>
+                <a:latin typeface="+mj-lt"/>
+                <a:ea typeface="+mj-ea"/>
+                <a:cs typeface="+mj-cs"/>
+              </a:defRPr>
+            </a:lvl1pPr>
+          </a:lstStyle>
+          <a:p>
+            <a:pPr algn="l"/>
+            <a:endParaRPr lang="en-PH" sz="2600" dirty="0">
+              <a:latin typeface="Consolas" panose="020B0609020204030204" pitchFamily="49" charset="0"/>
+            </a:endParaRPr>
+          </a:p>
+          <a:p>
+            <a:pPr algn="l"/>
+            <a:r>
+              <a:rPr lang="en-PH" sz="2600" b="0" dirty="0">
+                <a:effectLst/>
+                <a:latin typeface="Consolas" panose="020B0609020204030204" pitchFamily="49" charset="0"/>
+              </a:rPr>
+              <a:t>                         </a:t>
+            </a:r>
+          </a:p>
+          <a:p>
+            <a:pPr algn="l"/>
+            <a:r>
+              <a:rPr lang="en-PH" sz="2600" b="0" dirty="0">
+                <a:effectLst/>
+                <a:latin typeface="Consolas" panose="020B0609020204030204" pitchFamily="49" charset="0"/>
+              </a:rPr>
+              <a:t>        </a:t>
+            </a:r>
+          </a:p>
+          <a:p>
+            <a:pPr algn="l"/>
+            <a:endParaRPr lang="en-PH" sz="2600" b="0" dirty="0">
+              <a:effectLst/>
+              <a:latin typeface="Consolas" panose="020B0609020204030204" pitchFamily="49" charset="0"/>
+            </a:endParaRPr>
+          </a:p>
+          <a:p>
+            <a:pPr algn="l"/>
+            <a:endParaRPr lang="en-PH" sz="2000" dirty="0">
+              <a:latin typeface="Consolas" panose="020B0609020204030204" pitchFamily="49" charset="0"/>
+            </a:endParaRPr>
+          </a:p>
+          <a:p>
+            <a:pPr algn="l"/>
+            <a:endParaRPr lang="en-PH" sz="2000" b="0" dirty="0">
+              <a:effectLst/>
+              <a:latin typeface="Consolas" panose="020B0609020204030204" pitchFamily="49" charset="0"/>
+            </a:endParaRPr>
+          </a:p>
+          <a:p>
+            <a:pPr algn="l"/>
+            <a:endParaRPr lang="en-PH" sz="2000" dirty="0">
+              <a:latin typeface="Consolas" panose="020B0609020204030204" pitchFamily="49" charset="0"/>
+            </a:endParaRPr>
+          </a:p>
+          <a:p>
+            <a:pPr algn="l"/>
+            <a:endParaRPr lang="en-PH" sz="2000" b="0" dirty="0">
+              <a:effectLst/>
+              <a:latin typeface="Consolas" panose="020B0609020204030204" pitchFamily="49" charset="0"/>
+            </a:endParaRPr>
+          </a:p>
+          <a:p>
+            <a:pPr algn="l"/>
+            <a:endParaRPr lang="en-PH" sz="2000" dirty="0">
+              <a:latin typeface="Consolas" panose="020B0609020204030204" pitchFamily="49" charset="0"/>
+            </a:endParaRPr>
+          </a:p>
+          <a:p>
+            <a:pPr algn="l"/>
+            <a:endParaRPr lang="en-PH" sz="2000" b="0" dirty="0">
+              <a:effectLst/>
+              <a:latin typeface="Consolas" panose="020B0609020204030204" pitchFamily="49" charset="0"/>
+            </a:endParaRPr>
+          </a:p>
+          <a:p>
+            <a:pPr algn="l"/>
+            <a:endParaRPr lang="en-PH" sz="2000" b="0" dirty="0">
+              <a:effectLst/>
+              <a:latin typeface="Consolas" panose="020B0609020204030204" pitchFamily="49" charset="0"/>
+            </a:endParaRPr>
+          </a:p>
+          <a:p>
+            <a:pPr algn="l"/>
+            <a:endParaRPr lang="en-PH" sz="2000" dirty="0">
+              <a:latin typeface="Consolas" panose="020B0609020204030204" pitchFamily="49" charset="0"/>
+            </a:endParaRPr>
+          </a:p>
+          <a:p>
+            <a:pPr algn="l"/>
+            <a:endParaRPr lang="en-PH" sz="2000" b="0" dirty="0">
+              <a:effectLst/>
+              <a:latin typeface="Consolas" panose="020B0609020204030204" pitchFamily="49" charset="0"/>
+            </a:endParaRPr>
+          </a:p>
+          <a:p>
+            <a:pPr algn="l"/>
+            <a:endParaRPr lang="en-PH" sz="2000" b="0" dirty="0">
+              <a:effectLst/>
+              <a:latin typeface="Consolas" panose="020B0609020204030204" pitchFamily="49" charset="0"/>
+            </a:endParaRPr>
+          </a:p>
+        </p:txBody>
+      </p:sp>
+      <p:sp>
+        <p:nvSpPr>
+          <p:cNvPr id="13" name="TextBox 12">
+            <a:extLst>
+              <a:ext uri="{FF2B5EF4-FFF2-40B4-BE49-F238E27FC236}">
+                <a16:creationId xmlns:a16="http://schemas.microsoft.com/office/drawing/2014/main" id="{3900C14F-041A-7E06-AEB2-454CF583C656}"/>
+              </a:ext>
+            </a:extLst>
+          </p:cNvPr>
+          <p:cNvSpPr txBox="1"/>
+          <p:nvPr/>
+        </p:nvSpPr>
+        <p:spPr>
+          <a:xfrm>
+            <a:off x="1294271" y="3067065"/>
+            <a:ext cx="787400" cy="369332"/>
+          </a:xfrm>
+          <a:prstGeom prst="rect">
+            <a:avLst/>
+          </a:prstGeom>
+          <a:noFill/>
+        </p:spPr>
+        <p:txBody>
+          <a:bodyPr wrap="square" rtlCol="0">
+            <a:spAutoFit/>
+          </a:bodyPr>
+          <a:lstStyle/>
+          <a:p>
+            <a:endParaRPr lang="en-PH" dirty="0"/>
+          </a:p>
+        </p:txBody>
+      </p:sp>
+      <p:sp>
+        <p:nvSpPr>
+          <p:cNvPr id="14" name="TextBox 13">
+            <a:extLst>
+              <a:ext uri="{FF2B5EF4-FFF2-40B4-BE49-F238E27FC236}">
+                <a16:creationId xmlns:a16="http://schemas.microsoft.com/office/drawing/2014/main" id="{75652A3C-2B5F-3EDF-F7EB-D0C6328EDA8C}"/>
+              </a:ext>
+            </a:extLst>
+          </p:cNvPr>
+          <p:cNvSpPr txBox="1"/>
+          <p:nvPr/>
+        </p:nvSpPr>
+        <p:spPr>
+          <a:xfrm>
+            <a:off x="2004950" y="1357468"/>
+            <a:ext cx="8182099" cy="4339650"/>
+          </a:xfrm>
+          <a:prstGeom prst="rect">
+            <a:avLst/>
+          </a:prstGeom>
+          <a:noFill/>
+        </p:spPr>
+        <p:txBody>
+          <a:bodyPr wrap="square" rtlCol="0">
+            <a:spAutoFit/>
+          </a:bodyPr>
+          <a:lstStyle/>
+          <a:p>
+            <a:r>
+              <a:rPr lang="en-PH" sz="2300" b="1" dirty="0">
+                <a:latin typeface="Calibri (Body)"/>
+              </a:rPr>
+              <a:t>Positive Lookahead</a:t>
+            </a:r>
+            <a:r>
+              <a:rPr lang="en-PH" sz="2300" dirty="0">
+                <a:latin typeface="Calibri (Body)"/>
+              </a:rPr>
+              <a:t>			</a:t>
+            </a:r>
+          </a:p>
+          <a:p>
+            <a:pPr marL="342900" indent="-342900">
+              <a:buFontTx/>
+              <a:buChar char="-"/>
+            </a:pPr>
+            <a:r>
+              <a:rPr lang="en-US" sz="2300" b="0" i="0" dirty="0">
+                <a:effectLst/>
+                <a:latin typeface="Calibri (Body)"/>
+              </a:rPr>
+              <a:t>Matches a group without including it in the result.</a:t>
+            </a:r>
+          </a:p>
+          <a:p>
+            <a:pPr marL="342900" indent="-342900">
+              <a:buFontTx/>
+              <a:buChar char="-"/>
+            </a:pPr>
+            <a:r>
+              <a:rPr lang="en-US" sz="2300" b="0" i="0" dirty="0">
+                <a:effectLst/>
+                <a:latin typeface="Calibri (Body)"/>
+              </a:rPr>
+              <a:t> The positive lookahead construct is a pair of parentheses, with the opening parenthesis followed by a question mark and an equals sign.</a:t>
+            </a:r>
+          </a:p>
+          <a:p>
+            <a:pPr marL="342900" indent="-342900">
+              <a:buFontTx/>
+              <a:buChar char="-"/>
+            </a:pPr>
+            <a:endParaRPr lang="en-US" sz="2300" b="0" i="0" dirty="0">
+              <a:effectLst/>
+              <a:latin typeface="Calibri (Body)"/>
+            </a:endParaRPr>
+          </a:p>
+          <a:p>
+            <a:r>
+              <a:rPr lang="en-PH" sz="2300" dirty="0">
+                <a:latin typeface="Calibri (Body)"/>
+              </a:rPr>
+              <a:t>Pattern: \d</a:t>
+            </a:r>
+            <a:r>
+              <a:rPr lang="en-PH" sz="2300" b="1" dirty="0">
+                <a:solidFill>
+                  <a:srgbClr val="FF0000"/>
+                </a:solidFill>
+                <a:latin typeface="Calibri (Body)"/>
+              </a:rPr>
+              <a:t>(?=</a:t>
+            </a:r>
+            <a:r>
+              <a:rPr lang="en-PH" sz="2300" dirty="0" err="1">
+                <a:latin typeface="Calibri (Body)"/>
+              </a:rPr>
+              <a:t>px</a:t>
+            </a:r>
+            <a:r>
+              <a:rPr lang="en-PH" sz="2300" b="1" dirty="0">
+                <a:solidFill>
+                  <a:srgbClr val="FF0000"/>
+                </a:solidFill>
+                <a:latin typeface="Calibri (Body)"/>
+              </a:rPr>
+              <a:t>)</a:t>
+            </a:r>
+          </a:p>
+          <a:p>
+            <a:endParaRPr lang="en-PH" sz="2300" dirty="0">
+              <a:latin typeface="Calibri (Body)"/>
+            </a:endParaRPr>
+          </a:p>
+          <a:p>
+            <a:r>
+              <a:rPr lang="en-PH" sz="2300" dirty="0">
+                <a:latin typeface="Calibri (Body)"/>
+              </a:rPr>
+              <a:t>Match: 1pt</a:t>
+            </a:r>
+            <a:r>
+              <a:rPr lang="en-PH" sz="2300" b="1" dirty="0">
+                <a:latin typeface="Calibri (Body)"/>
+              </a:rPr>
+              <a:t> </a:t>
+            </a:r>
+            <a:r>
+              <a:rPr lang="en-PH" sz="2300" b="1" dirty="0">
+                <a:solidFill>
+                  <a:srgbClr val="00B050"/>
+                </a:solidFill>
+                <a:latin typeface="Calibri (Body)"/>
+              </a:rPr>
+              <a:t>2</a:t>
+            </a:r>
+            <a:r>
+              <a:rPr lang="en-PH" sz="2300" dirty="0">
+                <a:latin typeface="Calibri (Body)"/>
+              </a:rPr>
+              <a:t>px</a:t>
+            </a:r>
+            <a:r>
+              <a:rPr lang="en-PH" sz="2300" b="1" dirty="0">
+                <a:latin typeface="Calibri (Body)"/>
+              </a:rPr>
+              <a:t> </a:t>
+            </a:r>
+            <a:r>
+              <a:rPr lang="en-PH" sz="2300" dirty="0">
+                <a:latin typeface="Calibri (Body)"/>
+              </a:rPr>
+              <a:t>3em</a:t>
+            </a:r>
+            <a:r>
+              <a:rPr lang="en-PH" sz="2300" b="1" dirty="0">
+                <a:latin typeface="Calibri (Body)"/>
+              </a:rPr>
+              <a:t> </a:t>
+            </a:r>
+            <a:r>
+              <a:rPr lang="en-PH" sz="2300" b="1" dirty="0">
+                <a:solidFill>
+                  <a:srgbClr val="00B050"/>
+                </a:solidFill>
+                <a:latin typeface="Calibri (Body)"/>
+              </a:rPr>
+              <a:t>4</a:t>
+            </a:r>
+            <a:r>
+              <a:rPr lang="en-PH" sz="2300" dirty="0">
+                <a:latin typeface="Calibri (Body)"/>
+              </a:rPr>
+              <a:t>px</a:t>
+            </a:r>
+          </a:p>
+          <a:p>
+            <a:endParaRPr lang="en-PH" sz="2300" b="1" dirty="0">
+              <a:latin typeface="Calibri (Body)"/>
+            </a:endParaRPr>
+          </a:p>
+          <a:p>
+            <a:r>
+              <a:rPr lang="en-US" sz="2300" b="0" i="0" dirty="0">
+                <a:effectLst/>
+                <a:latin typeface="Calibri (Body)"/>
+              </a:rPr>
+              <a:t>matches any </a:t>
+            </a:r>
+            <a:r>
+              <a:rPr lang="en-US" sz="2300" dirty="0">
+                <a:latin typeface="Calibri (Body)"/>
+              </a:rPr>
+              <a:t>digit</a:t>
+            </a:r>
+            <a:r>
+              <a:rPr lang="en-US" sz="2300" b="0" i="0" dirty="0">
+                <a:effectLst/>
+                <a:latin typeface="Calibri (Body)"/>
+              </a:rPr>
+              <a:t> that is followed by “</a:t>
+            </a:r>
+            <a:r>
+              <a:rPr lang="en-US" sz="2300" b="0" i="0" dirty="0" err="1">
+                <a:effectLst/>
+                <a:latin typeface="Calibri (Body)"/>
+              </a:rPr>
+              <a:t>px</a:t>
+            </a:r>
+            <a:r>
+              <a:rPr lang="en-US" sz="2300" b="0" i="0" dirty="0">
+                <a:effectLst/>
+                <a:latin typeface="Calibri (Body)"/>
+              </a:rPr>
+              <a:t>”, without making the “</a:t>
+            </a:r>
+            <a:r>
+              <a:rPr lang="en-US" sz="2300" b="0" i="0" dirty="0" err="1">
+                <a:effectLst/>
+                <a:latin typeface="Calibri (Body)"/>
+              </a:rPr>
+              <a:t>px</a:t>
+            </a:r>
+            <a:r>
+              <a:rPr lang="en-US" sz="2300" b="0" i="0" dirty="0">
+                <a:effectLst/>
+                <a:latin typeface="Calibri (Body)"/>
+              </a:rPr>
+              <a:t>” part of the match.</a:t>
+            </a:r>
+            <a:endParaRPr lang="en-PH" sz="2300" b="1" dirty="0">
+              <a:latin typeface="Calibri (Body)"/>
+            </a:endParaRPr>
+          </a:p>
+        </p:txBody>
+      </p:sp>
+    </p:spTree>
+    <p:extLst>
+      <p:ext uri="{BB962C8B-B14F-4D97-AF65-F5344CB8AC3E}">
+        <p14:creationId xmlns:p14="http://schemas.microsoft.com/office/powerpoint/2010/main" val="154451357"/>
+      </p:ext>
+    </p:extLst>
+  </p:cSld>
+  <p:clrMapOvr>
+    <a:masterClrMapping/>
+  </p:clrMapOvr>
+</p:sld>
+</file>
+
+<file path=ppt/slides/slide34.xml><?xml version="1.0" encoding="utf-8"?>
+<p:sld xmlns:a="http://schemas.openxmlformats.org/drawingml/2006/main" xmlns:r="http://schemas.openxmlformats.org/officeDocument/2006/relationships" xmlns:p="http://schemas.openxmlformats.org/presentationml/2006/main">
+  <p:cSld>
+    <p:bg>
+      <p:bgPr>
+        <a:blipFill dpi="0" rotWithShape="1">
+          <a:blip r:embed="rId3">
+            <a:alphaModFix amt="99000"/>
+            <a:lum/>
+          </a:blip>
+          <a:srcRect/>
+          <a:stretch>
+            <a:fillRect t="89000" r="85000" b="-1000"/>
+          </a:stretch>
+        </a:blipFill>
+        <a:effectLst/>
+      </p:bgPr>
+    </p:bg>
+    <p:spTree>
+      <p:nvGrpSpPr>
+        <p:cNvPr id="1" name=""/>
+        <p:cNvGrpSpPr/>
+        <p:nvPr/>
+      </p:nvGrpSpPr>
+      <p:grpSpPr>
+        <a:xfrm>
+          <a:off x="0" y="0"/>
+          <a:ext cx="0" cy="0"/>
+          <a:chOff x="0" y="0"/>
+          <a:chExt cx="0" cy="0"/>
+        </a:xfrm>
+      </p:grpSpPr>
+      <p:sp>
+        <p:nvSpPr>
+          <p:cNvPr id="2" name="Title 1">
+            <a:extLst>
+              <a:ext uri="{FF2B5EF4-FFF2-40B4-BE49-F238E27FC236}">
+                <a16:creationId xmlns:a16="http://schemas.microsoft.com/office/drawing/2014/main" id="{6A3DCE86-C2BA-4713-9E7A-73589E8D6CCF}"/>
+              </a:ext>
+            </a:extLst>
+          </p:cNvPr>
+          <p:cNvSpPr>
+            <a:spLocks noGrp="1"/>
+          </p:cNvSpPr>
+          <p:nvPr>
+            <p:ph type="ctrTitle"/>
+          </p:nvPr>
+        </p:nvSpPr>
+        <p:spPr>
+          <a:xfrm>
+            <a:off x="1524000" y="497150"/>
+            <a:ext cx="9144000" cy="718459"/>
+          </a:xfrm>
+        </p:spPr>
+        <p:txBody>
+          <a:bodyPr>
+            <a:noAutofit/>
+          </a:bodyPr>
+          <a:lstStyle/>
+          <a:p>
+            <a:r>
+              <a:rPr lang="en-PH" sz="5400" b="1" dirty="0" err="1"/>
+              <a:t>Lookaround</a:t>
+            </a:r>
+            <a:endParaRPr lang="en-PH" sz="5000" b="1" dirty="0"/>
+          </a:p>
+        </p:txBody>
+      </p:sp>
+      <p:sp>
+        <p:nvSpPr>
+          <p:cNvPr id="4" name="Footer Placeholder 3">
+            <a:extLst>
+              <a:ext uri="{FF2B5EF4-FFF2-40B4-BE49-F238E27FC236}">
+                <a16:creationId xmlns:a16="http://schemas.microsoft.com/office/drawing/2014/main" id="{638E7DE1-45EE-476A-A474-0F3C264AEDA3}"/>
+              </a:ext>
+            </a:extLst>
+          </p:cNvPr>
+          <p:cNvSpPr>
+            <a:spLocks noGrp="1"/>
+          </p:cNvSpPr>
+          <p:nvPr>
+            <p:ph type="ftr" sz="quarter" idx="11"/>
+          </p:nvPr>
+        </p:nvSpPr>
+        <p:spPr>
+          <a:xfrm>
+            <a:off x="0" y="6139541"/>
+            <a:ext cx="12192000" cy="718459"/>
+          </a:xfrm>
+          <a:ln w="28575">
+            <a:solidFill>
+              <a:schemeClr val="accent5">
+                <a:lumMod val="50000"/>
+              </a:schemeClr>
+            </a:solidFill>
+          </a:ln>
+        </p:spPr>
+        <p:txBody>
+          <a:bodyPr/>
+          <a:lstStyle/>
+          <a:p>
+            <a:pPr algn="r"/>
+            <a:r>
+              <a:rPr lang="en-PH" b="1" dirty="0">
+                <a:solidFill>
+                  <a:schemeClr val="tx1"/>
+                </a:solidFill>
+              </a:rPr>
+              <a:t>CCPRGG2L – Intermediate Programming</a:t>
+            </a:r>
+          </a:p>
+        </p:txBody>
+      </p:sp>
+      <p:sp>
+        <p:nvSpPr>
+          <p:cNvPr id="3" name="Title 1">
+            <a:extLst>
+              <a:ext uri="{FF2B5EF4-FFF2-40B4-BE49-F238E27FC236}">
+                <a16:creationId xmlns:a16="http://schemas.microsoft.com/office/drawing/2014/main" id="{6C30C3FD-9F67-8E4D-274C-38222F46C4C5}"/>
+              </a:ext>
+            </a:extLst>
+          </p:cNvPr>
+          <p:cNvSpPr txBox="1">
+            <a:spLocks/>
+          </p:cNvSpPr>
+          <p:nvPr/>
+        </p:nvSpPr>
+        <p:spPr>
+          <a:xfrm>
+            <a:off x="1524000" y="1516449"/>
+            <a:ext cx="9144000" cy="4290585"/>
+          </a:xfrm>
+          <a:prstGeom prst="rect">
+            <a:avLst/>
+          </a:prstGeom>
+        </p:spPr>
+        <p:txBody>
+          <a:bodyPr vert="horz" lIns="91440" tIns="45720" rIns="91440" bIns="45720" rtlCol="0" anchor="b">
+            <a:normAutofit fontScale="97500"/>
+          </a:bodyPr>
+          <a:lstStyle>
+            <a:lvl1pPr algn="ctr" defTabSz="914400" rtl="0" eaLnBrk="1" latinLnBrk="0" hangingPunct="1">
+              <a:lnSpc>
+                <a:spcPct val="90000"/>
+              </a:lnSpc>
+              <a:spcBef>
+                <a:spcPct val="0"/>
+              </a:spcBef>
+              <a:buNone/>
+              <a:defRPr sz="6000" kern="1200">
+                <a:solidFill>
+                  <a:schemeClr val="tx1"/>
+                </a:solidFill>
+                <a:latin typeface="+mj-lt"/>
+                <a:ea typeface="+mj-ea"/>
+                <a:cs typeface="+mj-cs"/>
+              </a:defRPr>
+            </a:lvl1pPr>
+          </a:lstStyle>
+          <a:p>
+            <a:pPr algn="l"/>
+            <a:endParaRPr lang="en-PH" sz="2600" dirty="0">
+              <a:latin typeface="Consolas" panose="020B0609020204030204" pitchFamily="49" charset="0"/>
+            </a:endParaRPr>
+          </a:p>
+          <a:p>
+            <a:pPr algn="l"/>
+            <a:r>
+              <a:rPr lang="en-PH" sz="2600" b="0" dirty="0">
+                <a:effectLst/>
+                <a:latin typeface="Consolas" panose="020B0609020204030204" pitchFamily="49" charset="0"/>
+              </a:rPr>
+              <a:t>                         </a:t>
+            </a:r>
+          </a:p>
+          <a:p>
+            <a:pPr algn="l"/>
+            <a:r>
+              <a:rPr lang="en-PH" sz="2600" b="0" dirty="0">
+                <a:effectLst/>
+                <a:latin typeface="Consolas" panose="020B0609020204030204" pitchFamily="49" charset="0"/>
+              </a:rPr>
+              <a:t>        </a:t>
+            </a:r>
+          </a:p>
+          <a:p>
+            <a:pPr algn="l"/>
+            <a:endParaRPr lang="en-PH" sz="2600" b="0" dirty="0">
+              <a:effectLst/>
+              <a:latin typeface="Consolas" panose="020B0609020204030204" pitchFamily="49" charset="0"/>
+            </a:endParaRPr>
+          </a:p>
+          <a:p>
+            <a:pPr algn="l"/>
+            <a:endParaRPr lang="en-PH" sz="2000" dirty="0">
+              <a:latin typeface="Consolas" panose="020B0609020204030204" pitchFamily="49" charset="0"/>
+            </a:endParaRPr>
+          </a:p>
+          <a:p>
+            <a:pPr algn="l"/>
+            <a:endParaRPr lang="en-PH" sz="2000" b="0" dirty="0">
+              <a:effectLst/>
+              <a:latin typeface="Consolas" panose="020B0609020204030204" pitchFamily="49" charset="0"/>
+            </a:endParaRPr>
+          </a:p>
+          <a:p>
+            <a:pPr algn="l"/>
+            <a:endParaRPr lang="en-PH" sz="2000" dirty="0">
+              <a:latin typeface="Consolas" panose="020B0609020204030204" pitchFamily="49" charset="0"/>
+            </a:endParaRPr>
+          </a:p>
+          <a:p>
+            <a:pPr algn="l"/>
+            <a:endParaRPr lang="en-PH" sz="2000" b="0" dirty="0">
+              <a:effectLst/>
+              <a:latin typeface="Consolas" panose="020B0609020204030204" pitchFamily="49" charset="0"/>
+            </a:endParaRPr>
+          </a:p>
+          <a:p>
+            <a:pPr algn="l"/>
+            <a:endParaRPr lang="en-PH" sz="2000" dirty="0">
+              <a:latin typeface="Consolas" panose="020B0609020204030204" pitchFamily="49" charset="0"/>
+            </a:endParaRPr>
+          </a:p>
+          <a:p>
+            <a:pPr algn="l"/>
+            <a:endParaRPr lang="en-PH" sz="2000" b="0" dirty="0">
+              <a:effectLst/>
+              <a:latin typeface="Consolas" panose="020B0609020204030204" pitchFamily="49" charset="0"/>
+            </a:endParaRPr>
+          </a:p>
+          <a:p>
+            <a:pPr algn="l"/>
+            <a:endParaRPr lang="en-PH" sz="2000" b="0" dirty="0">
+              <a:effectLst/>
+              <a:latin typeface="Consolas" panose="020B0609020204030204" pitchFamily="49" charset="0"/>
+            </a:endParaRPr>
+          </a:p>
+          <a:p>
+            <a:pPr algn="l"/>
+            <a:endParaRPr lang="en-PH" sz="2000" dirty="0">
+              <a:latin typeface="Consolas" panose="020B0609020204030204" pitchFamily="49" charset="0"/>
+            </a:endParaRPr>
+          </a:p>
+          <a:p>
+            <a:pPr algn="l"/>
+            <a:endParaRPr lang="en-PH" sz="2000" b="0" dirty="0">
+              <a:effectLst/>
+              <a:latin typeface="Consolas" panose="020B0609020204030204" pitchFamily="49" charset="0"/>
+            </a:endParaRPr>
+          </a:p>
+          <a:p>
+            <a:pPr algn="l"/>
+            <a:endParaRPr lang="en-PH" sz="2000" b="0" dirty="0">
+              <a:effectLst/>
+              <a:latin typeface="Consolas" panose="020B0609020204030204" pitchFamily="49" charset="0"/>
+            </a:endParaRPr>
+          </a:p>
+        </p:txBody>
+      </p:sp>
+      <p:sp>
+        <p:nvSpPr>
+          <p:cNvPr id="13" name="TextBox 12">
+            <a:extLst>
+              <a:ext uri="{FF2B5EF4-FFF2-40B4-BE49-F238E27FC236}">
+                <a16:creationId xmlns:a16="http://schemas.microsoft.com/office/drawing/2014/main" id="{3900C14F-041A-7E06-AEB2-454CF583C656}"/>
+              </a:ext>
+            </a:extLst>
+          </p:cNvPr>
+          <p:cNvSpPr txBox="1"/>
+          <p:nvPr/>
+        </p:nvSpPr>
+        <p:spPr>
+          <a:xfrm>
+            <a:off x="1294271" y="3067065"/>
+            <a:ext cx="787400" cy="369332"/>
+          </a:xfrm>
+          <a:prstGeom prst="rect">
+            <a:avLst/>
+          </a:prstGeom>
+          <a:noFill/>
+        </p:spPr>
+        <p:txBody>
+          <a:bodyPr wrap="square" rtlCol="0">
+            <a:spAutoFit/>
+          </a:bodyPr>
+          <a:lstStyle/>
+          <a:p>
+            <a:endParaRPr lang="en-PH" dirty="0"/>
+          </a:p>
+        </p:txBody>
+      </p:sp>
+      <p:sp>
+        <p:nvSpPr>
+          <p:cNvPr id="14" name="TextBox 13">
+            <a:extLst>
+              <a:ext uri="{FF2B5EF4-FFF2-40B4-BE49-F238E27FC236}">
+                <a16:creationId xmlns:a16="http://schemas.microsoft.com/office/drawing/2014/main" id="{75652A3C-2B5F-3EDF-F7EB-D0C6328EDA8C}"/>
+              </a:ext>
+            </a:extLst>
+          </p:cNvPr>
+          <p:cNvSpPr txBox="1"/>
+          <p:nvPr/>
+        </p:nvSpPr>
+        <p:spPr>
+          <a:xfrm>
+            <a:off x="2004950" y="1357468"/>
+            <a:ext cx="8182099" cy="4693593"/>
+          </a:xfrm>
+          <a:prstGeom prst="rect">
+            <a:avLst/>
+          </a:prstGeom>
+          <a:noFill/>
+        </p:spPr>
+        <p:txBody>
+          <a:bodyPr wrap="square" rtlCol="0">
+            <a:spAutoFit/>
+          </a:bodyPr>
+          <a:lstStyle/>
+          <a:p>
+            <a:r>
+              <a:rPr lang="en-PH" sz="2300" b="1" dirty="0">
+                <a:latin typeface="Calibri (Body)"/>
+              </a:rPr>
+              <a:t>Negative Lookahead</a:t>
+            </a:r>
+            <a:r>
+              <a:rPr lang="en-PH" sz="2300" dirty="0">
+                <a:latin typeface="Calibri (Body)"/>
+              </a:rPr>
+              <a:t>			</a:t>
+            </a:r>
+          </a:p>
+          <a:p>
+            <a:pPr marL="342900" indent="-342900">
+              <a:buFontTx/>
+              <a:buChar char="-"/>
+            </a:pPr>
+            <a:r>
+              <a:rPr lang="en-US" sz="2300" b="0" i="0" dirty="0">
+                <a:effectLst/>
+                <a:latin typeface="Calibri (Body)"/>
+              </a:rPr>
+              <a:t>Matches a string that is not in the group without including it in the result.</a:t>
+            </a:r>
+          </a:p>
+          <a:p>
+            <a:pPr marL="342900" indent="-342900">
+              <a:buFontTx/>
+              <a:buChar char="-"/>
+            </a:pPr>
+            <a:r>
+              <a:rPr lang="en-US" sz="2300" b="0" i="0" dirty="0">
+                <a:solidFill>
+                  <a:srgbClr val="000000"/>
+                </a:solidFill>
+                <a:effectLst/>
+                <a:latin typeface="Calibri (Body)"/>
+              </a:rPr>
+              <a:t> The positive lookahead construct is a pair of parentheses, with the opening parenthesis followed by a question mark and an exclamation mark.</a:t>
+            </a:r>
+          </a:p>
+          <a:p>
+            <a:pPr marL="342900" indent="-342900">
+              <a:buFontTx/>
+              <a:buChar char="-"/>
+            </a:pPr>
+            <a:endParaRPr lang="en-US" sz="2300" b="0" i="0" dirty="0">
+              <a:solidFill>
+                <a:srgbClr val="B7BCC0"/>
+              </a:solidFill>
+              <a:effectLst/>
+              <a:latin typeface="Calibri (Body)"/>
+            </a:endParaRPr>
+          </a:p>
+          <a:p>
+            <a:r>
+              <a:rPr lang="en-PH" sz="2300" dirty="0">
+                <a:latin typeface="Calibri (Body)"/>
+              </a:rPr>
+              <a:t>Pattern:</a:t>
+            </a:r>
+            <a:r>
+              <a:rPr lang="en-PH" sz="2300" dirty="0">
+                <a:solidFill>
+                  <a:srgbClr val="FF0000"/>
+                </a:solidFill>
+                <a:latin typeface="Calibri (Body)"/>
+              </a:rPr>
+              <a:t> </a:t>
+            </a:r>
+            <a:r>
+              <a:rPr lang="en-PH" sz="2300" dirty="0">
+                <a:latin typeface="Calibri (Body)"/>
+              </a:rPr>
+              <a:t>\d</a:t>
+            </a:r>
+            <a:r>
+              <a:rPr lang="en-PH" sz="2300" b="1" dirty="0">
+                <a:solidFill>
+                  <a:srgbClr val="FF0000"/>
+                </a:solidFill>
+                <a:latin typeface="Calibri (Body)"/>
+              </a:rPr>
+              <a:t>(?!</a:t>
+            </a:r>
+            <a:r>
+              <a:rPr lang="en-PH" sz="2300" dirty="0" err="1">
+                <a:latin typeface="Calibri (Body)"/>
+              </a:rPr>
+              <a:t>px</a:t>
+            </a:r>
+            <a:r>
+              <a:rPr lang="en-PH" sz="2300" b="1" dirty="0">
+                <a:solidFill>
+                  <a:srgbClr val="FF0000"/>
+                </a:solidFill>
+                <a:latin typeface="Calibri (Body)"/>
+              </a:rPr>
+              <a:t>)</a:t>
+            </a:r>
+          </a:p>
+          <a:p>
+            <a:endParaRPr lang="en-PH" sz="2300" dirty="0">
+              <a:latin typeface="Calibri (Body)"/>
+            </a:endParaRPr>
+          </a:p>
+          <a:p>
+            <a:r>
+              <a:rPr lang="en-PH" sz="2300" dirty="0">
+                <a:latin typeface="Calibri (Body)"/>
+              </a:rPr>
+              <a:t>Match: </a:t>
+            </a:r>
+            <a:r>
+              <a:rPr lang="en-PH" sz="2300" b="1" dirty="0">
+                <a:solidFill>
+                  <a:srgbClr val="00B050"/>
+                </a:solidFill>
+                <a:latin typeface="Calibri (Body)"/>
+              </a:rPr>
+              <a:t>1</a:t>
+            </a:r>
+            <a:r>
+              <a:rPr lang="en-PH" sz="2300" dirty="0">
+                <a:latin typeface="Calibri (Body)"/>
+              </a:rPr>
+              <a:t>pt</a:t>
+            </a:r>
+            <a:r>
+              <a:rPr lang="en-PH" sz="2300" b="1" dirty="0">
+                <a:latin typeface="Calibri (Body)"/>
+              </a:rPr>
+              <a:t> </a:t>
+            </a:r>
+            <a:r>
+              <a:rPr lang="en-PH" sz="2300" dirty="0">
+                <a:latin typeface="Calibri (Body)"/>
+              </a:rPr>
+              <a:t>2px</a:t>
+            </a:r>
+            <a:r>
+              <a:rPr lang="en-PH" sz="2300" b="1" dirty="0">
+                <a:latin typeface="Calibri (Body)"/>
+              </a:rPr>
+              <a:t> </a:t>
+            </a:r>
+            <a:r>
+              <a:rPr lang="en-PH" sz="2300" b="1" dirty="0">
+                <a:solidFill>
+                  <a:srgbClr val="00B050"/>
+                </a:solidFill>
+                <a:latin typeface="Calibri (Body)"/>
+              </a:rPr>
+              <a:t>3</a:t>
+            </a:r>
+            <a:r>
+              <a:rPr lang="en-PH" sz="2300" dirty="0">
+                <a:latin typeface="Calibri (Body)"/>
+              </a:rPr>
+              <a:t>em</a:t>
+            </a:r>
+            <a:r>
+              <a:rPr lang="en-PH" sz="2300" b="1" dirty="0">
+                <a:latin typeface="Calibri (Body)"/>
+              </a:rPr>
+              <a:t> </a:t>
+            </a:r>
+            <a:r>
+              <a:rPr lang="en-PH" sz="2300" dirty="0">
+                <a:latin typeface="Calibri (Body)"/>
+              </a:rPr>
+              <a:t>4px</a:t>
+            </a:r>
+          </a:p>
+          <a:p>
+            <a:endParaRPr lang="en-PH" sz="2300" b="1" dirty="0">
+              <a:solidFill>
+                <a:srgbClr val="00B050"/>
+              </a:solidFill>
+              <a:latin typeface="Calibri (Body)"/>
+            </a:endParaRPr>
+          </a:p>
+          <a:p>
+            <a:r>
+              <a:rPr lang="en-US" sz="2300" b="0" i="0" dirty="0">
+                <a:solidFill>
+                  <a:srgbClr val="000000"/>
+                </a:solidFill>
+                <a:effectLst/>
+                <a:latin typeface="Calibri (Body)"/>
+              </a:rPr>
+              <a:t>matches any </a:t>
+            </a:r>
+            <a:r>
+              <a:rPr lang="en-US" sz="2300" dirty="0">
+                <a:solidFill>
+                  <a:srgbClr val="000000"/>
+                </a:solidFill>
+                <a:latin typeface="Calibri (Body)"/>
+              </a:rPr>
+              <a:t>digit</a:t>
+            </a:r>
+            <a:r>
+              <a:rPr lang="en-US" sz="2300" b="0" i="0" dirty="0">
+                <a:solidFill>
+                  <a:srgbClr val="000000"/>
+                </a:solidFill>
+                <a:effectLst/>
+                <a:latin typeface="Calibri (Body)"/>
+              </a:rPr>
+              <a:t> that is not followed by “</a:t>
+            </a:r>
+            <a:r>
+              <a:rPr lang="en-US" sz="2300" b="0" i="0" dirty="0" err="1">
+                <a:solidFill>
+                  <a:srgbClr val="000000"/>
+                </a:solidFill>
+                <a:effectLst/>
+                <a:latin typeface="Calibri (Body)"/>
+              </a:rPr>
+              <a:t>px</a:t>
+            </a:r>
+            <a:r>
+              <a:rPr lang="en-US" sz="2300" b="0" i="0" dirty="0">
+                <a:solidFill>
+                  <a:srgbClr val="000000"/>
+                </a:solidFill>
+                <a:effectLst/>
+                <a:latin typeface="Calibri (Body)"/>
+              </a:rPr>
+              <a:t>”, without making the “</a:t>
+            </a:r>
+            <a:r>
+              <a:rPr lang="en-US" sz="2300" b="0" i="0" dirty="0" err="1">
+                <a:solidFill>
+                  <a:srgbClr val="000000"/>
+                </a:solidFill>
+                <a:effectLst/>
+                <a:latin typeface="Calibri (Body)"/>
+              </a:rPr>
+              <a:t>px</a:t>
+            </a:r>
+            <a:r>
+              <a:rPr lang="en-US" sz="2300" b="0" i="0" dirty="0">
+                <a:solidFill>
+                  <a:srgbClr val="000000"/>
+                </a:solidFill>
+                <a:effectLst/>
+                <a:latin typeface="Calibri (Body)"/>
+              </a:rPr>
+              <a:t>” part of the match.</a:t>
+            </a:r>
+            <a:endParaRPr lang="en-PH" sz="2300" b="1" dirty="0">
+              <a:solidFill>
+                <a:srgbClr val="00B050"/>
+              </a:solidFill>
+              <a:latin typeface="Calibri (Body)"/>
+            </a:endParaRPr>
+          </a:p>
+        </p:txBody>
+      </p:sp>
+    </p:spTree>
+    <p:extLst>
+      <p:ext uri="{BB962C8B-B14F-4D97-AF65-F5344CB8AC3E}">
+        <p14:creationId xmlns:p14="http://schemas.microsoft.com/office/powerpoint/2010/main" val="3402255482"/>
+      </p:ext>
+    </p:extLst>
+  </p:cSld>
+  <p:clrMapOvr>
+    <a:masterClrMapping/>
+  </p:clrMapOvr>
+</p:sld>
+</file>
+
+<file path=ppt/slides/slide35.xml><?xml version="1.0" encoding="utf-8"?>
+<p:sld xmlns:a="http://schemas.openxmlformats.org/drawingml/2006/main" xmlns:r="http://schemas.openxmlformats.org/officeDocument/2006/relationships" xmlns:p="http://schemas.openxmlformats.org/presentationml/2006/main">
+  <p:cSld>
+    <p:bg>
+      <p:bgPr>
+        <a:blipFill dpi="0" rotWithShape="1">
+          <a:blip r:embed="rId3">
+            <a:alphaModFix amt="99000"/>
+            <a:lum/>
+          </a:blip>
+          <a:srcRect/>
+          <a:stretch>
+            <a:fillRect t="89000" r="85000" b="-1000"/>
+          </a:stretch>
+        </a:blipFill>
+        <a:effectLst/>
+      </p:bgPr>
+    </p:bg>
+    <p:spTree>
+      <p:nvGrpSpPr>
+        <p:cNvPr id="1" name=""/>
+        <p:cNvGrpSpPr/>
+        <p:nvPr/>
+      </p:nvGrpSpPr>
+      <p:grpSpPr>
+        <a:xfrm>
+          <a:off x="0" y="0"/>
+          <a:ext cx="0" cy="0"/>
+          <a:chOff x="0" y="0"/>
+          <a:chExt cx="0" cy="0"/>
+        </a:xfrm>
+      </p:grpSpPr>
+      <p:sp>
+        <p:nvSpPr>
+          <p:cNvPr id="2" name="Title 1">
+            <a:extLst>
+              <a:ext uri="{FF2B5EF4-FFF2-40B4-BE49-F238E27FC236}">
+                <a16:creationId xmlns:a16="http://schemas.microsoft.com/office/drawing/2014/main" id="{6A3DCE86-C2BA-4713-9E7A-73589E8D6CCF}"/>
+              </a:ext>
+            </a:extLst>
+          </p:cNvPr>
+          <p:cNvSpPr>
+            <a:spLocks noGrp="1"/>
+          </p:cNvSpPr>
+          <p:nvPr>
+            <p:ph type="ctrTitle"/>
+          </p:nvPr>
+        </p:nvSpPr>
+        <p:spPr>
+          <a:xfrm>
+            <a:off x="1524000" y="497150"/>
+            <a:ext cx="9144000" cy="718459"/>
+          </a:xfrm>
+        </p:spPr>
+        <p:txBody>
+          <a:bodyPr>
+            <a:noAutofit/>
+          </a:bodyPr>
+          <a:lstStyle/>
+          <a:p>
+            <a:r>
+              <a:rPr lang="en-PH" sz="5400" b="1" dirty="0"/>
+              <a:t>Reserved Characters</a:t>
+            </a:r>
+            <a:endParaRPr lang="en-PH" sz="5000" b="1" dirty="0"/>
+          </a:p>
+        </p:txBody>
+      </p:sp>
+      <p:sp>
+        <p:nvSpPr>
+          <p:cNvPr id="4" name="Footer Placeholder 3">
+            <a:extLst>
+              <a:ext uri="{FF2B5EF4-FFF2-40B4-BE49-F238E27FC236}">
+                <a16:creationId xmlns:a16="http://schemas.microsoft.com/office/drawing/2014/main" id="{638E7DE1-45EE-476A-A474-0F3C264AEDA3}"/>
+              </a:ext>
+            </a:extLst>
+          </p:cNvPr>
+          <p:cNvSpPr>
+            <a:spLocks noGrp="1"/>
+          </p:cNvSpPr>
+          <p:nvPr>
+            <p:ph type="ftr" sz="quarter" idx="11"/>
+          </p:nvPr>
+        </p:nvSpPr>
+        <p:spPr>
+          <a:xfrm>
+            <a:off x="0" y="6139541"/>
+            <a:ext cx="12192000" cy="718459"/>
+          </a:xfrm>
+          <a:ln w="28575">
+            <a:solidFill>
+              <a:schemeClr val="accent5">
+                <a:lumMod val="50000"/>
+              </a:schemeClr>
+            </a:solidFill>
+          </a:ln>
+        </p:spPr>
+        <p:txBody>
+          <a:bodyPr/>
+          <a:lstStyle/>
+          <a:p>
+            <a:pPr algn="r"/>
+            <a:r>
+              <a:rPr lang="en-PH" b="1" dirty="0">
+                <a:solidFill>
+                  <a:schemeClr val="tx1"/>
+                </a:solidFill>
+              </a:rPr>
+              <a:t>CCPRGG2L – Intermediate Programming</a:t>
+            </a:r>
+          </a:p>
+        </p:txBody>
+      </p:sp>
+      <p:sp>
+        <p:nvSpPr>
+          <p:cNvPr id="3" name="Title 1">
+            <a:extLst>
+              <a:ext uri="{FF2B5EF4-FFF2-40B4-BE49-F238E27FC236}">
+                <a16:creationId xmlns:a16="http://schemas.microsoft.com/office/drawing/2014/main" id="{6C30C3FD-9F67-8E4D-274C-38222F46C4C5}"/>
+              </a:ext>
+            </a:extLst>
+          </p:cNvPr>
+          <p:cNvSpPr txBox="1">
+            <a:spLocks/>
+          </p:cNvSpPr>
+          <p:nvPr/>
+        </p:nvSpPr>
+        <p:spPr>
+          <a:xfrm>
+            <a:off x="1524000" y="1516449"/>
+            <a:ext cx="9144000" cy="4290585"/>
+          </a:xfrm>
+          <a:prstGeom prst="rect">
+            <a:avLst/>
+          </a:prstGeom>
+        </p:spPr>
+        <p:txBody>
+          <a:bodyPr vert="horz" lIns="91440" tIns="45720" rIns="91440" bIns="45720" rtlCol="0" anchor="b">
+            <a:normAutofit fontScale="97500"/>
+          </a:bodyPr>
+          <a:lstStyle>
+            <a:lvl1pPr algn="ctr" defTabSz="914400" rtl="0" eaLnBrk="1" latinLnBrk="0" hangingPunct="1">
+              <a:lnSpc>
+                <a:spcPct val="90000"/>
+              </a:lnSpc>
+              <a:spcBef>
+                <a:spcPct val="0"/>
+              </a:spcBef>
+              <a:buNone/>
+              <a:defRPr sz="6000" kern="1200">
+                <a:solidFill>
+                  <a:schemeClr val="tx1"/>
+                </a:solidFill>
+                <a:latin typeface="+mj-lt"/>
+                <a:ea typeface="+mj-ea"/>
+                <a:cs typeface="+mj-cs"/>
+              </a:defRPr>
+            </a:lvl1pPr>
+          </a:lstStyle>
+          <a:p>
+            <a:pPr algn="l"/>
+            <a:endParaRPr lang="en-PH" sz="2600" dirty="0">
+              <a:latin typeface="Consolas" panose="020B0609020204030204" pitchFamily="49" charset="0"/>
+            </a:endParaRPr>
+          </a:p>
+          <a:p>
+            <a:pPr algn="l"/>
+            <a:r>
+              <a:rPr lang="en-PH" sz="2600" b="0" dirty="0">
+                <a:effectLst/>
+                <a:latin typeface="Consolas" panose="020B0609020204030204" pitchFamily="49" charset="0"/>
+              </a:rPr>
+              <a:t>                         </a:t>
+            </a:r>
+          </a:p>
+          <a:p>
+            <a:pPr algn="l"/>
+            <a:r>
+              <a:rPr lang="en-PH" sz="2600" b="0" dirty="0">
+                <a:effectLst/>
+                <a:latin typeface="Consolas" panose="020B0609020204030204" pitchFamily="49" charset="0"/>
+              </a:rPr>
+              <a:t>        </a:t>
+            </a:r>
+          </a:p>
+          <a:p>
+            <a:pPr algn="l"/>
+            <a:endParaRPr lang="en-PH" sz="2600" b="0" dirty="0">
+              <a:effectLst/>
+              <a:latin typeface="Consolas" panose="020B0609020204030204" pitchFamily="49" charset="0"/>
+            </a:endParaRPr>
+          </a:p>
+          <a:p>
+            <a:pPr algn="l"/>
+            <a:endParaRPr lang="en-PH" sz="2000" dirty="0">
+              <a:latin typeface="Consolas" panose="020B0609020204030204" pitchFamily="49" charset="0"/>
+            </a:endParaRPr>
+          </a:p>
+          <a:p>
+            <a:pPr algn="l"/>
+            <a:endParaRPr lang="en-PH" sz="2000" b="0" dirty="0">
+              <a:effectLst/>
+              <a:latin typeface="Consolas" panose="020B0609020204030204" pitchFamily="49" charset="0"/>
+            </a:endParaRPr>
+          </a:p>
+          <a:p>
+            <a:pPr algn="l"/>
+            <a:endParaRPr lang="en-PH" sz="2000" dirty="0">
+              <a:latin typeface="Consolas" panose="020B0609020204030204" pitchFamily="49" charset="0"/>
+            </a:endParaRPr>
+          </a:p>
+          <a:p>
+            <a:pPr algn="l"/>
+            <a:endParaRPr lang="en-PH" sz="2000" b="0" dirty="0">
+              <a:effectLst/>
+              <a:latin typeface="Consolas" panose="020B0609020204030204" pitchFamily="49" charset="0"/>
+            </a:endParaRPr>
+          </a:p>
+          <a:p>
+            <a:pPr algn="l"/>
+            <a:endParaRPr lang="en-PH" sz="2000" dirty="0">
+              <a:latin typeface="Consolas" panose="020B0609020204030204" pitchFamily="49" charset="0"/>
+            </a:endParaRPr>
+          </a:p>
+          <a:p>
+            <a:pPr algn="l"/>
+            <a:endParaRPr lang="en-PH" sz="2000" b="0" dirty="0">
+              <a:effectLst/>
+              <a:latin typeface="Consolas" panose="020B0609020204030204" pitchFamily="49" charset="0"/>
+            </a:endParaRPr>
+          </a:p>
+          <a:p>
+            <a:pPr algn="l"/>
+            <a:endParaRPr lang="en-PH" sz="2000" b="0" dirty="0">
+              <a:effectLst/>
+              <a:latin typeface="Consolas" panose="020B0609020204030204" pitchFamily="49" charset="0"/>
+            </a:endParaRPr>
+          </a:p>
+          <a:p>
+            <a:pPr algn="l"/>
+            <a:endParaRPr lang="en-PH" sz="2000" dirty="0">
+              <a:latin typeface="Consolas" panose="020B0609020204030204" pitchFamily="49" charset="0"/>
+            </a:endParaRPr>
+          </a:p>
+          <a:p>
+            <a:pPr algn="l"/>
+            <a:endParaRPr lang="en-PH" sz="2000" b="0" dirty="0">
+              <a:effectLst/>
+              <a:latin typeface="Consolas" panose="020B0609020204030204" pitchFamily="49" charset="0"/>
+            </a:endParaRPr>
+          </a:p>
+          <a:p>
+            <a:pPr algn="l"/>
+            <a:endParaRPr lang="en-PH" sz="2000" b="0" dirty="0">
+              <a:effectLst/>
+              <a:latin typeface="Consolas" panose="020B0609020204030204" pitchFamily="49" charset="0"/>
+            </a:endParaRPr>
+          </a:p>
+        </p:txBody>
+      </p:sp>
+      <p:sp>
+        <p:nvSpPr>
+          <p:cNvPr id="13" name="TextBox 12">
+            <a:extLst>
+              <a:ext uri="{FF2B5EF4-FFF2-40B4-BE49-F238E27FC236}">
+                <a16:creationId xmlns:a16="http://schemas.microsoft.com/office/drawing/2014/main" id="{3900C14F-041A-7E06-AEB2-454CF583C656}"/>
+              </a:ext>
+            </a:extLst>
+          </p:cNvPr>
+          <p:cNvSpPr txBox="1"/>
+          <p:nvPr/>
+        </p:nvSpPr>
+        <p:spPr>
+          <a:xfrm>
+            <a:off x="1294271" y="3067065"/>
+            <a:ext cx="787400" cy="369332"/>
+          </a:xfrm>
+          <a:prstGeom prst="rect">
+            <a:avLst/>
+          </a:prstGeom>
+          <a:noFill/>
+        </p:spPr>
+        <p:txBody>
+          <a:bodyPr wrap="square" rtlCol="0">
+            <a:spAutoFit/>
+          </a:bodyPr>
+          <a:lstStyle/>
+          <a:p>
+            <a:endParaRPr lang="en-PH" dirty="0"/>
+          </a:p>
+        </p:txBody>
+      </p:sp>
+      <p:sp>
+        <p:nvSpPr>
+          <p:cNvPr id="14" name="TextBox 13">
+            <a:extLst>
+              <a:ext uri="{FF2B5EF4-FFF2-40B4-BE49-F238E27FC236}">
+                <a16:creationId xmlns:a16="http://schemas.microsoft.com/office/drawing/2014/main" id="{75652A3C-2B5F-3EDF-F7EB-D0C6328EDA8C}"/>
+              </a:ext>
+            </a:extLst>
+          </p:cNvPr>
+          <p:cNvSpPr txBox="1"/>
+          <p:nvPr/>
+        </p:nvSpPr>
+        <p:spPr>
+          <a:xfrm>
+            <a:off x="2004950" y="1357468"/>
+            <a:ext cx="8182099" cy="4324261"/>
+          </a:xfrm>
+          <a:prstGeom prst="rect">
+            <a:avLst/>
+          </a:prstGeom>
+          <a:noFill/>
+        </p:spPr>
+        <p:txBody>
+          <a:bodyPr wrap="square" rtlCol="0">
+            <a:spAutoFit/>
+          </a:bodyPr>
+          <a:lstStyle/>
+          <a:p>
+            <a:pPr marL="342900" indent="-342900">
+              <a:buFontTx/>
+              <a:buChar char="-"/>
+            </a:pPr>
+            <a:r>
+              <a:rPr lang="en-PH" sz="2500" i="0" dirty="0">
+                <a:effectLst/>
+                <a:latin typeface="Calibri (Body)"/>
+              </a:rPr>
+              <a:t>The characters below have special meaning and should be preceded by a backslash to represent a literal character.</a:t>
+            </a:r>
+          </a:p>
+          <a:p>
+            <a:endParaRPr lang="en-PH" sz="2500" b="1" dirty="0">
+              <a:latin typeface="Calibri (Body)"/>
+            </a:endParaRPr>
+          </a:p>
+          <a:p>
+            <a:pPr algn="ctr"/>
+            <a:r>
+              <a:rPr lang="en-PH" sz="2500" b="1" i="0" dirty="0">
+                <a:effectLst/>
+                <a:latin typeface="Calibri (Body)"/>
+              </a:rPr>
+              <a:t>+ * ? ^ $ \ . [] {} () | /</a:t>
+            </a:r>
+          </a:p>
+          <a:p>
+            <a:endParaRPr lang="en-PH" sz="2500" b="1" dirty="0">
+              <a:latin typeface="Calibri (Body)"/>
+            </a:endParaRPr>
+          </a:p>
+          <a:p>
+            <a:r>
+              <a:rPr lang="en-PH" sz="2500" dirty="0">
+                <a:latin typeface="Calibri (Body)"/>
+              </a:rPr>
+              <a:t>Example:</a:t>
+            </a:r>
+          </a:p>
+          <a:p>
+            <a:endParaRPr lang="en-PH" sz="2500" dirty="0">
+              <a:latin typeface="Calibri (Body)"/>
+            </a:endParaRPr>
+          </a:p>
+          <a:p>
+            <a:r>
+              <a:rPr lang="en-PH" sz="2500" dirty="0">
+                <a:latin typeface="Calibri (Body)"/>
+              </a:rPr>
+              <a:t>Pattern: </a:t>
+            </a:r>
+            <a:r>
+              <a:rPr lang="en-PH" sz="2500" b="1" i="0" dirty="0">
+                <a:solidFill>
+                  <a:srgbClr val="FF0000"/>
+                </a:solidFill>
+                <a:effectLst/>
+                <a:latin typeface="Calibri (Body)"/>
+              </a:rPr>
+              <a:t>\</a:t>
+            </a:r>
+            <a:r>
+              <a:rPr lang="en-PH" sz="2500" b="0" i="0" dirty="0">
+                <a:effectLst/>
+                <a:latin typeface="Calibri (Body)"/>
+              </a:rPr>
+              <a:t>+</a:t>
+            </a:r>
+            <a:endParaRPr lang="en-PH" sz="2500" b="1" dirty="0">
+              <a:latin typeface="Calibri (Body)"/>
+            </a:endParaRPr>
+          </a:p>
+          <a:p>
+            <a:endParaRPr lang="en-PH" sz="2500" b="1" dirty="0">
+              <a:latin typeface="Calibri (Body)"/>
+            </a:endParaRPr>
+          </a:p>
+          <a:p>
+            <a:r>
+              <a:rPr lang="en-PH" sz="2500" dirty="0">
+                <a:latin typeface="Calibri (Body)"/>
+              </a:rPr>
+              <a:t>Match:</a:t>
+            </a:r>
+          </a:p>
+          <a:p>
+            <a:r>
+              <a:rPr lang="en-PH" sz="2500" dirty="0">
+                <a:latin typeface="Calibri (Body)"/>
+              </a:rPr>
+              <a:t>1 </a:t>
+            </a:r>
+            <a:r>
+              <a:rPr lang="en-PH" sz="2500" b="1" dirty="0">
+                <a:solidFill>
+                  <a:srgbClr val="00B050"/>
+                </a:solidFill>
+                <a:latin typeface="Calibri (Body)"/>
+              </a:rPr>
+              <a:t>+</a:t>
+            </a:r>
+            <a:r>
+              <a:rPr lang="en-PH" sz="2500" dirty="0">
+                <a:latin typeface="Calibri (Body)"/>
+              </a:rPr>
+              <a:t> 1 = 2</a:t>
+            </a:r>
+          </a:p>
+        </p:txBody>
+      </p:sp>
+    </p:spTree>
+    <p:extLst>
+      <p:ext uri="{BB962C8B-B14F-4D97-AF65-F5344CB8AC3E}">
+        <p14:creationId xmlns:p14="http://schemas.microsoft.com/office/powerpoint/2010/main" val="3308569360"/>
+      </p:ext>
+    </p:extLst>
+  </p:cSld>
+  <p:clrMapOvr>
+    <a:masterClrMapping/>
+  </p:clrMapOvr>
+</p:sld>
+</file>
+
+<file path=ppt/slides/slide36.xml><?xml version="1.0" encoding="utf-8"?>
+<p:sld xmlns:a="http://schemas.openxmlformats.org/drawingml/2006/main" xmlns:r="http://schemas.openxmlformats.org/officeDocument/2006/relationships" xmlns:p="http://schemas.openxmlformats.org/presentationml/2006/main">
+  <p:cSld>
+    <p:bg>
+      <p:bgPr>
+        <a:blipFill dpi="0" rotWithShape="1">
+          <a:blip r:embed="rId3">
+            <a:alphaModFix amt="99000"/>
+            <a:lum/>
+          </a:blip>
+          <a:srcRect/>
+          <a:stretch>
+            <a:fillRect t="89000" r="85000" b="-1000"/>
+          </a:stretch>
+        </a:blipFill>
+        <a:effectLst/>
+      </p:bgPr>
+    </p:bg>
+    <p:spTree>
+      <p:nvGrpSpPr>
+        <p:cNvPr id="1" name=""/>
+        <p:cNvGrpSpPr/>
+        <p:nvPr/>
+      </p:nvGrpSpPr>
+      <p:grpSpPr>
+        <a:xfrm>
+          <a:off x="0" y="0"/>
+          <a:ext cx="0" cy="0"/>
+          <a:chOff x="0" y="0"/>
+          <a:chExt cx="0" cy="0"/>
+        </a:xfrm>
+      </p:grpSpPr>
+      <p:sp>
+        <p:nvSpPr>
+          <p:cNvPr id="2" name="Title 1">
+            <a:extLst>
+              <a:ext uri="{FF2B5EF4-FFF2-40B4-BE49-F238E27FC236}">
+                <a16:creationId xmlns:a16="http://schemas.microsoft.com/office/drawing/2014/main" id="{6A3DCE86-C2BA-4713-9E7A-73589E8D6CCF}"/>
+              </a:ext>
+            </a:extLst>
+          </p:cNvPr>
+          <p:cNvSpPr>
+            <a:spLocks noGrp="1"/>
+          </p:cNvSpPr>
+          <p:nvPr>
+            <p:ph type="ctrTitle"/>
+          </p:nvPr>
+        </p:nvSpPr>
+        <p:spPr>
+          <a:xfrm>
+            <a:off x="1524000" y="3365610"/>
+            <a:ext cx="9144000" cy="718459"/>
+          </a:xfrm>
+        </p:spPr>
+        <p:txBody>
+          <a:bodyPr>
+            <a:noAutofit/>
+          </a:bodyPr>
+          <a:lstStyle/>
+          <a:p>
+            <a:r>
+              <a:rPr lang="en-PH" sz="5400" b="1" dirty="0"/>
+              <a:t>Example of a Real World Application of using Regular Expressions</a:t>
+            </a:r>
+            <a:endParaRPr lang="en-PH" sz="5000" b="1" dirty="0"/>
+          </a:p>
+        </p:txBody>
+      </p:sp>
+      <p:sp>
+        <p:nvSpPr>
+          <p:cNvPr id="4" name="Footer Placeholder 3">
+            <a:extLst>
+              <a:ext uri="{FF2B5EF4-FFF2-40B4-BE49-F238E27FC236}">
+                <a16:creationId xmlns:a16="http://schemas.microsoft.com/office/drawing/2014/main" id="{638E7DE1-45EE-476A-A474-0F3C264AEDA3}"/>
+              </a:ext>
+            </a:extLst>
+          </p:cNvPr>
+          <p:cNvSpPr>
+            <a:spLocks noGrp="1"/>
+          </p:cNvSpPr>
+          <p:nvPr>
+            <p:ph type="ftr" sz="quarter" idx="11"/>
+          </p:nvPr>
+        </p:nvSpPr>
+        <p:spPr>
+          <a:xfrm>
+            <a:off x="0" y="6139541"/>
+            <a:ext cx="12192000" cy="718459"/>
+          </a:xfrm>
+          <a:ln w="28575">
+            <a:solidFill>
+              <a:schemeClr val="accent5">
+                <a:lumMod val="50000"/>
+              </a:schemeClr>
+            </a:solidFill>
+          </a:ln>
+        </p:spPr>
+        <p:txBody>
+          <a:bodyPr/>
+          <a:lstStyle/>
+          <a:p>
+            <a:pPr algn="r"/>
+            <a:r>
+              <a:rPr lang="en-PH" b="1" dirty="0">
+                <a:solidFill>
+                  <a:schemeClr val="tx1"/>
+                </a:solidFill>
+              </a:rPr>
+              <a:t>CCPRGG2L – Intermediate Programming</a:t>
+            </a:r>
+          </a:p>
+        </p:txBody>
+      </p:sp>
+      <p:sp>
+        <p:nvSpPr>
+          <p:cNvPr id="3" name="Title 1">
+            <a:extLst>
+              <a:ext uri="{FF2B5EF4-FFF2-40B4-BE49-F238E27FC236}">
+                <a16:creationId xmlns:a16="http://schemas.microsoft.com/office/drawing/2014/main" id="{6C30C3FD-9F67-8E4D-274C-38222F46C4C5}"/>
+              </a:ext>
+            </a:extLst>
+          </p:cNvPr>
+          <p:cNvSpPr txBox="1">
+            <a:spLocks/>
+          </p:cNvSpPr>
+          <p:nvPr/>
+        </p:nvSpPr>
+        <p:spPr>
+          <a:xfrm>
+            <a:off x="1524000" y="1516449"/>
+            <a:ext cx="9144000" cy="4290585"/>
+          </a:xfrm>
+          <a:prstGeom prst="rect">
+            <a:avLst/>
+          </a:prstGeom>
+        </p:spPr>
+        <p:txBody>
+          <a:bodyPr vert="horz" lIns="91440" tIns="45720" rIns="91440" bIns="45720" rtlCol="0" anchor="b">
+            <a:normAutofit fontScale="97500"/>
+          </a:bodyPr>
+          <a:lstStyle>
+            <a:lvl1pPr algn="ctr" defTabSz="914400" rtl="0" eaLnBrk="1" latinLnBrk="0" hangingPunct="1">
+              <a:lnSpc>
+                <a:spcPct val="90000"/>
+              </a:lnSpc>
+              <a:spcBef>
+                <a:spcPct val="0"/>
+              </a:spcBef>
+              <a:buNone/>
+              <a:defRPr sz="6000" kern="1200">
+                <a:solidFill>
+                  <a:schemeClr val="tx1"/>
+                </a:solidFill>
+                <a:latin typeface="+mj-lt"/>
+                <a:ea typeface="+mj-ea"/>
+                <a:cs typeface="+mj-cs"/>
+              </a:defRPr>
+            </a:lvl1pPr>
+          </a:lstStyle>
+          <a:p>
+            <a:pPr algn="l"/>
+            <a:endParaRPr lang="en-PH" sz="2600" dirty="0">
+              <a:latin typeface="Consolas" panose="020B0609020204030204" pitchFamily="49" charset="0"/>
+            </a:endParaRPr>
+          </a:p>
+          <a:p>
+            <a:pPr algn="l"/>
+            <a:r>
+              <a:rPr lang="en-PH" sz="2600" b="0" dirty="0">
+                <a:effectLst/>
+                <a:latin typeface="Consolas" panose="020B0609020204030204" pitchFamily="49" charset="0"/>
+              </a:rPr>
+              <a:t>                         </a:t>
+            </a:r>
+          </a:p>
+          <a:p>
+            <a:pPr algn="l"/>
+            <a:r>
+              <a:rPr lang="en-PH" sz="2600" b="0" dirty="0">
+                <a:effectLst/>
+                <a:latin typeface="Consolas" panose="020B0609020204030204" pitchFamily="49" charset="0"/>
+              </a:rPr>
+              <a:t>        </a:t>
+            </a:r>
+          </a:p>
+          <a:p>
+            <a:pPr algn="l"/>
+            <a:endParaRPr lang="en-PH" sz="2600" b="0" dirty="0">
+              <a:effectLst/>
+              <a:latin typeface="Consolas" panose="020B0609020204030204" pitchFamily="49" charset="0"/>
+            </a:endParaRPr>
+          </a:p>
+          <a:p>
+            <a:pPr algn="l"/>
+            <a:endParaRPr lang="en-PH" sz="2000" dirty="0">
+              <a:latin typeface="Consolas" panose="020B0609020204030204" pitchFamily="49" charset="0"/>
+            </a:endParaRPr>
+          </a:p>
+          <a:p>
+            <a:pPr algn="l"/>
+            <a:endParaRPr lang="en-PH" sz="2000" b="0" dirty="0">
+              <a:effectLst/>
+              <a:latin typeface="Consolas" panose="020B0609020204030204" pitchFamily="49" charset="0"/>
+            </a:endParaRPr>
+          </a:p>
+          <a:p>
+            <a:pPr algn="l"/>
+            <a:endParaRPr lang="en-PH" sz="2000" dirty="0">
+              <a:latin typeface="Consolas" panose="020B0609020204030204" pitchFamily="49" charset="0"/>
+            </a:endParaRPr>
+          </a:p>
+          <a:p>
+            <a:pPr algn="l"/>
+            <a:endParaRPr lang="en-PH" sz="2000" b="0" dirty="0">
+              <a:effectLst/>
+              <a:latin typeface="Consolas" panose="020B0609020204030204" pitchFamily="49" charset="0"/>
+            </a:endParaRPr>
+          </a:p>
+          <a:p>
+            <a:pPr algn="l"/>
+            <a:endParaRPr lang="en-PH" sz="2000" dirty="0">
+              <a:latin typeface="Consolas" panose="020B0609020204030204" pitchFamily="49" charset="0"/>
+            </a:endParaRPr>
+          </a:p>
+          <a:p>
+            <a:pPr algn="l"/>
+            <a:endParaRPr lang="en-PH" sz="2000" b="0" dirty="0">
+              <a:effectLst/>
+              <a:latin typeface="Consolas" panose="020B0609020204030204" pitchFamily="49" charset="0"/>
+            </a:endParaRPr>
+          </a:p>
+          <a:p>
+            <a:pPr algn="l"/>
+            <a:endParaRPr lang="en-PH" sz="2000" b="0" dirty="0">
+              <a:effectLst/>
+              <a:latin typeface="Consolas" panose="020B0609020204030204" pitchFamily="49" charset="0"/>
+            </a:endParaRPr>
+          </a:p>
+          <a:p>
+            <a:pPr algn="l"/>
+            <a:endParaRPr lang="en-PH" sz="2000" dirty="0">
+              <a:latin typeface="Consolas" panose="020B0609020204030204" pitchFamily="49" charset="0"/>
+            </a:endParaRPr>
+          </a:p>
+          <a:p>
+            <a:pPr algn="l"/>
+            <a:endParaRPr lang="en-PH" sz="2000" b="0" dirty="0">
+              <a:effectLst/>
+              <a:latin typeface="Consolas" panose="020B0609020204030204" pitchFamily="49" charset="0"/>
+            </a:endParaRPr>
+          </a:p>
+          <a:p>
+            <a:pPr algn="l"/>
+            <a:endParaRPr lang="en-PH" sz="2000" b="0" dirty="0">
+              <a:effectLst/>
+              <a:latin typeface="Consolas" panose="020B0609020204030204" pitchFamily="49" charset="0"/>
+            </a:endParaRPr>
+          </a:p>
+        </p:txBody>
+      </p:sp>
+      <p:sp>
+        <p:nvSpPr>
+          <p:cNvPr id="13" name="TextBox 12">
+            <a:extLst>
+              <a:ext uri="{FF2B5EF4-FFF2-40B4-BE49-F238E27FC236}">
+                <a16:creationId xmlns:a16="http://schemas.microsoft.com/office/drawing/2014/main" id="{3900C14F-041A-7E06-AEB2-454CF583C656}"/>
+              </a:ext>
+            </a:extLst>
+          </p:cNvPr>
+          <p:cNvSpPr txBox="1"/>
+          <p:nvPr/>
+        </p:nvSpPr>
+        <p:spPr>
+          <a:xfrm>
+            <a:off x="1294271" y="3067065"/>
+            <a:ext cx="787400" cy="369332"/>
+          </a:xfrm>
+          <a:prstGeom prst="rect">
+            <a:avLst/>
+          </a:prstGeom>
+          <a:noFill/>
+        </p:spPr>
+        <p:txBody>
+          <a:bodyPr wrap="square" rtlCol="0">
+            <a:spAutoFit/>
+          </a:bodyPr>
+          <a:lstStyle/>
+          <a:p>
+            <a:endParaRPr lang="en-PH" dirty="0"/>
+          </a:p>
+        </p:txBody>
+      </p:sp>
+    </p:spTree>
+    <p:extLst>
+      <p:ext uri="{BB962C8B-B14F-4D97-AF65-F5344CB8AC3E}">
+        <p14:creationId xmlns:p14="http://schemas.microsoft.com/office/powerpoint/2010/main" val="3267287275"/>
+      </p:ext>
+    </p:extLst>
+  </p:cSld>
+  <p:clrMapOvr>
+    <a:masterClrMapping/>
+  </p:clrMapOvr>
+</p:sld>
+</file>
+
+<file path=ppt/slides/slide37.xml><?xml version="1.0" encoding="utf-8"?>
+<p:sld xmlns:a="http://schemas.openxmlformats.org/drawingml/2006/main" xmlns:r="http://schemas.openxmlformats.org/officeDocument/2006/relationships" xmlns:p="http://schemas.openxmlformats.org/presentationml/2006/main">
+  <p:cSld>
+    <p:bg>
+      <p:bgPr>
+        <a:blipFill dpi="0" rotWithShape="1">
+          <a:blip r:embed="rId3">
+            <a:alphaModFix amt="99000"/>
+            <a:lum/>
+          </a:blip>
+          <a:srcRect/>
+          <a:stretch>
+            <a:fillRect t="89000" r="85000" b="-1000"/>
+          </a:stretch>
+        </a:blipFill>
+        <a:effectLst/>
+      </p:bgPr>
+    </p:bg>
+    <p:spTree>
+      <p:nvGrpSpPr>
+        <p:cNvPr id="1" name=""/>
+        <p:cNvGrpSpPr/>
+        <p:nvPr/>
+      </p:nvGrpSpPr>
+      <p:grpSpPr>
+        <a:xfrm>
+          <a:off x="0" y="0"/>
+          <a:ext cx="0" cy="0"/>
+          <a:chOff x="0" y="0"/>
+          <a:chExt cx="0" cy="0"/>
+        </a:xfrm>
+      </p:grpSpPr>
+      <p:sp>
+        <p:nvSpPr>
+          <p:cNvPr id="2" name="Title 1">
+            <a:extLst>
+              <a:ext uri="{FF2B5EF4-FFF2-40B4-BE49-F238E27FC236}">
+                <a16:creationId xmlns:a16="http://schemas.microsoft.com/office/drawing/2014/main" id="{6A3DCE86-C2BA-4713-9E7A-73589E8D6CCF}"/>
+              </a:ext>
+            </a:extLst>
+          </p:cNvPr>
+          <p:cNvSpPr>
+            <a:spLocks noGrp="1"/>
+          </p:cNvSpPr>
+          <p:nvPr>
+            <p:ph type="ctrTitle"/>
+          </p:nvPr>
+        </p:nvSpPr>
+        <p:spPr>
+          <a:xfrm>
+            <a:off x="1524000" y="497150"/>
+            <a:ext cx="9144000" cy="718459"/>
+          </a:xfrm>
+        </p:spPr>
+        <p:txBody>
+          <a:bodyPr>
+            <a:noAutofit/>
+          </a:bodyPr>
+          <a:lstStyle/>
+          <a:p>
+            <a:r>
+              <a:rPr lang="en-PH" sz="5400" b="1" dirty="0"/>
+              <a:t>Password Pattern Validation</a:t>
+            </a:r>
+            <a:endParaRPr lang="en-PH" sz="5000" b="1" dirty="0"/>
+          </a:p>
+        </p:txBody>
+      </p:sp>
+      <p:sp>
+        <p:nvSpPr>
+          <p:cNvPr id="4" name="Footer Placeholder 3">
+            <a:extLst>
+              <a:ext uri="{FF2B5EF4-FFF2-40B4-BE49-F238E27FC236}">
+                <a16:creationId xmlns:a16="http://schemas.microsoft.com/office/drawing/2014/main" id="{638E7DE1-45EE-476A-A474-0F3C264AEDA3}"/>
+              </a:ext>
+            </a:extLst>
+          </p:cNvPr>
+          <p:cNvSpPr>
+            <a:spLocks noGrp="1"/>
+          </p:cNvSpPr>
+          <p:nvPr>
+            <p:ph type="ftr" sz="quarter" idx="11"/>
+          </p:nvPr>
+        </p:nvSpPr>
+        <p:spPr>
+          <a:xfrm>
+            <a:off x="0" y="6139541"/>
+            <a:ext cx="12192000" cy="718459"/>
+          </a:xfrm>
+          <a:ln w="28575">
+            <a:solidFill>
+              <a:schemeClr val="accent5">
+                <a:lumMod val="50000"/>
+              </a:schemeClr>
+            </a:solidFill>
+          </a:ln>
+        </p:spPr>
+        <p:txBody>
+          <a:bodyPr/>
+          <a:lstStyle/>
+          <a:p>
+            <a:pPr algn="r"/>
+            <a:r>
+              <a:rPr lang="en-PH" b="1" dirty="0">
+                <a:solidFill>
+                  <a:schemeClr val="tx1"/>
+                </a:solidFill>
+              </a:rPr>
+              <a:t>CCPRGG2L – Intermediate Programming</a:t>
+            </a:r>
+          </a:p>
+        </p:txBody>
+      </p:sp>
+      <p:sp>
+        <p:nvSpPr>
+          <p:cNvPr id="3" name="Title 1">
+            <a:extLst>
+              <a:ext uri="{FF2B5EF4-FFF2-40B4-BE49-F238E27FC236}">
+                <a16:creationId xmlns:a16="http://schemas.microsoft.com/office/drawing/2014/main" id="{6C30C3FD-9F67-8E4D-274C-38222F46C4C5}"/>
+              </a:ext>
+            </a:extLst>
+          </p:cNvPr>
+          <p:cNvSpPr txBox="1">
+            <a:spLocks/>
+          </p:cNvSpPr>
+          <p:nvPr/>
+        </p:nvSpPr>
+        <p:spPr>
+          <a:xfrm>
+            <a:off x="1524000" y="1516449"/>
+            <a:ext cx="9144000" cy="4290585"/>
+          </a:xfrm>
+          <a:prstGeom prst="rect">
+            <a:avLst/>
+          </a:prstGeom>
+        </p:spPr>
+        <p:txBody>
+          <a:bodyPr vert="horz" lIns="91440" tIns="45720" rIns="91440" bIns="45720" rtlCol="0" anchor="b">
+            <a:normAutofit fontScale="97500"/>
+          </a:bodyPr>
+          <a:lstStyle>
+            <a:lvl1pPr algn="ctr" defTabSz="914400" rtl="0" eaLnBrk="1" latinLnBrk="0" hangingPunct="1">
+              <a:lnSpc>
+                <a:spcPct val="90000"/>
+              </a:lnSpc>
+              <a:spcBef>
+                <a:spcPct val="0"/>
+              </a:spcBef>
+              <a:buNone/>
+              <a:defRPr sz="6000" kern="1200">
+                <a:solidFill>
+                  <a:schemeClr val="tx1"/>
+                </a:solidFill>
+                <a:latin typeface="+mj-lt"/>
+                <a:ea typeface="+mj-ea"/>
+                <a:cs typeface="+mj-cs"/>
+              </a:defRPr>
+            </a:lvl1pPr>
+          </a:lstStyle>
+          <a:p>
+            <a:pPr algn="l"/>
+            <a:endParaRPr lang="en-PH" sz="2600" dirty="0">
+              <a:latin typeface="Consolas" panose="020B0609020204030204" pitchFamily="49" charset="0"/>
+            </a:endParaRPr>
+          </a:p>
+          <a:p>
+            <a:pPr algn="l"/>
+            <a:r>
+              <a:rPr lang="en-PH" sz="2600" b="0" dirty="0">
+                <a:effectLst/>
+                <a:latin typeface="Consolas" panose="020B0609020204030204" pitchFamily="49" charset="0"/>
+              </a:rPr>
+              <a:t>                         </a:t>
+            </a:r>
+          </a:p>
+          <a:p>
+            <a:pPr algn="l"/>
+            <a:r>
+              <a:rPr lang="en-PH" sz="2600" b="0" dirty="0">
+                <a:effectLst/>
+                <a:latin typeface="Consolas" panose="020B0609020204030204" pitchFamily="49" charset="0"/>
+              </a:rPr>
+              <a:t>        </a:t>
+            </a:r>
+          </a:p>
+          <a:p>
+            <a:pPr algn="l"/>
+            <a:endParaRPr lang="en-PH" sz="2600" b="0" dirty="0">
+              <a:effectLst/>
+              <a:latin typeface="Consolas" panose="020B0609020204030204" pitchFamily="49" charset="0"/>
+            </a:endParaRPr>
+          </a:p>
+          <a:p>
+            <a:pPr algn="l"/>
+            <a:endParaRPr lang="en-PH" sz="2000" dirty="0">
+              <a:latin typeface="Consolas" panose="020B0609020204030204" pitchFamily="49" charset="0"/>
+            </a:endParaRPr>
+          </a:p>
+          <a:p>
+            <a:pPr algn="l"/>
+            <a:endParaRPr lang="en-PH" sz="2000" b="0" dirty="0">
+              <a:effectLst/>
+              <a:latin typeface="Consolas" panose="020B0609020204030204" pitchFamily="49" charset="0"/>
+            </a:endParaRPr>
+          </a:p>
+          <a:p>
+            <a:pPr algn="l"/>
+            <a:endParaRPr lang="en-PH" sz="2000" dirty="0">
+              <a:latin typeface="Consolas" panose="020B0609020204030204" pitchFamily="49" charset="0"/>
+            </a:endParaRPr>
+          </a:p>
+          <a:p>
+            <a:pPr algn="l"/>
+            <a:endParaRPr lang="en-PH" sz="2000" b="0" dirty="0">
+              <a:effectLst/>
+              <a:latin typeface="Consolas" panose="020B0609020204030204" pitchFamily="49" charset="0"/>
+            </a:endParaRPr>
+          </a:p>
+          <a:p>
+            <a:pPr algn="l"/>
+            <a:endParaRPr lang="en-PH" sz="2000" dirty="0">
+              <a:latin typeface="Consolas" panose="020B0609020204030204" pitchFamily="49" charset="0"/>
+            </a:endParaRPr>
+          </a:p>
+          <a:p>
+            <a:pPr algn="l"/>
+            <a:endParaRPr lang="en-PH" sz="2000" b="0" dirty="0">
+              <a:effectLst/>
+              <a:latin typeface="Consolas" panose="020B0609020204030204" pitchFamily="49" charset="0"/>
+            </a:endParaRPr>
+          </a:p>
+          <a:p>
+            <a:pPr algn="l"/>
+            <a:endParaRPr lang="en-PH" sz="2000" b="0" dirty="0">
+              <a:effectLst/>
+              <a:latin typeface="Consolas" panose="020B0609020204030204" pitchFamily="49" charset="0"/>
+            </a:endParaRPr>
+          </a:p>
+          <a:p>
+            <a:pPr algn="l"/>
+            <a:endParaRPr lang="en-PH" sz="2000" dirty="0">
+              <a:latin typeface="Consolas" panose="020B0609020204030204" pitchFamily="49" charset="0"/>
+            </a:endParaRPr>
+          </a:p>
+          <a:p>
+            <a:pPr algn="l"/>
+            <a:endParaRPr lang="en-PH" sz="2000" b="0" dirty="0">
+              <a:effectLst/>
+              <a:latin typeface="Consolas" panose="020B0609020204030204" pitchFamily="49" charset="0"/>
+            </a:endParaRPr>
+          </a:p>
+          <a:p>
+            <a:pPr algn="l"/>
+            <a:endParaRPr lang="en-PH" sz="2000" b="0" dirty="0">
+              <a:effectLst/>
+              <a:latin typeface="Consolas" panose="020B0609020204030204" pitchFamily="49" charset="0"/>
+            </a:endParaRPr>
+          </a:p>
+        </p:txBody>
+      </p:sp>
+      <p:sp>
+        <p:nvSpPr>
+          <p:cNvPr id="13" name="TextBox 12">
+            <a:extLst>
+              <a:ext uri="{FF2B5EF4-FFF2-40B4-BE49-F238E27FC236}">
+                <a16:creationId xmlns:a16="http://schemas.microsoft.com/office/drawing/2014/main" id="{3900C14F-041A-7E06-AEB2-454CF583C656}"/>
+              </a:ext>
+            </a:extLst>
+          </p:cNvPr>
+          <p:cNvSpPr txBox="1"/>
+          <p:nvPr/>
+        </p:nvSpPr>
+        <p:spPr>
+          <a:xfrm>
+            <a:off x="1294271" y="3067065"/>
+            <a:ext cx="787400" cy="369332"/>
+          </a:xfrm>
+          <a:prstGeom prst="rect">
+            <a:avLst/>
+          </a:prstGeom>
+          <a:noFill/>
+        </p:spPr>
+        <p:txBody>
+          <a:bodyPr wrap="square" rtlCol="0">
+            <a:spAutoFit/>
+          </a:bodyPr>
+          <a:lstStyle/>
+          <a:p>
+            <a:endParaRPr lang="en-PH" dirty="0"/>
+          </a:p>
+        </p:txBody>
+      </p:sp>
+      <p:sp>
+        <p:nvSpPr>
+          <p:cNvPr id="14" name="TextBox 13">
+            <a:extLst>
+              <a:ext uri="{FF2B5EF4-FFF2-40B4-BE49-F238E27FC236}">
+                <a16:creationId xmlns:a16="http://schemas.microsoft.com/office/drawing/2014/main" id="{75652A3C-2B5F-3EDF-F7EB-D0C6328EDA8C}"/>
+              </a:ext>
+            </a:extLst>
+          </p:cNvPr>
+          <p:cNvSpPr txBox="1"/>
+          <p:nvPr/>
+        </p:nvSpPr>
+        <p:spPr>
+          <a:xfrm>
+            <a:off x="2004950" y="1357468"/>
+            <a:ext cx="8182099" cy="2015936"/>
+          </a:xfrm>
+          <a:prstGeom prst="rect">
+            <a:avLst/>
+          </a:prstGeom>
+          <a:noFill/>
+        </p:spPr>
+        <p:txBody>
+          <a:bodyPr wrap="square" rtlCol="0">
+            <a:spAutoFit/>
+          </a:bodyPr>
+          <a:lstStyle/>
+          <a:p>
+            <a:pPr marL="342900" indent="-342900">
+              <a:buFont typeface="Wingdings" panose="05000000000000000000" pitchFamily="2" charset="2"/>
+              <a:buChar char="q"/>
+            </a:pPr>
+            <a:r>
+              <a:rPr lang="en-PH" sz="2500" dirty="0">
+                <a:latin typeface="Calibri (Body)"/>
+              </a:rPr>
+              <a:t>The password must contain at least one alphabet.</a:t>
+            </a:r>
+          </a:p>
+          <a:p>
+            <a:pPr marL="342900" indent="-342900">
+              <a:buFont typeface="Wingdings" panose="05000000000000000000" pitchFamily="2" charset="2"/>
+              <a:buChar char="q"/>
+            </a:pPr>
+            <a:endParaRPr lang="en-PH" sz="2500" dirty="0">
+              <a:latin typeface="Calibri (Body)"/>
+            </a:endParaRPr>
+          </a:p>
+          <a:p>
+            <a:pPr marL="342900" indent="-342900">
+              <a:buFont typeface="Wingdings" panose="05000000000000000000" pitchFamily="2" charset="2"/>
+              <a:buChar char="q"/>
+            </a:pPr>
+            <a:r>
+              <a:rPr lang="en-PH" sz="2500" dirty="0">
+                <a:latin typeface="Calibri (Body)"/>
+              </a:rPr>
+              <a:t>The password must contain at least one digit. </a:t>
+            </a:r>
+          </a:p>
+          <a:p>
+            <a:pPr marL="342900" indent="-342900">
+              <a:buFont typeface="Wingdings" panose="05000000000000000000" pitchFamily="2" charset="2"/>
+              <a:buChar char="q"/>
+            </a:pPr>
+            <a:endParaRPr lang="en-PH" sz="2500" dirty="0">
+              <a:latin typeface="Calibri (Body)"/>
+            </a:endParaRPr>
+          </a:p>
+          <a:p>
+            <a:pPr marL="342900" indent="-342900">
+              <a:buFont typeface="Wingdings" panose="05000000000000000000" pitchFamily="2" charset="2"/>
+              <a:buChar char="q"/>
+            </a:pPr>
+            <a:r>
+              <a:rPr lang="en-PH" sz="2500" dirty="0">
+                <a:latin typeface="Calibri (Body)"/>
+              </a:rPr>
+              <a:t>The password must contain at least 8 characters.</a:t>
+            </a:r>
+          </a:p>
+        </p:txBody>
+      </p:sp>
+    </p:spTree>
+    <p:extLst>
+      <p:ext uri="{BB962C8B-B14F-4D97-AF65-F5344CB8AC3E}">
+        <p14:creationId xmlns:p14="http://schemas.microsoft.com/office/powerpoint/2010/main" val="2862033660"/>
+      </p:ext>
+    </p:extLst>
+  </p:cSld>
+  <p:clrMapOvr>
+    <a:masterClrMapping/>
+  </p:clrMapOvr>
+</p:sld>
+</file>
+
+<file path=ppt/slides/slide38.xml><?xml version="1.0" encoding="utf-8"?>
+<p:sld xmlns:a="http://schemas.openxmlformats.org/drawingml/2006/main" xmlns:r="http://schemas.openxmlformats.org/officeDocument/2006/relationships" xmlns:p="http://schemas.openxmlformats.org/presentationml/2006/main">
+  <p:cSld>
+    <p:bg>
+      <p:bgPr>
+        <a:blipFill dpi="0" rotWithShape="1">
+          <a:blip r:embed="rId3">
+            <a:alphaModFix amt="99000"/>
+            <a:lum/>
+          </a:blip>
+          <a:srcRect/>
+          <a:stretch>
+            <a:fillRect t="89000" r="85000" b="-1000"/>
+          </a:stretch>
+        </a:blipFill>
+        <a:effectLst/>
+      </p:bgPr>
+    </p:bg>
+    <p:spTree>
+      <p:nvGrpSpPr>
+        <p:cNvPr id="1" name=""/>
+        <p:cNvGrpSpPr/>
+        <p:nvPr/>
+      </p:nvGrpSpPr>
+      <p:grpSpPr>
+        <a:xfrm>
+          <a:off x="0" y="0"/>
+          <a:ext cx="0" cy="0"/>
+          <a:chOff x="0" y="0"/>
+          <a:chExt cx="0" cy="0"/>
+        </a:xfrm>
+      </p:grpSpPr>
+      <p:sp>
+        <p:nvSpPr>
+          <p:cNvPr id="2" name="Title 1">
+            <a:extLst>
+              <a:ext uri="{FF2B5EF4-FFF2-40B4-BE49-F238E27FC236}">
+                <a16:creationId xmlns:a16="http://schemas.microsoft.com/office/drawing/2014/main" id="{6A3DCE86-C2BA-4713-9E7A-73589E8D6CCF}"/>
+              </a:ext>
+            </a:extLst>
+          </p:cNvPr>
+          <p:cNvSpPr>
+            <a:spLocks noGrp="1"/>
+          </p:cNvSpPr>
+          <p:nvPr>
+            <p:ph type="ctrTitle"/>
+          </p:nvPr>
+        </p:nvSpPr>
+        <p:spPr>
+          <a:xfrm>
+            <a:off x="1524000" y="497150"/>
+            <a:ext cx="9144000" cy="718459"/>
+          </a:xfrm>
+        </p:spPr>
+        <p:txBody>
+          <a:bodyPr>
+            <a:noAutofit/>
+          </a:bodyPr>
+          <a:lstStyle/>
+          <a:p>
+            <a:r>
+              <a:rPr lang="en-PH" sz="5400" b="1" dirty="0"/>
+              <a:t>Password Pattern Validation</a:t>
+            </a:r>
+            <a:endParaRPr lang="en-PH" sz="5000" b="1" dirty="0"/>
+          </a:p>
+        </p:txBody>
+      </p:sp>
+      <p:sp>
+        <p:nvSpPr>
+          <p:cNvPr id="4" name="Footer Placeholder 3">
+            <a:extLst>
+              <a:ext uri="{FF2B5EF4-FFF2-40B4-BE49-F238E27FC236}">
+                <a16:creationId xmlns:a16="http://schemas.microsoft.com/office/drawing/2014/main" id="{638E7DE1-45EE-476A-A474-0F3C264AEDA3}"/>
+              </a:ext>
+            </a:extLst>
+          </p:cNvPr>
+          <p:cNvSpPr>
+            <a:spLocks noGrp="1"/>
+          </p:cNvSpPr>
+          <p:nvPr>
+            <p:ph type="ftr" sz="quarter" idx="11"/>
+          </p:nvPr>
+        </p:nvSpPr>
+        <p:spPr>
+          <a:xfrm>
+            <a:off x="0" y="6139541"/>
+            <a:ext cx="12192000" cy="718459"/>
+          </a:xfrm>
+          <a:ln w="28575">
+            <a:solidFill>
+              <a:schemeClr val="accent5">
+                <a:lumMod val="50000"/>
+              </a:schemeClr>
+            </a:solidFill>
+          </a:ln>
+        </p:spPr>
+        <p:txBody>
+          <a:bodyPr/>
+          <a:lstStyle/>
+          <a:p>
+            <a:pPr algn="r"/>
+            <a:r>
+              <a:rPr lang="en-PH" b="1" dirty="0">
+                <a:solidFill>
+                  <a:schemeClr val="tx1"/>
+                </a:solidFill>
+              </a:rPr>
+              <a:t>CCPRGG2L – Intermediate Programming</a:t>
+            </a:r>
+          </a:p>
+        </p:txBody>
+      </p:sp>
+      <p:sp>
+        <p:nvSpPr>
+          <p:cNvPr id="3" name="Title 1">
+            <a:extLst>
+              <a:ext uri="{FF2B5EF4-FFF2-40B4-BE49-F238E27FC236}">
+                <a16:creationId xmlns:a16="http://schemas.microsoft.com/office/drawing/2014/main" id="{6C30C3FD-9F67-8E4D-274C-38222F46C4C5}"/>
+              </a:ext>
+            </a:extLst>
+          </p:cNvPr>
+          <p:cNvSpPr txBox="1">
+            <a:spLocks/>
+          </p:cNvSpPr>
+          <p:nvPr/>
+        </p:nvSpPr>
+        <p:spPr>
+          <a:xfrm>
+            <a:off x="1524000" y="1516449"/>
+            <a:ext cx="9144000" cy="4290585"/>
+          </a:xfrm>
+          <a:prstGeom prst="rect">
+            <a:avLst/>
+          </a:prstGeom>
+        </p:spPr>
+        <p:txBody>
+          <a:bodyPr vert="horz" lIns="91440" tIns="45720" rIns="91440" bIns="45720" rtlCol="0" anchor="b">
+            <a:normAutofit fontScale="97500"/>
+          </a:bodyPr>
+          <a:lstStyle>
+            <a:lvl1pPr algn="ctr" defTabSz="914400" rtl="0" eaLnBrk="1" latinLnBrk="0" hangingPunct="1">
+              <a:lnSpc>
+                <a:spcPct val="90000"/>
+              </a:lnSpc>
+              <a:spcBef>
+                <a:spcPct val="0"/>
+              </a:spcBef>
+              <a:buNone/>
+              <a:defRPr sz="6000" kern="1200">
+                <a:solidFill>
+                  <a:schemeClr val="tx1"/>
+                </a:solidFill>
+                <a:latin typeface="+mj-lt"/>
+                <a:ea typeface="+mj-ea"/>
+                <a:cs typeface="+mj-cs"/>
+              </a:defRPr>
+            </a:lvl1pPr>
+          </a:lstStyle>
+          <a:p>
+            <a:pPr algn="l"/>
+            <a:endParaRPr lang="en-PH" sz="2600" dirty="0">
+              <a:latin typeface="Consolas" panose="020B0609020204030204" pitchFamily="49" charset="0"/>
+            </a:endParaRPr>
+          </a:p>
+          <a:p>
+            <a:pPr algn="l"/>
+            <a:r>
+              <a:rPr lang="en-PH" sz="2600" b="0" dirty="0">
+                <a:effectLst/>
+                <a:latin typeface="Consolas" panose="020B0609020204030204" pitchFamily="49" charset="0"/>
+              </a:rPr>
+              <a:t>                         </a:t>
+            </a:r>
+          </a:p>
+          <a:p>
+            <a:pPr algn="l"/>
+            <a:r>
+              <a:rPr lang="en-PH" sz="2600" b="0" dirty="0">
+                <a:effectLst/>
+                <a:latin typeface="Consolas" panose="020B0609020204030204" pitchFamily="49" charset="0"/>
+              </a:rPr>
+              <a:t>        </a:t>
+            </a:r>
+          </a:p>
+          <a:p>
+            <a:pPr algn="l"/>
+            <a:endParaRPr lang="en-PH" sz="2600" b="0" dirty="0">
+              <a:effectLst/>
+              <a:latin typeface="Consolas" panose="020B0609020204030204" pitchFamily="49" charset="0"/>
+            </a:endParaRPr>
+          </a:p>
+          <a:p>
+            <a:pPr algn="l"/>
+            <a:endParaRPr lang="en-PH" sz="2000" dirty="0">
+              <a:latin typeface="Consolas" panose="020B0609020204030204" pitchFamily="49" charset="0"/>
+            </a:endParaRPr>
+          </a:p>
+          <a:p>
+            <a:pPr algn="l"/>
+            <a:endParaRPr lang="en-PH" sz="2000" b="0" dirty="0">
+              <a:effectLst/>
+              <a:latin typeface="Consolas" panose="020B0609020204030204" pitchFamily="49" charset="0"/>
+            </a:endParaRPr>
+          </a:p>
+          <a:p>
+            <a:pPr algn="l"/>
+            <a:endParaRPr lang="en-PH" sz="2000" dirty="0">
+              <a:latin typeface="Consolas" panose="020B0609020204030204" pitchFamily="49" charset="0"/>
+            </a:endParaRPr>
+          </a:p>
+          <a:p>
+            <a:pPr algn="l"/>
+            <a:endParaRPr lang="en-PH" sz="2000" b="0" dirty="0">
+              <a:effectLst/>
+              <a:latin typeface="Consolas" panose="020B0609020204030204" pitchFamily="49" charset="0"/>
+            </a:endParaRPr>
+          </a:p>
+          <a:p>
+            <a:pPr algn="l"/>
+            <a:endParaRPr lang="en-PH" sz="2000" dirty="0">
+              <a:latin typeface="Consolas" panose="020B0609020204030204" pitchFamily="49" charset="0"/>
+            </a:endParaRPr>
+          </a:p>
+          <a:p>
+            <a:pPr algn="l"/>
+            <a:endParaRPr lang="en-PH" sz="2000" b="0" dirty="0">
+              <a:effectLst/>
+              <a:latin typeface="Consolas" panose="020B0609020204030204" pitchFamily="49" charset="0"/>
+            </a:endParaRPr>
+          </a:p>
+          <a:p>
+            <a:pPr algn="l"/>
+            <a:endParaRPr lang="en-PH" sz="2000" b="0" dirty="0">
+              <a:effectLst/>
+              <a:latin typeface="Consolas" panose="020B0609020204030204" pitchFamily="49" charset="0"/>
+            </a:endParaRPr>
+          </a:p>
+          <a:p>
+            <a:pPr algn="l"/>
+            <a:endParaRPr lang="en-PH" sz="2000" dirty="0">
+              <a:latin typeface="Consolas" panose="020B0609020204030204" pitchFamily="49" charset="0"/>
+            </a:endParaRPr>
+          </a:p>
+          <a:p>
+            <a:pPr algn="l"/>
+            <a:endParaRPr lang="en-PH" sz="2000" b="0" dirty="0">
+              <a:effectLst/>
+              <a:latin typeface="Consolas" panose="020B0609020204030204" pitchFamily="49" charset="0"/>
+            </a:endParaRPr>
+          </a:p>
+          <a:p>
+            <a:pPr algn="l"/>
+            <a:endParaRPr lang="en-PH" sz="2000" b="0" dirty="0">
+              <a:effectLst/>
+              <a:latin typeface="Consolas" panose="020B0609020204030204" pitchFamily="49" charset="0"/>
+            </a:endParaRPr>
+          </a:p>
+        </p:txBody>
+      </p:sp>
+      <p:sp>
+        <p:nvSpPr>
+          <p:cNvPr id="13" name="TextBox 12">
+            <a:extLst>
+              <a:ext uri="{FF2B5EF4-FFF2-40B4-BE49-F238E27FC236}">
+                <a16:creationId xmlns:a16="http://schemas.microsoft.com/office/drawing/2014/main" id="{3900C14F-041A-7E06-AEB2-454CF583C656}"/>
+              </a:ext>
+            </a:extLst>
+          </p:cNvPr>
+          <p:cNvSpPr txBox="1"/>
+          <p:nvPr/>
+        </p:nvSpPr>
+        <p:spPr>
+          <a:xfrm>
+            <a:off x="1294271" y="3067065"/>
+            <a:ext cx="787400" cy="369332"/>
+          </a:xfrm>
+          <a:prstGeom prst="rect">
+            <a:avLst/>
+          </a:prstGeom>
+          <a:noFill/>
+        </p:spPr>
+        <p:txBody>
+          <a:bodyPr wrap="square" rtlCol="0">
+            <a:spAutoFit/>
+          </a:bodyPr>
+          <a:lstStyle/>
+          <a:p>
+            <a:endParaRPr lang="en-PH" dirty="0"/>
+          </a:p>
+        </p:txBody>
+      </p:sp>
+      <p:sp>
+        <p:nvSpPr>
+          <p:cNvPr id="14" name="TextBox 13">
+            <a:extLst>
+              <a:ext uri="{FF2B5EF4-FFF2-40B4-BE49-F238E27FC236}">
+                <a16:creationId xmlns:a16="http://schemas.microsoft.com/office/drawing/2014/main" id="{75652A3C-2B5F-3EDF-F7EB-D0C6328EDA8C}"/>
+              </a:ext>
+            </a:extLst>
+          </p:cNvPr>
+          <p:cNvSpPr txBox="1"/>
+          <p:nvPr/>
+        </p:nvSpPr>
+        <p:spPr>
+          <a:xfrm>
+            <a:off x="1879297" y="2956718"/>
+            <a:ext cx="8433405" cy="784830"/>
+          </a:xfrm>
+          <a:prstGeom prst="rect">
+            <a:avLst/>
+          </a:prstGeom>
+          <a:noFill/>
+        </p:spPr>
+        <p:txBody>
+          <a:bodyPr wrap="square" rtlCol="0">
+            <a:spAutoFit/>
+          </a:bodyPr>
+          <a:lstStyle/>
+          <a:p>
+            <a:pPr algn="ctr"/>
+            <a:r>
+              <a:rPr lang="en-PH" sz="3900" b="1" i="0" dirty="0">
+                <a:effectLst/>
+                <a:latin typeface="Calibri (Body)"/>
+              </a:rPr>
+              <a:t>^(</a:t>
+            </a:r>
+            <a:r>
+              <a:rPr lang="pl-PL" sz="3900" b="1" i="0" dirty="0">
+                <a:effectLst/>
+                <a:latin typeface="Calibri (Body)"/>
+              </a:rPr>
+              <a:t>?=.*[A-Za-z</a:t>
+            </a:r>
+            <a:r>
+              <a:rPr lang="pl-PL" sz="4500" b="1" i="0" dirty="0">
+                <a:effectLst/>
+                <a:latin typeface="Calibri (Body)"/>
+              </a:rPr>
+              <a:t>])(?=.*\</a:t>
+            </a:r>
+            <a:r>
+              <a:rPr lang="pl-PL" sz="3900" b="1" i="0" dirty="0">
+                <a:effectLst/>
+                <a:latin typeface="Calibri (Body)"/>
+              </a:rPr>
+              <a:t>d)</a:t>
+            </a:r>
+            <a:r>
+              <a:rPr lang="en-PH" sz="3900" b="1" dirty="0">
+                <a:latin typeface="Calibri (Body)"/>
+              </a:rPr>
+              <a:t>.</a:t>
+            </a:r>
+            <a:r>
+              <a:rPr lang="pl-PL" sz="3900" b="1" i="0" dirty="0">
+                <a:effectLst/>
+                <a:latin typeface="Calibri (Body)"/>
+              </a:rPr>
+              <a:t>{8,}$</a:t>
+            </a:r>
+            <a:endParaRPr lang="en-PH" sz="3900" b="1" dirty="0">
+              <a:latin typeface="Calibri (Body)"/>
+            </a:endParaRPr>
+          </a:p>
+        </p:txBody>
+      </p:sp>
+    </p:spTree>
+    <p:extLst>
+      <p:ext uri="{BB962C8B-B14F-4D97-AF65-F5344CB8AC3E}">
+        <p14:creationId xmlns:p14="http://schemas.microsoft.com/office/powerpoint/2010/main" val="255822728"/>
+      </p:ext>
+    </p:extLst>
+  </p:cSld>
+  <p:clrMapOvr>
+    <a:masterClrMapping/>
+  </p:clrMapOvr>
+</p:sld>
+</file>
+
+<file path=ppt/slides/slide39.xml><?xml version="1.0" encoding="utf-8"?>
+<p:sld xmlns:a="http://schemas.openxmlformats.org/drawingml/2006/main" xmlns:r="http://schemas.openxmlformats.org/officeDocument/2006/relationships" xmlns:p="http://schemas.openxmlformats.org/presentationml/2006/main">
+  <p:cSld>
+    <p:bg>
+      <p:bgPr>
+        <a:blipFill dpi="0" rotWithShape="1">
+          <a:blip r:embed="rId3">
+            <a:alphaModFix amt="99000"/>
+            <a:lum/>
+          </a:blip>
+          <a:srcRect/>
+          <a:stretch>
+            <a:fillRect t="89000" r="85000" b="-1000"/>
+          </a:stretch>
+        </a:blipFill>
+        <a:effectLst/>
+      </p:bgPr>
+    </p:bg>
+    <p:spTree>
+      <p:nvGrpSpPr>
+        <p:cNvPr id="1" name=""/>
+        <p:cNvGrpSpPr/>
+        <p:nvPr/>
+      </p:nvGrpSpPr>
+      <p:grpSpPr>
+        <a:xfrm>
+          <a:off x="0" y="0"/>
+          <a:ext cx="0" cy="0"/>
+          <a:chOff x="0" y="0"/>
+          <a:chExt cx="0" cy="0"/>
+        </a:xfrm>
+      </p:grpSpPr>
+      <p:sp>
+        <p:nvSpPr>
+          <p:cNvPr id="2" name="Title 1">
+            <a:extLst>
+              <a:ext uri="{FF2B5EF4-FFF2-40B4-BE49-F238E27FC236}">
+                <a16:creationId xmlns:a16="http://schemas.microsoft.com/office/drawing/2014/main" id="{6A3DCE86-C2BA-4713-9E7A-73589E8D6CCF}"/>
+              </a:ext>
+            </a:extLst>
+          </p:cNvPr>
+          <p:cNvSpPr>
+            <a:spLocks noGrp="1"/>
+          </p:cNvSpPr>
+          <p:nvPr>
+            <p:ph type="ctrTitle"/>
+          </p:nvPr>
+        </p:nvSpPr>
+        <p:spPr>
+          <a:xfrm>
+            <a:off x="1524000" y="497150"/>
+            <a:ext cx="9144000" cy="718459"/>
+          </a:xfrm>
+        </p:spPr>
+        <p:txBody>
+          <a:bodyPr>
+            <a:noAutofit/>
+          </a:bodyPr>
+          <a:lstStyle/>
+          <a:p>
+            <a:r>
+              <a:rPr lang="en-PH" sz="4000" b="1" dirty="0"/>
+              <a:t>Password Pattern Validation (Breakdown)</a:t>
+            </a:r>
+          </a:p>
+        </p:txBody>
+      </p:sp>
+      <p:sp>
+        <p:nvSpPr>
+          <p:cNvPr id="4" name="Footer Placeholder 3">
+            <a:extLst>
+              <a:ext uri="{FF2B5EF4-FFF2-40B4-BE49-F238E27FC236}">
+                <a16:creationId xmlns:a16="http://schemas.microsoft.com/office/drawing/2014/main" id="{638E7DE1-45EE-476A-A474-0F3C264AEDA3}"/>
+              </a:ext>
+            </a:extLst>
+          </p:cNvPr>
+          <p:cNvSpPr>
+            <a:spLocks noGrp="1"/>
+          </p:cNvSpPr>
+          <p:nvPr>
+            <p:ph type="ftr" sz="quarter" idx="11"/>
+          </p:nvPr>
+        </p:nvSpPr>
+        <p:spPr>
+          <a:xfrm>
+            <a:off x="0" y="6139541"/>
+            <a:ext cx="12192000" cy="718459"/>
+          </a:xfrm>
+          <a:ln w="28575">
+            <a:solidFill>
+              <a:schemeClr val="accent5">
+                <a:lumMod val="50000"/>
+              </a:schemeClr>
+            </a:solidFill>
+          </a:ln>
+        </p:spPr>
+        <p:txBody>
+          <a:bodyPr/>
+          <a:lstStyle/>
+          <a:p>
+            <a:pPr algn="r"/>
+            <a:r>
+              <a:rPr lang="en-PH" b="1" dirty="0">
+                <a:solidFill>
+                  <a:schemeClr val="tx1"/>
+                </a:solidFill>
+              </a:rPr>
+              <a:t>CCPRGG2L – Intermediate Programming</a:t>
+            </a:r>
+          </a:p>
+        </p:txBody>
+      </p:sp>
+      <p:sp>
+        <p:nvSpPr>
+          <p:cNvPr id="3" name="Title 1">
+            <a:extLst>
+              <a:ext uri="{FF2B5EF4-FFF2-40B4-BE49-F238E27FC236}">
+                <a16:creationId xmlns:a16="http://schemas.microsoft.com/office/drawing/2014/main" id="{6C30C3FD-9F67-8E4D-274C-38222F46C4C5}"/>
+              </a:ext>
+            </a:extLst>
+          </p:cNvPr>
+          <p:cNvSpPr txBox="1">
+            <a:spLocks/>
+          </p:cNvSpPr>
+          <p:nvPr/>
+        </p:nvSpPr>
+        <p:spPr>
+          <a:xfrm>
+            <a:off x="1524000" y="1516449"/>
+            <a:ext cx="9144000" cy="4290585"/>
+          </a:xfrm>
+          <a:prstGeom prst="rect">
+            <a:avLst/>
+          </a:prstGeom>
+        </p:spPr>
+        <p:txBody>
+          <a:bodyPr vert="horz" lIns="91440" tIns="45720" rIns="91440" bIns="45720" rtlCol="0" anchor="b">
+            <a:normAutofit fontScale="97500"/>
+          </a:bodyPr>
+          <a:lstStyle>
+            <a:lvl1pPr algn="ctr" defTabSz="914400" rtl="0" eaLnBrk="1" latinLnBrk="0" hangingPunct="1">
+              <a:lnSpc>
+                <a:spcPct val="90000"/>
+              </a:lnSpc>
+              <a:spcBef>
+                <a:spcPct val="0"/>
+              </a:spcBef>
+              <a:buNone/>
+              <a:defRPr sz="6000" kern="1200">
+                <a:solidFill>
+                  <a:schemeClr val="tx1"/>
+                </a:solidFill>
+                <a:latin typeface="+mj-lt"/>
+                <a:ea typeface="+mj-ea"/>
+                <a:cs typeface="+mj-cs"/>
+              </a:defRPr>
+            </a:lvl1pPr>
+          </a:lstStyle>
+          <a:p>
+            <a:pPr algn="l"/>
+            <a:endParaRPr lang="en-PH" sz="2600" dirty="0">
+              <a:latin typeface="Consolas" panose="020B0609020204030204" pitchFamily="49" charset="0"/>
+            </a:endParaRPr>
+          </a:p>
+          <a:p>
+            <a:pPr algn="l"/>
+            <a:r>
+              <a:rPr lang="en-PH" sz="2600" b="0" dirty="0">
+                <a:effectLst/>
+                <a:latin typeface="Consolas" panose="020B0609020204030204" pitchFamily="49" charset="0"/>
+              </a:rPr>
+              <a:t>                         </a:t>
+            </a:r>
+          </a:p>
+          <a:p>
+            <a:pPr algn="l"/>
+            <a:r>
+              <a:rPr lang="en-PH" sz="2600" b="0" dirty="0">
+                <a:effectLst/>
+                <a:latin typeface="Consolas" panose="020B0609020204030204" pitchFamily="49" charset="0"/>
+              </a:rPr>
+              <a:t>        </a:t>
+            </a:r>
+          </a:p>
+          <a:p>
+            <a:pPr algn="l"/>
+            <a:endParaRPr lang="en-PH" sz="2600" b="0" dirty="0">
+              <a:effectLst/>
+              <a:latin typeface="Consolas" panose="020B0609020204030204" pitchFamily="49" charset="0"/>
+            </a:endParaRPr>
+          </a:p>
+          <a:p>
+            <a:pPr algn="l"/>
+            <a:endParaRPr lang="en-PH" sz="2000" dirty="0">
+              <a:latin typeface="Consolas" panose="020B0609020204030204" pitchFamily="49" charset="0"/>
+            </a:endParaRPr>
+          </a:p>
+          <a:p>
+            <a:pPr algn="l"/>
+            <a:endParaRPr lang="en-PH" sz="2000" b="0" dirty="0">
+              <a:effectLst/>
+              <a:latin typeface="Consolas" panose="020B0609020204030204" pitchFamily="49" charset="0"/>
+            </a:endParaRPr>
+          </a:p>
+          <a:p>
+            <a:pPr algn="l"/>
+            <a:endParaRPr lang="en-PH" sz="2000" dirty="0">
+              <a:latin typeface="Consolas" panose="020B0609020204030204" pitchFamily="49" charset="0"/>
+            </a:endParaRPr>
+          </a:p>
+          <a:p>
+            <a:pPr algn="l"/>
+            <a:endParaRPr lang="en-PH" sz="2000" b="0" dirty="0">
+              <a:effectLst/>
+              <a:latin typeface="Consolas" panose="020B0609020204030204" pitchFamily="49" charset="0"/>
+            </a:endParaRPr>
+          </a:p>
+          <a:p>
+            <a:pPr algn="l"/>
+            <a:endParaRPr lang="en-PH" sz="2000" dirty="0">
+              <a:latin typeface="Consolas" panose="020B0609020204030204" pitchFamily="49" charset="0"/>
+            </a:endParaRPr>
+          </a:p>
+          <a:p>
+            <a:pPr algn="l"/>
+            <a:endParaRPr lang="en-PH" sz="2000" b="0" dirty="0">
+              <a:effectLst/>
+              <a:latin typeface="Consolas" panose="020B0609020204030204" pitchFamily="49" charset="0"/>
+            </a:endParaRPr>
+          </a:p>
+          <a:p>
+            <a:pPr algn="l"/>
+            <a:endParaRPr lang="en-PH" sz="2000" b="0" dirty="0">
+              <a:effectLst/>
+              <a:latin typeface="Consolas" panose="020B0609020204030204" pitchFamily="49" charset="0"/>
+            </a:endParaRPr>
+          </a:p>
+          <a:p>
+            <a:pPr algn="l"/>
+            <a:endParaRPr lang="en-PH" sz="2000" dirty="0">
+              <a:latin typeface="Consolas" panose="020B0609020204030204" pitchFamily="49" charset="0"/>
+            </a:endParaRPr>
+          </a:p>
+          <a:p>
+            <a:pPr algn="l"/>
+            <a:endParaRPr lang="en-PH" sz="2000" b="0" dirty="0">
+              <a:effectLst/>
+              <a:latin typeface="Consolas" panose="020B0609020204030204" pitchFamily="49" charset="0"/>
+            </a:endParaRPr>
+          </a:p>
+          <a:p>
+            <a:pPr algn="l"/>
+            <a:endParaRPr lang="en-PH" sz="2000" b="0" dirty="0">
+              <a:effectLst/>
+              <a:latin typeface="Consolas" panose="020B0609020204030204" pitchFamily="49" charset="0"/>
+            </a:endParaRPr>
+          </a:p>
+        </p:txBody>
+      </p:sp>
+      <p:sp>
+        <p:nvSpPr>
+          <p:cNvPr id="13" name="TextBox 12">
+            <a:extLst>
+              <a:ext uri="{FF2B5EF4-FFF2-40B4-BE49-F238E27FC236}">
+                <a16:creationId xmlns:a16="http://schemas.microsoft.com/office/drawing/2014/main" id="{3900C14F-041A-7E06-AEB2-454CF583C656}"/>
+              </a:ext>
+            </a:extLst>
+          </p:cNvPr>
+          <p:cNvSpPr txBox="1"/>
+          <p:nvPr/>
+        </p:nvSpPr>
+        <p:spPr>
+          <a:xfrm>
+            <a:off x="1294271" y="3067065"/>
+            <a:ext cx="787400" cy="369332"/>
+          </a:xfrm>
+          <a:prstGeom prst="rect">
+            <a:avLst/>
+          </a:prstGeom>
+          <a:noFill/>
+        </p:spPr>
+        <p:txBody>
+          <a:bodyPr wrap="square" rtlCol="0">
+            <a:spAutoFit/>
+          </a:bodyPr>
+          <a:lstStyle/>
+          <a:p>
+            <a:endParaRPr lang="en-PH" dirty="0"/>
+          </a:p>
+        </p:txBody>
+      </p:sp>
+      <p:sp>
+        <p:nvSpPr>
+          <p:cNvPr id="14" name="TextBox 13">
+            <a:extLst>
+              <a:ext uri="{FF2B5EF4-FFF2-40B4-BE49-F238E27FC236}">
+                <a16:creationId xmlns:a16="http://schemas.microsoft.com/office/drawing/2014/main" id="{75652A3C-2B5F-3EDF-F7EB-D0C6328EDA8C}"/>
+              </a:ext>
+            </a:extLst>
+          </p:cNvPr>
+          <p:cNvSpPr txBox="1"/>
+          <p:nvPr/>
+        </p:nvSpPr>
+        <p:spPr>
+          <a:xfrm>
+            <a:off x="1879297" y="1459858"/>
+            <a:ext cx="8433405" cy="784830"/>
+          </a:xfrm>
+          <a:prstGeom prst="rect">
+            <a:avLst/>
+          </a:prstGeom>
+          <a:noFill/>
+        </p:spPr>
+        <p:txBody>
+          <a:bodyPr wrap="square" rtlCol="0">
+            <a:spAutoFit/>
+          </a:bodyPr>
+          <a:lstStyle/>
+          <a:p>
+            <a:pPr algn="ctr"/>
+            <a:r>
+              <a:rPr lang="en-PH" sz="3900" b="1" i="0" dirty="0">
+                <a:effectLst/>
+                <a:latin typeface="Calibri (Body)"/>
+              </a:rPr>
+              <a:t>^</a:t>
+            </a:r>
+            <a:r>
+              <a:rPr lang="en-PH" sz="3900" b="1" i="0" dirty="0">
+                <a:solidFill>
+                  <a:srgbClr val="00B050"/>
+                </a:solidFill>
+                <a:effectLst/>
+                <a:latin typeface="Calibri (Body)"/>
+              </a:rPr>
+              <a:t>(</a:t>
+            </a:r>
+            <a:r>
+              <a:rPr lang="pl-PL" sz="3900" b="1" i="0" dirty="0">
+                <a:solidFill>
+                  <a:srgbClr val="00B050"/>
+                </a:solidFill>
+                <a:effectLst/>
+                <a:latin typeface="Calibri (Body)"/>
+              </a:rPr>
+              <a:t>?=.*[A-Za-z</a:t>
+            </a:r>
+            <a:r>
+              <a:rPr lang="pl-PL" sz="4500" b="1" i="0" dirty="0">
+                <a:solidFill>
+                  <a:srgbClr val="00B050"/>
+                </a:solidFill>
+                <a:effectLst/>
+                <a:latin typeface="Calibri (Body)"/>
+              </a:rPr>
+              <a:t>])</a:t>
+            </a:r>
+            <a:r>
+              <a:rPr lang="pl-PL" sz="4500" b="1" i="0" dirty="0">
+                <a:effectLst/>
+                <a:latin typeface="Calibri (Body)"/>
+              </a:rPr>
+              <a:t>(?=.*\</a:t>
+            </a:r>
+            <a:r>
+              <a:rPr lang="pl-PL" sz="3900" b="1" i="0" dirty="0">
+                <a:effectLst/>
+                <a:latin typeface="Calibri (Body)"/>
+              </a:rPr>
+              <a:t>d)</a:t>
+            </a:r>
+            <a:r>
+              <a:rPr lang="en-PH" sz="3900" b="1" i="0" dirty="0">
+                <a:effectLst/>
+                <a:latin typeface="Calibri (Body)"/>
+              </a:rPr>
+              <a:t>.{</a:t>
+            </a:r>
+            <a:r>
+              <a:rPr lang="pl-PL" sz="3900" b="1" i="0" dirty="0">
+                <a:effectLst/>
+                <a:latin typeface="Calibri (Body)"/>
+              </a:rPr>
+              <a:t>8,}$</a:t>
+            </a:r>
+            <a:endParaRPr lang="en-PH" sz="3900" b="1" dirty="0">
+              <a:latin typeface="Calibri (Body)"/>
+            </a:endParaRPr>
+          </a:p>
+        </p:txBody>
+      </p:sp>
+      <p:sp>
+        <p:nvSpPr>
+          <p:cNvPr id="5" name="TextBox 4">
+            <a:extLst>
+              <a:ext uri="{FF2B5EF4-FFF2-40B4-BE49-F238E27FC236}">
+                <a16:creationId xmlns:a16="http://schemas.microsoft.com/office/drawing/2014/main" id="{95263EEE-0A78-AC96-0F79-93126FAC43C8}"/>
+              </a:ext>
+            </a:extLst>
+          </p:cNvPr>
+          <p:cNvSpPr txBox="1"/>
+          <p:nvPr/>
+        </p:nvSpPr>
+        <p:spPr>
+          <a:xfrm>
+            <a:off x="1879296" y="3042262"/>
+            <a:ext cx="8433405" cy="923330"/>
+          </a:xfrm>
+          <a:prstGeom prst="rect">
+            <a:avLst/>
+          </a:prstGeom>
+          <a:noFill/>
+        </p:spPr>
+        <p:txBody>
+          <a:bodyPr wrap="square" rtlCol="0">
+            <a:spAutoFit/>
+          </a:bodyPr>
+          <a:lstStyle/>
+          <a:p>
+            <a:r>
+              <a:rPr lang="en-PH" b="1" dirty="0"/>
+              <a:t>Positive lookahead</a:t>
+            </a:r>
+          </a:p>
+          <a:p>
+            <a:r>
+              <a:rPr lang="en-PH" dirty="0"/>
+              <a:t>- Looks around if the string contains at least one </a:t>
+            </a:r>
+            <a:r>
+              <a:rPr lang="en-PH" b="1" dirty="0"/>
+              <a:t>lowercase</a:t>
+            </a:r>
+            <a:r>
+              <a:rPr lang="en-PH" dirty="0"/>
+              <a:t> or </a:t>
+            </a:r>
+            <a:r>
+              <a:rPr lang="en-PH" b="1" dirty="0"/>
+              <a:t>UPPERCASE</a:t>
+            </a:r>
+            <a:r>
+              <a:rPr lang="en-PH" dirty="0"/>
+              <a:t> alphabet from A to Z.</a:t>
+            </a:r>
+          </a:p>
+        </p:txBody>
+      </p:sp>
+    </p:spTree>
+    <p:extLst>
+      <p:ext uri="{BB962C8B-B14F-4D97-AF65-F5344CB8AC3E}">
+        <p14:creationId xmlns:p14="http://schemas.microsoft.com/office/powerpoint/2010/main" val="484027712"/>
+      </p:ext>
+    </p:extLst>
+  </p:cSld>
+  <p:clrMapOvr>
+    <a:masterClrMapping/>
+  </p:clrMapOvr>
+</p:sld>
+</file>
+
 <file path=ppt/slides/slide4.xml><?xml version="1.0" encoding="utf-8"?>
 <p:sld xmlns:a="http://schemas.openxmlformats.org/drawingml/2006/main" xmlns:r="http://schemas.openxmlformats.org/officeDocument/2006/relationships" xmlns:p="http://schemas.openxmlformats.org/presentationml/2006/main">
   <p:cSld>
@@ -15909,6 +21557,1394 @@
     <p:extLst>
       <p:ext uri="{BB962C8B-B14F-4D97-AF65-F5344CB8AC3E}">
         <p14:creationId xmlns:p14="http://schemas.microsoft.com/office/powerpoint/2010/main" val="3660760080"/>
+      </p:ext>
+    </p:extLst>
+  </p:cSld>
+  <p:clrMapOvr>
+    <a:masterClrMapping/>
+  </p:clrMapOvr>
+</p:sld>
+</file>
+
+<file path=ppt/slides/slide40.xml><?xml version="1.0" encoding="utf-8"?>
+<p:sld xmlns:a="http://schemas.openxmlformats.org/drawingml/2006/main" xmlns:r="http://schemas.openxmlformats.org/officeDocument/2006/relationships" xmlns:p="http://schemas.openxmlformats.org/presentationml/2006/main">
+  <p:cSld>
+    <p:bg>
+      <p:bgPr>
+        <a:blipFill dpi="0" rotWithShape="1">
+          <a:blip r:embed="rId3">
+            <a:alphaModFix amt="99000"/>
+            <a:lum/>
+          </a:blip>
+          <a:srcRect/>
+          <a:stretch>
+            <a:fillRect t="89000" r="85000" b="-1000"/>
+          </a:stretch>
+        </a:blipFill>
+        <a:effectLst/>
+      </p:bgPr>
+    </p:bg>
+    <p:spTree>
+      <p:nvGrpSpPr>
+        <p:cNvPr id="1" name=""/>
+        <p:cNvGrpSpPr/>
+        <p:nvPr/>
+      </p:nvGrpSpPr>
+      <p:grpSpPr>
+        <a:xfrm>
+          <a:off x="0" y="0"/>
+          <a:ext cx="0" cy="0"/>
+          <a:chOff x="0" y="0"/>
+          <a:chExt cx="0" cy="0"/>
+        </a:xfrm>
+      </p:grpSpPr>
+      <p:sp>
+        <p:nvSpPr>
+          <p:cNvPr id="2" name="Title 1">
+            <a:extLst>
+              <a:ext uri="{FF2B5EF4-FFF2-40B4-BE49-F238E27FC236}">
+                <a16:creationId xmlns:a16="http://schemas.microsoft.com/office/drawing/2014/main" id="{6A3DCE86-C2BA-4713-9E7A-73589E8D6CCF}"/>
+              </a:ext>
+            </a:extLst>
+          </p:cNvPr>
+          <p:cNvSpPr>
+            <a:spLocks noGrp="1"/>
+          </p:cNvSpPr>
+          <p:nvPr>
+            <p:ph type="ctrTitle"/>
+          </p:nvPr>
+        </p:nvSpPr>
+        <p:spPr>
+          <a:xfrm>
+            <a:off x="1524000" y="497150"/>
+            <a:ext cx="9144000" cy="718459"/>
+          </a:xfrm>
+        </p:spPr>
+        <p:txBody>
+          <a:bodyPr>
+            <a:noAutofit/>
+          </a:bodyPr>
+          <a:lstStyle/>
+          <a:p>
+            <a:r>
+              <a:rPr lang="en-PH" sz="4000" b="1" dirty="0"/>
+              <a:t>Password Pattern Validation (Breakdown)</a:t>
+            </a:r>
+          </a:p>
+        </p:txBody>
+      </p:sp>
+      <p:sp>
+        <p:nvSpPr>
+          <p:cNvPr id="4" name="Footer Placeholder 3">
+            <a:extLst>
+              <a:ext uri="{FF2B5EF4-FFF2-40B4-BE49-F238E27FC236}">
+                <a16:creationId xmlns:a16="http://schemas.microsoft.com/office/drawing/2014/main" id="{638E7DE1-45EE-476A-A474-0F3C264AEDA3}"/>
+              </a:ext>
+            </a:extLst>
+          </p:cNvPr>
+          <p:cNvSpPr>
+            <a:spLocks noGrp="1"/>
+          </p:cNvSpPr>
+          <p:nvPr>
+            <p:ph type="ftr" sz="quarter" idx="11"/>
+          </p:nvPr>
+        </p:nvSpPr>
+        <p:spPr>
+          <a:xfrm>
+            <a:off x="0" y="6139541"/>
+            <a:ext cx="12192000" cy="718459"/>
+          </a:xfrm>
+          <a:ln w="28575">
+            <a:solidFill>
+              <a:schemeClr val="accent5">
+                <a:lumMod val="50000"/>
+              </a:schemeClr>
+            </a:solidFill>
+          </a:ln>
+        </p:spPr>
+        <p:txBody>
+          <a:bodyPr/>
+          <a:lstStyle/>
+          <a:p>
+            <a:pPr algn="r"/>
+            <a:r>
+              <a:rPr lang="en-PH" b="1" dirty="0">
+                <a:solidFill>
+                  <a:schemeClr val="tx1"/>
+                </a:solidFill>
+              </a:rPr>
+              <a:t>CCPRGG2L – Intermediate Programming</a:t>
+            </a:r>
+          </a:p>
+        </p:txBody>
+      </p:sp>
+      <p:sp>
+        <p:nvSpPr>
+          <p:cNvPr id="3" name="Title 1">
+            <a:extLst>
+              <a:ext uri="{FF2B5EF4-FFF2-40B4-BE49-F238E27FC236}">
+                <a16:creationId xmlns:a16="http://schemas.microsoft.com/office/drawing/2014/main" id="{6C30C3FD-9F67-8E4D-274C-38222F46C4C5}"/>
+              </a:ext>
+            </a:extLst>
+          </p:cNvPr>
+          <p:cNvSpPr txBox="1">
+            <a:spLocks/>
+          </p:cNvSpPr>
+          <p:nvPr/>
+        </p:nvSpPr>
+        <p:spPr>
+          <a:xfrm>
+            <a:off x="1524000" y="1516449"/>
+            <a:ext cx="9144000" cy="4290585"/>
+          </a:xfrm>
+          <a:prstGeom prst="rect">
+            <a:avLst/>
+          </a:prstGeom>
+        </p:spPr>
+        <p:txBody>
+          <a:bodyPr vert="horz" lIns="91440" tIns="45720" rIns="91440" bIns="45720" rtlCol="0" anchor="b">
+            <a:normAutofit fontScale="97500"/>
+          </a:bodyPr>
+          <a:lstStyle>
+            <a:lvl1pPr algn="ctr" defTabSz="914400" rtl="0" eaLnBrk="1" latinLnBrk="0" hangingPunct="1">
+              <a:lnSpc>
+                <a:spcPct val="90000"/>
+              </a:lnSpc>
+              <a:spcBef>
+                <a:spcPct val="0"/>
+              </a:spcBef>
+              <a:buNone/>
+              <a:defRPr sz="6000" kern="1200">
+                <a:solidFill>
+                  <a:schemeClr val="tx1"/>
+                </a:solidFill>
+                <a:latin typeface="+mj-lt"/>
+                <a:ea typeface="+mj-ea"/>
+                <a:cs typeface="+mj-cs"/>
+              </a:defRPr>
+            </a:lvl1pPr>
+          </a:lstStyle>
+          <a:p>
+            <a:pPr algn="l"/>
+            <a:endParaRPr lang="en-PH" sz="2600" dirty="0">
+              <a:latin typeface="Consolas" panose="020B0609020204030204" pitchFamily="49" charset="0"/>
+            </a:endParaRPr>
+          </a:p>
+          <a:p>
+            <a:pPr algn="l"/>
+            <a:r>
+              <a:rPr lang="en-PH" sz="2600" b="0" dirty="0">
+                <a:effectLst/>
+                <a:latin typeface="Consolas" panose="020B0609020204030204" pitchFamily="49" charset="0"/>
+              </a:rPr>
+              <a:t>                         </a:t>
+            </a:r>
+          </a:p>
+          <a:p>
+            <a:pPr algn="l"/>
+            <a:r>
+              <a:rPr lang="en-PH" sz="2600" b="0" dirty="0">
+                <a:effectLst/>
+                <a:latin typeface="Consolas" panose="020B0609020204030204" pitchFamily="49" charset="0"/>
+              </a:rPr>
+              <a:t>        </a:t>
+            </a:r>
+          </a:p>
+          <a:p>
+            <a:pPr algn="l"/>
+            <a:endParaRPr lang="en-PH" sz="2600" b="0" dirty="0">
+              <a:effectLst/>
+              <a:latin typeface="Consolas" panose="020B0609020204030204" pitchFamily="49" charset="0"/>
+            </a:endParaRPr>
+          </a:p>
+          <a:p>
+            <a:pPr algn="l"/>
+            <a:endParaRPr lang="en-PH" sz="2000" dirty="0">
+              <a:latin typeface="Consolas" panose="020B0609020204030204" pitchFamily="49" charset="0"/>
+            </a:endParaRPr>
+          </a:p>
+          <a:p>
+            <a:pPr algn="l"/>
+            <a:endParaRPr lang="en-PH" sz="2000" b="0" dirty="0">
+              <a:effectLst/>
+              <a:latin typeface="Consolas" panose="020B0609020204030204" pitchFamily="49" charset="0"/>
+            </a:endParaRPr>
+          </a:p>
+          <a:p>
+            <a:pPr algn="l"/>
+            <a:endParaRPr lang="en-PH" sz="2000" dirty="0">
+              <a:latin typeface="Consolas" panose="020B0609020204030204" pitchFamily="49" charset="0"/>
+            </a:endParaRPr>
+          </a:p>
+          <a:p>
+            <a:pPr algn="l"/>
+            <a:endParaRPr lang="en-PH" sz="2000" b="0" dirty="0">
+              <a:effectLst/>
+              <a:latin typeface="Consolas" panose="020B0609020204030204" pitchFamily="49" charset="0"/>
+            </a:endParaRPr>
+          </a:p>
+          <a:p>
+            <a:pPr algn="l"/>
+            <a:endParaRPr lang="en-PH" sz="2000" dirty="0">
+              <a:latin typeface="Consolas" panose="020B0609020204030204" pitchFamily="49" charset="0"/>
+            </a:endParaRPr>
+          </a:p>
+          <a:p>
+            <a:pPr algn="l"/>
+            <a:endParaRPr lang="en-PH" sz="2000" b="0" dirty="0">
+              <a:effectLst/>
+              <a:latin typeface="Consolas" panose="020B0609020204030204" pitchFamily="49" charset="0"/>
+            </a:endParaRPr>
+          </a:p>
+          <a:p>
+            <a:pPr algn="l"/>
+            <a:endParaRPr lang="en-PH" sz="2000" b="0" dirty="0">
+              <a:effectLst/>
+              <a:latin typeface="Consolas" panose="020B0609020204030204" pitchFamily="49" charset="0"/>
+            </a:endParaRPr>
+          </a:p>
+          <a:p>
+            <a:pPr algn="l"/>
+            <a:endParaRPr lang="en-PH" sz="2000" dirty="0">
+              <a:latin typeface="Consolas" panose="020B0609020204030204" pitchFamily="49" charset="0"/>
+            </a:endParaRPr>
+          </a:p>
+          <a:p>
+            <a:pPr algn="l"/>
+            <a:endParaRPr lang="en-PH" sz="2000" b="0" dirty="0">
+              <a:effectLst/>
+              <a:latin typeface="Consolas" panose="020B0609020204030204" pitchFamily="49" charset="0"/>
+            </a:endParaRPr>
+          </a:p>
+          <a:p>
+            <a:pPr algn="l"/>
+            <a:endParaRPr lang="en-PH" sz="2000" b="0" dirty="0">
+              <a:effectLst/>
+              <a:latin typeface="Consolas" panose="020B0609020204030204" pitchFamily="49" charset="0"/>
+            </a:endParaRPr>
+          </a:p>
+        </p:txBody>
+      </p:sp>
+      <p:sp>
+        <p:nvSpPr>
+          <p:cNvPr id="13" name="TextBox 12">
+            <a:extLst>
+              <a:ext uri="{FF2B5EF4-FFF2-40B4-BE49-F238E27FC236}">
+                <a16:creationId xmlns:a16="http://schemas.microsoft.com/office/drawing/2014/main" id="{3900C14F-041A-7E06-AEB2-454CF583C656}"/>
+              </a:ext>
+            </a:extLst>
+          </p:cNvPr>
+          <p:cNvSpPr txBox="1"/>
+          <p:nvPr/>
+        </p:nvSpPr>
+        <p:spPr>
+          <a:xfrm>
+            <a:off x="1294271" y="3067065"/>
+            <a:ext cx="787400" cy="369332"/>
+          </a:xfrm>
+          <a:prstGeom prst="rect">
+            <a:avLst/>
+          </a:prstGeom>
+          <a:noFill/>
+        </p:spPr>
+        <p:txBody>
+          <a:bodyPr wrap="square" rtlCol="0">
+            <a:spAutoFit/>
+          </a:bodyPr>
+          <a:lstStyle/>
+          <a:p>
+            <a:endParaRPr lang="en-PH" dirty="0"/>
+          </a:p>
+        </p:txBody>
+      </p:sp>
+      <p:sp>
+        <p:nvSpPr>
+          <p:cNvPr id="14" name="TextBox 13">
+            <a:extLst>
+              <a:ext uri="{FF2B5EF4-FFF2-40B4-BE49-F238E27FC236}">
+                <a16:creationId xmlns:a16="http://schemas.microsoft.com/office/drawing/2014/main" id="{75652A3C-2B5F-3EDF-F7EB-D0C6328EDA8C}"/>
+              </a:ext>
+            </a:extLst>
+          </p:cNvPr>
+          <p:cNvSpPr txBox="1"/>
+          <p:nvPr/>
+        </p:nvSpPr>
+        <p:spPr>
+          <a:xfrm>
+            <a:off x="1879297" y="1459858"/>
+            <a:ext cx="8433405" cy="784830"/>
+          </a:xfrm>
+          <a:prstGeom prst="rect">
+            <a:avLst/>
+          </a:prstGeom>
+          <a:noFill/>
+        </p:spPr>
+        <p:txBody>
+          <a:bodyPr wrap="square" rtlCol="0">
+            <a:spAutoFit/>
+          </a:bodyPr>
+          <a:lstStyle/>
+          <a:p>
+            <a:pPr algn="ctr"/>
+            <a:r>
+              <a:rPr lang="en-PH" sz="3900" b="1" i="0" dirty="0">
+                <a:effectLst/>
+                <a:latin typeface="Calibri (Body)"/>
+              </a:rPr>
+              <a:t>^(</a:t>
+            </a:r>
+            <a:r>
+              <a:rPr lang="pl-PL" sz="3900" b="1" i="0" dirty="0">
+                <a:effectLst/>
+                <a:latin typeface="Calibri (Body)"/>
+              </a:rPr>
+              <a:t>?=.*[A-Za-z</a:t>
+            </a:r>
+            <a:r>
+              <a:rPr lang="pl-PL" sz="4500" b="1" i="0" dirty="0">
+                <a:effectLst/>
+                <a:latin typeface="Calibri (Body)"/>
+              </a:rPr>
+              <a:t>])</a:t>
+            </a:r>
+            <a:r>
+              <a:rPr lang="pl-PL" sz="4500" b="1" i="0" dirty="0">
+                <a:solidFill>
+                  <a:srgbClr val="00B050"/>
+                </a:solidFill>
+                <a:effectLst/>
+                <a:latin typeface="Calibri (Body)"/>
+              </a:rPr>
+              <a:t>(?=.*\</a:t>
+            </a:r>
+            <a:r>
+              <a:rPr lang="pl-PL" sz="3900" b="1" i="0" dirty="0">
+                <a:solidFill>
+                  <a:srgbClr val="00B050"/>
+                </a:solidFill>
+                <a:effectLst/>
+                <a:latin typeface="Calibri (Body)"/>
+              </a:rPr>
+              <a:t>d)</a:t>
+            </a:r>
+            <a:r>
+              <a:rPr lang="en-PH" sz="3900" b="1" i="0" dirty="0">
+                <a:effectLst/>
+                <a:latin typeface="Calibri (Body)"/>
+              </a:rPr>
+              <a:t>.{</a:t>
+            </a:r>
+            <a:r>
+              <a:rPr lang="pl-PL" sz="3900" b="1" i="0" dirty="0">
+                <a:effectLst/>
+                <a:latin typeface="Calibri (Body)"/>
+              </a:rPr>
+              <a:t>8,}$</a:t>
+            </a:r>
+            <a:endParaRPr lang="en-PH" sz="3900" b="1" dirty="0">
+              <a:latin typeface="Calibri (Body)"/>
+            </a:endParaRPr>
+          </a:p>
+        </p:txBody>
+      </p:sp>
+      <p:sp>
+        <p:nvSpPr>
+          <p:cNvPr id="5" name="TextBox 4">
+            <a:extLst>
+              <a:ext uri="{FF2B5EF4-FFF2-40B4-BE49-F238E27FC236}">
+                <a16:creationId xmlns:a16="http://schemas.microsoft.com/office/drawing/2014/main" id="{95263EEE-0A78-AC96-0F79-93126FAC43C8}"/>
+              </a:ext>
+            </a:extLst>
+          </p:cNvPr>
+          <p:cNvSpPr txBox="1"/>
+          <p:nvPr/>
+        </p:nvSpPr>
+        <p:spPr>
+          <a:xfrm>
+            <a:off x="1879296" y="3042262"/>
+            <a:ext cx="8433405" cy="646331"/>
+          </a:xfrm>
+          <a:prstGeom prst="rect">
+            <a:avLst/>
+          </a:prstGeom>
+          <a:noFill/>
+        </p:spPr>
+        <p:txBody>
+          <a:bodyPr wrap="square" rtlCol="0">
+            <a:spAutoFit/>
+          </a:bodyPr>
+          <a:lstStyle/>
+          <a:p>
+            <a:r>
+              <a:rPr lang="en-PH" b="1" dirty="0"/>
+              <a:t>Positive lookahead</a:t>
+            </a:r>
+          </a:p>
+          <a:p>
+            <a:r>
+              <a:rPr lang="en-PH" dirty="0"/>
+              <a:t>- Looks around if the string contains at least one </a:t>
+            </a:r>
+            <a:r>
+              <a:rPr lang="en-PH" b="1" dirty="0"/>
+              <a:t>digit</a:t>
+            </a:r>
+            <a:r>
+              <a:rPr lang="en-PH" dirty="0"/>
+              <a:t> from 0 to 9.</a:t>
+            </a:r>
+          </a:p>
+        </p:txBody>
+      </p:sp>
+    </p:spTree>
+    <p:extLst>
+      <p:ext uri="{BB962C8B-B14F-4D97-AF65-F5344CB8AC3E}">
+        <p14:creationId xmlns:p14="http://schemas.microsoft.com/office/powerpoint/2010/main" val="2609411737"/>
+      </p:ext>
+    </p:extLst>
+  </p:cSld>
+  <p:clrMapOvr>
+    <a:masterClrMapping/>
+  </p:clrMapOvr>
+</p:sld>
+</file>
+
+<file path=ppt/slides/slide41.xml><?xml version="1.0" encoding="utf-8"?>
+<p:sld xmlns:a="http://schemas.openxmlformats.org/drawingml/2006/main" xmlns:r="http://schemas.openxmlformats.org/officeDocument/2006/relationships" xmlns:p="http://schemas.openxmlformats.org/presentationml/2006/main">
+  <p:cSld>
+    <p:bg>
+      <p:bgPr>
+        <a:blipFill dpi="0" rotWithShape="1">
+          <a:blip r:embed="rId3">
+            <a:alphaModFix amt="99000"/>
+            <a:lum/>
+          </a:blip>
+          <a:srcRect/>
+          <a:stretch>
+            <a:fillRect t="89000" r="85000" b="-1000"/>
+          </a:stretch>
+        </a:blipFill>
+        <a:effectLst/>
+      </p:bgPr>
+    </p:bg>
+    <p:spTree>
+      <p:nvGrpSpPr>
+        <p:cNvPr id="1" name=""/>
+        <p:cNvGrpSpPr/>
+        <p:nvPr/>
+      </p:nvGrpSpPr>
+      <p:grpSpPr>
+        <a:xfrm>
+          <a:off x="0" y="0"/>
+          <a:ext cx="0" cy="0"/>
+          <a:chOff x="0" y="0"/>
+          <a:chExt cx="0" cy="0"/>
+        </a:xfrm>
+      </p:grpSpPr>
+      <p:sp>
+        <p:nvSpPr>
+          <p:cNvPr id="2" name="Title 1">
+            <a:extLst>
+              <a:ext uri="{FF2B5EF4-FFF2-40B4-BE49-F238E27FC236}">
+                <a16:creationId xmlns:a16="http://schemas.microsoft.com/office/drawing/2014/main" id="{6A3DCE86-C2BA-4713-9E7A-73589E8D6CCF}"/>
+              </a:ext>
+            </a:extLst>
+          </p:cNvPr>
+          <p:cNvSpPr>
+            <a:spLocks noGrp="1"/>
+          </p:cNvSpPr>
+          <p:nvPr>
+            <p:ph type="ctrTitle"/>
+          </p:nvPr>
+        </p:nvSpPr>
+        <p:spPr>
+          <a:xfrm>
+            <a:off x="1524000" y="497150"/>
+            <a:ext cx="9144000" cy="718459"/>
+          </a:xfrm>
+        </p:spPr>
+        <p:txBody>
+          <a:bodyPr>
+            <a:noAutofit/>
+          </a:bodyPr>
+          <a:lstStyle/>
+          <a:p>
+            <a:r>
+              <a:rPr lang="en-PH" sz="4000" b="1" dirty="0"/>
+              <a:t>Password Pattern Validation (Breakdown)</a:t>
+            </a:r>
+          </a:p>
+        </p:txBody>
+      </p:sp>
+      <p:sp>
+        <p:nvSpPr>
+          <p:cNvPr id="4" name="Footer Placeholder 3">
+            <a:extLst>
+              <a:ext uri="{FF2B5EF4-FFF2-40B4-BE49-F238E27FC236}">
+                <a16:creationId xmlns:a16="http://schemas.microsoft.com/office/drawing/2014/main" id="{638E7DE1-45EE-476A-A474-0F3C264AEDA3}"/>
+              </a:ext>
+            </a:extLst>
+          </p:cNvPr>
+          <p:cNvSpPr>
+            <a:spLocks noGrp="1"/>
+          </p:cNvSpPr>
+          <p:nvPr>
+            <p:ph type="ftr" sz="quarter" idx="11"/>
+          </p:nvPr>
+        </p:nvSpPr>
+        <p:spPr>
+          <a:xfrm>
+            <a:off x="0" y="6139541"/>
+            <a:ext cx="12192000" cy="718459"/>
+          </a:xfrm>
+          <a:ln w="28575">
+            <a:solidFill>
+              <a:schemeClr val="accent5">
+                <a:lumMod val="50000"/>
+              </a:schemeClr>
+            </a:solidFill>
+          </a:ln>
+        </p:spPr>
+        <p:txBody>
+          <a:bodyPr/>
+          <a:lstStyle/>
+          <a:p>
+            <a:pPr algn="r"/>
+            <a:r>
+              <a:rPr lang="en-PH" b="1" dirty="0">
+                <a:solidFill>
+                  <a:schemeClr val="tx1"/>
+                </a:solidFill>
+              </a:rPr>
+              <a:t>CCPRGG2L – Intermediate Programming</a:t>
+            </a:r>
+          </a:p>
+        </p:txBody>
+      </p:sp>
+      <p:sp>
+        <p:nvSpPr>
+          <p:cNvPr id="3" name="Title 1">
+            <a:extLst>
+              <a:ext uri="{FF2B5EF4-FFF2-40B4-BE49-F238E27FC236}">
+                <a16:creationId xmlns:a16="http://schemas.microsoft.com/office/drawing/2014/main" id="{6C30C3FD-9F67-8E4D-274C-38222F46C4C5}"/>
+              </a:ext>
+            </a:extLst>
+          </p:cNvPr>
+          <p:cNvSpPr txBox="1">
+            <a:spLocks/>
+          </p:cNvSpPr>
+          <p:nvPr/>
+        </p:nvSpPr>
+        <p:spPr>
+          <a:xfrm>
+            <a:off x="1524000" y="1516449"/>
+            <a:ext cx="9144000" cy="4290585"/>
+          </a:xfrm>
+          <a:prstGeom prst="rect">
+            <a:avLst/>
+          </a:prstGeom>
+        </p:spPr>
+        <p:txBody>
+          <a:bodyPr vert="horz" lIns="91440" tIns="45720" rIns="91440" bIns="45720" rtlCol="0" anchor="b">
+            <a:normAutofit fontScale="97500"/>
+          </a:bodyPr>
+          <a:lstStyle>
+            <a:lvl1pPr algn="ctr" defTabSz="914400" rtl="0" eaLnBrk="1" latinLnBrk="0" hangingPunct="1">
+              <a:lnSpc>
+                <a:spcPct val="90000"/>
+              </a:lnSpc>
+              <a:spcBef>
+                <a:spcPct val="0"/>
+              </a:spcBef>
+              <a:buNone/>
+              <a:defRPr sz="6000" kern="1200">
+                <a:solidFill>
+                  <a:schemeClr val="tx1"/>
+                </a:solidFill>
+                <a:latin typeface="+mj-lt"/>
+                <a:ea typeface="+mj-ea"/>
+                <a:cs typeface="+mj-cs"/>
+              </a:defRPr>
+            </a:lvl1pPr>
+          </a:lstStyle>
+          <a:p>
+            <a:pPr algn="l"/>
+            <a:endParaRPr lang="en-PH" sz="2600" dirty="0">
+              <a:latin typeface="Consolas" panose="020B0609020204030204" pitchFamily="49" charset="0"/>
+            </a:endParaRPr>
+          </a:p>
+          <a:p>
+            <a:pPr algn="l"/>
+            <a:r>
+              <a:rPr lang="en-PH" sz="2600" b="0" dirty="0">
+                <a:effectLst/>
+                <a:latin typeface="Consolas" panose="020B0609020204030204" pitchFamily="49" charset="0"/>
+              </a:rPr>
+              <a:t>                         </a:t>
+            </a:r>
+          </a:p>
+          <a:p>
+            <a:pPr algn="l"/>
+            <a:r>
+              <a:rPr lang="en-PH" sz="2600" b="0" dirty="0">
+                <a:effectLst/>
+                <a:latin typeface="Consolas" panose="020B0609020204030204" pitchFamily="49" charset="0"/>
+              </a:rPr>
+              <a:t>        </a:t>
+            </a:r>
+          </a:p>
+          <a:p>
+            <a:pPr algn="l"/>
+            <a:endParaRPr lang="en-PH" sz="2600" b="0" dirty="0">
+              <a:effectLst/>
+              <a:latin typeface="Consolas" panose="020B0609020204030204" pitchFamily="49" charset="0"/>
+            </a:endParaRPr>
+          </a:p>
+          <a:p>
+            <a:pPr algn="l"/>
+            <a:endParaRPr lang="en-PH" sz="2000" dirty="0">
+              <a:latin typeface="Consolas" panose="020B0609020204030204" pitchFamily="49" charset="0"/>
+            </a:endParaRPr>
+          </a:p>
+          <a:p>
+            <a:pPr algn="l"/>
+            <a:endParaRPr lang="en-PH" sz="2000" b="0" dirty="0">
+              <a:effectLst/>
+              <a:latin typeface="Consolas" panose="020B0609020204030204" pitchFamily="49" charset="0"/>
+            </a:endParaRPr>
+          </a:p>
+          <a:p>
+            <a:pPr algn="l"/>
+            <a:endParaRPr lang="en-PH" sz="2000" dirty="0">
+              <a:latin typeface="Consolas" panose="020B0609020204030204" pitchFamily="49" charset="0"/>
+            </a:endParaRPr>
+          </a:p>
+          <a:p>
+            <a:pPr algn="l"/>
+            <a:endParaRPr lang="en-PH" sz="2000" b="0" dirty="0">
+              <a:effectLst/>
+              <a:latin typeface="Consolas" panose="020B0609020204030204" pitchFamily="49" charset="0"/>
+            </a:endParaRPr>
+          </a:p>
+          <a:p>
+            <a:pPr algn="l"/>
+            <a:endParaRPr lang="en-PH" sz="2000" dirty="0">
+              <a:latin typeface="Consolas" panose="020B0609020204030204" pitchFamily="49" charset="0"/>
+            </a:endParaRPr>
+          </a:p>
+          <a:p>
+            <a:pPr algn="l"/>
+            <a:endParaRPr lang="en-PH" sz="2000" b="0" dirty="0">
+              <a:effectLst/>
+              <a:latin typeface="Consolas" panose="020B0609020204030204" pitchFamily="49" charset="0"/>
+            </a:endParaRPr>
+          </a:p>
+          <a:p>
+            <a:pPr algn="l"/>
+            <a:endParaRPr lang="en-PH" sz="2000" b="0" dirty="0">
+              <a:effectLst/>
+              <a:latin typeface="Consolas" panose="020B0609020204030204" pitchFamily="49" charset="0"/>
+            </a:endParaRPr>
+          </a:p>
+          <a:p>
+            <a:pPr algn="l"/>
+            <a:endParaRPr lang="en-PH" sz="2000" dirty="0">
+              <a:latin typeface="Consolas" panose="020B0609020204030204" pitchFamily="49" charset="0"/>
+            </a:endParaRPr>
+          </a:p>
+          <a:p>
+            <a:pPr algn="l"/>
+            <a:endParaRPr lang="en-PH" sz="2000" b="0" dirty="0">
+              <a:effectLst/>
+              <a:latin typeface="Consolas" panose="020B0609020204030204" pitchFamily="49" charset="0"/>
+            </a:endParaRPr>
+          </a:p>
+          <a:p>
+            <a:pPr algn="l"/>
+            <a:endParaRPr lang="en-PH" sz="2000" b="0" dirty="0">
+              <a:effectLst/>
+              <a:latin typeface="Consolas" panose="020B0609020204030204" pitchFamily="49" charset="0"/>
+            </a:endParaRPr>
+          </a:p>
+        </p:txBody>
+      </p:sp>
+      <p:sp>
+        <p:nvSpPr>
+          <p:cNvPr id="13" name="TextBox 12">
+            <a:extLst>
+              <a:ext uri="{FF2B5EF4-FFF2-40B4-BE49-F238E27FC236}">
+                <a16:creationId xmlns:a16="http://schemas.microsoft.com/office/drawing/2014/main" id="{3900C14F-041A-7E06-AEB2-454CF583C656}"/>
+              </a:ext>
+            </a:extLst>
+          </p:cNvPr>
+          <p:cNvSpPr txBox="1"/>
+          <p:nvPr/>
+        </p:nvSpPr>
+        <p:spPr>
+          <a:xfrm>
+            <a:off x="1294271" y="3067065"/>
+            <a:ext cx="787400" cy="369332"/>
+          </a:xfrm>
+          <a:prstGeom prst="rect">
+            <a:avLst/>
+          </a:prstGeom>
+          <a:noFill/>
+        </p:spPr>
+        <p:txBody>
+          <a:bodyPr wrap="square" rtlCol="0">
+            <a:spAutoFit/>
+          </a:bodyPr>
+          <a:lstStyle/>
+          <a:p>
+            <a:endParaRPr lang="en-PH" dirty="0"/>
+          </a:p>
+        </p:txBody>
+      </p:sp>
+      <p:sp>
+        <p:nvSpPr>
+          <p:cNvPr id="14" name="TextBox 13">
+            <a:extLst>
+              <a:ext uri="{FF2B5EF4-FFF2-40B4-BE49-F238E27FC236}">
+                <a16:creationId xmlns:a16="http://schemas.microsoft.com/office/drawing/2014/main" id="{75652A3C-2B5F-3EDF-F7EB-D0C6328EDA8C}"/>
+              </a:ext>
+            </a:extLst>
+          </p:cNvPr>
+          <p:cNvSpPr txBox="1"/>
+          <p:nvPr/>
+        </p:nvSpPr>
+        <p:spPr>
+          <a:xfrm>
+            <a:off x="1879297" y="1459858"/>
+            <a:ext cx="8433405" cy="784830"/>
+          </a:xfrm>
+          <a:prstGeom prst="rect">
+            <a:avLst/>
+          </a:prstGeom>
+          <a:noFill/>
+        </p:spPr>
+        <p:txBody>
+          <a:bodyPr wrap="square" rtlCol="0">
+            <a:spAutoFit/>
+          </a:bodyPr>
+          <a:lstStyle/>
+          <a:p>
+            <a:pPr algn="ctr"/>
+            <a:r>
+              <a:rPr lang="en-PH" sz="3900" b="1" i="0" dirty="0">
+                <a:effectLst/>
+                <a:latin typeface="Calibri (Body)"/>
+              </a:rPr>
+              <a:t>^(</a:t>
+            </a:r>
+            <a:r>
+              <a:rPr lang="pl-PL" sz="3900" b="1" i="0" dirty="0">
+                <a:effectLst/>
+                <a:latin typeface="Calibri (Body)"/>
+              </a:rPr>
+              <a:t>?=.*[A-Za-z</a:t>
+            </a:r>
+            <a:r>
+              <a:rPr lang="pl-PL" sz="4500" b="1" i="0" dirty="0">
+                <a:effectLst/>
+                <a:latin typeface="Calibri (Body)"/>
+              </a:rPr>
+              <a:t>])(?=.*\</a:t>
+            </a:r>
+            <a:r>
+              <a:rPr lang="pl-PL" sz="3900" b="1" i="0" dirty="0">
+                <a:effectLst/>
+                <a:latin typeface="Calibri (Body)"/>
+              </a:rPr>
+              <a:t>d)</a:t>
+            </a:r>
+            <a:r>
+              <a:rPr lang="en-PH" sz="3900" b="1" i="0" dirty="0">
+                <a:solidFill>
+                  <a:srgbClr val="00B050"/>
+                </a:solidFill>
+                <a:effectLst/>
+                <a:latin typeface="Calibri (Body)"/>
+              </a:rPr>
+              <a:t>.{</a:t>
+            </a:r>
+            <a:r>
+              <a:rPr lang="pl-PL" sz="3900" b="1" i="0" dirty="0">
+                <a:solidFill>
+                  <a:srgbClr val="00B050"/>
+                </a:solidFill>
+                <a:effectLst/>
+                <a:latin typeface="Calibri (Body)"/>
+              </a:rPr>
+              <a:t>8,}</a:t>
+            </a:r>
+            <a:r>
+              <a:rPr lang="pl-PL" sz="3900" b="1" i="0" dirty="0">
+                <a:effectLst/>
+                <a:latin typeface="Calibri (Body)"/>
+              </a:rPr>
+              <a:t>$</a:t>
+            </a:r>
+            <a:endParaRPr lang="en-PH" sz="3900" b="1" dirty="0">
+              <a:latin typeface="Calibri (Body)"/>
+            </a:endParaRPr>
+          </a:p>
+        </p:txBody>
+      </p:sp>
+      <p:sp>
+        <p:nvSpPr>
+          <p:cNvPr id="5" name="TextBox 4">
+            <a:extLst>
+              <a:ext uri="{FF2B5EF4-FFF2-40B4-BE49-F238E27FC236}">
+                <a16:creationId xmlns:a16="http://schemas.microsoft.com/office/drawing/2014/main" id="{95263EEE-0A78-AC96-0F79-93126FAC43C8}"/>
+              </a:ext>
+            </a:extLst>
+          </p:cNvPr>
+          <p:cNvSpPr txBox="1"/>
+          <p:nvPr/>
+        </p:nvSpPr>
+        <p:spPr>
+          <a:xfrm>
+            <a:off x="2081671" y="3678718"/>
+            <a:ext cx="8433405" cy="646331"/>
+          </a:xfrm>
+          <a:prstGeom prst="rect">
+            <a:avLst/>
+          </a:prstGeom>
+          <a:noFill/>
+        </p:spPr>
+        <p:txBody>
+          <a:bodyPr wrap="square" rtlCol="0">
+            <a:spAutoFit/>
+          </a:bodyPr>
+          <a:lstStyle/>
+          <a:p>
+            <a:r>
+              <a:rPr lang="en-PH" b="1" dirty="0"/>
+              <a:t>Quantifier</a:t>
+            </a:r>
+          </a:p>
+          <a:p>
+            <a:r>
+              <a:rPr lang="en-PH" dirty="0"/>
+              <a:t>- Sets a rule in which the password must be </a:t>
+            </a:r>
+            <a:r>
+              <a:rPr lang="en-PH" b="1" dirty="0"/>
+              <a:t>at</a:t>
+            </a:r>
+            <a:r>
+              <a:rPr lang="en-PH" dirty="0"/>
+              <a:t> </a:t>
+            </a:r>
+            <a:r>
+              <a:rPr lang="en-PH" b="1" dirty="0"/>
+              <a:t>least 8 characters or more</a:t>
+            </a:r>
+            <a:r>
+              <a:rPr lang="en-PH" dirty="0"/>
+              <a:t>. </a:t>
+            </a:r>
+          </a:p>
+        </p:txBody>
+      </p:sp>
+      <p:sp>
+        <p:nvSpPr>
+          <p:cNvPr id="6" name="TextBox 5">
+            <a:extLst>
+              <a:ext uri="{FF2B5EF4-FFF2-40B4-BE49-F238E27FC236}">
+                <a16:creationId xmlns:a16="http://schemas.microsoft.com/office/drawing/2014/main" id="{32982D29-C90A-6F34-28E3-7FB2939CF7C0}"/>
+              </a:ext>
+            </a:extLst>
+          </p:cNvPr>
+          <p:cNvSpPr txBox="1"/>
+          <p:nvPr/>
+        </p:nvSpPr>
+        <p:spPr>
+          <a:xfrm>
+            <a:off x="2081670" y="2856116"/>
+            <a:ext cx="8433405" cy="646331"/>
+          </a:xfrm>
+          <a:prstGeom prst="rect">
+            <a:avLst/>
+          </a:prstGeom>
+          <a:noFill/>
+        </p:spPr>
+        <p:txBody>
+          <a:bodyPr wrap="square" rtlCol="0">
+            <a:spAutoFit/>
+          </a:bodyPr>
+          <a:lstStyle/>
+          <a:p>
+            <a:r>
+              <a:rPr lang="en-PH" b="1" dirty="0"/>
+              <a:t>Dot</a:t>
+            </a:r>
+          </a:p>
+          <a:p>
+            <a:r>
+              <a:rPr lang="en-PH" dirty="0"/>
+              <a:t>- Sets a rule in where the password can contain alphabets, digits, special characters. </a:t>
+            </a:r>
+          </a:p>
+        </p:txBody>
+      </p:sp>
+    </p:spTree>
+    <p:extLst>
+      <p:ext uri="{BB962C8B-B14F-4D97-AF65-F5344CB8AC3E}">
+        <p14:creationId xmlns:p14="http://schemas.microsoft.com/office/powerpoint/2010/main" val="1751011168"/>
+      </p:ext>
+    </p:extLst>
+  </p:cSld>
+  <p:clrMapOvr>
+    <a:masterClrMapping/>
+  </p:clrMapOvr>
+</p:sld>
+</file>
+
+<file path=ppt/slides/slide42.xml><?xml version="1.0" encoding="utf-8"?>
+<p:sld xmlns:a="http://schemas.openxmlformats.org/drawingml/2006/main" xmlns:r="http://schemas.openxmlformats.org/officeDocument/2006/relationships" xmlns:p="http://schemas.openxmlformats.org/presentationml/2006/main">
+  <p:cSld>
+    <p:bg>
+      <p:bgPr>
+        <a:blipFill dpi="0" rotWithShape="1">
+          <a:blip r:embed="rId3">
+            <a:alphaModFix amt="99000"/>
+            <a:lum/>
+          </a:blip>
+          <a:srcRect/>
+          <a:stretch>
+            <a:fillRect t="89000" r="85000" b="-1000"/>
+          </a:stretch>
+        </a:blipFill>
+        <a:effectLst/>
+      </p:bgPr>
+    </p:bg>
+    <p:spTree>
+      <p:nvGrpSpPr>
+        <p:cNvPr id="1" name=""/>
+        <p:cNvGrpSpPr/>
+        <p:nvPr/>
+      </p:nvGrpSpPr>
+      <p:grpSpPr>
+        <a:xfrm>
+          <a:off x="0" y="0"/>
+          <a:ext cx="0" cy="0"/>
+          <a:chOff x="0" y="0"/>
+          <a:chExt cx="0" cy="0"/>
+        </a:xfrm>
+      </p:grpSpPr>
+      <p:sp>
+        <p:nvSpPr>
+          <p:cNvPr id="2" name="Title 1">
+            <a:extLst>
+              <a:ext uri="{FF2B5EF4-FFF2-40B4-BE49-F238E27FC236}">
+                <a16:creationId xmlns:a16="http://schemas.microsoft.com/office/drawing/2014/main" id="{6A3DCE86-C2BA-4713-9E7A-73589E8D6CCF}"/>
+              </a:ext>
+            </a:extLst>
+          </p:cNvPr>
+          <p:cNvSpPr>
+            <a:spLocks noGrp="1"/>
+          </p:cNvSpPr>
+          <p:nvPr>
+            <p:ph type="ctrTitle"/>
+          </p:nvPr>
+        </p:nvSpPr>
+        <p:spPr>
+          <a:xfrm>
+            <a:off x="1524000" y="497150"/>
+            <a:ext cx="9144000" cy="718459"/>
+          </a:xfrm>
+        </p:spPr>
+        <p:txBody>
+          <a:bodyPr>
+            <a:noAutofit/>
+          </a:bodyPr>
+          <a:lstStyle/>
+          <a:p>
+            <a:r>
+              <a:rPr lang="en-PH" sz="4000" b="1" dirty="0"/>
+              <a:t>Password Pattern Validation (Breakdown)</a:t>
+            </a:r>
+          </a:p>
+        </p:txBody>
+      </p:sp>
+      <p:sp>
+        <p:nvSpPr>
+          <p:cNvPr id="4" name="Footer Placeholder 3">
+            <a:extLst>
+              <a:ext uri="{FF2B5EF4-FFF2-40B4-BE49-F238E27FC236}">
+                <a16:creationId xmlns:a16="http://schemas.microsoft.com/office/drawing/2014/main" id="{638E7DE1-45EE-476A-A474-0F3C264AEDA3}"/>
+              </a:ext>
+            </a:extLst>
+          </p:cNvPr>
+          <p:cNvSpPr>
+            <a:spLocks noGrp="1"/>
+          </p:cNvSpPr>
+          <p:nvPr>
+            <p:ph type="ftr" sz="quarter" idx="11"/>
+          </p:nvPr>
+        </p:nvSpPr>
+        <p:spPr>
+          <a:xfrm>
+            <a:off x="0" y="6139541"/>
+            <a:ext cx="12192000" cy="718459"/>
+          </a:xfrm>
+          <a:ln w="28575">
+            <a:solidFill>
+              <a:schemeClr val="accent5">
+                <a:lumMod val="50000"/>
+              </a:schemeClr>
+            </a:solidFill>
+          </a:ln>
+        </p:spPr>
+        <p:txBody>
+          <a:bodyPr/>
+          <a:lstStyle/>
+          <a:p>
+            <a:pPr algn="r"/>
+            <a:r>
+              <a:rPr lang="en-PH" b="1" dirty="0">
+                <a:solidFill>
+                  <a:schemeClr val="tx1"/>
+                </a:solidFill>
+              </a:rPr>
+              <a:t>CCPRGG2L – Intermediate Programming</a:t>
+            </a:r>
+          </a:p>
+        </p:txBody>
+      </p:sp>
+      <p:sp>
+        <p:nvSpPr>
+          <p:cNvPr id="3" name="Title 1">
+            <a:extLst>
+              <a:ext uri="{FF2B5EF4-FFF2-40B4-BE49-F238E27FC236}">
+                <a16:creationId xmlns:a16="http://schemas.microsoft.com/office/drawing/2014/main" id="{6C30C3FD-9F67-8E4D-274C-38222F46C4C5}"/>
+              </a:ext>
+            </a:extLst>
+          </p:cNvPr>
+          <p:cNvSpPr txBox="1">
+            <a:spLocks/>
+          </p:cNvSpPr>
+          <p:nvPr/>
+        </p:nvSpPr>
+        <p:spPr>
+          <a:xfrm>
+            <a:off x="1524000" y="1516449"/>
+            <a:ext cx="9144000" cy="4290585"/>
+          </a:xfrm>
+          <a:prstGeom prst="rect">
+            <a:avLst/>
+          </a:prstGeom>
+        </p:spPr>
+        <p:txBody>
+          <a:bodyPr vert="horz" lIns="91440" tIns="45720" rIns="91440" bIns="45720" rtlCol="0" anchor="b">
+            <a:normAutofit fontScale="97500"/>
+          </a:bodyPr>
+          <a:lstStyle>
+            <a:lvl1pPr algn="ctr" defTabSz="914400" rtl="0" eaLnBrk="1" latinLnBrk="0" hangingPunct="1">
+              <a:lnSpc>
+                <a:spcPct val="90000"/>
+              </a:lnSpc>
+              <a:spcBef>
+                <a:spcPct val="0"/>
+              </a:spcBef>
+              <a:buNone/>
+              <a:defRPr sz="6000" kern="1200">
+                <a:solidFill>
+                  <a:schemeClr val="tx1"/>
+                </a:solidFill>
+                <a:latin typeface="+mj-lt"/>
+                <a:ea typeface="+mj-ea"/>
+                <a:cs typeface="+mj-cs"/>
+              </a:defRPr>
+            </a:lvl1pPr>
+          </a:lstStyle>
+          <a:p>
+            <a:pPr algn="l"/>
+            <a:endParaRPr lang="en-PH" sz="2600" dirty="0">
+              <a:latin typeface="Consolas" panose="020B0609020204030204" pitchFamily="49" charset="0"/>
+            </a:endParaRPr>
+          </a:p>
+          <a:p>
+            <a:pPr algn="l"/>
+            <a:r>
+              <a:rPr lang="en-PH" sz="2600" b="0" dirty="0">
+                <a:effectLst/>
+                <a:latin typeface="Consolas" panose="020B0609020204030204" pitchFamily="49" charset="0"/>
+              </a:rPr>
+              <a:t>                         </a:t>
+            </a:r>
+          </a:p>
+          <a:p>
+            <a:pPr algn="l"/>
+            <a:r>
+              <a:rPr lang="en-PH" sz="2600" b="0" dirty="0">
+                <a:effectLst/>
+                <a:latin typeface="Consolas" panose="020B0609020204030204" pitchFamily="49" charset="0"/>
+              </a:rPr>
+              <a:t>        </a:t>
+            </a:r>
+          </a:p>
+          <a:p>
+            <a:pPr algn="l"/>
+            <a:endParaRPr lang="en-PH" sz="2600" b="0" dirty="0">
+              <a:effectLst/>
+              <a:latin typeface="Consolas" panose="020B0609020204030204" pitchFamily="49" charset="0"/>
+            </a:endParaRPr>
+          </a:p>
+          <a:p>
+            <a:pPr algn="l"/>
+            <a:endParaRPr lang="en-PH" sz="2000" dirty="0">
+              <a:latin typeface="Consolas" panose="020B0609020204030204" pitchFamily="49" charset="0"/>
+            </a:endParaRPr>
+          </a:p>
+          <a:p>
+            <a:pPr algn="l"/>
+            <a:endParaRPr lang="en-PH" sz="2000" b="0" dirty="0">
+              <a:effectLst/>
+              <a:latin typeface="Consolas" panose="020B0609020204030204" pitchFamily="49" charset="0"/>
+            </a:endParaRPr>
+          </a:p>
+          <a:p>
+            <a:pPr algn="l"/>
+            <a:endParaRPr lang="en-PH" sz="2000" dirty="0">
+              <a:latin typeface="Consolas" panose="020B0609020204030204" pitchFamily="49" charset="0"/>
+            </a:endParaRPr>
+          </a:p>
+          <a:p>
+            <a:pPr algn="l"/>
+            <a:endParaRPr lang="en-PH" sz="2000" b="0" dirty="0">
+              <a:effectLst/>
+              <a:latin typeface="Consolas" panose="020B0609020204030204" pitchFamily="49" charset="0"/>
+            </a:endParaRPr>
+          </a:p>
+          <a:p>
+            <a:pPr algn="l"/>
+            <a:endParaRPr lang="en-PH" sz="2000" dirty="0">
+              <a:latin typeface="Consolas" panose="020B0609020204030204" pitchFamily="49" charset="0"/>
+            </a:endParaRPr>
+          </a:p>
+          <a:p>
+            <a:pPr algn="l"/>
+            <a:endParaRPr lang="en-PH" sz="2000" b="0" dirty="0">
+              <a:effectLst/>
+              <a:latin typeface="Consolas" panose="020B0609020204030204" pitchFamily="49" charset="0"/>
+            </a:endParaRPr>
+          </a:p>
+          <a:p>
+            <a:pPr algn="l"/>
+            <a:endParaRPr lang="en-PH" sz="2000" b="0" dirty="0">
+              <a:effectLst/>
+              <a:latin typeface="Consolas" panose="020B0609020204030204" pitchFamily="49" charset="0"/>
+            </a:endParaRPr>
+          </a:p>
+          <a:p>
+            <a:pPr algn="l"/>
+            <a:endParaRPr lang="en-PH" sz="2000" dirty="0">
+              <a:latin typeface="Consolas" panose="020B0609020204030204" pitchFamily="49" charset="0"/>
+            </a:endParaRPr>
+          </a:p>
+          <a:p>
+            <a:pPr algn="l"/>
+            <a:endParaRPr lang="en-PH" sz="2000" b="0" dirty="0">
+              <a:effectLst/>
+              <a:latin typeface="Consolas" panose="020B0609020204030204" pitchFamily="49" charset="0"/>
+            </a:endParaRPr>
+          </a:p>
+          <a:p>
+            <a:pPr algn="l"/>
+            <a:endParaRPr lang="en-PH" sz="2000" b="0" dirty="0">
+              <a:effectLst/>
+              <a:latin typeface="Consolas" panose="020B0609020204030204" pitchFamily="49" charset="0"/>
+            </a:endParaRPr>
+          </a:p>
+        </p:txBody>
+      </p:sp>
+      <p:sp>
+        <p:nvSpPr>
+          <p:cNvPr id="13" name="TextBox 12">
+            <a:extLst>
+              <a:ext uri="{FF2B5EF4-FFF2-40B4-BE49-F238E27FC236}">
+                <a16:creationId xmlns:a16="http://schemas.microsoft.com/office/drawing/2014/main" id="{3900C14F-041A-7E06-AEB2-454CF583C656}"/>
+              </a:ext>
+            </a:extLst>
+          </p:cNvPr>
+          <p:cNvSpPr txBox="1"/>
+          <p:nvPr/>
+        </p:nvSpPr>
+        <p:spPr>
+          <a:xfrm>
+            <a:off x="1294271" y="3067065"/>
+            <a:ext cx="787400" cy="369332"/>
+          </a:xfrm>
+          <a:prstGeom prst="rect">
+            <a:avLst/>
+          </a:prstGeom>
+          <a:noFill/>
+        </p:spPr>
+        <p:txBody>
+          <a:bodyPr wrap="square" rtlCol="0">
+            <a:spAutoFit/>
+          </a:bodyPr>
+          <a:lstStyle/>
+          <a:p>
+            <a:endParaRPr lang="en-PH" dirty="0"/>
+          </a:p>
+        </p:txBody>
+      </p:sp>
+      <p:sp>
+        <p:nvSpPr>
+          <p:cNvPr id="14" name="TextBox 13">
+            <a:extLst>
+              <a:ext uri="{FF2B5EF4-FFF2-40B4-BE49-F238E27FC236}">
+                <a16:creationId xmlns:a16="http://schemas.microsoft.com/office/drawing/2014/main" id="{75652A3C-2B5F-3EDF-F7EB-D0C6328EDA8C}"/>
+              </a:ext>
+            </a:extLst>
+          </p:cNvPr>
+          <p:cNvSpPr txBox="1"/>
+          <p:nvPr/>
+        </p:nvSpPr>
+        <p:spPr>
+          <a:xfrm>
+            <a:off x="1879297" y="1459858"/>
+            <a:ext cx="8433405" cy="784830"/>
+          </a:xfrm>
+          <a:prstGeom prst="rect">
+            <a:avLst/>
+          </a:prstGeom>
+          <a:noFill/>
+        </p:spPr>
+        <p:txBody>
+          <a:bodyPr wrap="square" rtlCol="0">
+            <a:spAutoFit/>
+          </a:bodyPr>
+          <a:lstStyle/>
+          <a:p>
+            <a:pPr algn="ctr"/>
+            <a:r>
+              <a:rPr lang="en-PH" sz="3900" b="1" i="0" dirty="0">
+                <a:solidFill>
+                  <a:srgbClr val="00B050"/>
+                </a:solidFill>
+                <a:effectLst/>
+                <a:latin typeface="Calibri (Body)"/>
+              </a:rPr>
+              <a:t>^</a:t>
+            </a:r>
+            <a:r>
+              <a:rPr lang="en-PH" sz="3900" b="1" i="0" dirty="0">
+                <a:effectLst/>
+                <a:latin typeface="Calibri (Body)"/>
+              </a:rPr>
+              <a:t>(</a:t>
+            </a:r>
+            <a:r>
+              <a:rPr lang="pl-PL" sz="3900" b="1" i="0" dirty="0">
+                <a:effectLst/>
+                <a:latin typeface="Calibri (Body)"/>
+              </a:rPr>
+              <a:t>?=.*[A-Za-z</a:t>
+            </a:r>
+            <a:r>
+              <a:rPr lang="pl-PL" sz="4500" b="1" i="0" dirty="0">
+                <a:effectLst/>
+                <a:latin typeface="Calibri (Body)"/>
+              </a:rPr>
+              <a:t>])(?=.*\</a:t>
+            </a:r>
+            <a:r>
+              <a:rPr lang="pl-PL" sz="3900" b="1" i="0" dirty="0">
+                <a:effectLst/>
+                <a:latin typeface="Calibri (Body)"/>
+              </a:rPr>
+              <a:t>d)</a:t>
+            </a:r>
+            <a:r>
+              <a:rPr lang="en-PH" sz="3900" b="1" i="0" dirty="0">
+                <a:effectLst/>
+                <a:latin typeface="Calibri (Body)"/>
+              </a:rPr>
+              <a:t>.{</a:t>
+            </a:r>
+            <a:r>
+              <a:rPr lang="pl-PL" sz="3900" b="1" i="0" dirty="0">
+                <a:effectLst/>
+                <a:latin typeface="Calibri (Body)"/>
+              </a:rPr>
+              <a:t>8,}</a:t>
+            </a:r>
+            <a:r>
+              <a:rPr lang="pl-PL" sz="3900" b="1" i="0" dirty="0">
+                <a:solidFill>
+                  <a:srgbClr val="00B050"/>
+                </a:solidFill>
+                <a:effectLst/>
+                <a:latin typeface="Calibri (Body)"/>
+              </a:rPr>
+              <a:t>$</a:t>
+            </a:r>
+            <a:endParaRPr lang="en-PH" sz="3900" b="1" dirty="0">
+              <a:solidFill>
+                <a:srgbClr val="00B050"/>
+              </a:solidFill>
+              <a:latin typeface="Calibri (Body)"/>
+            </a:endParaRPr>
+          </a:p>
+        </p:txBody>
+      </p:sp>
+      <p:sp>
+        <p:nvSpPr>
+          <p:cNvPr id="6" name="TextBox 5">
+            <a:extLst>
+              <a:ext uri="{FF2B5EF4-FFF2-40B4-BE49-F238E27FC236}">
+                <a16:creationId xmlns:a16="http://schemas.microsoft.com/office/drawing/2014/main" id="{32982D29-C90A-6F34-28E3-7FB2939CF7C0}"/>
+              </a:ext>
+            </a:extLst>
+          </p:cNvPr>
+          <p:cNvSpPr txBox="1"/>
+          <p:nvPr/>
+        </p:nvSpPr>
+        <p:spPr>
+          <a:xfrm>
+            <a:off x="2081670" y="2856116"/>
+            <a:ext cx="8433405" cy="923330"/>
+          </a:xfrm>
+          <a:prstGeom prst="rect">
+            <a:avLst/>
+          </a:prstGeom>
+          <a:noFill/>
+        </p:spPr>
+        <p:txBody>
+          <a:bodyPr wrap="square" rtlCol="0">
+            <a:spAutoFit/>
+          </a:bodyPr>
+          <a:lstStyle/>
+          <a:p>
+            <a:r>
+              <a:rPr lang="en-PH" b="1" dirty="0"/>
+              <a:t>Caret and Dollar</a:t>
+            </a:r>
+          </a:p>
+          <a:p>
+            <a:r>
+              <a:rPr lang="en-PH" dirty="0"/>
+              <a:t>- </a:t>
+            </a:r>
+            <a:r>
+              <a:rPr lang="en-PH" b="1" dirty="0"/>
+              <a:t>Optional</a:t>
+            </a:r>
+            <a:r>
+              <a:rPr lang="en-PH" dirty="0"/>
+              <a:t>. In this example, it only indicates that the start and end of the password can be any character. </a:t>
+            </a:r>
+          </a:p>
+        </p:txBody>
+      </p:sp>
+    </p:spTree>
+    <p:extLst>
+      <p:ext uri="{BB962C8B-B14F-4D97-AF65-F5344CB8AC3E}">
+        <p14:creationId xmlns:p14="http://schemas.microsoft.com/office/powerpoint/2010/main" val="683824700"/>
       </p:ext>
     </p:extLst>
   </p:cSld>

--- a/week_4/Regular Expressions.pptx
+++ b/week_4/Regular Expressions.pptx
@@ -5,7 +5,7 @@
     <p:sldMasterId id="2147483648" r:id="rId1"/>
   </p:sldMasterIdLst>
   <p:notesMasterIdLst>
-    <p:notesMasterId r:id="rId44"/>
+    <p:notesMasterId r:id="rId45"/>
   </p:notesMasterIdLst>
   <p:sldIdLst>
     <p:sldId id="257" r:id="rId2"/>
@@ -50,6 +50,7 @@
     <p:sldId id="369" r:id="rId41"/>
     <p:sldId id="370" r:id="rId42"/>
     <p:sldId id="371" r:id="rId43"/>
+    <p:sldId id="373" r:id="rId44"/>
   </p:sldIdLst>
   <p:sldSz cx="12192000" cy="6858000"/>
   <p:notesSz cx="6858000" cy="9144000"/>
@@ -246,7 +247,7 @@
           <a:p>
             <a:fld id="{F666E1FD-E7A0-497B-BBC0-740BAAC97C64}" type="datetimeFigureOut">
               <a:rPr lang="en-PH" smtClean="0"/>
-              <a:t>09/01/2023</a:t>
+              <a:t>10/01/2023</a:t>
             </a:fld>
             <a:endParaRPr lang="en-PH"/>
           </a:p>
@@ -3631,6 +3632,90 @@
 </p:notes>
 </file>
 
+<file path=ppt/notesSlides/notesSlide43.xml><?xml version="1.0" encoding="utf-8"?>
+<p:notes xmlns:a="http://schemas.openxmlformats.org/drawingml/2006/main" xmlns:r="http://schemas.openxmlformats.org/officeDocument/2006/relationships" xmlns:p="http://schemas.openxmlformats.org/presentationml/2006/main">
+  <p:cSld>
+    <p:spTree>
+      <p:nvGrpSpPr>
+        <p:cNvPr id="1" name=""/>
+        <p:cNvGrpSpPr/>
+        <p:nvPr/>
+      </p:nvGrpSpPr>
+      <p:grpSpPr>
+        <a:xfrm>
+          <a:off x="0" y="0"/>
+          <a:ext cx="0" cy="0"/>
+          <a:chOff x="0" y="0"/>
+          <a:chExt cx="0" cy="0"/>
+        </a:xfrm>
+      </p:grpSpPr>
+      <p:sp>
+        <p:nvSpPr>
+          <p:cNvPr id="2" name="Slide Image Placeholder 1"/>
+          <p:cNvSpPr>
+            <a:spLocks noGrp="1" noRot="1" noChangeAspect="1"/>
+          </p:cNvSpPr>
+          <p:nvPr>
+            <p:ph type="sldImg"/>
+          </p:nvPr>
+        </p:nvSpPr>
+        <p:spPr/>
+      </p:sp>
+      <p:sp>
+        <p:nvSpPr>
+          <p:cNvPr id="3" name="Notes Placeholder 2"/>
+          <p:cNvSpPr>
+            <a:spLocks noGrp="1"/>
+          </p:cNvSpPr>
+          <p:nvPr>
+            <p:ph type="body" idx="1"/>
+          </p:nvPr>
+        </p:nvSpPr>
+        <p:spPr/>
+        <p:txBody>
+          <a:bodyPr/>
+          <a:lstStyle/>
+          <a:p>
+            <a:endParaRPr lang="en-PH" dirty="0"/>
+          </a:p>
+        </p:txBody>
+      </p:sp>
+      <p:sp>
+        <p:nvSpPr>
+          <p:cNvPr id="4" name="Slide Number Placeholder 3"/>
+          <p:cNvSpPr>
+            <a:spLocks noGrp="1"/>
+          </p:cNvSpPr>
+          <p:nvPr>
+            <p:ph type="sldNum" sz="quarter" idx="5"/>
+          </p:nvPr>
+        </p:nvSpPr>
+        <p:spPr/>
+        <p:txBody>
+          <a:bodyPr/>
+          <a:lstStyle/>
+          <a:p>
+            <a:fld id="{FE90CCE9-4AAE-4E1F-85AD-521A406D6524}" type="slidenum">
+              <a:rPr lang="en-PH" smtClean="0"/>
+              <a:t>43</a:t>
+            </a:fld>
+            <a:endParaRPr lang="en-PH"/>
+          </a:p>
+        </p:txBody>
+      </p:sp>
+    </p:spTree>
+    <p:extLst>
+      <p:ext uri="{BB962C8B-B14F-4D97-AF65-F5344CB8AC3E}">
+        <p14:creationId xmlns:p14="http://schemas.microsoft.com/office/powerpoint/2010/main" val="1041965096"/>
+      </p:ext>
+    </p:extLst>
+  </p:cSld>
+  <p:clrMapOvr>
+    <a:masterClrMapping/>
+  </p:clrMapOvr>
+</p:notes>
+</file>
+
 <file path=ppt/notesSlides/notesSlide5.xml><?xml version="1.0" encoding="utf-8"?>
 <p:notes xmlns:a="http://schemas.openxmlformats.org/drawingml/2006/main" xmlns:r="http://schemas.openxmlformats.org/officeDocument/2006/relationships" xmlns:p="http://schemas.openxmlformats.org/presentationml/2006/main">
   <p:cSld>
@@ -4209,7 +4294,7 @@
           <a:p>
             <a:fld id="{0CCF0B81-6BD8-4C65-9459-815598C5F1F4}" type="datetimeFigureOut">
               <a:rPr lang="en-PH" smtClean="0"/>
-              <a:t>09/01/2023</a:t>
+              <a:t>10/01/2023</a:t>
             </a:fld>
             <a:endParaRPr lang="en-PH"/>
           </a:p>
@@ -4409,7 +4494,7 @@
           <a:p>
             <a:fld id="{0CCF0B81-6BD8-4C65-9459-815598C5F1F4}" type="datetimeFigureOut">
               <a:rPr lang="en-PH" smtClean="0"/>
-              <a:t>09/01/2023</a:t>
+              <a:t>10/01/2023</a:t>
             </a:fld>
             <a:endParaRPr lang="en-PH"/>
           </a:p>
@@ -4619,7 +4704,7 @@
           <a:p>
             <a:fld id="{0CCF0B81-6BD8-4C65-9459-815598C5F1F4}" type="datetimeFigureOut">
               <a:rPr lang="en-PH" smtClean="0"/>
-              <a:t>09/01/2023</a:t>
+              <a:t>10/01/2023</a:t>
             </a:fld>
             <a:endParaRPr lang="en-PH"/>
           </a:p>
@@ -4819,7 +4904,7 @@
           <a:p>
             <a:fld id="{0CCF0B81-6BD8-4C65-9459-815598C5F1F4}" type="datetimeFigureOut">
               <a:rPr lang="en-PH" smtClean="0"/>
-              <a:t>09/01/2023</a:t>
+              <a:t>10/01/2023</a:t>
             </a:fld>
             <a:endParaRPr lang="en-PH"/>
           </a:p>
@@ -5095,7 +5180,7 @@
           <a:p>
             <a:fld id="{0CCF0B81-6BD8-4C65-9459-815598C5F1F4}" type="datetimeFigureOut">
               <a:rPr lang="en-PH" smtClean="0"/>
-              <a:t>09/01/2023</a:t>
+              <a:t>10/01/2023</a:t>
             </a:fld>
             <a:endParaRPr lang="en-PH"/>
           </a:p>
@@ -5363,7 +5448,7 @@
           <a:p>
             <a:fld id="{0CCF0B81-6BD8-4C65-9459-815598C5F1F4}" type="datetimeFigureOut">
               <a:rPr lang="en-PH" smtClean="0"/>
-              <a:t>09/01/2023</a:t>
+              <a:t>10/01/2023</a:t>
             </a:fld>
             <a:endParaRPr lang="en-PH"/>
           </a:p>
@@ -5778,7 +5863,7 @@
           <a:p>
             <a:fld id="{0CCF0B81-6BD8-4C65-9459-815598C5F1F4}" type="datetimeFigureOut">
               <a:rPr lang="en-PH" smtClean="0"/>
-              <a:t>09/01/2023</a:t>
+              <a:t>10/01/2023</a:t>
             </a:fld>
             <a:endParaRPr lang="en-PH"/>
           </a:p>
@@ -5920,7 +6005,7 @@
           <a:p>
             <a:fld id="{0CCF0B81-6BD8-4C65-9459-815598C5F1F4}" type="datetimeFigureOut">
               <a:rPr lang="en-PH" smtClean="0"/>
-              <a:t>09/01/2023</a:t>
+              <a:t>10/01/2023</a:t>
             </a:fld>
             <a:endParaRPr lang="en-PH"/>
           </a:p>
@@ -6033,7 +6118,7 @@
           <a:p>
             <a:fld id="{0CCF0B81-6BD8-4C65-9459-815598C5F1F4}" type="datetimeFigureOut">
               <a:rPr lang="en-PH" smtClean="0"/>
-              <a:t>09/01/2023</a:t>
+              <a:t>10/01/2023</a:t>
             </a:fld>
             <a:endParaRPr lang="en-PH"/>
           </a:p>
@@ -6346,7 +6431,7 @@
           <a:p>
             <a:fld id="{0CCF0B81-6BD8-4C65-9459-815598C5F1F4}" type="datetimeFigureOut">
               <a:rPr lang="en-PH" smtClean="0"/>
-              <a:t>09/01/2023</a:t>
+              <a:t>10/01/2023</a:t>
             </a:fld>
             <a:endParaRPr lang="en-PH"/>
           </a:p>
@@ -6635,7 +6720,7 @@
           <a:p>
             <a:fld id="{0CCF0B81-6BD8-4C65-9459-815598C5F1F4}" type="datetimeFigureOut">
               <a:rPr lang="en-PH" smtClean="0"/>
-              <a:t>09/01/2023</a:t>
+              <a:t>10/01/2023</a:t>
             </a:fld>
             <a:endParaRPr lang="en-PH"/>
           </a:p>
@@ -6878,7 +6963,7 @@
           <a:p>
             <a:fld id="{0CCF0B81-6BD8-4C65-9459-815598C5F1F4}" type="datetimeFigureOut">
               <a:rPr lang="en-PH" smtClean="0"/>
-              <a:t>09/01/2023</a:t>
+              <a:t>10/01/2023</a:t>
             </a:fld>
             <a:endParaRPr lang="en-PH"/>
           </a:p>
@@ -22945,6 +23030,373 @@
     <p:extLst>
       <p:ext uri="{BB962C8B-B14F-4D97-AF65-F5344CB8AC3E}">
         <p14:creationId xmlns:p14="http://schemas.microsoft.com/office/powerpoint/2010/main" val="683824700"/>
+      </p:ext>
+    </p:extLst>
+  </p:cSld>
+  <p:clrMapOvr>
+    <a:masterClrMapping/>
+  </p:clrMapOvr>
+</p:sld>
+</file>
+
+<file path=ppt/slides/slide43.xml><?xml version="1.0" encoding="utf-8"?>
+<p:sld xmlns:a="http://schemas.openxmlformats.org/drawingml/2006/main" xmlns:r="http://schemas.openxmlformats.org/officeDocument/2006/relationships" xmlns:p="http://schemas.openxmlformats.org/presentationml/2006/main">
+  <p:cSld>
+    <p:bg>
+      <p:bgPr>
+        <a:blipFill dpi="0" rotWithShape="1">
+          <a:blip r:embed="rId3">
+            <a:alphaModFix amt="99000"/>
+            <a:lum/>
+          </a:blip>
+          <a:srcRect/>
+          <a:stretch>
+            <a:fillRect t="89000" r="85000" b="-1000"/>
+          </a:stretch>
+        </a:blipFill>
+        <a:effectLst/>
+      </p:bgPr>
+    </p:bg>
+    <p:spTree>
+      <p:nvGrpSpPr>
+        <p:cNvPr id="1" name=""/>
+        <p:cNvGrpSpPr/>
+        <p:nvPr/>
+      </p:nvGrpSpPr>
+      <p:grpSpPr>
+        <a:xfrm>
+          <a:off x="0" y="0"/>
+          <a:ext cx="0" cy="0"/>
+          <a:chOff x="0" y="0"/>
+          <a:chExt cx="0" cy="0"/>
+        </a:xfrm>
+      </p:grpSpPr>
+      <p:sp>
+        <p:nvSpPr>
+          <p:cNvPr id="2" name="Title 1">
+            <a:extLst>
+              <a:ext uri="{FF2B5EF4-FFF2-40B4-BE49-F238E27FC236}">
+                <a16:creationId xmlns:a16="http://schemas.microsoft.com/office/drawing/2014/main" id="{6A3DCE86-C2BA-4713-9E7A-73589E8D6CCF}"/>
+              </a:ext>
+            </a:extLst>
+          </p:cNvPr>
+          <p:cNvSpPr>
+            <a:spLocks noGrp="1"/>
+          </p:cNvSpPr>
+          <p:nvPr>
+            <p:ph type="ctrTitle"/>
+          </p:nvPr>
+        </p:nvSpPr>
+        <p:spPr>
+          <a:xfrm>
+            <a:off x="1524000" y="497150"/>
+            <a:ext cx="9144000" cy="718459"/>
+          </a:xfrm>
+        </p:spPr>
+        <p:txBody>
+          <a:bodyPr>
+            <a:noAutofit/>
+          </a:bodyPr>
+          <a:lstStyle/>
+          <a:p>
+            <a:r>
+              <a:rPr lang="en-PH" sz="4000" b="1" dirty="0"/>
+              <a:t>Password Pattern Validation (Breakdown)</a:t>
+            </a:r>
+          </a:p>
+        </p:txBody>
+      </p:sp>
+      <p:sp>
+        <p:nvSpPr>
+          <p:cNvPr id="4" name="Footer Placeholder 3">
+            <a:extLst>
+              <a:ext uri="{FF2B5EF4-FFF2-40B4-BE49-F238E27FC236}">
+                <a16:creationId xmlns:a16="http://schemas.microsoft.com/office/drawing/2014/main" id="{638E7DE1-45EE-476A-A474-0F3C264AEDA3}"/>
+              </a:ext>
+            </a:extLst>
+          </p:cNvPr>
+          <p:cNvSpPr>
+            <a:spLocks noGrp="1"/>
+          </p:cNvSpPr>
+          <p:nvPr>
+            <p:ph type="ftr" sz="quarter" idx="11"/>
+          </p:nvPr>
+        </p:nvSpPr>
+        <p:spPr>
+          <a:xfrm>
+            <a:off x="0" y="6139541"/>
+            <a:ext cx="12192000" cy="718459"/>
+          </a:xfrm>
+          <a:ln w="28575">
+            <a:solidFill>
+              <a:schemeClr val="accent5">
+                <a:lumMod val="50000"/>
+              </a:schemeClr>
+            </a:solidFill>
+          </a:ln>
+        </p:spPr>
+        <p:txBody>
+          <a:bodyPr/>
+          <a:lstStyle/>
+          <a:p>
+            <a:pPr algn="r"/>
+            <a:r>
+              <a:rPr lang="en-PH" b="1" dirty="0">
+                <a:solidFill>
+                  <a:schemeClr val="tx1"/>
+                </a:solidFill>
+              </a:rPr>
+              <a:t>CCPRGG2L – Intermediate Programming</a:t>
+            </a:r>
+          </a:p>
+        </p:txBody>
+      </p:sp>
+      <p:sp>
+        <p:nvSpPr>
+          <p:cNvPr id="3" name="Title 1">
+            <a:extLst>
+              <a:ext uri="{FF2B5EF4-FFF2-40B4-BE49-F238E27FC236}">
+                <a16:creationId xmlns:a16="http://schemas.microsoft.com/office/drawing/2014/main" id="{6C30C3FD-9F67-8E4D-274C-38222F46C4C5}"/>
+              </a:ext>
+            </a:extLst>
+          </p:cNvPr>
+          <p:cNvSpPr txBox="1">
+            <a:spLocks/>
+          </p:cNvSpPr>
+          <p:nvPr/>
+        </p:nvSpPr>
+        <p:spPr>
+          <a:xfrm>
+            <a:off x="1524000" y="1516449"/>
+            <a:ext cx="9144000" cy="4290585"/>
+          </a:xfrm>
+          <a:prstGeom prst="rect">
+            <a:avLst/>
+          </a:prstGeom>
+        </p:spPr>
+        <p:txBody>
+          <a:bodyPr vert="horz" lIns="91440" tIns="45720" rIns="91440" bIns="45720" rtlCol="0" anchor="b">
+            <a:normAutofit fontScale="97500"/>
+          </a:bodyPr>
+          <a:lstStyle>
+            <a:lvl1pPr algn="ctr" defTabSz="914400" rtl="0" eaLnBrk="1" latinLnBrk="0" hangingPunct="1">
+              <a:lnSpc>
+                <a:spcPct val="90000"/>
+              </a:lnSpc>
+              <a:spcBef>
+                <a:spcPct val="0"/>
+              </a:spcBef>
+              <a:buNone/>
+              <a:defRPr sz="6000" kern="1200">
+                <a:solidFill>
+                  <a:schemeClr val="tx1"/>
+                </a:solidFill>
+                <a:latin typeface="+mj-lt"/>
+                <a:ea typeface="+mj-ea"/>
+                <a:cs typeface="+mj-cs"/>
+              </a:defRPr>
+            </a:lvl1pPr>
+          </a:lstStyle>
+          <a:p>
+            <a:pPr algn="l"/>
+            <a:endParaRPr lang="en-PH" sz="2600" dirty="0">
+              <a:latin typeface="Consolas" panose="020B0609020204030204" pitchFamily="49" charset="0"/>
+            </a:endParaRPr>
+          </a:p>
+          <a:p>
+            <a:pPr algn="l"/>
+            <a:r>
+              <a:rPr lang="en-PH" sz="2600" b="0" dirty="0">
+                <a:effectLst/>
+                <a:latin typeface="Consolas" panose="020B0609020204030204" pitchFamily="49" charset="0"/>
+              </a:rPr>
+              <a:t>                         </a:t>
+            </a:r>
+          </a:p>
+          <a:p>
+            <a:pPr algn="l"/>
+            <a:r>
+              <a:rPr lang="en-PH" sz="2600" b="0" dirty="0">
+                <a:effectLst/>
+                <a:latin typeface="Consolas" panose="020B0609020204030204" pitchFamily="49" charset="0"/>
+              </a:rPr>
+              <a:t>        </a:t>
+            </a:r>
+          </a:p>
+          <a:p>
+            <a:pPr algn="l"/>
+            <a:endParaRPr lang="en-PH" sz="2600" b="0" dirty="0">
+              <a:effectLst/>
+              <a:latin typeface="Consolas" panose="020B0609020204030204" pitchFamily="49" charset="0"/>
+            </a:endParaRPr>
+          </a:p>
+          <a:p>
+            <a:pPr algn="l"/>
+            <a:endParaRPr lang="en-PH" sz="2000" dirty="0">
+              <a:latin typeface="Consolas" panose="020B0609020204030204" pitchFamily="49" charset="0"/>
+            </a:endParaRPr>
+          </a:p>
+          <a:p>
+            <a:pPr algn="l"/>
+            <a:endParaRPr lang="en-PH" sz="2000" b="0" dirty="0">
+              <a:effectLst/>
+              <a:latin typeface="Consolas" panose="020B0609020204030204" pitchFamily="49" charset="0"/>
+            </a:endParaRPr>
+          </a:p>
+          <a:p>
+            <a:pPr algn="l"/>
+            <a:endParaRPr lang="en-PH" sz="2000" dirty="0">
+              <a:latin typeface="Consolas" panose="020B0609020204030204" pitchFamily="49" charset="0"/>
+            </a:endParaRPr>
+          </a:p>
+          <a:p>
+            <a:pPr algn="l"/>
+            <a:endParaRPr lang="en-PH" sz="2000" b="0" dirty="0">
+              <a:effectLst/>
+              <a:latin typeface="Consolas" panose="020B0609020204030204" pitchFamily="49" charset="0"/>
+            </a:endParaRPr>
+          </a:p>
+          <a:p>
+            <a:pPr algn="l"/>
+            <a:endParaRPr lang="en-PH" sz="2000" dirty="0">
+              <a:latin typeface="Consolas" panose="020B0609020204030204" pitchFamily="49" charset="0"/>
+            </a:endParaRPr>
+          </a:p>
+          <a:p>
+            <a:pPr algn="l"/>
+            <a:endParaRPr lang="en-PH" sz="2000" b="0" dirty="0">
+              <a:effectLst/>
+              <a:latin typeface="Consolas" panose="020B0609020204030204" pitchFamily="49" charset="0"/>
+            </a:endParaRPr>
+          </a:p>
+          <a:p>
+            <a:pPr algn="l"/>
+            <a:endParaRPr lang="en-PH" sz="2000" b="0" dirty="0">
+              <a:effectLst/>
+              <a:latin typeface="Consolas" panose="020B0609020204030204" pitchFamily="49" charset="0"/>
+            </a:endParaRPr>
+          </a:p>
+          <a:p>
+            <a:pPr algn="l"/>
+            <a:endParaRPr lang="en-PH" sz="2000" dirty="0">
+              <a:latin typeface="Consolas" panose="020B0609020204030204" pitchFamily="49" charset="0"/>
+            </a:endParaRPr>
+          </a:p>
+          <a:p>
+            <a:pPr algn="l"/>
+            <a:endParaRPr lang="en-PH" sz="2000" b="0" dirty="0">
+              <a:effectLst/>
+              <a:latin typeface="Consolas" panose="020B0609020204030204" pitchFamily="49" charset="0"/>
+            </a:endParaRPr>
+          </a:p>
+          <a:p>
+            <a:pPr algn="l"/>
+            <a:endParaRPr lang="en-PH" sz="2000" b="0" dirty="0">
+              <a:effectLst/>
+              <a:latin typeface="Consolas" panose="020B0609020204030204" pitchFamily="49" charset="0"/>
+            </a:endParaRPr>
+          </a:p>
+        </p:txBody>
+      </p:sp>
+      <p:sp>
+        <p:nvSpPr>
+          <p:cNvPr id="13" name="TextBox 12">
+            <a:extLst>
+              <a:ext uri="{FF2B5EF4-FFF2-40B4-BE49-F238E27FC236}">
+                <a16:creationId xmlns:a16="http://schemas.microsoft.com/office/drawing/2014/main" id="{3900C14F-041A-7E06-AEB2-454CF583C656}"/>
+              </a:ext>
+            </a:extLst>
+          </p:cNvPr>
+          <p:cNvSpPr txBox="1"/>
+          <p:nvPr/>
+        </p:nvSpPr>
+        <p:spPr>
+          <a:xfrm>
+            <a:off x="1294271" y="3067065"/>
+            <a:ext cx="787400" cy="369332"/>
+          </a:xfrm>
+          <a:prstGeom prst="rect">
+            <a:avLst/>
+          </a:prstGeom>
+          <a:noFill/>
+        </p:spPr>
+        <p:txBody>
+          <a:bodyPr wrap="square" rtlCol="0">
+            <a:spAutoFit/>
+          </a:bodyPr>
+          <a:lstStyle/>
+          <a:p>
+            <a:endParaRPr lang="en-PH" dirty="0"/>
+          </a:p>
+        </p:txBody>
+      </p:sp>
+      <p:sp>
+        <p:nvSpPr>
+          <p:cNvPr id="6" name="TextBox 5">
+            <a:extLst>
+              <a:ext uri="{FF2B5EF4-FFF2-40B4-BE49-F238E27FC236}">
+                <a16:creationId xmlns:a16="http://schemas.microsoft.com/office/drawing/2014/main" id="{32982D29-C90A-6F34-28E3-7FB2939CF7C0}"/>
+              </a:ext>
+            </a:extLst>
+          </p:cNvPr>
+          <p:cNvSpPr txBox="1"/>
+          <p:nvPr/>
+        </p:nvSpPr>
+        <p:spPr>
+          <a:xfrm>
+            <a:off x="1879297" y="1325729"/>
+            <a:ext cx="8433405" cy="1631216"/>
+          </a:xfrm>
+          <a:prstGeom prst="rect">
+            <a:avLst/>
+          </a:prstGeom>
+          <a:noFill/>
+        </p:spPr>
+        <p:txBody>
+          <a:bodyPr wrap="square" rtlCol="0">
+            <a:spAutoFit/>
+          </a:bodyPr>
+          <a:lstStyle/>
+          <a:p>
+            <a:endParaRPr lang="en-PH" sz="2500" dirty="0">
+              <a:latin typeface="Calibri (Body)"/>
+            </a:endParaRPr>
+          </a:p>
+          <a:p>
+            <a:pPr marL="342900" indent="-342900">
+              <a:buFont typeface="Wingdings" panose="05000000000000000000" pitchFamily="2" charset="2"/>
+              <a:buChar char="q"/>
+            </a:pPr>
+            <a:r>
+              <a:rPr lang="en-PH" sz="2500" dirty="0">
+                <a:latin typeface="Calibri (Body)"/>
+              </a:rPr>
+              <a:t>The password must contain at least one plus symbol. </a:t>
+            </a:r>
+          </a:p>
+          <a:p>
+            <a:endParaRPr lang="en-PH" sz="2500" dirty="0">
+              <a:latin typeface="Calibri (Body)"/>
+            </a:endParaRPr>
+          </a:p>
+          <a:p>
+            <a:pPr marL="342900" indent="-342900">
+              <a:buFont typeface="Wingdings" panose="05000000000000000000" pitchFamily="2" charset="2"/>
+              <a:buChar char="q"/>
+            </a:pPr>
+            <a:r>
+              <a:rPr lang="en-PH" sz="2500" dirty="0">
+                <a:latin typeface="Calibri (Body)"/>
+              </a:rPr>
+              <a:t>The password must contain at least 10 characters.</a:t>
+            </a:r>
+          </a:p>
+        </p:txBody>
+      </p:sp>
+    </p:spTree>
+    <p:extLst>
+      <p:ext uri="{BB962C8B-B14F-4D97-AF65-F5344CB8AC3E}">
+        <p14:creationId xmlns:p14="http://schemas.microsoft.com/office/powerpoint/2010/main" val="1944556279"/>
       </p:ext>
     </p:extLst>
   </p:cSld>

--- a/week_4/Regular Expressions.pptx
+++ b/week_4/Regular Expressions.pptx
@@ -11630,7 +11630,7 @@
                 </a:solidFill>
                 <a:latin typeface="Calibri (Body)"/>
               </a:rPr>
-              <a:t>aaaple</a:t>
+              <a:t>aaapple</a:t>
             </a:r>
             <a:endParaRPr lang="en-PH" sz="2500" b="1" dirty="0">
               <a:solidFill>
@@ -12395,7 +12395,7 @@
                 </a:solidFill>
                 <a:latin typeface="Calibri (Body)"/>
               </a:rPr>
-              <a:t>aaaple</a:t>
+              <a:t>aaapple</a:t>
             </a:r>
             <a:endParaRPr lang="en-PH" sz="2500" b="1" dirty="0">
               <a:solidFill>
@@ -14384,12 +14384,15 @@
                 </a:solidFill>
                 <a:latin typeface="Calibri (Body)"/>
               </a:rPr>
-              <a:t>?r</a:t>
-            </a:r>
-            <a:endParaRPr lang="en-PH" sz="2800" b="1" dirty="0">
-              <a:solidFill>
-                <a:srgbClr val="FF0000"/>
-              </a:solidFill>
+              <a:t>?</a:t>
+            </a:r>
+            <a:r>
+              <a:rPr lang="en-PH" sz="2800" dirty="0" err="1">
+                <a:latin typeface="Calibri (Body)"/>
+              </a:rPr>
+              <a:t>r</a:t>
+            </a:r>
+            <a:endParaRPr lang="en-PH" sz="2800" dirty="0">
               <a:latin typeface="Calibri (Body)"/>
             </a:endParaRPr>
           </a:p>
@@ -25361,11 +25364,11 @@
                   <a:srgbClr val="00B050"/>
                 </a:solidFill>
               </a:rPr>
-              <a:t>aeiou</a:t>
+              <a:t>aeioua</a:t>
             </a:r>
             <a:r>
               <a:rPr lang="en-PH" sz="2500" dirty="0" err="1"/>
-              <a:t>abc</a:t>
+              <a:t>bc</a:t>
             </a:r>
             <a:endParaRPr lang="en-PH" sz="2500" dirty="0"/>
           </a:p>
